--- a/반려동물관리서비스.pptx
+++ b/반려동물관리서비스.pptx
@@ -9,7 +9,8 @@
     <p:sldId id="282" r:id="rId3"/>
     <p:sldId id="281" r:id="rId4"/>
     <p:sldId id="283" r:id="rId5"/>
-    <p:sldId id="280" r:id="rId6"/>
+    <p:sldId id="284" r:id="rId6"/>
+    <p:sldId id="280" r:id="rId7"/>
   </p:sldIdLst>
   <p:sldSz cx="12192000" cy="6858000"/>
   <p:notesSz cx="6858000" cy="9144000"/>
@@ -133,7 +134,7 @@
           <p:cNvPr id="2" name="제목 1">
             <a:extLst>
               <a:ext uri="{FF2B5EF4-FFF2-40B4-BE49-F238E27FC236}">
-                <a16:creationId xmlns:a16="http://schemas.microsoft.com/office/drawing/2014/main" id="{9E5E4632-E9C2-430D-8860-5B671341959C}"/>
+                <a16:creationId xmlns:a16="http://schemas.microsoft.com/office/drawing/2014/main" xmlns="" id="{9E5E4632-E9C2-430D-8860-5B671341959C}"/>
               </a:ext>
             </a:extLst>
           </p:cNvPr>
@@ -170,7 +171,7 @@
           <p:cNvPr id="3" name="부제목 2">
             <a:extLst>
               <a:ext uri="{FF2B5EF4-FFF2-40B4-BE49-F238E27FC236}">
-                <a16:creationId xmlns:a16="http://schemas.microsoft.com/office/drawing/2014/main" id="{8516A487-29F9-4EB6-A4BF-CF7F6C176945}"/>
+                <a16:creationId xmlns:a16="http://schemas.microsoft.com/office/drawing/2014/main" xmlns="" id="{8516A487-29F9-4EB6-A4BF-CF7F6C176945}"/>
               </a:ext>
             </a:extLst>
           </p:cNvPr>
@@ -240,7 +241,7 @@
           <p:cNvPr id="4" name="날짜 개체 틀 3">
             <a:extLst>
               <a:ext uri="{FF2B5EF4-FFF2-40B4-BE49-F238E27FC236}">
-                <a16:creationId xmlns:a16="http://schemas.microsoft.com/office/drawing/2014/main" id="{5458794D-BF22-4D43-9B43-3407B0731DF3}"/>
+                <a16:creationId xmlns:a16="http://schemas.microsoft.com/office/drawing/2014/main" xmlns="" id="{5458794D-BF22-4D43-9B43-3407B0731DF3}"/>
               </a:ext>
             </a:extLst>
           </p:cNvPr>
@@ -258,7 +259,7 @@
           <a:p>
             <a:fld id="{FBA3136C-5D2A-4CBD-8BD6-8F11B10EE7D9}" type="datetimeFigureOut">
               <a:rPr lang="ko-KR" altLang="en-US" smtClean="0"/>
-              <a:t>2020-02-03</a:t>
+              <a:t>2020-02-04</a:t>
             </a:fld>
             <a:endParaRPr lang="ko-KR" altLang="en-US"/>
           </a:p>
@@ -269,7 +270,7 @@
           <p:cNvPr id="5" name="바닥글 개체 틀 4">
             <a:extLst>
               <a:ext uri="{FF2B5EF4-FFF2-40B4-BE49-F238E27FC236}">
-                <a16:creationId xmlns:a16="http://schemas.microsoft.com/office/drawing/2014/main" id="{B1CF189C-4CDA-41C3-A048-F232B4C4B8D2}"/>
+                <a16:creationId xmlns:a16="http://schemas.microsoft.com/office/drawing/2014/main" xmlns="" id="{B1CF189C-4CDA-41C3-A048-F232B4C4B8D2}"/>
               </a:ext>
             </a:extLst>
           </p:cNvPr>
@@ -294,7 +295,7 @@
           <p:cNvPr id="6" name="슬라이드 번호 개체 틀 5">
             <a:extLst>
               <a:ext uri="{FF2B5EF4-FFF2-40B4-BE49-F238E27FC236}">
-                <a16:creationId xmlns:a16="http://schemas.microsoft.com/office/drawing/2014/main" id="{BAF061BA-CD52-4A93-9968-2D177FB0947C}"/>
+                <a16:creationId xmlns:a16="http://schemas.microsoft.com/office/drawing/2014/main" xmlns="" id="{BAF061BA-CD52-4A93-9968-2D177FB0947C}"/>
               </a:ext>
             </a:extLst>
           </p:cNvPr>
@@ -353,7 +354,7 @@
           <p:cNvPr id="2" name="제목 1">
             <a:extLst>
               <a:ext uri="{FF2B5EF4-FFF2-40B4-BE49-F238E27FC236}">
-                <a16:creationId xmlns:a16="http://schemas.microsoft.com/office/drawing/2014/main" id="{C7E2F226-2DB6-4832-A3E8-E1A82BC8412B}"/>
+                <a16:creationId xmlns:a16="http://schemas.microsoft.com/office/drawing/2014/main" xmlns="" id="{C7E2F226-2DB6-4832-A3E8-E1A82BC8412B}"/>
               </a:ext>
             </a:extLst>
           </p:cNvPr>
@@ -381,7 +382,7 @@
           <p:cNvPr id="3" name="세로 텍스트 개체 틀 2">
             <a:extLst>
               <a:ext uri="{FF2B5EF4-FFF2-40B4-BE49-F238E27FC236}">
-                <a16:creationId xmlns:a16="http://schemas.microsoft.com/office/drawing/2014/main" id="{35E32266-CD01-4901-8FE7-5010FC0706F7}"/>
+                <a16:creationId xmlns:a16="http://schemas.microsoft.com/office/drawing/2014/main" xmlns="" id="{35E32266-CD01-4901-8FE7-5010FC0706F7}"/>
               </a:ext>
             </a:extLst>
           </p:cNvPr>
@@ -438,7 +439,7 @@
           <p:cNvPr id="4" name="날짜 개체 틀 3">
             <a:extLst>
               <a:ext uri="{FF2B5EF4-FFF2-40B4-BE49-F238E27FC236}">
-                <a16:creationId xmlns:a16="http://schemas.microsoft.com/office/drawing/2014/main" id="{8918B274-9924-4562-A19B-0EF8383C8F5F}"/>
+                <a16:creationId xmlns:a16="http://schemas.microsoft.com/office/drawing/2014/main" xmlns="" id="{8918B274-9924-4562-A19B-0EF8383C8F5F}"/>
               </a:ext>
             </a:extLst>
           </p:cNvPr>
@@ -456,7 +457,7 @@
           <a:p>
             <a:fld id="{FBA3136C-5D2A-4CBD-8BD6-8F11B10EE7D9}" type="datetimeFigureOut">
               <a:rPr lang="ko-KR" altLang="en-US" smtClean="0"/>
-              <a:t>2020-02-03</a:t>
+              <a:t>2020-02-04</a:t>
             </a:fld>
             <a:endParaRPr lang="ko-KR" altLang="en-US"/>
           </a:p>
@@ -467,7 +468,7 @@
           <p:cNvPr id="5" name="바닥글 개체 틀 4">
             <a:extLst>
               <a:ext uri="{FF2B5EF4-FFF2-40B4-BE49-F238E27FC236}">
-                <a16:creationId xmlns:a16="http://schemas.microsoft.com/office/drawing/2014/main" id="{48ABDFFA-1327-4FDA-A13E-DCF7D4AB5F2C}"/>
+                <a16:creationId xmlns:a16="http://schemas.microsoft.com/office/drawing/2014/main" xmlns="" id="{48ABDFFA-1327-4FDA-A13E-DCF7D4AB5F2C}"/>
               </a:ext>
             </a:extLst>
           </p:cNvPr>
@@ -492,7 +493,7 @@
           <p:cNvPr id="6" name="슬라이드 번호 개체 틀 5">
             <a:extLst>
               <a:ext uri="{FF2B5EF4-FFF2-40B4-BE49-F238E27FC236}">
-                <a16:creationId xmlns:a16="http://schemas.microsoft.com/office/drawing/2014/main" id="{7E941122-80C3-410F-B4B5-38B3C974463E}"/>
+                <a16:creationId xmlns:a16="http://schemas.microsoft.com/office/drawing/2014/main" xmlns="" id="{7E941122-80C3-410F-B4B5-38B3C974463E}"/>
               </a:ext>
             </a:extLst>
           </p:cNvPr>
@@ -551,7 +552,7 @@
           <p:cNvPr id="2" name="세로 제목 1">
             <a:extLst>
               <a:ext uri="{FF2B5EF4-FFF2-40B4-BE49-F238E27FC236}">
-                <a16:creationId xmlns:a16="http://schemas.microsoft.com/office/drawing/2014/main" id="{F39004B4-A2BB-4353-9490-3CFBF08BEECF}"/>
+                <a16:creationId xmlns:a16="http://schemas.microsoft.com/office/drawing/2014/main" xmlns="" id="{F39004B4-A2BB-4353-9490-3CFBF08BEECF}"/>
               </a:ext>
             </a:extLst>
           </p:cNvPr>
@@ -584,7 +585,7 @@
           <p:cNvPr id="3" name="세로 텍스트 개체 틀 2">
             <a:extLst>
               <a:ext uri="{FF2B5EF4-FFF2-40B4-BE49-F238E27FC236}">
-                <a16:creationId xmlns:a16="http://schemas.microsoft.com/office/drawing/2014/main" id="{17E252EA-6994-4BCF-9119-33B60AFB14F3}"/>
+                <a16:creationId xmlns:a16="http://schemas.microsoft.com/office/drawing/2014/main" xmlns="" id="{17E252EA-6994-4BCF-9119-33B60AFB14F3}"/>
               </a:ext>
             </a:extLst>
           </p:cNvPr>
@@ -646,7 +647,7 @@
           <p:cNvPr id="4" name="날짜 개체 틀 3">
             <a:extLst>
               <a:ext uri="{FF2B5EF4-FFF2-40B4-BE49-F238E27FC236}">
-                <a16:creationId xmlns:a16="http://schemas.microsoft.com/office/drawing/2014/main" id="{205F8584-D66D-4296-852C-CFABE2A758E0}"/>
+                <a16:creationId xmlns:a16="http://schemas.microsoft.com/office/drawing/2014/main" xmlns="" id="{205F8584-D66D-4296-852C-CFABE2A758E0}"/>
               </a:ext>
             </a:extLst>
           </p:cNvPr>
@@ -664,7 +665,7 @@
           <a:p>
             <a:fld id="{FBA3136C-5D2A-4CBD-8BD6-8F11B10EE7D9}" type="datetimeFigureOut">
               <a:rPr lang="ko-KR" altLang="en-US" smtClean="0"/>
-              <a:t>2020-02-03</a:t>
+              <a:t>2020-02-04</a:t>
             </a:fld>
             <a:endParaRPr lang="ko-KR" altLang="en-US"/>
           </a:p>
@@ -675,7 +676,7 @@
           <p:cNvPr id="5" name="바닥글 개체 틀 4">
             <a:extLst>
               <a:ext uri="{FF2B5EF4-FFF2-40B4-BE49-F238E27FC236}">
-                <a16:creationId xmlns:a16="http://schemas.microsoft.com/office/drawing/2014/main" id="{A78C3D8F-5F5B-47A5-9BBC-6F058C6ECD7E}"/>
+                <a16:creationId xmlns:a16="http://schemas.microsoft.com/office/drawing/2014/main" xmlns="" id="{A78C3D8F-5F5B-47A5-9BBC-6F058C6ECD7E}"/>
               </a:ext>
             </a:extLst>
           </p:cNvPr>
@@ -700,7 +701,7 @@
           <p:cNvPr id="6" name="슬라이드 번호 개체 틀 5">
             <a:extLst>
               <a:ext uri="{FF2B5EF4-FFF2-40B4-BE49-F238E27FC236}">
-                <a16:creationId xmlns:a16="http://schemas.microsoft.com/office/drawing/2014/main" id="{7E72ED3D-DC97-4CF5-A83F-A0F4CD5D3061}"/>
+                <a16:creationId xmlns:a16="http://schemas.microsoft.com/office/drawing/2014/main" xmlns="" id="{7E72ED3D-DC97-4CF5-A83F-A0F4CD5D3061}"/>
               </a:ext>
             </a:extLst>
           </p:cNvPr>
@@ -759,7 +760,7 @@
           <p:cNvPr id="2" name="제목 1">
             <a:extLst>
               <a:ext uri="{FF2B5EF4-FFF2-40B4-BE49-F238E27FC236}">
-                <a16:creationId xmlns:a16="http://schemas.microsoft.com/office/drawing/2014/main" id="{2478CD97-4610-41D5-9293-07E4F7EF8330}"/>
+                <a16:creationId xmlns:a16="http://schemas.microsoft.com/office/drawing/2014/main" xmlns="" id="{2478CD97-4610-41D5-9293-07E4F7EF8330}"/>
               </a:ext>
             </a:extLst>
           </p:cNvPr>
@@ -787,7 +788,7 @@
           <p:cNvPr id="3" name="내용 개체 틀 2">
             <a:extLst>
               <a:ext uri="{FF2B5EF4-FFF2-40B4-BE49-F238E27FC236}">
-                <a16:creationId xmlns:a16="http://schemas.microsoft.com/office/drawing/2014/main" id="{A4761A08-28DB-4E61-B23C-47F9FF94B03B}"/>
+                <a16:creationId xmlns:a16="http://schemas.microsoft.com/office/drawing/2014/main" xmlns="" id="{A4761A08-28DB-4E61-B23C-47F9FF94B03B}"/>
               </a:ext>
             </a:extLst>
           </p:cNvPr>
@@ -844,7 +845,7 @@
           <p:cNvPr id="4" name="날짜 개체 틀 3">
             <a:extLst>
               <a:ext uri="{FF2B5EF4-FFF2-40B4-BE49-F238E27FC236}">
-                <a16:creationId xmlns:a16="http://schemas.microsoft.com/office/drawing/2014/main" id="{8A0B1E4E-9D0C-4F38-8350-90F7893A1DD4}"/>
+                <a16:creationId xmlns:a16="http://schemas.microsoft.com/office/drawing/2014/main" xmlns="" id="{8A0B1E4E-9D0C-4F38-8350-90F7893A1DD4}"/>
               </a:ext>
             </a:extLst>
           </p:cNvPr>
@@ -862,7 +863,7 @@
           <a:p>
             <a:fld id="{FBA3136C-5D2A-4CBD-8BD6-8F11B10EE7D9}" type="datetimeFigureOut">
               <a:rPr lang="ko-KR" altLang="en-US" smtClean="0"/>
-              <a:t>2020-02-03</a:t>
+              <a:t>2020-02-04</a:t>
             </a:fld>
             <a:endParaRPr lang="ko-KR" altLang="en-US"/>
           </a:p>
@@ -873,7 +874,7 @@
           <p:cNvPr id="5" name="바닥글 개체 틀 4">
             <a:extLst>
               <a:ext uri="{FF2B5EF4-FFF2-40B4-BE49-F238E27FC236}">
-                <a16:creationId xmlns:a16="http://schemas.microsoft.com/office/drawing/2014/main" id="{3EB51119-FFCC-46AF-9F51-2823DEF4A6AF}"/>
+                <a16:creationId xmlns:a16="http://schemas.microsoft.com/office/drawing/2014/main" xmlns="" id="{3EB51119-FFCC-46AF-9F51-2823DEF4A6AF}"/>
               </a:ext>
             </a:extLst>
           </p:cNvPr>
@@ -898,7 +899,7 @@
           <p:cNvPr id="6" name="슬라이드 번호 개체 틀 5">
             <a:extLst>
               <a:ext uri="{FF2B5EF4-FFF2-40B4-BE49-F238E27FC236}">
-                <a16:creationId xmlns:a16="http://schemas.microsoft.com/office/drawing/2014/main" id="{5E5C2C86-356F-4ACF-9EEC-3B3D8462A39C}"/>
+                <a16:creationId xmlns:a16="http://schemas.microsoft.com/office/drawing/2014/main" xmlns="" id="{5E5C2C86-356F-4ACF-9EEC-3B3D8462A39C}"/>
               </a:ext>
             </a:extLst>
           </p:cNvPr>
@@ -957,7 +958,7 @@
           <p:cNvPr id="2" name="제목 1">
             <a:extLst>
               <a:ext uri="{FF2B5EF4-FFF2-40B4-BE49-F238E27FC236}">
-                <a16:creationId xmlns:a16="http://schemas.microsoft.com/office/drawing/2014/main" id="{DBF78962-7159-4DAF-9E07-D4AC9AFA9BC1}"/>
+                <a16:creationId xmlns:a16="http://schemas.microsoft.com/office/drawing/2014/main" xmlns="" id="{DBF78962-7159-4DAF-9E07-D4AC9AFA9BC1}"/>
               </a:ext>
             </a:extLst>
           </p:cNvPr>
@@ -994,7 +995,7 @@
           <p:cNvPr id="3" name="텍스트 개체 틀 2">
             <a:extLst>
               <a:ext uri="{FF2B5EF4-FFF2-40B4-BE49-F238E27FC236}">
-                <a16:creationId xmlns:a16="http://schemas.microsoft.com/office/drawing/2014/main" id="{FAB5D699-135E-49BA-9606-CB890CD5D6CE}"/>
+                <a16:creationId xmlns:a16="http://schemas.microsoft.com/office/drawing/2014/main" xmlns="" id="{FAB5D699-135E-49BA-9606-CB890CD5D6CE}"/>
               </a:ext>
             </a:extLst>
           </p:cNvPr>
@@ -1119,7 +1120,7 @@
           <p:cNvPr id="4" name="날짜 개체 틀 3">
             <a:extLst>
               <a:ext uri="{FF2B5EF4-FFF2-40B4-BE49-F238E27FC236}">
-                <a16:creationId xmlns:a16="http://schemas.microsoft.com/office/drawing/2014/main" id="{3717AFA4-E80B-48F1-B566-3D5FA0DCC2E5}"/>
+                <a16:creationId xmlns:a16="http://schemas.microsoft.com/office/drawing/2014/main" xmlns="" id="{3717AFA4-E80B-48F1-B566-3D5FA0DCC2E5}"/>
               </a:ext>
             </a:extLst>
           </p:cNvPr>
@@ -1137,7 +1138,7 @@
           <a:p>
             <a:fld id="{FBA3136C-5D2A-4CBD-8BD6-8F11B10EE7D9}" type="datetimeFigureOut">
               <a:rPr lang="ko-KR" altLang="en-US" smtClean="0"/>
-              <a:t>2020-02-03</a:t>
+              <a:t>2020-02-04</a:t>
             </a:fld>
             <a:endParaRPr lang="ko-KR" altLang="en-US"/>
           </a:p>
@@ -1148,7 +1149,7 @@
           <p:cNvPr id="5" name="바닥글 개체 틀 4">
             <a:extLst>
               <a:ext uri="{FF2B5EF4-FFF2-40B4-BE49-F238E27FC236}">
-                <a16:creationId xmlns:a16="http://schemas.microsoft.com/office/drawing/2014/main" id="{530C7227-51F8-4DD4-93DC-2046C220BC2B}"/>
+                <a16:creationId xmlns:a16="http://schemas.microsoft.com/office/drawing/2014/main" xmlns="" id="{530C7227-51F8-4DD4-93DC-2046C220BC2B}"/>
               </a:ext>
             </a:extLst>
           </p:cNvPr>
@@ -1173,7 +1174,7 @@
           <p:cNvPr id="6" name="슬라이드 번호 개체 틀 5">
             <a:extLst>
               <a:ext uri="{FF2B5EF4-FFF2-40B4-BE49-F238E27FC236}">
-                <a16:creationId xmlns:a16="http://schemas.microsoft.com/office/drawing/2014/main" id="{CF23AE0C-87AE-419F-8C21-C05064D5F98B}"/>
+                <a16:creationId xmlns:a16="http://schemas.microsoft.com/office/drawing/2014/main" xmlns="" id="{CF23AE0C-87AE-419F-8C21-C05064D5F98B}"/>
               </a:ext>
             </a:extLst>
           </p:cNvPr>
@@ -1232,7 +1233,7 @@
           <p:cNvPr id="2" name="제목 1">
             <a:extLst>
               <a:ext uri="{FF2B5EF4-FFF2-40B4-BE49-F238E27FC236}">
-                <a16:creationId xmlns:a16="http://schemas.microsoft.com/office/drawing/2014/main" id="{EF53F05C-1B53-4997-8D4F-574B40BFB6D2}"/>
+                <a16:creationId xmlns:a16="http://schemas.microsoft.com/office/drawing/2014/main" xmlns="" id="{EF53F05C-1B53-4997-8D4F-574B40BFB6D2}"/>
               </a:ext>
             </a:extLst>
           </p:cNvPr>
@@ -1260,7 +1261,7 @@
           <p:cNvPr id="3" name="내용 개체 틀 2">
             <a:extLst>
               <a:ext uri="{FF2B5EF4-FFF2-40B4-BE49-F238E27FC236}">
-                <a16:creationId xmlns:a16="http://schemas.microsoft.com/office/drawing/2014/main" id="{F2EE759F-A91E-45FB-BC0F-52B204A43CE5}"/>
+                <a16:creationId xmlns:a16="http://schemas.microsoft.com/office/drawing/2014/main" xmlns="" id="{F2EE759F-A91E-45FB-BC0F-52B204A43CE5}"/>
               </a:ext>
             </a:extLst>
           </p:cNvPr>
@@ -1322,7 +1323,7 @@
           <p:cNvPr id="4" name="내용 개체 틀 3">
             <a:extLst>
               <a:ext uri="{FF2B5EF4-FFF2-40B4-BE49-F238E27FC236}">
-                <a16:creationId xmlns:a16="http://schemas.microsoft.com/office/drawing/2014/main" id="{CBA814ED-B083-468B-A3B1-B0834E8C8212}"/>
+                <a16:creationId xmlns:a16="http://schemas.microsoft.com/office/drawing/2014/main" xmlns="" id="{CBA814ED-B083-468B-A3B1-B0834E8C8212}"/>
               </a:ext>
             </a:extLst>
           </p:cNvPr>
@@ -1384,7 +1385,7 @@
           <p:cNvPr id="5" name="날짜 개체 틀 4">
             <a:extLst>
               <a:ext uri="{FF2B5EF4-FFF2-40B4-BE49-F238E27FC236}">
-                <a16:creationId xmlns:a16="http://schemas.microsoft.com/office/drawing/2014/main" id="{877DEBD2-BAE9-4C14-A7E8-517148C14EED}"/>
+                <a16:creationId xmlns:a16="http://schemas.microsoft.com/office/drawing/2014/main" xmlns="" id="{877DEBD2-BAE9-4C14-A7E8-517148C14EED}"/>
               </a:ext>
             </a:extLst>
           </p:cNvPr>
@@ -1402,7 +1403,7 @@
           <a:p>
             <a:fld id="{FBA3136C-5D2A-4CBD-8BD6-8F11B10EE7D9}" type="datetimeFigureOut">
               <a:rPr lang="ko-KR" altLang="en-US" smtClean="0"/>
-              <a:t>2020-02-03</a:t>
+              <a:t>2020-02-04</a:t>
             </a:fld>
             <a:endParaRPr lang="ko-KR" altLang="en-US"/>
           </a:p>
@@ -1413,7 +1414,7 @@
           <p:cNvPr id="6" name="바닥글 개체 틀 5">
             <a:extLst>
               <a:ext uri="{FF2B5EF4-FFF2-40B4-BE49-F238E27FC236}">
-                <a16:creationId xmlns:a16="http://schemas.microsoft.com/office/drawing/2014/main" id="{2F72D31F-47DB-4B78-B8CC-AB9D0A4DCEC0}"/>
+                <a16:creationId xmlns:a16="http://schemas.microsoft.com/office/drawing/2014/main" xmlns="" id="{2F72D31F-47DB-4B78-B8CC-AB9D0A4DCEC0}"/>
               </a:ext>
             </a:extLst>
           </p:cNvPr>
@@ -1438,7 +1439,7 @@
           <p:cNvPr id="7" name="슬라이드 번호 개체 틀 6">
             <a:extLst>
               <a:ext uri="{FF2B5EF4-FFF2-40B4-BE49-F238E27FC236}">
-                <a16:creationId xmlns:a16="http://schemas.microsoft.com/office/drawing/2014/main" id="{F1B67971-49C1-46A6-BFE1-F14E5E9F87CF}"/>
+                <a16:creationId xmlns:a16="http://schemas.microsoft.com/office/drawing/2014/main" xmlns="" id="{F1B67971-49C1-46A6-BFE1-F14E5E9F87CF}"/>
               </a:ext>
             </a:extLst>
           </p:cNvPr>
@@ -1497,7 +1498,7 @@
           <p:cNvPr id="2" name="제목 1">
             <a:extLst>
               <a:ext uri="{FF2B5EF4-FFF2-40B4-BE49-F238E27FC236}">
-                <a16:creationId xmlns:a16="http://schemas.microsoft.com/office/drawing/2014/main" id="{E54246B1-789C-445A-A33C-EE193AF6AB31}"/>
+                <a16:creationId xmlns:a16="http://schemas.microsoft.com/office/drawing/2014/main" xmlns="" id="{E54246B1-789C-445A-A33C-EE193AF6AB31}"/>
               </a:ext>
             </a:extLst>
           </p:cNvPr>
@@ -1530,7 +1531,7 @@
           <p:cNvPr id="3" name="텍스트 개체 틀 2">
             <a:extLst>
               <a:ext uri="{FF2B5EF4-FFF2-40B4-BE49-F238E27FC236}">
-                <a16:creationId xmlns:a16="http://schemas.microsoft.com/office/drawing/2014/main" id="{C60DCCE6-A432-4D2A-810A-99E8AFAD1DD0}"/>
+                <a16:creationId xmlns:a16="http://schemas.microsoft.com/office/drawing/2014/main" xmlns="" id="{C60DCCE6-A432-4D2A-810A-99E8AFAD1DD0}"/>
               </a:ext>
             </a:extLst>
           </p:cNvPr>
@@ -1601,7 +1602,7 @@
           <p:cNvPr id="4" name="내용 개체 틀 3">
             <a:extLst>
               <a:ext uri="{FF2B5EF4-FFF2-40B4-BE49-F238E27FC236}">
-                <a16:creationId xmlns:a16="http://schemas.microsoft.com/office/drawing/2014/main" id="{16D0CEB2-1187-4252-AD05-8D872A1D3F3F}"/>
+                <a16:creationId xmlns:a16="http://schemas.microsoft.com/office/drawing/2014/main" xmlns="" id="{16D0CEB2-1187-4252-AD05-8D872A1D3F3F}"/>
               </a:ext>
             </a:extLst>
           </p:cNvPr>
@@ -1663,7 +1664,7 @@
           <p:cNvPr id="5" name="텍스트 개체 틀 4">
             <a:extLst>
               <a:ext uri="{FF2B5EF4-FFF2-40B4-BE49-F238E27FC236}">
-                <a16:creationId xmlns:a16="http://schemas.microsoft.com/office/drawing/2014/main" id="{5AE31809-3F66-4FEC-8D60-2F4D07A12196}"/>
+                <a16:creationId xmlns:a16="http://schemas.microsoft.com/office/drawing/2014/main" xmlns="" id="{5AE31809-3F66-4FEC-8D60-2F4D07A12196}"/>
               </a:ext>
             </a:extLst>
           </p:cNvPr>
@@ -1734,7 +1735,7 @@
           <p:cNvPr id="6" name="내용 개체 틀 5">
             <a:extLst>
               <a:ext uri="{FF2B5EF4-FFF2-40B4-BE49-F238E27FC236}">
-                <a16:creationId xmlns:a16="http://schemas.microsoft.com/office/drawing/2014/main" id="{A23AB223-7027-45B7-A59D-E463A79FDDD7}"/>
+                <a16:creationId xmlns:a16="http://schemas.microsoft.com/office/drawing/2014/main" xmlns="" id="{A23AB223-7027-45B7-A59D-E463A79FDDD7}"/>
               </a:ext>
             </a:extLst>
           </p:cNvPr>
@@ -1796,7 +1797,7 @@
           <p:cNvPr id="7" name="날짜 개체 틀 6">
             <a:extLst>
               <a:ext uri="{FF2B5EF4-FFF2-40B4-BE49-F238E27FC236}">
-                <a16:creationId xmlns:a16="http://schemas.microsoft.com/office/drawing/2014/main" id="{D2A2B8DD-7358-465C-8CC1-F71D7DE0E812}"/>
+                <a16:creationId xmlns:a16="http://schemas.microsoft.com/office/drawing/2014/main" xmlns="" id="{D2A2B8DD-7358-465C-8CC1-F71D7DE0E812}"/>
               </a:ext>
             </a:extLst>
           </p:cNvPr>
@@ -1814,7 +1815,7 @@
           <a:p>
             <a:fld id="{FBA3136C-5D2A-4CBD-8BD6-8F11B10EE7D9}" type="datetimeFigureOut">
               <a:rPr lang="ko-KR" altLang="en-US" smtClean="0"/>
-              <a:t>2020-02-03</a:t>
+              <a:t>2020-02-04</a:t>
             </a:fld>
             <a:endParaRPr lang="ko-KR" altLang="en-US"/>
           </a:p>
@@ -1825,7 +1826,7 @@
           <p:cNvPr id="8" name="바닥글 개체 틀 7">
             <a:extLst>
               <a:ext uri="{FF2B5EF4-FFF2-40B4-BE49-F238E27FC236}">
-                <a16:creationId xmlns:a16="http://schemas.microsoft.com/office/drawing/2014/main" id="{0D010038-A30A-4B64-BB25-7C3590F3E110}"/>
+                <a16:creationId xmlns:a16="http://schemas.microsoft.com/office/drawing/2014/main" xmlns="" id="{0D010038-A30A-4B64-BB25-7C3590F3E110}"/>
               </a:ext>
             </a:extLst>
           </p:cNvPr>
@@ -1850,7 +1851,7 @@
           <p:cNvPr id="9" name="슬라이드 번호 개체 틀 8">
             <a:extLst>
               <a:ext uri="{FF2B5EF4-FFF2-40B4-BE49-F238E27FC236}">
-                <a16:creationId xmlns:a16="http://schemas.microsoft.com/office/drawing/2014/main" id="{65054B27-799F-4A0D-8BE0-631E52465DC1}"/>
+                <a16:creationId xmlns:a16="http://schemas.microsoft.com/office/drawing/2014/main" xmlns="" id="{65054B27-799F-4A0D-8BE0-631E52465DC1}"/>
               </a:ext>
             </a:extLst>
           </p:cNvPr>
@@ -1909,7 +1910,7 @@
           <p:cNvPr id="2" name="제목 1">
             <a:extLst>
               <a:ext uri="{FF2B5EF4-FFF2-40B4-BE49-F238E27FC236}">
-                <a16:creationId xmlns:a16="http://schemas.microsoft.com/office/drawing/2014/main" id="{C485E51C-A240-4608-92DA-E50F807F41C0}"/>
+                <a16:creationId xmlns:a16="http://schemas.microsoft.com/office/drawing/2014/main" xmlns="" id="{C485E51C-A240-4608-92DA-E50F807F41C0}"/>
               </a:ext>
             </a:extLst>
           </p:cNvPr>
@@ -1937,7 +1938,7 @@
           <p:cNvPr id="3" name="날짜 개체 틀 2">
             <a:extLst>
               <a:ext uri="{FF2B5EF4-FFF2-40B4-BE49-F238E27FC236}">
-                <a16:creationId xmlns:a16="http://schemas.microsoft.com/office/drawing/2014/main" id="{2B851E15-AFBE-4FC3-8B78-027D54EB8877}"/>
+                <a16:creationId xmlns:a16="http://schemas.microsoft.com/office/drawing/2014/main" xmlns="" id="{2B851E15-AFBE-4FC3-8B78-027D54EB8877}"/>
               </a:ext>
             </a:extLst>
           </p:cNvPr>
@@ -1955,7 +1956,7 @@
           <a:p>
             <a:fld id="{FBA3136C-5D2A-4CBD-8BD6-8F11B10EE7D9}" type="datetimeFigureOut">
               <a:rPr lang="ko-KR" altLang="en-US" smtClean="0"/>
-              <a:t>2020-02-03</a:t>
+              <a:t>2020-02-04</a:t>
             </a:fld>
             <a:endParaRPr lang="ko-KR" altLang="en-US"/>
           </a:p>
@@ -1966,7 +1967,7 @@
           <p:cNvPr id="4" name="바닥글 개체 틀 3">
             <a:extLst>
               <a:ext uri="{FF2B5EF4-FFF2-40B4-BE49-F238E27FC236}">
-                <a16:creationId xmlns:a16="http://schemas.microsoft.com/office/drawing/2014/main" id="{5FEBB580-75E4-48D4-AEF3-E10C58CF6EA4}"/>
+                <a16:creationId xmlns:a16="http://schemas.microsoft.com/office/drawing/2014/main" xmlns="" id="{5FEBB580-75E4-48D4-AEF3-E10C58CF6EA4}"/>
               </a:ext>
             </a:extLst>
           </p:cNvPr>
@@ -1991,7 +1992,7 @@
           <p:cNvPr id="5" name="슬라이드 번호 개체 틀 4">
             <a:extLst>
               <a:ext uri="{FF2B5EF4-FFF2-40B4-BE49-F238E27FC236}">
-                <a16:creationId xmlns:a16="http://schemas.microsoft.com/office/drawing/2014/main" id="{BF32AC2E-0C50-4FB0-8820-A7AC6BDE4173}"/>
+                <a16:creationId xmlns:a16="http://schemas.microsoft.com/office/drawing/2014/main" xmlns="" id="{BF32AC2E-0C50-4FB0-8820-A7AC6BDE4173}"/>
               </a:ext>
             </a:extLst>
           </p:cNvPr>
@@ -2050,7 +2051,7 @@
           <p:cNvPr id="2" name="날짜 개체 틀 1">
             <a:extLst>
               <a:ext uri="{FF2B5EF4-FFF2-40B4-BE49-F238E27FC236}">
-                <a16:creationId xmlns:a16="http://schemas.microsoft.com/office/drawing/2014/main" id="{2C192448-72D9-4BA8-A3A5-9279810622F2}"/>
+                <a16:creationId xmlns:a16="http://schemas.microsoft.com/office/drawing/2014/main" xmlns="" id="{2C192448-72D9-4BA8-A3A5-9279810622F2}"/>
               </a:ext>
             </a:extLst>
           </p:cNvPr>
@@ -2068,7 +2069,7 @@
           <a:p>
             <a:fld id="{FBA3136C-5D2A-4CBD-8BD6-8F11B10EE7D9}" type="datetimeFigureOut">
               <a:rPr lang="ko-KR" altLang="en-US" smtClean="0"/>
-              <a:t>2020-02-03</a:t>
+              <a:t>2020-02-04</a:t>
             </a:fld>
             <a:endParaRPr lang="ko-KR" altLang="en-US"/>
           </a:p>
@@ -2079,7 +2080,7 @@
           <p:cNvPr id="3" name="바닥글 개체 틀 2">
             <a:extLst>
               <a:ext uri="{FF2B5EF4-FFF2-40B4-BE49-F238E27FC236}">
-                <a16:creationId xmlns:a16="http://schemas.microsoft.com/office/drawing/2014/main" id="{6A464358-B5B5-49B6-9CA3-2BE74CF87DC8}"/>
+                <a16:creationId xmlns:a16="http://schemas.microsoft.com/office/drawing/2014/main" xmlns="" id="{6A464358-B5B5-49B6-9CA3-2BE74CF87DC8}"/>
               </a:ext>
             </a:extLst>
           </p:cNvPr>
@@ -2104,7 +2105,7 @@
           <p:cNvPr id="4" name="슬라이드 번호 개체 틀 3">
             <a:extLst>
               <a:ext uri="{FF2B5EF4-FFF2-40B4-BE49-F238E27FC236}">
-                <a16:creationId xmlns:a16="http://schemas.microsoft.com/office/drawing/2014/main" id="{5B606F01-6E92-4C16-A968-94433D122A35}"/>
+                <a16:creationId xmlns:a16="http://schemas.microsoft.com/office/drawing/2014/main" xmlns="" id="{5B606F01-6E92-4C16-A968-94433D122A35}"/>
               </a:ext>
             </a:extLst>
           </p:cNvPr>
@@ -2163,7 +2164,7 @@
           <p:cNvPr id="2" name="제목 1">
             <a:extLst>
               <a:ext uri="{FF2B5EF4-FFF2-40B4-BE49-F238E27FC236}">
-                <a16:creationId xmlns:a16="http://schemas.microsoft.com/office/drawing/2014/main" id="{78C9915E-4301-4868-A5EC-6F607A83BF22}"/>
+                <a16:creationId xmlns:a16="http://schemas.microsoft.com/office/drawing/2014/main" xmlns="" id="{78C9915E-4301-4868-A5EC-6F607A83BF22}"/>
               </a:ext>
             </a:extLst>
           </p:cNvPr>
@@ -2200,7 +2201,7 @@
           <p:cNvPr id="3" name="내용 개체 틀 2">
             <a:extLst>
               <a:ext uri="{FF2B5EF4-FFF2-40B4-BE49-F238E27FC236}">
-                <a16:creationId xmlns:a16="http://schemas.microsoft.com/office/drawing/2014/main" id="{4507BFFD-DC79-4CFE-A2B2-BACA06190953}"/>
+                <a16:creationId xmlns:a16="http://schemas.microsoft.com/office/drawing/2014/main" xmlns="" id="{4507BFFD-DC79-4CFE-A2B2-BACA06190953}"/>
               </a:ext>
             </a:extLst>
           </p:cNvPr>
@@ -2290,7 +2291,7 @@
           <p:cNvPr id="4" name="텍스트 개체 틀 3">
             <a:extLst>
               <a:ext uri="{FF2B5EF4-FFF2-40B4-BE49-F238E27FC236}">
-                <a16:creationId xmlns:a16="http://schemas.microsoft.com/office/drawing/2014/main" id="{9A00C531-2EB8-4478-9A6C-4CD6FE675072}"/>
+                <a16:creationId xmlns:a16="http://schemas.microsoft.com/office/drawing/2014/main" xmlns="" id="{9A00C531-2EB8-4478-9A6C-4CD6FE675072}"/>
               </a:ext>
             </a:extLst>
           </p:cNvPr>
@@ -2361,7 +2362,7 @@
           <p:cNvPr id="5" name="날짜 개체 틀 4">
             <a:extLst>
               <a:ext uri="{FF2B5EF4-FFF2-40B4-BE49-F238E27FC236}">
-                <a16:creationId xmlns:a16="http://schemas.microsoft.com/office/drawing/2014/main" id="{8B9102F9-10D2-4689-A3F0-BD4C609347E9}"/>
+                <a16:creationId xmlns:a16="http://schemas.microsoft.com/office/drawing/2014/main" xmlns="" id="{8B9102F9-10D2-4689-A3F0-BD4C609347E9}"/>
               </a:ext>
             </a:extLst>
           </p:cNvPr>
@@ -2379,7 +2380,7 @@
           <a:p>
             <a:fld id="{FBA3136C-5D2A-4CBD-8BD6-8F11B10EE7D9}" type="datetimeFigureOut">
               <a:rPr lang="ko-KR" altLang="en-US" smtClean="0"/>
-              <a:t>2020-02-03</a:t>
+              <a:t>2020-02-04</a:t>
             </a:fld>
             <a:endParaRPr lang="ko-KR" altLang="en-US"/>
           </a:p>
@@ -2390,7 +2391,7 @@
           <p:cNvPr id="6" name="바닥글 개체 틀 5">
             <a:extLst>
               <a:ext uri="{FF2B5EF4-FFF2-40B4-BE49-F238E27FC236}">
-                <a16:creationId xmlns:a16="http://schemas.microsoft.com/office/drawing/2014/main" id="{D7F39764-04A1-4A55-9A18-7F042A006344}"/>
+                <a16:creationId xmlns:a16="http://schemas.microsoft.com/office/drawing/2014/main" xmlns="" id="{D7F39764-04A1-4A55-9A18-7F042A006344}"/>
               </a:ext>
             </a:extLst>
           </p:cNvPr>
@@ -2415,7 +2416,7 @@
           <p:cNvPr id="7" name="슬라이드 번호 개체 틀 6">
             <a:extLst>
               <a:ext uri="{FF2B5EF4-FFF2-40B4-BE49-F238E27FC236}">
-                <a16:creationId xmlns:a16="http://schemas.microsoft.com/office/drawing/2014/main" id="{34225F41-6CDF-4265-BBB3-81FCF28FB82A}"/>
+                <a16:creationId xmlns:a16="http://schemas.microsoft.com/office/drawing/2014/main" xmlns="" id="{34225F41-6CDF-4265-BBB3-81FCF28FB82A}"/>
               </a:ext>
             </a:extLst>
           </p:cNvPr>
@@ -2474,7 +2475,7 @@
           <p:cNvPr id="2" name="제목 1">
             <a:extLst>
               <a:ext uri="{FF2B5EF4-FFF2-40B4-BE49-F238E27FC236}">
-                <a16:creationId xmlns:a16="http://schemas.microsoft.com/office/drawing/2014/main" id="{E1595260-FA6D-4888-ADF7-F499EEC9CAF3}"/>
+                <a16:creationId xmlns:a16="http://schemas.microsoft.com/office/drawing/2014/main" xmlns="" id="{E1595260-FA6D-4888-ADF7-F499EEC9CAF3}"/>
               </a:ext>
             </a:extLst>
           </p:cNvPr>
@@ -2511,7 +2512,7 @@
           <p:cNvPr id="3" name="그림 개체 틀 2">
             <a:extLst>
               <a:ext uri="{FF2B5EF4-FFF2-40B4-BE49-F238E27FC236}">
-                <a16:creationId xmlns:a16="http://schemas.microsoft.com/office/drawing/2014/main" id="{83A50628-D8CA-4077-960A-F39CE72B43AC}"/>
+                <a16:creationId xmlns:a16="http://schemas.microsoft.com/office/drawing/2014/main" xmlns="" id="{83A50628-D8CA-4077-960A-F39CE72B43AC}"/>
               </a:ext>
             </a:extLst>
           </p:cNvPr>
@@ -2578,7 +2579,7 @@
           <p:cNvPr id="4" name="텍스트 개체 틀 3">
             <a:extLst>
               <a:ext uri="{FF2B5EF4-FFF2-40B4-BE49-F238E27FC236}">
-                <a16:creationId xmlns:a16="http://schemas.microsoft.com/office/drawing/2014/main" id="{19E7AA03-FBD8-4A50-A92B-5AC38CFD2159}"/>
+                <a16:creationId xmlns:a16="http://schemas.microsoft.com/office/drawing/2014/main" xmlns="" id="{19E7AA03-FBD8-4A50-A92B-5AC38CFD2159}"/>
               </a:ext>
             </a:extLst>
           </p:cNvPr>
@@ -2649,7 +2650,7 @@
           <p:cNvPr id="5" name="날짜 개체 틀 4">
             <a:extLst>
               <a:ext uri="{FF2B5EF4-FFF2-40B4-BE49-F238E27FC236}">
-                <a16:creationId xmlns:a16="http://schemas.microsoft.com/office/drawing/2014/main" id="{68D9E59A-44BD-4C8B-A629-A61BC819DCDC}"/>
+                <a16:creationId xmlns:a16="http://schemas.microsoft.com/office/drawing/2014/main" xmlns="" id="{68D9E59A-44BD-4C8B-A629-A61BC819DCDC}"/>
               </a:ext>
             </a:extLst>
           </p:cNvPr>
@@ -2667,7 +2668,7 @@
           <a:p>
             <a:fld id="{FBA3136C-5D2A-4CBD-8BD6-8F11B10EE7D9}" type="datetimeFigureOut">
               <a:rPr lang="ko-KR" altLang="en-US" smtClean="0"/>
-              <a:t>2020-02-03</a:t>
+              <a:t>2020-02-04</a:t>
             </a:fld>
             <a:endParaRPr lang="ko-KR" altLang="en-US"/>
           </a:p>
@@ -2678,7 +2679,7 @@
           <p:cNvPr id="6" name="바닥글 개체 틀 5">
             <a:extLst>
               <a:ext uri="{FF2B5EF4-FFF2-40B4-BE49-F238E27FC236}">
-                <a16:creationId xmlns:a16="http://schemas.microsoft.com/office/drawing/2014/main" id="{1D2B7321-A165-476B-A4ED-83B774277E09}"/>
+                <a16:creationId xmlns:a16="http://schemas.microsoft.com/office/drawing/2014/main" xmlns="" id="{1D2B7321-A165-476B-A4ED-83B774277E09}"/>
               </a:ext>
             </a:extLst>
           </p:cNvPr>
@@ -2703,7 +2704,7 @@
           <p:cNvPr id="7" name="슬라이드 번호 개체 틀 6">
             <a:extLst>
               <a:ext uri="{FF2B5EF4-FFF2-40B4-BE49-F238E27FC236}">
-                <a16:creationId xmlns:a16="http://schemas.microsoft.com/office/drawing/2014/main" id="{07F02D81-149F-45ED-BBC5-576EF0493F03}"/>
+                <a16:creationId xmlns:a16="http://schemas.microsoft.com/office/drawing/2014/main" xmlns="" id="{07F02D81-149F-45ED-BBC5-576EF0493F03}"/>
               </a:ext>
             </a:extLst>
           </p:cNvPr>
@@ -2767,7 +2768,7 @@
           <p:cNvPr id="2" name="제목 개체 틀 1">
             <a:extLst>
               <a:ext uri="{FF2B5EF4-FFF2-40B4-BE49-F238E27FC236}">
-                <a16:creationId xmlns:a16="http://schemas.microsoft.com/office/drawing/2014/main" id="{738525D4-1253-4608-9D52-B7981AC4FCC8}"/>
+                <a16:creationId xmlns:a16="http://schemas.microsoft.com/office/drawing/2014/main" xmlns="" id="{738525D4-1253-4608-9D52-B7981AC4FCC8}"/>
               </a:ext>
             </a:extLst>
           </p:cNvPr>
@@ -2805,7 +2806,7 @@
           <p:cNvPr id="3" name="텍스트 개체 틀 2">
             <a:extLst>
               <a:ext uri="{FF2B5EF4-FFF2-40B4-BE49-F238E27FC236}">
-                <a16:creationId xmlns:a16="http://schemas.microsoft.com/office/drawing/2014/main" id="{0D5AEAAA-7600-4903-ACEF-1D36CDCD268E}"/>
+                <a16:creationId xmlns:a16="http://schemas.microsoft.com/office/drawing/2014/main" xmlns="" id="{0D5AEAAA-7600-4903-ACEF-1D36CDCD268E}"/>
               </a:ext>
             </a:extLst>
           </p:cNvPr>
@@ -2872,7 +2873,7 @@
           <p:cNvPr id="4" name="날짜 개체 틀 3">
             <a:extLst>
               <a:ext uri="{FF2B5EF4-FFF2-40B4-BE49-F238E27FC236}">
-                <a16:creationId xmlns:a16="http://schemas.microsoft.com/office/drawing/2014/main" id="{4DC8EC6A-27D7-4EF9-B45D-C2D39B14F126}"/>
+                <a16:creationId xmlns:a16="http://schemas.microsoft.com/office/drawing/2014/main" xmlns="" id="{4DC8EC6A-27D7-4EF9-B45D-C2D39B14F126}"/>
               </a:ext>
             </a:extLst>
           </p:cNvPr>
@@ -2908,7 +2909,7 @@
           <a:p>
             <a:fld id="{FBA3136C-5D2A-4CBD-8BD6-8F11B10EE7D9}" type="datetimeFigureOut">
               <a:rPr lang="ko-KR" altLang="en-US" smtClean="0"/>
-              <a:t>2020-02-03</a:t>
+              <a:t>2020-02-04</a:t>
             </a:fld>
             <a:endParaRPr lang="ko-KR" altLang="en-US"/>
           </a:p>
@@ -2919,7 +2920,7 @@
           <p:cNvPr id="5" name="바닥글 개체 틀 4">
             <a:extLst>
               <a:ext uri="{FF2B5EF4-FFF2-40B4-BE49-F238E27FC236}">
-                <a16:creationId xmlns:a16="http://schemas.microsoft.com/office/drawing/2014/main" id="{260EB541-017D-4B3F-9895-2DFE884EA7DA}"/>
+                <a16:creationId xmlns:a16="http://schemas.microsoft.com/office/drawing/2014/main" xmlns="" id="{260EB541-017D-4B3F-9895-2DFE884EA7DA}"/>
               </a:ext>
             </a:extLst>
           </p:cNvPr>
@@ -2962,7 +2963,7 @@
           <p:cNvPr id="6" name="슬라이드 번호 개체 틀 5">
             <a:extLst>
               <a:ext uri="{FF2B5EF4-FFF2-40B4-BE49-F238E27FC236}">
-                <a16:creationId xmlns:a16="http://schemas.microsoft.com/office/drawing/2014/main" id="{51440F6D-AE56-4BC9-B00D-4A215980C939}"/>
+                <a16:creationId xmlns:a16="http://schemas.microsoft.com/office/drawing/2014/main" xmlns="" id="{51440F6D-AE56-4BC9-B00D-4A215980C939}"/>
               </a:ext>
             </a:extLst>
           </p:cNvPr>
@@ -3338,7 +3339,7 @@
           <p:cNvPr id="3" name="부제목 2">
             <a:extLst>
               <a:ext uri="{FF2B5EF4-FFF2-40B4-BE49-F238E27FC236}">
-                <a16:creationId xmlns:a16="http://schemas.microsoft.com/office/drawing/2014/main" id="{84DAC65C-FE20-4D6D-AFFA-57D16B16FADF}"/>
+                <a16:creationId xmlns:a16="http://schemas.microsoft.com/office/drawing/2014/main" xmlns="" id="{84DAC65C-FE20-4D6D-AFFA-57D16B16FADF}"/>
               </a:ext>
             </a:extLst>
           </p:cNvPr>
@@ -3378,7 +3379,7 @@
           <p:cNvPr id="9" name="그림 8">
             <a:extLst>
               <a:ext uri="{FF2B5EF4-FFF2-40B4-BE49-F238E27FC236}">
-                <a16:creationId xmlns:a16="http://schemas.microsoft.com/office/drawing/2014/main" id="{58A568A6-F904-4025-9A14-67F5B32BB43F}"/>
+                <a16:creationId xmlns:a16="http://schemas.microsoft.com/office/drawing/2014/main" xmlns="" id="{58A568A6-F904-4025-9A14-67F5B32BB43F}"/>
               </a:ext>
             </a:extLst>
           </p:cNvPr>
@@ -3407,7 +3408,7 @@
           <p:cNvPr id="6" name="正方形/長方形 1">
             <a:extLst>
               <a:ext uri="{FF2B5EF4-FFF2-40B4-BE49-F238E27FC236}">
-                <a16:creationId xmlns:a16="http://schemas.microsoft.com/office/drawing/2014/main" id="{3DB5B2C5-F5B3-4CC9-BEAC-DB38B7D18AB0}"/>
+                <a16:creationId xmlns:a16="http://schemas.microsoft.com/office/drawing/2014/main" xmlns="" id="{3DB5B2C5-F5B3-4CC9-BEAC-DB38B7D18AB0}"/>
               </a:ext>
             </a:extLst>
           </p:cNvPr>
@@ -3459,7 +3460,7 @@
           <p:cNvPr id="5" name="그림 4">
             <a:extLst>
               <a:ext uri="{FF2B5EF4-FFF2-40B4-BE49-F238E27FC236}">
-                <a16:creationId xmlns:a16="http://schemas.microsoft.com/office/drawing/2014/main" id="{70CD73FB-6A8C-4053-8E55-05DD338095CE}"/>
+                <a16:creationId xmlns:a16="http://schemas.microsoft.com/office/drawing/2014/main" xmlns="" id="{70CD73FB-6A8C-4053-8E55-05DD338095CE}"/>
               </a:ext>
             </a:extLst>
           </p:cNvPr>
@@ -3469,7 +3470,7 @@
           <p:nvPr/>
         </p:nvPicPr>
         <p:blipFill>
-          <a:blip r:embed="rId3">
+          <a:blip r:embed="rId3" cstate="print">
             <a:extLst>
               <a:ext uri="{28A0092B-C50C-407E-A947-70E740481C1C}">
                 <a14:useLocalDpi xmlns:a14="http://schemas.microsoft.com/office/drawing/2010/main" val="0"/>
@@ -3495,7 +3496,7 @@
           <p:cNvPr id="10" name="TextBox 9">
             <a:extLst>
               <a:ext uri="{FF2B5EF4-FFF2-40B4-BE49-F238E27FC236}">
-                <a16:creationId xmlns:a16="http://schemas.microsoft.com/office/drawing/2014/main" id="{FE48E1B1-BE68-4CDF-B1A5-546E3D5FD453}"/>
+                <a16:creationId xmlns:a16="http://schemas.microsoft.com/office/drawing/2014/main" xmlns="" id="{FE48E1B1-BE68-4CDF-B1A5-546E3D5FD453}"/>
               </a:ext>
             </a:extLst>
           </p:cNvPr>
@@ -3652,7 +3653,7 @@
           <p:cNvPr id="15" name="그룹 14">
             <a:extLst>
               <a:ext uri="{FF2B5EF4-FFF2-40B4-BE49-F238E27FC236}">
-                <a16:creationId xmlns:a16="http://schemas.microsoft.com/office/drawing/2014/main" id="{B7536413-EBBF-45BD-956C-DBF04F557F50}"/>
+                <a16:creationId xmlns:a16="http://schemas.microsoft.com/office/drawing/2014/main" xmlns="" id="{B7536413-EBBF-45BD-956C-DBF04F557F50}"/>
               </a:ext>
             </a:extLst>
           </p:cNvPr>
@@ -3672,7 +3673,7 @@
             <p:cNvPr id="8" name="직사각형 7">
               <a:extLst>
                 <a:ext uri="{FF2B5EF4-FFF2-40B4-BE49-F238E27FC236}">
-                  <a16:creationId xmlns:a16="http://schemas.microsoft.com/office/drawing/2014/main" id="{F11A9128-76C8-4335-872F-E85671129C65}"/>
+                  <a16:creationId xmlns:a16="http://schemas.microsoft.com/office/drawing/2014/main" xmlns="" id="{F11A9128-76C8-4335-872F-E85671129C65}"/>
                 </a:ext>
               </a:extLst>
             </p:cNvPr>
@@ -3724,7 +3725,7 @@
             <p:cNvPr id="14" name="이등변 삼각형 13">
               <a:extLst>
                 <a:ext uri="{FF2B5EF4-FFF2-40B4-BE49-F238E27FC236}">
-                  <a16:creationId xmlns:a16="http://schemas.microsoft.com/office/drawing/2014/main" id="{2C330ABB-6ACB-46E7-B89D-15EBDBF22119}"/>
+                  <a16:creationId xmlns:a16="http://schemas.microsoft.com/office/drawing/2014/main" xmlns="" id="{2C330ABB-6ACB-46E7-B89D-15EBDBF22119}"/>
                 </a:ext>
               </a:extLst>
             </p:cNvPr>
@@ -3777,7 +3778,7 @@
           <p:cNvPr id="2" name="직사각형 1">
             <a:extLst>
               <a:ext uri="{FF2B5EF4-FFF2-40B4-BE49-F238E27FC236}">
-                <a16:creationId xmlns:a16="http://schemas.microsoft.com/office/drawing/2014/main" id="{8E5B996D-DF87-49E5-95D1-45B1EEB9EE9A}"/>
+                <a16:creationId xmlns:a16="http://schemas.microsoft.com/office/drawing/2014/main" xmlns="" id="{8E5B996D-DF87-49E5-95D1-45B1EEB9EE9A}"/>
               </a:ext>
             </a:extLst>
           </p:cNvPr>
@@ -3829,7 +3830,7 @@
           <p:cNvPr id="4" name="직사각형 3">
             <a:extLst>
               <a:ext uri="{FF2B5EF4-FFF2-40B4-BE49-F238E27FC236}">
-                <a16:creationId xmlns:a16="http://schemas.microsoft.com/office/drawing/2014/main" id="{080CEE4E-4BCA-42C3-BECA-9BCEB9931EEA}"/>
+                <a16:creationId xmlns:a16="http://schemas.microsoft.com/office/drawing/2014/main" xmlns="" id="{080CEE4E-4BCA-42C3-BECA-9BCEB9931EEA}"/>
               </a:ext>
             </a:extLst>
           </p:cNvPr>
@@ -3881,7 +3882,7 @@
           <p:cNvPr id="5" name="TextBox 4">
             <a:extLst>
               <a:ext uri="{FF2B5EF4-FFF2-40B4-BE49-F238E27FC236}">
-                <a16:creationId xmlns:a16="http://schemas.microsoft.com/office/drawing/2014/main" id="{D12B0B12-AB99-4F88-B4B2-948DADC833EA}"/>
+                <a16:creationId xmlns:a16="http://schemas.microsoft.com/office/drawing/2014/main" xmlns="" id="{D12B0B12-AB99-4F88-B4B2-948DADC833EA}"/>
               </a:ext>
             </a:extLst>
           </p:cNvPr>
@@ -4000,7 +4001,7 @@
           <p:cNvPr id="9" name="그림 8">
             <a:extLst>
               <a:ext uri="{FF2B5EF4-FFF2-40B4-BE49-F238E27FC236}">
-                <a16:creationId xmlns:a16="http://schemas.microsoft.com/office/drawing/2014/main" id="{0F0992E8-2696-42E6-805A-0C12780D8FA1}"/>
+                <a16:creationId xmlns:a16="http://schemas.microsoft.com/office/drawing/2014/main" xmlns="" id="{0F0992E8-2696-42E6-805A-0C12780D8FA1}"/>
               </a:ext>
             </a:extLst>
           </p:cNvPr>
@@ -4010,7 +4011,7 @@
           <p:nvPr/>
         </p:nvPicPr>
         <p:blipFill>
-          <a:blip r:embed="rId2">
+          <a:blip r:embed="rId2" cstate="print">
             <a:extLst>
               <a:ext uri="{28A0092B-C50C-407E-A947-70E740481C1C}">
                 <a14:useLocalDpi xmlns:a14="http://schemas.microsoft.com/office/drawing/2010/main" val="0"/>
@@ -4035,7 +4036,7 @@
           <p:cNvPr id="12" name="TextBox 11">
             <a:extLst>
               <a:ext uri="{FF2B5EF4-FFF2-40B4-BE49-F238E27FC236}">
-                <a16:creationId xmlns:a16="http://schemas.microsoft.com/office/drawing/2014/main" id="{7FA4A435-72AD-4E57-8841-4A73CE0EA391}"/>
+                <a16:creationId xmlns:a16="http://schemas.microsoft.com/office/drawing/2014/main" xmlns="" id="{7FA4A435-72AD-4E57-8841-4A73CE0EA391}"/>
               </a:ext>
             </a:extLst>
           </p:cNvPr>
@@ -4044,8 +4045,8 @@
         </p:nvSpPr>
         <p:spPr>
           <a:xfrm>
-            <a:off x="6025694" y="2518975"/>
-            <a:ext cx="4350871" cy="1820050"/>
+            <a:off x="6025694" y="1997839"/>
+            <a:ext cx="4350871" cy="2862322"/>
           </a:xfrm>
           <a:prstGeom prst="rect">
             <a:avLst/>
@@ -4085,7 +4086,36 @@
               <a:rPr lang="ko-KR" altLang="en-US" sz="4000" dirty="0">
                 <a:latin typeface="+mn-ea"/>
               </a:rPr>
-              <a:t> 요구사항정의서</a:t>
+              <a:t> </a:t>
+            </a:r>
+            <a:r>
+              <a:rPr lang="ko-KR" altLang="en-US" sz="4000" dirty="0" smtClean="0">
+                <a:latin typeface="+mn-ea"/>
+              </a:rPr>
+              <a:t>요구사항정의서</a:t>
+            </a:r>
+            <a:endParaRPr lang="en-US" altLang="ko-KR" sz="4000" dirty="0" smtClean="0">
+              <a:latin typeface="+mn-ea"/>
+            </a:endParaRPr>
+          </a:p>
+          <a:p>
+            <a:pPr marL="342900" indent="-342900">
+              <a:lnSpc>
+                <a:spcPct val="150000"/>
+              </a:lnSpc>
+              <a:buAutoNum type="arabicPeriod"/>
+            </a:pPr>
+            <a:r>
+              <a:rPr lang="en-US" altLang="ko-KR" sz="4000" dirty="0">
+                <a:latin typeface="+mn-ea"/>
+              </a:rPr>
+              <a:t> </a:t>
+            </a:r>
+            <a:r>
+              <a:rPr lang="ko-KR" altLang="en-US" sz="4000" dirty="0" smtClean="0">
+                <a:latin typeface="+mn-ea"/>
+              </a:rPr>
+              <a:t>흐름도</a:t>
             </a:r>
             <a:endParaRPr lang="en-US" altLang="ko-KR" sz="4000" dirty="0">
               <a:latin typeface="+mn-ea"/>
@@ -4128,7 +4158,7 @@
           <p:cNvPr id="2" name="직사각형 1">
             <a:extLst>
               <a:ext uri="{FF2B5EF4-FFF2-40B4-BE49-F238E27FC236}">
-                <a16:creationId xmlns:a16="http://schemas.microsoft.com/office/drawing/2014/main" id="{8E5B996D-DF87-49E5-95D1-45B1EEB9EE9A}"/>
+                <a16:creationId xmlns:a16="http://schemas.microsoft.com/office/drawing/2014/main" xmlns="" id="{8E5B996D-DF87-49E5-95D1-45B1EEB9EE9A}"/>
               </a:ext>
             </a:extLst>
           </p:cNvPr>
@@ -4180,7 +4210,7 @@
           <p:cNvPr id="4" name="직사각형 3">
             <a:extLst>
               <a:ext uri="{FF2B5EF4-FFF2-40B4-BE49-F238E27FC236}">
-                <a16:creationId xmlns:a16="http://schemas.microsoft.com/office/drawing/2014/main" id="{080CEE4E-4BCA-42C3-BECA-9BCEB9931EEA}"/>
+                <a16:creationId xmlns:a16="http://schemas.microsoft.com/office/drawing/2014/main" xmlns="" id="{080CEE4E-4BCA-42C3-BECA-9BCEB9931EEA}"/>
               </a:ext>
             </a:extLst>
           </p:cNvPr>
@@ -4232,7 +4262,7 @@
           <p:cNvPr id="5" name="TextBox 4">
             <a:extLst>
               <a:ext uri="{FF2B5EF4-FFF2-40B4-BE49-F238E27FC236}">
-                <a16:creationId xmlns:a16="http://schemas.microsoft.com/office/drawing/2014/main" id="{D12B0B12-AB99-4F88-B4B2-948DADC833EA}"/>
+                <a16:creationId xmlns:a16="http://schemas.microsoft.com/office/drawing/2014/main" xmlns="" id="{D12B0B12-AB99-4F88-B4B2-948DADC833EA}"/>
               </a:ext>
             </a:extLst>
           </p:cNvPr>
@@ -4315,7 +4345,7 @@
           <p:cNvPr id="9" name="그림 8">
             <a:extLst>
               <a:ext uri="{FF2B5EF4-FFF2-40B4-BE49-F238E27FC236}">
-                <a16:creationId xmlns:a16="http://schemas.microsoft.com/office/drawing/2014/main" id="{0F0992E8-2696-42E6-805A-0C12780D8FA1}"/>
+                <a16:creationId xmlns:a16="http://schemas.microsoft.com/office/drawing/2014/main" xmlns="" id="{0F0992E8-2696-42E6-805A-0C12780D8FA1}"/>
               </a:ext>
             </a:extLst>
           </p:cNvPr>
@@ -4325,7 +4355,7 @@
           <p:nvPr/>
         </p:nvPicPr>
         <p:blipFill>
-          <a:blip r:embed="rId2">
+          <a:blip r:embed="rId2" cstate="print">
             <a:extLst>
               <a:ext uri="{28A0092B-C50C-407E-A947-70E740481C1C}">
                 <a14:useLocalDpi xmlns:a14="http://schemas.microsoft.com/office/drawing/2010/main" val="0"/>
@@ -4380,7 +4410,7 @@
           <p:cNvPr id="2" name="직사각형 1">
             <a:extLst>
               <a:ext uri="{FF2B5EF4-FFF2-40B4-BE49-F238E27FC236}">
-                <a16:creationId xmlns:a16="http://schemas.microsoft.com/office/drawing/2014/main" id="{8E5B996D-DF87-49E5-95D1-45B1EEB9EE9A}"/>
+                <a16:creationId xmlns:a16="http://schemas.microsoft.com/office/drawing/2014/main" xmlns="" id="{8E5B996D-DF87-49E5-95D1-45B1EEB9EE9A}"/>
               </a:ext>
             </a:extLst>
           </p:cNvPr>
@@ -4432,7 +4462,7 @@
           <p:cNvPr id="4" name="직사각형 3">
             <a:extLst>
               <a:ext uri="{FF2B5EF4-FFF2-40B4-BE49-F238E27FC236}">
-                <a16:creationId xmlns:a16="http://schemas.microsoft.com/office/drawing/2014/main" id="{080CEE4E-4BCA-42C3-BECA-9BCEB9931EEA}"/>
+                <a16:creationId xmlns:a16="http://schemas.microsoft.com/office/drawing/2014/main" xmlns="" id="{080CEE4E-4BCA-42C3-BECA-9BCEB9931EEA}"/>
               </a:ext>
             </a:extLst>
           </p:cNvPr>
@@ -4484,7 +4514,7 @@
           <p:cNvPr id="5" name="TextBox 4">
             <a:extLst>
               <a:ext uri="{FF2B5EF4-FFF2-40B4-BE49-F238E27FC236}">
-                <a16:creationId xmlns:a16="http://schemas.microsoft.com/office/drawing/2014/main" id="{D12B0B12-AB99-4F88-B4B2-948DADC833EA}"/>
+                <a16:creationId xmlns:a16="http://schemas.microsoft.com/office/drawing/2014/main" xmlns="" id="{D12B0B12-AB99-4F88-B4B2-948DADC833EA}"/>
               </a:ext>
             </a:extLst>
           </p:cNvPr>
@@ -4603,7 +4633,7 @@
           <p:cNvPr id="9" name="그림 8">
             <a:extLst>
               <a:ext uri="{FF2B5EF4-FFF2-40B4-BE49-F238E27FC236}">
-                <a16:creationId xmlns:a16="http://schemas.microsoft.com/office/drawing/2014/main" id="{0F0992E8-2696-42E6-805A-0C12780D8FA1}"/>
+                <a16:creationId xmlns:a16="http://schemas.microsoft.com/office/drawing/2014/main" xmlns="" id="{0F0992E8-2696-42E6-805A-0C12780D8FA1}"/>
               </a:ext>
             </a:extLst>
           </p:cNvPr>
@@ -4613,7 +4643,7 @@
           <p:nvPr/>
         </p:nvPicPr>
         <p:blipFill>
-          <a:blip r:embed="rId2">
+          <a:blip r:embed="rId2" cstate="print">
             <a:extLst>
               <a:ext uri="{28A0092B-C50C-407E-A947-70E740481C1C}">
                 <a14:useLocalDpi xmlns:a14="http://schemas.microsoft.com/office/drawing/2010/main" val="0"/>
@@ -4649,6 +4679,314 @@
 <file path=ppt/slides/slide5.xml><?xml version="1.0" encoding="utf-8"?>
 <p:sld xmlns:a="http://schemas.openxmlformats.org/drawingml/2006/main" xmlns:r="http://schemas.openxmlformats.org/officeDocument/2006/relationships" xmlns:p="http://schemas.openxmlformats.org/presentationml/2006/main">
   <p:cSld>
+    <p:spTree>
+      <p:nvGrpSpPr>
+        <p:cNvPr id="1" name=""/>
+        <p:cNvGrpSpPr/>
+        <p:nvPr/>
+      </p:nvGrpSpPr>
+      <p:grpSpPr>
+        <a:xfrm>
+          <a:off x="0" y="0"/>
+          <a:ext cx="0" cy="0"/>
+          <a:chOff x="0" y="0"/>
+          <a:chExt cx="0" cy="0"/>
+        </a:xfrm>
+      </p:grpSpPr>
+      <p:sp>
+        <p:nvSpPr>
+          <p:cNvPr id="2" name="직사각형 1">
+            <a:extLst>
+              <a:ext uri="{FF2B5EF4-FFF2-40B4-BE49-F238E27FC236}">
+                <a16:creationId xmlns:a16="http://schemas.microsoft.com/office/drawing/2014/main" xmlns="" id="{8E5B996D-DF87-49E5-95D1-45B1EEB9EE9A}"/>
+              </a:ext>
+            </a:extLst>
+          </p:cNvPr>
+          <p:cNvSpPr/>
+          <p:nvPr/>
+        </p:nvSpPr>
+        <p:spPr>
+          <a:xfrm>
+            <a:off x="0" y="0"/>
+            <a:ext cx="12192000" cy="108000"/>
+          </a:xfrm>
+          <a:prstGeom prst="rect">
+            <a:avLst/>
+          </a:prstGeom>
+          <a:solidFill>
+            <a:srgbClr val="FFD8D9"/>
+          </a:solidFill>
+          <a:ln>
+            <a:noFill/>
+          </a:ln>
+        </p:spPr>
+        <p:style>
+          <a:lnRef idx="2">
+            <a:schemeClr val="accent1">
+              <a:shade val="50000"/>
+            </a:schemeClr>
+          </a:lnRef>
+          <a:fillRef idx="1">
+            <a:schemeClr val="accent1"/>
+          </a:fillRef>
+          <a:effectRef idx="0">
+            <a:schemeClr val="accent1"/>
+          </a:effectRef>
+          <a:fontRef idx="minor">
+            <a:schemeClr val="lt1"/>
+          </a:fontRef>
+        </p:style>
+        <p:txBody>
+          <a:bodyPr rtlCol="0" anchor="ctr"/>
+          <a:lstStyle/>
+          <a:p>
+            <a:pPr algn="ctr"/>
+            <a:endParaRPr lang="ko-KR" altLang="en-US"/>
+          </a:p>
+        </p:txBody>
+      </p:sp>
+      <p:sp>
+        <p:nvSpPr>
+          <p:cNvPr id="4" name="직사각형 3">
+            <a:extLst>
+              <a:ext uri="{FF2B5EF4-FFF2-40B4-BE49-F238E27FC236}">
+                <a16:creationId xmlns:a16="http://schemas.microsoft.com/office/drawing/2014/main" xmlns="" id="{080CEE4E-4BCA-42C3-BECA-9BCEB9931EEA}"/>
+              </a:ext>
+            </a:extLst>
+          </p:cNvPr>
+          <p:cNvSpPr/>
+          <p:nvPr/>
+        </p:nvSpPr>
+        <p:spPr>
+          <a:xfrm>
+            <a:off x="0" y="6750000"/>
+            <a:ext cx="12192000" cy="108000"/>
+          </a:xfrm>
+          <a:prstGeom prst="rect">
+            <a:avLst/>
+          </a:prstGeom>
+          <a:solidFill>
+            <a:srgbClr val="FFD8D9"/>
+          </a:solidFill>
+          <a:ln>
+            <a:noFill/>
+          </a:ln>
+        </p:spPr>
+        <p:style>
+          <a:lnRef idx="2">
+            <a:schemeClr val="accent1">
+              <a:shade val="50000"/>
+            </a:schemeClr>
+          </a:lnRef>
+          <a:fillRef idx="1">
+            <a:schemeClr val="accent1"/>
+          </a:fillRef>
+          <a:effectRef idx="0">
+            <a:schemeClr val="accent1"/>
+          </a:effectRef>
+          <a:fontRef idx="minor">
+            <a:schemeClr val="lt1"/>
+          </a:fontRef>
+        </p:style>
+        <p:txBody>
+          <a:bodyPr rtlCol="0" anchor="ctr"/>
+          <a:lstStyle/>
+          <a:p>
+            <a:pPr algn="ctr"/>
+            <a:endParaRPr lang="ko-KR" altLang="en-US"/>
+          </a:p>
+        </p:txBody>
+      </p:sp>
+      <p:sp>
+        <p:nvSpPr>
+          <p:cNvPr id="5" name="TextBox 4">
+            <a:extLst>
+              <a:ext uri="{FF2B5EF4-FFF2-40B4-BE49-F238E27FC236}">
+                <a16:creationId xmlns:a16="http://schemas.microsoft.com/office/drawing/2014/main" xmlns="" id="{D12B0B12-AB99-4F88-B4B2-948DADC833EA}"/>
+              </a:ext>
+            </a:extLst>
+          </p:cNvPr>
+          <p:cNvSpPr txBox="1"/>
+          <p:nvPr/>
+        </p:nvSpPr>
+        <p:spPr>
+          <a:xfrm>
+            <a:off x="844734" y="93111"/>
+            <a:ext cx="3995325" cy="769441"/>
+          </a:xfrm>
+          <a:prstGeom prst="rect">
+            <a:avLst/>
+          </a:prstGeom>
+          <a:noFill/>
+        </p:spPr>
+        <p:txBody>
+          <a:bodyPr wrap="none" rtlCol="0">
+            <a:spAutoFit/>
+          </a:bodyPr>
+          <a:lstStyle/>
+          <a:p>
+            <a:r>
+              <a:rPr kumimoji="1" lang="en-US" altLang="ja-JP" sz="4400" b="1" spc="-150" dirty="0" err="1" smtClean="0">
+                <a:solidFill>
+                  <a:srgbClr val="FFCD2F"/>
+                </a:solidFill>
+                <a:effectLst>
+                  <a:outerShdw blurRad="38100" dist="38100" dir="2700000" algn="tl">
+                    <a:srgbClr val="000000">
+                      <a:alpha val="43137"/>
+                    </a:srgbClr>
+                  </a:outerShdw>
+                </a:effectLst>
+                <a:latin typeface="Calibri" panose="020F0502020204030204" pitchFamily="34" charset="0"/>
+                <a:cs typeface="Calibri" panose="020F0502020204030204" pitchFamily="34" charset="0"/>
+              </a:rPr>
+              <a:t>U</a:t>
+            </a:r>
+            <a:r>
+              <a:rPr kumimoji="1" lang="en-US" altLang="ja-JP" sz="4400" b="1" spc="-150" dirty="0" err="1" smtClean="0">
+                <a:solidFill>
+                  <a:schemeClr val="accent1">
+                    <a:lumMod val="75000"/>
+                  </a:schemeClr>
+                </a:solidFill>
+                <a:effectLst>
+                  <a:outerShdw blurRad="38100" dist="38100" dir="2700000" algn="tl">
+                    <a:srgbClr val="000000">
+                      <a:alpha val="43137"/>
+                    </a:srgbClr>
+                  </a:outerShdw>
+                </a:effectLst>
+                <a:latin typeface="Calibri" panose="020F0502020204030204" pitchFamily="34" charset="0"/>
+                <a:cs typeface="Calibri" panose="020F0502020204030204" pitchFamily="34" charset="0"/>
+              </a:rPr>
+              <a:t>secase</a:t>
+            </a:r>
+            <a:r>
+              <a:rPr kumimoji="1" lang="en-US" altLang="ja-JP" sz="4400" b="1" spc="-150" dirty="0" smtClean="0">
+                <a:solidFill>
+                  <a:schemeClr val="accent1">
+                    <a:lumMod val="75000"/>
+                  </a:schemeClr>
+                </a:solidFill>
+                <a:effectLst>
+                  <a:outerShdw blurRad="38100" dist="38100" dir="2700000" algn="tl">
+                    <a:srgbClr val="000000">
+                      <a:alpha val="43137"/>
+                    </a:srgbClr>
+                  </a:outerShdw>
+                </a:effectLst>
+                <a:latin typeface="Calibri" panose="020F0502020204030204" pitchFamily="34" charset="0"/>
+                <a:cs typeface="Calibri" panose="020F0502020204030204" pitchFamily="34" charset="0"/>
+              </a:rPr>
+              <a:t> </a:t>
+            </a:r>
+            <a:r>
+              <a:rPr kumimoji="1" lang="en-US" altLang="ja-JP" sz="4400" b="1" spc="-150" dirty="0" smtClean="0">
+                <a:solidFill>
+                  <a:srgbClr val="FFCD2F"/>
+                </a:solidFill>
+                <a:effectLst>
+                  <a:outerShdw blurRad="38100" dist="38100" dir="2700000" algn="tl">
+                    <a:srgbClr val="000000">
+                      <a:alpha val="43137"/>
+                    </a:srgbClr>
+                  </a:outerShdw>
+                </a:effectLst>
+                <a:latin typeface="Calibri" panose="020F0502020204030204" pitchFamily="34" charset="0"/>
+                <a:cs typeface="Calibri" panose="020F0502020204030204" pitchFamily="34" charset="0"/>
+              </a:rPr>
+              <a:t>D</a:t>
+            </a:r>
+            <a:r>
+              <a:rPr kumimoji="1" lang="en-US" altLang="ja-JP" sz="4400" b="1" spc="-150" dirty="0" smtClean="0">
+                <a:solidFill>
+                  <a:schemeClr val="accent1">
+                    <a:lumMod val="75000"/>
+                  </a:schemeClr>
+                </a:solidFill>
+                <a:effectLst>
+                  <a:outerShdw blurRad="38100" dist="38100" dir="2700000" algn="tl">
+                    <a:srgbClr val="000000">
+                      <a:alpha val="43137"/>
+                    </a:srgbClr>
+                  </a:outerShdw>
+                </a:effectLst>
+                <a:latin typeface="Calibri" panose="020F0502020204030204" pitchFamily="34" charset="0"/>
+                <a:cs typeface="Calibri" panose="020F0502020204030204" pitchFamily="34" charset="0"/>
+              </a:rPr>
+              <a:t>iagram</a:t>
+            </a:r>
+            <a:endParaRPr kumimoji="1" lang="ja-JP" altLang="en-US" sz="4400" b="1" spc="-150" dirty="0">
+              <a:solidFill>
+                <a:schemeClr val="accent1">
+                  <a:lumMod val="75000"/>
+                </a:schemeClr>
+              </a:solidFill>
+              <a:effectLst>
+                <a:outerShdw blurRad="38100" dist="38100" dir="2700000" algn="tl">
+                  <a:srgbClr val="000000">
+                    <a:alpha val="43137"/>
+                  </a:srgbClr>
+                </a:outerShdw>
+              </a:effectLst>
+              <a:latin typeface="Calibri" panose="020F0502020204030204" pitchFamily="34" charset="0"/>
+              <a:cs typeface="Calibri" panose="020F0502020204030204" pitchFamily="34" charset="0"/>
+            </a:endParaRPr>
+          </a:p>
+        </p:txBody>
+      </p:sp>
+      <p:pic>
+        <p:nvPicPr>
+          <p:cNvPr id="9" name="그림 8">
+            <a:extLst>
+              <a:ext uri="{FF2B5EF4-FFF2-40B4-BE49-F238E27FC236}">
+                <a16:creationId xmlns:a16="http://schemas.microsoft.com/office/drawing/2014/main" xmlns="" id="{0F0992E8-2696-42E6-805A-0C12780D8FA1}"/>
+              </a:ext>
+            </a:extLst>
+          </p:cNvPr>
+          <p:cNvPicPr>
+            <a:picLocks noChangeAspect="1"/>
+          </p:cNvPicPr>
+          <p:nvPr/>
+        </p:nvPicPr>
+        <p:blipFill>
+          <a:blip r:embed="rId2" cstate="print">
+            <a:extLst>
+              <a:ext uri="{28A0092B-C50C-407E-A947-70E740481C1C}">
+                <a14:useLocalDpi xmlns:a14="http://schemas.microsoft.com/office/drawing/2010/main" val="0"/>
+              </a:ext>
+            </a:extLst>
+          </a:blip>
+          <a:stretch>
+            <a:fillRect/>
+          </a:stretch>
+        </p:blipFill>
+        <p:spPr>
+          <a:xfrm>
+            <a:off x="124734" y="117832"/>
+            <a:ext cx="720000" cy="720000"/>
+          </a:xfrm>
+          <a:prstGeom prst="rect">
+            <a:avLst/>
+          </a:prstGeom>
+        </p:spPr>
+      </p:pic>
+    </p:spTree>
+    <p:extLst>
+      <p:ext uri="{BB962C8B-B14F-4D97-AF65-F5344CB8AC3E}">
+        <p14:creationId xmlns:p14="http://schemas.microsoft.com/office/powerpoint/2010/main" val="2436008397"/>
+      </p:ext>
+    </p:extLst>
+  </p:cSld>
+  <p:clrMapOvr>
+    <a:masterClrMapping/>
+  </p:clrMapOvr>
+</p:sld>
+</file>
+
+<file path=ppt/slides/slide6.xml><?xml version="1.0" encoding="utf-8"?>
+<p:sld xmlns:a="http://schemas.openxmlformats.org/drawingml/2006/main" xmlns:r="http://schemas.openxmlformats.org/officeDocument/2006/relationships" xmlns:p="http://schemas.openxmlformats.org/presentationml/2006/main">
+  <p:cSld>
     <p:bg>
       <p:bgPr>
         <a:solidFill>
@@ -4676,7 +5014,7 @@
           <p:cNvPr id="4" name="그림 3" descr="실내, 사람이(가) 표시된 사진&#10;&#10;자동 생성된 설명">
             <a:extLst>
               <a:ext uri="{FF2B5EF4-FFF2-40B4-BE49-F238E27FC236}">
-                <a16:creationId xmlns:a16="http://schemas.microsoft.com/office/drawing/2014/main" id="{4D077A45-DF2B-4618-9394-A141B13B1420}"/>
+                <a16:creationId xmlns:a16="http://schemas.microsoft.com/office/drawing/2014/main" xmlns="" id="{4D077A45-DF2B-4618-9394-A141B13B1420}"/>
               </a:ext>
             </a:extLst>
           </p:cNvPr>
@@ -4712,7 +5050,7 @@
           <p:cNvPr id="5" name="TextBox 4">
             <a:extLst>
               <a:ext uri="{FF2B5EF4-FFF2-40B4-BE49-F238E27FC236}">
-                <a16:creationId xmlns:a16="http://schemas.microsoft.com/office/drawing/2014/main" id="{23D82F33-5629-4A89-96F7-5348A5E7BF64}"/>
+                <a16:creationId xmlns:a16="http://schemas.microsoft.com/office/drawing/2014/main" xmlns="" id="{23D82F33-5629-4A89-96F7-5348A5E7BF64}"/>
               </a:ext>
             </a:extLst>
           </p:cNvPr>
@@ -4768,18 +5106,9 @@
   <p:clrMapOvr>
     <a:masterClrMapping/>
   </p:clrMapOvr>
-  <mc:AlternateContent xmlns:mc="http://schemas.openxmlformats.org/markup-compatibility/2006" xmlns:p159="http://schemas.microsoft.com/office/powerpoint/2015/09/main">
-    <mc:Choice Requires="p159">
-      <p:transition xmlns:p14="http://schemas.microsoft.com/office/powerpoint/2010/main" spd="slow" p14:dur="2000">
-        <p159:morph option="byObject"/>
-      </p:transition>
-    </mc:Choice>
-    <mc:Fallback xmlns="">
-      <p:transition spd="slow">
-        <p:fade/>
-      </p:transition>
-    </mc:Fallback>
-  </mc:AlternateContent>
+  <p:transition spd="slow">
+    <p:fade/>
+  </p:transition>
 </p:sld>
 </file>
 
@@ -4826,7 +5155,7 @@
     </a:clrScheme>
     <a:fontScheme name="Office">
       <a:majorFont>
-        <a:latin typeface="맑은 고딕" panose="020F0302020204030204"/>
+        <a:latin typeface="맑은 고딕"/>
         <a:ea typeface=""/>
         <a:cs typeface=""/>
         <a:font script="Jpan" typeface="游ゴシック Light"/>
@@ -4878,7 +5207,7 @@
         <a:font script="Tfng" typeface="Ebrima"/>
       </a:majorFont>
       <a:minorFont>
-        <a:latin typeface="맑은 고딕" panose="020F0502020204030204"/>
+        <a:latin typeface="맑은 고딕"/>
         <a:ea typeface=""/>
         <a:cs typeface=""/>
         <a:font script="Jpan" typeface="游ゴシック"/>
@@ -5072,7 +5401,7 @@
   <a:extraClrSchemeLst/>
   <a:extLst>
     <a:ext uri="{05A4C25C-085E-4340-85A3-A5531E510DB2}">
-      <thm15:themeFamily xmlns:thm15="http://schemas.microsoft.com/office/thememl/2012/main" name="Office Theme" id="{62F939B6-93AF-4DB8-9C6B-D6C7DFDC589F}" vid="{4A3C46E8-61CC-4603-A589-7422A47A8E4A}"/>
+      <thm15:themeFamily xmlns:thm15="http://schemas.microsoft.com/office/thememl/2012/main" xmlns="" name="Office Theme" id="{62F939B6-93AF-4DB8-9C6B-D6C7DFDC589F}" vid="{4A3C46E8-61CC-4603-A589-7422A47A8E4A}"/>
     </a:ext>
   </a:extLst>
 </a:theme>

--- a/반려동물관리서비스.pptx
+++ b/반려동물관리서비스.pptx
@@ -10,7 +10,8 @@
     <p:sldId id="281" r:id="rId4"/>
     <p:sldId id="283" r:id="rId5"/>
     <p:sldId id="284" r:id="rId6"/>
-    <p:sldId id="280" r:id="rId7"/>
+    <p:sldId id="285" r:id="rId7"/>
+    <p:sldId id="280" r:id="rId8"/>
   </p:sldIdLst>
   <p:sldSz cx="12192000" cy="6858000"/>
   <p:notesSz cx="6858000" cy="9144000"/>
@@ -134,7 +135,7 @@
           <p:cNvPr id="2" name="제목 1">
             <a:extLst>
               <a:ext uri="{FF2B5EF4-FFF2-40B4-BE49-F238E27FC236}">
-                <a16:creationId xmlns:a16="http://schemas.microsoft.com/office/drawing/2014/main" xmlns="" id="{9E5E4632-E9C2-430D-8860-5B671341959C}"/>
+                <a16:creationId xmlns="" xmlns:a16="http://schemas.microsoft.com/office/drawing/2014/main" id="{9E5E4632-E9C2-430D-8860-5B671341959C}"/>
               </a:ext>
             </a:extLst>
           </p:cNvPr>
@@ -171,7 +172,7 @@
           <p:cNvPr id="3" name="부제목 2">
             <a:extLst>
               <a:ext uri="{FF2B5EF4-FFF2-40B4-BE49-F238E27FC236}">
-                <a16:creationId xmlns:a16="http://schemas.microsoft.com/office/drawing/2014/main" xmlns="" id="{8516A487-29F9-4EB6-A4BF-CF7F6C176945}"/>
+                <a16:creationId xmlns="" xmlns:a16="http://schemas.microsoft.com/office/drawing/2014/main" id="{8516A487-29F9-4EB6-A4BF-CF7F6C176945}"/>
               </a:ext>
             </a:extLst>
           </p:cNvPr>
@@ -241,7 +242,7 @@
           <p:cNvPr id="4" name="날짜 개체 틀 3">
             <a:extLst>
               <a:ext uri="{FF2B5EF4-FFF2-40B4-BE49-F238E27FC236}">
-                <a16:creationId xmlns:a16="http://schemas.microsoft.com/office/drawing/2014/main" xmlns="" id="{5458794D-BF22-4D43-9B43-3407B0731DF3}"/>
+                <a16:creationId xmlns="" xmlns:a16="http://schemas.microsoft.com/office/drawing/2014/main" id="{5458794D-BF22-4D43-9B43-3407B0731DF3}"/>
               </a:ext>
             </a:extLst>
           </p:cNvPr>
@@ -270,7 +271,7 @@
           <p:cNvPr id="5" name="바닥글 개체 틀 4">
             <a:extLst>
               <a:ext uri="{FF2B5EF4-FFF2-40B4-BE49-F238E27FC236}">
-                <a16:creationId xmlns:a16="http://schemas.microsoft.com/office/drawing/2014/main" xmlns="" id="{B1CF189C-4CDA-41C3-A048-F232B4C4B8D2}"/>
+                <a16:creationId xmlns="" xmlns:a16="http://schemas.microsoft.com/office/drawing/2014/main" id="{B1CF189C-4CDA-41C3-A048-F232B4C4B8D2}"/>
               </a:ext>
             </a:extLst>
           </p:cNvPr>
@@ -295,7 +296,7 @@
           <p:cNvPr id="6" name="슬라이드 번호 개체 틀 5">
             <a:extLst>
               <a:ext uri="{FF2B5EF4-FFF2-40B4-BE49-F238E27FC236}">
-                <a16:creationId xmlns:a16="http://schemas.microsoft.com/office/drawing/2014/main" xmlns="" id="{BAF061BA-CD52-4A93-9968-2D177FB0947C}"/>
+                <a16:creationId xmlns="" xmlns:a16="http://schemas.microsoft.com/office/drawing/2014/main" id="{BAF061BA-CD52-4A93-9968-2D177FB0947C}"/>
               </a:ext>
             </a:extLst>
           </p:cNvPr>
@@ -354,7 +355,7 @@
           <p:cNvPr id="2" name="제목 1">
             <a:extLst>
               <a:ext uri="{FF2B5EF4-FFF2-40B4-BE49-F238E27FC236}">
-                <a16:creationId xmlns:a16="http://schemas.microsoft.com/office/drawing/2014/main" xmlns="" id="{C7E2F226-2DB6-4832-A3E8-E1A82BC8412B}"/>
+                <a16:creationId xmlns="" xmlns:a16="http://schemas.microsoft.com/office/drawing/2014/main" id="{C7E2F226-2DB6-4832-A3E8-E1A82BC8412B}"/>
               </a:ext>
             </a:extLst>
           </p:cNvPr>
@@ -382,7 +383,7 @@
           <p:cNvPr id="3" name="세로 텍스트 개체 틀 2">
             <a:extLst>
               <a:ext uri="{FF2B5EF4-FFF2-40B4-BE49-F238E27FC236}">
-                <a16:creationId xmlns:a16="http://schemas.microsoft.com/office/drawing/2014/main" xmlns="" id="{35E32266-CD01-4901-8FE7-5010FC0706F7}"/>
+                <a16:creationId xmlns="" xmlns:a16="http://schemas.microsoft.com/office/drawing/2014/main" id="{35E32266-CD01-4901-8FE7-5010FC0706F7}"/>
               </a:ext>
             </a:extLst>
           </p:cNvPr>
@@ -439,7 +440,7 @@
           <p:cNvPr id="4" name="날짜 개체 틀 3">
             <a:extLst>
               <a:ext uri="{FF2B5EF4-FFF2-40B4-BE49-F238E27FC236}">
-                <a16:creationId xmlns:a16="http://schemas.microsoft.com/office/drawing/2014/main" xmlns="" id="{8918B274-9924-4562-A19B-0EF8383C8F5F}"/>
+                <a16:creationId xmlns="" xmlns:a16="http://schemas.microsoft.com/office/drawing/2014/main" id="{8918B274-9924-4562-A19B-0EF8383C8F5F}"/>
               </a:ext>
             </a:extLst>
           </p:cNvPr>
@@ -468,7 +469,7 @@
           <p:cNvPr id="5" name="바닥글 개체 틀 4">
             <a:extLst>
               <a:ext uri="{FF2B5EF4-FFF2-40B4-BE49-F238E27FC236}">
-                <a16:creationId xmlns:a16="http://schemas.microsoft.com/office/drawing/2014/main" xmlns="" id="{48ABDFFA-1327-4FDA-A13E-DCF7D4AB5F2C}"/>
+                <a16:creationId xmlns="" xmlns:a16="http://schemas.microsoft.com/office/drawing/2014/main" id="{48ABDFFA-1327-4FDA-A13E-DCF7D4AB5F2C}"/>
               </a:ext>
             </a:extLst>
           </p:cNvPr>
@@ -493,7 +494,7 @@
           <p:cNvPr id="6" name="슬라이드 번호 개체 틀 5">
             <a:extLst>
               <a:ext uri="{FF2B5EF4-FFF2-40B4-BE49-F238E27FC236}">
-                <a16:creationId xmlns:a16="http://schemas.microsoft.com/office/drawing/2014/main" xmlns="" id="{7E941122-80C3-410F-B4B5-38B3C974463E}"/>
+                <a16:creationId xmlns="" xmlns:a16="http://schemas.microsoft.com/office/drawing/2014/main" id="{7E941122-80C3-410F-B4B5-38B3C974463E}"/>
               </a:ext>
             </a:extLst>
           </p:cNvPr>
@@ -552,7 +553,7 @@
           <p:cNvPr id="2" name="세로 제목 1">
             <a:extLst>
               <a:ext uri="{FF2B5EF4-FFF2-40B4-BE49-F238E27FC236}">
-                <a16:creationId xmlns:a16="http://schemas.microsoft.com/office/drawing/2014/main" xmlns="" id="{F39004B4-A2BB-4353-9490-3CFBF08BEECF}"/>
+                <a16:creationId xmlns="" xmlns:a16="http://schemas.microsoft.com/office/drawing/2014/main" id="{F39004B4-A2BB-4353-9490-3CFBF08BEECF}"/>
               </a:ext>
             </a:extLst>
           </p:cNvPr>
@@ -585,7 +586,7 @@
           <p:cNvPr id="3" name="세로 텍스트 개체 틀 2">
             <a:extLst>
               <a:ext uri="{FF2B5EF4-FFF2-40B4-BE49-F238E27FC236}">
-                <a16:creationId xmlns:a16="http://schemas.microsoft.com/office/drawing/2014/main" xmlns="" id="{17E252EA-6994-4BCF-9119-33B60AFB14F3}"/>
+                <a16:creationId xmlns="" xmlns:a16="http://schemas.microsoft.com/office/drawing/2014/main" id="{17E252EA-6994-4BCF-9119-33B60AFB14F3}"/>
               </a:ext>
             </a:extLst>
           </p:cNvPr>
@@ -647,7 +648,7 @@
           <p:cNvPr id="4" name="날짜 개체 틀 3">
             <a:extLst>
               <a:ext uri="{FF2B5EF4-FFF2-40B4-BE49-F238E27FC236}">
-                <a16:creationId xmlns:a16="http://schemas.microsoft.com/office/drawing/2014/main" xmlns="" id="{205F8584-D66D-4296-852C-CFABE2A758E0}"/>
+                <a16:creationId xmlns="" xmlns:a16="http://schemas.microsoft.com/office/drawing/2014/main" id="{205F8584-D66D-4296-852C-CFABE2A758E0}"/>
               </a:ext>
             </a:extLst>
           </p:cNvPr>
@@ -676,7 +677,7 @@
           <p:cNvPr id="5" name="바닥글 개체 틀 4">
             <a:extLst>
               <a:ext uri="{FF2B5EF4-FFF2-40B4-BE49-F238E27FC236}">
-                <a16:creationId xmlns:a16="http://schemas.microsoft.com/office/drawing/2014/main" xmlns="" id="{A78C3D8F-5F5B-47A5-9BBC-6F058C6ECD7E}"/>
+                <a16:creationId xmlns="" xmlns:a16="http://schemas.microsoft.com/office/drawing/2014/main" id="{A78C3D8F-5F5B-47A5-9BBC-6F058C6ECD7E}"/>
               </a:ext>
             </a:extLst>
           </p:cNvPr>
@@ -701,7 +702,7 @@
           <p:cNvPr id="6" name="슬라이드 번호 개체 틀 5">
             <a:extLst>
               <a:ext uri="{FF2B5EF4-FFF2-40B4-BE49-F238E27FC236}">
-                <a16:creationId xmlns:a16="http://schemas.microsoft.com/office/drawing/2014/main" xmlns="" id="{7E72ED3D-DC97-4CF5-A83F-A0F4CD5D3061}"/>
+                <a16:creationId xmlns="" xmlns:a16="http://schemas.microsoft.com/office/drawing/2014/main" id="{7E72ED3D-DC97-4CF5-A83F-A0F4CD5D3061}"/>
               </a:ext>
             </a:extLst>
           </p:cNvPr>
@@ -760,7 +761,7 @@
           <p:cNvPr id="2" name="제목 1">
             <a:extLst>
               <a:ext uri="{FF2B5EF4-FFF2-40B4-BE49-F238E27FC236}">
-                <a16:creationId xmlns:a16="http://schemas.microsoft.com/office/drawing/2014/main" xmlns="" id="{2478CD97-4610-41D5-9293-07E4F7EF8330}"/>
+                <a16:creationId xmlns="" xmlns:a16="http://schemas.microsoft.com/office/drawing/2014/main" id="{2478CD97-4610-41D5-9293-07E4F7EF8330}"/>
               </a:ext>
             </a:extLst>
           </p:cNvPr>
@@ -788,7 +789,7 @@
           <p:cNvPr id="3" name="내용 개체 틀 2">
             <a:extLst>
               <a:ext uri="{FF2B5EF4-FFF2-40B4-BE49-F238E27FC236}">
-                <a16:creationId xmlns:a16="http://schemas.microsoft.com/office/drawing/2014/main" xmlns="" id="{A4761A08-28DB-4E61-B23C-47F9FF94B03B}"/>
+                <a16:creationId xmlns="" xmlns:a16="http://schemas.microsoft.com/office/drawing/2014/main" id="{A4761A08-28DB-4E61-B23C-47F9FF94B03B}"/>
               </a:ext>
             </a:extLst>
           </p:cNvPr>
@@ -845,7 +846,7 @@
           <p:cNvPr id="4" name="날짜 개체 틀 3">
             <a:extLst>
               <a:ext uri="{FF2B5EF4-FFF2-40B4-BE49-F238E27FC236}">
-                <a16:creationId xmlns:a16="http://schemas.microsoft.com/office/drawing/2014/main" xmlns="" id="{8A0B1E4E-9D0C-4F38-8350-90F7893A1DD4}"/>
+                <a16:creationId xmlns="" xmlns:a16="http://schemas.microsoft.com/office/drawing/2014/main" id="{8A0B1E4E-9D0C-4F38-8350-90F7893A1DD4}"/>
               </a:ext>
             </a:extLst>
           </p:cNvPr>
@@ -874,7 +875,7 @@
           <p:cNvPr id="5" name="바닥글 개체 틀 4">
             <a:extLst>
               <a:ext uri="{FF2B5EF4-FFF2-40B4-BE49-F238E27FC236}">
-                <a16:creationId xmlns:a16="http://schemas.microsoft.com/office/drawing/2014/main" xmlns="" id="{3EB51119-FFCC-46AF-9F51-2823DEF4A6AF}"/>
+                <a16:creationId xmlns="" xmlns:a16="http://schemas.microsoft.com/office/drawing/2014/main" id="{3EB51119-FFCC-46AF-9F51-2823DEF4A6AF}"/>
               </a:ext>
             </a:extLst>
           </p:cNvPr>
@@ -899,7 +900,7 @@
           <p:cNvPr id="6" name="슬라이드 번호 개체 틀 5">
             <a:extLst>
               <a:ext uri="{FF2B5EF4-FFF2-40B4-BE49-F238E27FC236}">
-                <a16:creationId xmlns:a16="http://schemas.microsoft.com/office/drawing/2014/main" xmlns="" id="{5E5C2C86-356F-4ACF-9EEC-3B3D8462A39C}"/>
+                <a16:creationId xmlns="" xmlns:a16="http://schemas.microsoft.com/office/drawing/2014/main" id="{5E5C2C86-356F-4ACF-9EEC-3B3D8462A39C}"/>
               </a:ext>
             </a:extLst>
           </p:cNvPr>
@@ -958,7 +959,7 @@
           <p:cNvPr id="2" name="제목 1">
             <a:extLst>
               <a:ext uri="{FF2B5EF4-FFF2-40B4-BE49-F238E27FC236}">
-                <a16:creationId xmlns:a16="http://schemas.microsoft.com/office/drawing/2014/main" xmlns="" id="{DBF78962-7159-4DAF-9E07-D4AC9AFA9BC1}"/>
+                <a16:creationId xmlns="" xmlns:a16="http://schemas.microsoft.com/office/drawing/2014/main" id="{DBF78962-7159-4DAF-9E07-D4AC9AFA9BC1}"/>
               </a:ext>
             </a:extLst>
           </p:cNvPr>
@@ -995,7 +996,7 @@
           <p:cNvPr id="3" name="텍스트 개체 틀 2">
             <a:extLst>
               <a:ext uri="{FF2B5EF4-FFF2-40B4-BE49-F238E27FC236}">
-                <a16:creationId xmlns:a16="http://schemas.microsoft.com/office/drawing/2014/main" xmlns="" id="{FAB5D699-135E-49BA-9606-CB890CD5D6CE}"/>
+                <a16:creationId xmlns="" xmlns:a16="http://schemas.microsoft.com/office/drawing/2014/main" id="{FAB5D699-135E-49BA-9606-CB890CD5D6CE}"/>
               </a:ext>
             </a:extLst>
           </p:cNvPr>
@@ -1120,7 +1121,7 @@
           <p:cNvPr id="4" name="날짜 개체 틀 3">
             <a:extLst>
               <a:ext uri="{FF2B5EF4-FFF2-40B4-BE49-F238E27FC236}">
-                <a16:creationId xmlns:a16="http://schemas.microsoft.com/office/drawing/2014/main" xmlns="" id="{3717AFA4-E80B-48F1-B566-3D5FA0DCC2E5}"/>
+                <a16:creationId xmlns="" xmlns:a16="http://schemas.microsoft.com/office/drawing/2014/main" id="{3717AFA4-E80B-48F1-B566-3D5FA0DCC2E5}"/>
               </a:ext>
             </a:extLst>
           </p:cNvPr>
@@ -1149,7 +1150,7 @@
           <p:cNvPr id="5" name="바닥글 개체 틀 4">
             <a:extLst>
               <a:ext uri="{FF2B5EF4-FFF2-40B4-BE49-F238E27FC236}">
-                <a16:creationId xmlns:a16="http://schemas.microsoft.com/office/drawing/2014/main" xmlns="" id="{530C7227-51F8-4DD4-93DC-2046C220BC2B}"/>
+                <a16:creationId xmlns="" xmlns:a16="http://schemas.microsoft.com/office/drawing/2014/main" id="{530C7227-51F8-4DD4-93DC-2046C220BC2B}"/>
               </a:ext>
             </a:extLst>
           </p:cNvPr>
@@ -1174,7 +1175,7 @@
           <p:cNvPr id="6" name="슬라이드 번호 개체 틀 5">
             <a:extLst>
               <a:ext uri="{FF2B5EF4-FFF2-40B4-BE49-F238E27FC236}">
-                <a16:creationId xmlns:a16="http://schemas.microsoft.com/office/drawing/2014/main" xmlns="" id="{CF23AE0C-87AE-419F-8C21-C05064D5F98B}"/>
+                <a16:creationId xmlns="" xmlns:a16="http://schemas.microsoft.com/office/drawing/2014/main" id="{CF23AE0C-87AE-419F-8C21-C05064D5F98B}"/>
               </a:ext>
             </a:extLst>
           </p:cNvPr>
@@ -1233,7 +1234,7 @@
           <p:cNvPr id="2" name="제목 1">
             <a:extLst>
               <a:ext uri="{FF2B5EF4-FFF2-40B4-BE49-F238E27FC236}">
-                <a16:creationId xmlns:a16="http://schemas.microsoft.com/office/drawing/2014/main" xmlns="" id="{EF53F05C-1B53-4997-8D4F-574B40BFB6D2}"/>
+                <a16:creationId xmlns="" xmlns:a16="http://schemas.microsoft.com/office/drawing/2014/main" id="{EF53F05C-1B53-4997-8D4F-574B40BFB6D2}"/>
               </a:ext>
             </a:extLst>
           </p:cNvPr>
@@ -1261,7 +1262,7 @@
           <p:cNvPr id="3" name="내용 개체 틀 2">
             <a:extLst>
               <a:ext uri="{FF2B5EF4-FFF2-40B4-BE49-F238E27FC236}">
-                <a16:creationId xmlns:a16="http://schemas.microsoft.com/office/drawing/2014/main" xmlns="" id="{F2EE759F-A91E-45FB-BC0F-52B204A43CE5}"/>
+                <a16:creationId xmlns="" xmlns:a16="http://schemas.microsoft.com/office/drawing/2014/main" id="{F2EE759F-A91E-45FB-BC0F-52B204A43CE5}"/>
               </a:ext>
             </a:extLst>
           </p:cNvPr>
@@ -1323,7 +1324,7 @@
           <p:cNvPr id="4" name="내용 개체 틀 3">
             <a:extLst>
               <a:ext uri="{FF2B5EF4-FFF2-40B4-BE49-F238E27FC236}">
-                <a16:creationId xmlns:a16="http://schemas.microsoft.com/office/drawing/2014/main" xmlns="" id="{CBA814ED-B083-468B-A3B1-B0834E8C8212}"/>
+                <a16:creationId xmlns="" xmlns:a16="http://schemas.microsoft.com/office/drawing/2014/main" id="{CBA814ED-B083-468B-A3B1-B0834E8C8212}"/>
               </a:ext>
             </a:extLst>
           </p:cNvPr>
@@ -1385,7 +1386,7 @@
           <p:cNvPr id="5" name="날짜 개체 틀 4">
             <a:extLst>
               <a:ext uri="{FF2B5EF4-FFF2-40B4-BE49-F238E27FC236}">
-                <a16:creationId xmlns:a16="http://schemas.microsoft.com/office/drawing/2014/main" xmlns="" id="{877DEBD2-BAE9-4C14-A7E8-517148C14EED}"/>
+                <a16:creationId xmlns="" xmlns:a16="http://schemas.microsoft.com/office/drawing/2014/main" id="{877DEBD2-BAE9-4C14-A7E8-517148C14EED}"/>
               </a:ext>
             </a:extLst>
           </p:cNvPr>
@@ -1414,7 +1415,7 @@
           <p:cNvPr id="6" name="바닥글 개체 틀 5">
             <a:extLst>
               <a:ext uri="{FF2B5EF4-FFF2-40B4-BE49-F238E27FC236}">
-                <a16:creationId xmlns:a16="http://schemas.microsoft.com/office/drawing/2014/main" xmlns="" id="{2F72D31F-47DB-4B78-B8CC-AB9D0A4DCEC0}"/>
+                <a16:creationId xmlns="" xmlns:a16="http://schemas.microsoft.com/office/drawing/2014/main" id="{2F72D31F-47DB-4B78-B8CC-AB9D0A4DCEC0}"/>
               </a:ext>
             </a:extLst>
           </p:cNvPr>
@@ -1439,7 +1440,7 @@
           <p:cNvPr id="7" name="슬라이드 번호 개체 틀 6">
             <a:extLst>
               <a:ext uri="{FF2B5EF4-FFF2-40B4-BE49-F238E27FC236}">
-                <a16:creationId xmlns:a16="http://schemas.microsoft.com/office/drawing/2014/main" xmlns="" id="{F1B67971-49C1-46A6-BFE1-F14E5E9F87CF}"/>
+                <a16:creationId xmlns="" xmlns:a16="http://schemas.microsoft.com/office/drawing/2014/main" id="{F1B67971-49C1-46A6-BFE1-F14E5E9F87CF}"/>
               </a:ext>
             </a:extLst>
           </p:cNvPr>
@@ -1498,7 +1499,7 @@
           <p:cNvPr id="2" name="제목 1">
             <a:extLst>
               <a:ext uri="{FF2B5EF4-FFF2-40B4-BE49-F238E27FC236}">
-                <a16:creationId xmlns:a16="http://schemas.microsoft.com/office/drawing/2014/main" xmlns="" id="{E54246B1-789C-445A-A33C-EE193AF6AB31}"/>
+                <a16:creationId xmlns="" xmlns:a16="http://schemas.microsoft.com/office/drawing/2014/main" id="{E54246B1-789C-445A-A33C-EE193AF6AB31}"/>
               </a:ext>
             </a:extLst>
           </p:cNvPr>
@@ -1531,7 +1532,7 @@
           <p:cNvPr id="3" name="텍스트 개체 틀 2">
             <a:extLst>
               <a:ext uri="{FF2B5EF4-FFF2-40B4-BE49-F238E27FC236}">
-                <a16:creationId xmlns:a16="http://schemas.microsoft.com/office/drawing/2014/main" xmlns="" id="{C60DCCE6-A432-4D2A-810A-99E8AFAD1DD0}"/>
+                <a16:creationId xmlns="" xmlns:a16="http://schemas.microsoft.com/office/drawing/2014/main" id="{C60DCCE6-A432-4D2A-810A-99E8AFAD1DD0}"/>
               </a:ext>
             </a:extLst>
           </p:cNvPr>
@@ -1602,7 +1603,7 @@
           <p:cNvPr id="4" name="내용 개체 틀 3">
             <a:extLst>
               <a:ext uri="{FF2B5EF4-FFF2-40B4-BE49-F238E27FC236}">
-                <a16:creationId xmlns:a16="http://schemas.microsoft.com/office/drawing/2014/main" xmlns="" id="{16D0CEB2-1187-4252-AD05-8D872A1D3F3F}"/>
+                <a16:creationId xmlns="" xmlns:a16="http://schemas.microsoft.com/office/drawing/2014/main" id="{16D0CEB2-1187-4252-AD05-8D872A1D3F3F}"/>
               </a:ext>
             </a:extLst>
           </p:cNvPr>
@@ -1664,7 +1665,7 @@
           <p:cNvPr id="5" name="텍스트 개체 틀 4">
             <a:extLst>
               <a:ext uri="{FF2B5EF4-FFF2-40B4-BE49-F238E27FC236}">
-                <a16:creationId xmlns:a16="http://schemas.microsoft.com/office/drawing/2014/main" xmlns="" id="{5AE31809-3F66-4FEC-8D60-2F4D07A12196}"/>
+                <a16:creationId xmlns="" xmlns:a16="http://schemas.microsoft.com/office/drawing/2014/main" id="{5AE31809-3F66-4FEC-8D60-2F4D07A12196}"/>
               </a:ext>
             </a:extLst>
           </p:cNvPr>
@@ -1735,7 +1736,7 @@
           <p:cNvPr id="6" name="내용 개체 틀 5">
             <a:extLst>
               <a:ext uri="{FF2B5EF4-FFF2-40B4-BE49-F238E27FC236}">
-                <a16:creationId xmlns:a16="http://schemas.microsoft.com/office/drawing/2014/main" xmlns="" id="{A23AB223-7027-45B7-A59D-E463A79FDDD7}"/>
+                <a16:creationId xmlns="" xmlns:a16="http://schemas.microsoft.com/office/drawing/2014/main" id="{A23AB223-7027-45B7-A59D-E463A79FDDD7}"/>
               </a:ext>
             </a:extLst>
           </p:cNvPr>
@@ -1797,7 +1798,7 @@
           <p:cNvPr id="7" name="날짜 개체 틀 6">
             <a:extLst>
               <a:ext uri="{FF2B5EF4-FFF2-40B4-BE49-F238E27FC236}">
-                <a16:creationId xmlns:a16="http://schemas.microsoft.com/office/drawing/2014/main" xmlns="" id="{D2A2B8DD-7358-465C-8CC1-F71D7DE0E812}"/>
+                <a16:creationId xmlns="" xmlns:a16="http://schemas.microsoft.com/office/drawing/2014/main" id="{D2A2B8DD-7358-465C-8CC1-F71D7DE0E812}"/>
               </a:ext>
             </a:extLst>
           </p:cNvPr>
@@ -1826,7 +1827,7 @@
           <p:cNvPr id="8" name="바닥글 개체 틀 7">
             <a:extLst>
               <a:ext uri="{FF2B5EF4-FFF2-40B4-BE49-F238E27FC236}">
-                <a16:creationId xmlns:a16="http://schemas.microsoft.com/office/drawing/2014/main" xmlns="" id="{0D010038-A30A-4B64-BB25-7C3590F3E110}"/>
+                <a16:creationId xmlns="" xmlns:a16="http://schemas.microsoft.com/office/drawing/2014/main" id="{0D010038-A30A-4B64-BB25-7C3590F3E110}"/>
               </a:ext>
             </a:extLst>
           </p:cNvPr>
@@ -1851,7 +1852,7 @@
           <p:cNvPr id="9" name="슬라이드 번호 개체 틀 8">
             <a:extLst>
               <a:ext uri="{FF2B5EF4-FFF2-40B4-BE49-F238E27FC236}">
-                <a16:creationId xmlns:a16="http://schemas.microsoft.com/office/drawing/2014/main" xmlns="" id="{65054B27-799F-4A0D-8BE0-631E52465DC1}"/>
+                <a16:creationId xmlns="" xmlns:a16="http://schemas.microsoft.com/office/drawing/2014/main" id="{65054B27-799F-4A0D-8BE0-631E52465DC1}"/>
               </a:ext>
             </a:extLst>
           </p:cNvPr>
@@ -1910,7 +1911,7 @@
           <p:cNvPr id="2" name="제목 1">
             <a:extLst>
               <a:ext uri="{FF2B5EF4-FFF2-40B4-BE49-F238E27FC236}">
-                <a16:creationId xmlns:a16="http://schemas.microsoft.com/office/drawing/2014/main" xmlns="" id="{C485E51C-A240-4608-92DA-E50F807F41C0}"/>
+                <a16:creationId xmlns="" xmlns:a16="http://schemas.microsoft.com/office/drawing/2014/main" id="{C485E51C-A240-4608-92DA-E50F807F41C0}"/>
               </a:ext>
             </a:extLst>
           </p:cNvPr>
@@ -1938,7 +1939,7 @@
           <p:cNvPr id="3" name="날짜 개체 틀 2">
             <a:extLst>
               <a:ext uri="{FF2B5EF4-FFF2-40B4-BE49-F238E27FC236}">
-                <a16:creationId xmlns:a16="http://schemas.microsoft.com/office/drawing/2014/main" xmlns="" id="{2B851E15-AFBE-4FC3-8B78-027D54EB8877}"/>
+                <a16:creationId xmlns="" xmlns:a16="http://schemas.microsoft.com/office/drawing/2014/main" id="{2B851E15-AFBE-4FC3-8B78-027D54EB8877}"/>
               </a:ext>
             </a:extLst>
           </p:cNvPr>
@@ -1967,7 +1968,7 @@
           <p:cNvPr id="4" name="바닥글 개체 틀 3">
             <a:extLst>
               <a:ext uri="{FF2B5EF4-FFF2-40B4-BE49-F238E27FC236}">
-                <a16:creationId xmlns:a16="http://schemas.microsoft.com/office/drawing/2014/main" xmlns="" id="{5FEBB580-75E4-48D4-AEF3-E10C58CF6EA4}"/>
+                <a16:creationId xmlns="" xmlns:a16="http://schemas.microsoft.com/office/drawing/2014/main" id="{5FEBB580-75E4-48D4-AEF3-E10C58CF6EA4}"/>
               </a:ext>
             </a:extLst>
           </p:cNvPr>
@@ -1992,7 +1993,7 @@
           <p:cNvPr id="5" name="슬라이드 번호 개체 틀 4">
             <a:extLst>
               <a:ext uri="{FF2B5EF4-FFF2-40B4-BE49-F238E27FC236}">
-                <a16:creationId xmlns:a16="http://schemas.microsoft.com/office/drawing/2014/main" xmlns="" id="{BF32AC2E-0C50-4FB0-8820-A7AC6BDE4173}"/>
+                <a16:creationId xmlns="" xmlns:a16="http://schemas.microsoft.com/office/drawing/2014/main" id="{BF32AC2E-0C50-4FB0-8820-A7AC6BDE4173}"/>
               </a:ext>
             </a:extLst>
           </p:cNvPr>
@@ -2051,7 +2052,7 @@
           <p:cNvPr id="2" name="날짜 개체 틀 1">
             <a:extLst>
               <a:ext uri="{FF2B5EF4-FFF2-40B4-BE49-F238E27FC236}">
-                <a16:creationId xmlns:a16="http://schemas.microsoft.com/office/drawing/2014/main" xmlns="" id="{2C192448-72D9-4BA8-A3A5-9279810622F2}"/>
+                <a16:creationId xmlns="" xmlns:a16="http://schemas.microsoft.com/office/drawing/2014/main" id="{2C192448-72D9-4BA8-A3A5-9279810622F2}"/>
               </a:ext>
             </a:extLst>
           </p:cNvPr>
@@ -2080,7 +2081,7 @@
           <p:cNvPr id="3" name="바닥글 개체 틀 2">
             <a:extLst>
               <a:ext uri="{FF2B5EF4-FFF2-40B4-BE49-F238E27FC236}">
-                <a16:creationId xmlns:a16="http://schemas.microsoft.com/office/drawing/2014/main" xmlns="" id="{6A464358-B5B5-49B6-9CA3-2BE74CF87DC8}"/>
+                <a16:creationId xmlns="" xmlns:a16="http://schemas.microsoft.com/office/drawing/2014/main" id="{6A464358-B5B5-49B6-9CA3-2BE74CF87DC8}"/>
               </a:ext>
             </a:extLst>
           </p:cNvPr>
@@ -2105,7 +2106,7 @@
           <p:cNvPr id="4" name="슬라이드 번호 개체 틀 3">
             <a:extLst>
               <a:ext uri="{FF2B5EF4-FFF2-40B4-BE49-F238E27FC236}">
-                <a16:creationId xmlns:a16="http://schemas.microsoft.com/office/drawing/2014/main" xmlns="" id="{5B606F01-6E92-4C16-A968-94433D122A35}"/>
+                <a16:creationId xmlns="" xmlns:a16="http://schemas.microsoft.com/office/drawing/2014/main" id="{5B606F01-6E92-4C16-A968-94433D122A35}"/>
               </a:ext>
             </a:extLst>
           </p:cNvPr>
@@ -2164,7 +2165,7 @@
           <p:cNvPr id="2" name="제목 1">
             <a:extLst>
               <a:ext uri="{FF2B5EF4-FFF2-40B4-BE49-F238E27FC236}">
-                <a16:creationId xmlns:a16="http://schemas.microsoft.com/office/drawing/2014/main" xmlns="" id="{78C9915E-4301-4868-A5EC-6F607A83BF22}"/>
+                <a16:creationId xmlns="" xmlns:a16="http://schemas.microsoft.com/office/drawing/2014/main" id="{78C9915E-4301-4868-A5EC-6F607A83BF22}"/>
               </a:ext>
             </a:extLst>
           </p:cNvPr>
@@ -2201,7 +2202,7 @@
           <p:cNvPr id="3" name="내용 개체 틀 2">
             <a:extLst>
               <a:ext uri="{FF2B5EF4-FFF2-40B4-BE49-F238E27FC236}">
-                <a16:creationId xmlns:a16="http://schemas.microsoft.com/office/drawing/2014/main" xmlns="" id="{4507BFFD-DC79-4CFE-A2B2-BACA06190953}"/>
+                <a16:creationId xmlns="" xmlns:a16="http://schemas.microsoft.com/office/drawing/2014/main" id="{4507BFFD-DC79-4CFE-A2B2-BACA06190953}"/>
               </a:ext>
             </a:extLst>
           </p:cNvPr>
@@ -2291,7 +2292,7 @@
           <p:cNvPr id="4" name="텍스트 개체 틀 3">
             <a:extLst>
               <a:ext uri="{FF2B5EF4-FFF2-40B4-BE49-F238E27FC236}">
-                <a16:creationId xmlns:a16="http://schemas.microsoft.com/office/drawing/2014/main" xmlns="" id="{9A00C531-2EB8-4478-9A6C-4CD6FE675072}"/>
+                <a16:creationId xmlns="" xmlns:a16="http://schemas.microsoft.com/office/drawing/2014/main" id="{9A00C531-2EB8-4478-9A6C-4CD6FE675072}"/>
               </a:ext>
             </a:extLst>
           </p:cNvPr>
@@ -2362,7 +2363,7 @@
           <p:cNvPr id="5" name="날짜 개체 틀 4">
             <a:extLst>
               <a:ext uri="{FF2B5EF4-FFF2-40B4-BE49-F238E27FC236}">
-                <a16:creationId xmlns:a16="http://schemas.microsoft.com/office/drawing/2014/main" xmlns="" id="{8B9102F9-10D2-4689-A3F0-BD4C609347E9}"/>
+                <a16:creationId xmlns="" xmlns:a16="http://schemas.microsoft.com/office/drawing/2014/main" id="{8B9102F9-10D2-4689-A3F0-BD4C609347E9}"/>
               </a:ext>
             </a:extLst>
           </p:cNvPr>
@@ -2391,7 +2392,7 @@
           <p:cNvPr id="6" name="바닥글 개체 틀 5">
             <a:extLst>
               <a:ext uri="{FF2B5EF4-FFF2-40B4-BE49-F238E27FC236}">
-                <a16:creationId xmlns:a16="http://schemas.microsoft.com/office/drawing/2014/main" xmlns="" id="{D7F39764-04A1-4A55-9A18-7F042A006344}"/>
+                <a16:creationId xmlns="" xmlns:a16="http://schemas.microsoft.com/office/drawing/2014/main" id="{D7F39764-04A1-4A55-9A18-7F042A006344}"/>
               </a:ext>
             </a:extLst>
           </p:cNvPr>
@@ -2416,7 +2417,7 @@
           <p:cNvPr id="7" name="슬라이드 번호 개체 틀 6">
             <a:extLst>
               <a:ext uri="{FF2B5EF4-FFF2-40B4-BE49-F238E27FC236}">
-                <a16:creationId xmlns:a16="http://schemas.microsoft.com/office/drawing/2014/main" xmlns="" id="{34225F41-6CDF-4265-BBB3-81FCF28FB82A}"/>
+                <a16:creationId xmlns="" xmlns:a16="http://schemas.microsoft.com/office/drawing/2014/main" id="{34225F41-6CDF-4265-BBB3-81FCF28FB82A}"/>
               </a:ext>
             </a:extLst>
           </p:cNvPr>
@@ -2475,7 +2476,7 @@
           <p:cNvPr id="2" name="제목 1">
             <a:extLst>
               <a:ext uri="{FF2B5EF4-FFF2-40B4-BE49-F238E27FC236}">
-                <a16:creationId xmlns:a16="http://schemas.microsoft.com/office/drawing/2014/main" xmlns="" id="{E1595260-FA6D-4888-ADF7-F499EEC9CAF3}"/>
+                <a16:creationId xmlns="" xmlns:a16="http://schemas.microsoft.com/office/drawing/2014/main" id="{E1595260-FA6D-4888-ADF7-F499EEC9CAF3}"/>
               </a:ext>
             </a:extLst>
           </p:cNvPr>
@@ -2512,7 +2513,7 @@
           <p:cNvPr id="3" name="그림 개체 틀 2">
             <a:extLst>
               <a:ext uri="{FF2B5EF4-FFF2-40B4-BE49-F238E27FC236}">
-                <a16:creationId xmlns:a16="http://schemas.microsoft.com/office/drawing/2014/main" xmlns="" id="{83A50628-D8CA-4077-960A-F39CE72B43AC}"/>
+                <a16:creationId xmlns="" xmlns:a16="http://schemas.microsoft.com/office/drawing/2014/main" id="{83A50628-D8CA-4077-960A-F39CE72B43AC}"/>
               </a:ext>
             </a:extLst>
           </p:cNvPr>
@@ -2579,7 +2580,7 @@
           <p:cNvPr id="4" name="텍스트 개체 틀 3">
             <a:extLst>
               <a:ext uri="{FF2B5EF4-FFF2-40B4-BE49-F238E27FC236}">
-                <a16:creationId xmlns:a16="http://schemas.microsoft.com/office/drawing/2014/main" xmlns="" id="{19E7AA03-FBD8-4A50-A92B-5AC38CFD2159}"/>
+                <a16:creationId xmlns="" xmlns:a16="http://schemas.microsoft.com/office/drawing/2014/main" id="{19E7AA03-FBD8-4A50-A92B-5AC38CFD2159}"/>
               </a:ext>
             </a:extLst>
           </p:cNvPr>
@@ -2650,7 +2651,7 @@
           <p:cNvPr id="5" name="날짜 개체 틀 4">
             <a:extLst>
               <a:ext uri="{FF2B5EF4-FFF2-40B4-BE49-F238E27FC236}">
-                <a16:creationId xmlns:a16="http://schemas.microsoft.com/office/drawing/2014/main" xmlns="" id="{68D9E59A-44BD-4C8B-A629-A61BC819DCDC}"/>
+                <a16:creationId xmlns="" xmlns:a16="http://schemas.microsoft.com/office/drawing/2014/main" id="{68D9E59A-44BD-4C8B-A629-A61BC819DCDC}"/>
               </a:ext>
             </a:extLst>
           </p:cNvPr>
@@ -2679,7 +2680,7 @@
           <p:cNvPr id="6" name="바닥글 개체 틀 5">
             <a:extLst>
               <a:ext uri="{FF2B5EF4-FFF2-40B4-BE49-F238E27FC236}">
-                <a16:creationId xmlns:a16="http://schemas.microsoft.com/office/drawing/2014/main" xmlns="" id="{1D2B7321-A165-476B-A4ED-83B774277E09}"/>
+                <a16:creationId xmlns="" xmlns:a16="http://schemas.microsoft.com/office/drawing/2014/main" id="{1D2B7321-A165-476B-A4ED-83B774277E09}"/>
               </a:ext>
             </a:extLst>
           </p:cNvPr>
@@ -2704,7 +2705,7 @@
           <p:cNvPr id="7" name="슬라이드 번호 개체 틀 6">
             <a:extLst>
               <a:ext uri="{FF2B5EF4-FFF2-40B4-BE49-F238E27FC236}">
-                <a16:creationId xmlns:a16="http://schemas.microsoft.com/office/drawing/2014/main" xmlns="" id="{07F02D81-149F-45ED-BBC5-576EF0493F03}"/>
+                <a16:creationId xmlns="" xmlns:a16="http://schemas.microsoft.com/office/drawing/2014/main" id="{07F02D81-149F-45ED-BBC5-576EF0493F03}"/>
               </a:ext>
             </a:extLst>
           </p:cNvPr>
@@ -2768,7 +2769,7 @@
           <p:cNvPr id="2" name="제목 개체 틀 1">
             <a:extLst>
               <a:ext uri="{FF2B5EF4-FFF2-40B4-BE49-F238E27FC236}">
-                <a16:creationId xmlns:a16="http://schemas.microsoft.com/office/drawing/2014/main" xmlns="" id="{738525D4-1253-4608-9D52-B7981AC4FCC8}"/>
+                <a16:creationId xmlns="" xmlns:a16="http://schemas.microsoft.com/office/drawing/2014/main" id="{738525D4-1253-4608-9D52-B7981AC4FCC8}"/>
               </a:ext>
             </a:extLst>
           </p:cNvPr>
@@ -2806,7 +2807,7 @@
           <p:cNvPr id="3" name="텍스트 개체 틀 2">
             <a:extLst>
               <a:ext uri="{FF2B5EF4-FFF2-40B4-BE49-F238E27FC236}">
-                <a16:creationId xmlns:a16="http://schemas.microsoft.com/office/drawing/2014/main" xmlns="" id="{0D5AEAAA-7600-4903-ACEF-1D36CDCD268E}"/>
+                <a16:creationId xmlns="" xmlns:a16="http://schemas.microsoft.com/office/drawing/2014/main" id="{0D5AEAAA-7600-4903-ACEF-1D36CDCD268E}"/>
               </a:ext>
             </a:extLst>
           </p:cNvPr>
@@ -2873,7 +2874,7 @@
           <p:cNvPr id="4" name="날짜 개체 틀 3">
             <a:extLst>
               <a:ext uri="{FF2B5EF4-FFF2-40B4-BE49-F238E27FC236}">
-                <a16:creationId xmlns:a16="http://schemas.microsoft.com/office/drawing/2014/main" xmlns="" id="{4DC8EC6A-27D7-4EF9-B45D-C2D39B14F126}"/>
+                <a16:creationId xmlns="" xmlns:a16="http://schemas.microsoft.com/office/drawing/2014/main" id="{4DC8EC6A-27D7-4EF9-B45D-C2D39B14F126}"/>
               </a:ext>
             </a:extLst>
           </p:cNvPr>
@@ -2920,7 +2921,7 @@
           <p:cNvPr id="5" name="바닥글 개체 틀 4">
             <a:extLst>
               <a:ext uri="{FF2B5EF4-FFF2-40B4-BE49-F238E27FC236}">
-                <a16:creationId xmlns:a16="http://schemas.microsoft.com/office/drawing/2014/main" xmlns="" id="{260EB541-017D-4B3F-9895-2DFE884EA7DA}"/>
+                <a16:creationId xmlns="" xmlns:a16="http://schemas.microsoft.com/office/drawing/2014/main" id="{260EB541-017D-4B3F-9895-2DFE884EA7DA}"/>
               </a:ext>
             </a:extLst>
           </p:cNvPr>
@@ -2963,7 +2964,7 @@
           <p:cNvPr id="6" name="슬라이드 번호 개체 틀 5">
             <a:extLst>
               <a:ext uri="{FF2B5EF4-FFF2-40B4-BE49-F238E27FC236}">
-                <a16:creationId xmlns:a16="http://schemas.microsoft.com/office/drawing/2014/main" xmlns="" id="{51440F6D-AE56-4BC9-B00D-4A215980C939}"/>
+                <a16:creationId xmlns="" xmlns:a16="http://schemas.microsoft.com/office/drawing/2014/main" id="{51440F6D-AE56-4BC9-B00D-4A215980C939}"/>
               </a:ext>
             </a:extLst>
           </p:cNvPr>
@@ -3339,7 +3340,7 @@
           <p:cNvPr id="3" name="부제목 2">
             <a:extLst>
               <a:ext uri="{FF2B5EF4-FFF2-40B4-BE49-F238E27FC236}">
-                <a16:creationId xmlns:a16="http://schemas.microsoft.com/office/drawing/2014/main" xmlns="" id="{84DAC65C-FE20-4D6D-AFFA-57D16B16FADF}"/>
+                <a16:creationId xmlns="" xmlns:a16="http://schemas.microsoft.com/office/drawing/2014/main" id="{84DAC65C-FE20-4D6D-AFFA-57D16B16FADF}"/>
               </a:ext>
             </a:extLst>
           </p:cNvPr>
@@ -3379,7 +3380,7 @@
           <p:cNvPr id="9" name="그림 8">
             <a:extLst>
               <a:ext uri="{FF2B5EF4-FFF2-40B4-BE49-F238E27FC236}">
-                <a16:creationId xmlns:a16="http://schemas.microsoft.com/office/drawing/2014/main" xmlns="" id="{58A568A6-F904-4025-9A14-67F5B32BB43F}"/>
+                <a16:creationId xmlns="" xmlns:a16="http://schemas.microsoft.com/office/drawing/2014/main" id="{58A568A6-F904-4025-9A14-67F5B32BB43F}"/>
               </a:ext>
             </a:extLst>
           </p:cNvPr>
@@ -3408,7 +3409,7 @@
           <p:cNvPr id="6" name="正方形/長方形 1">
             <a:extLst>
               <a:ext uri="{FF2B5EF4-FFF2-40B4-BE49-F238E27FC236}">
-                <a16:creationId xmlns:a16="http://schemas.microsoft.com/office/drawing/2014/main" xmlns="" id="{3DB5B2C5-F5B3-4CC9-BEAC-DB38B7D18AB0}"/>
+                <a16:creationId xmlns="" xmlns:a16="http://schemas.microsoft.com/office/drawing/2014/main" id="{3DB5B2C5-F5B3-4CC9-BEAC-DB38B7D18AB0}"/>
               </a:ext>
             </a:extLst>
           </p:cNvPr>
@@ -3460,7 +3461,7 @@
           <p:cNvPr id="5" name="그림 4">
             <a:extLst>
               <a:ext uri="{FF2B5EF4-FFF2-40B4-BE49-F238E27FC236}">
-                <a16:creationId xmlns:a16="http://schemas.microsoft.com/office/drawing/2014/main" xmlns="" id="{70CD73FB-6A8C-4053-8E55-05DD338095CE}"/>
+                <a16:creationId xmlns="" xmlns:a16="http://schemas.microsoft.com/office/drawing/2014/main" id="{70CD73FB-6A8C-4053-8E55-05DD338095CE}"/>
               </a:ext>
             </a:extLst>
           </p:cNvPr>
@@ -3496,7 +3497,7 @@
           <p:cNvPr id="10" name="TextBox 9">
             <a:extLst>
               <a:ext uri="{FF2B5EF4-FFF2-40B4-BE49-F238E27FC236}">
-                <a16:creationId xmlns:a16="http://schemas.microsoft.com/office/drawing/2014/main" xmlns="" id="{FE48E1B1-BE68-4CDF-B1A5-546E3D5FD453}"/>
+                <a16:creationId xmlns="" xmlns:a16="http://schemas.microsoft.com/office/drawing/2014/main" id="{FE48E1B1-BE68-4CDF-B1A5-546E3D5FD453}"/>
               </a:ext>
             </a:extLst>
           </p:cNvPr>
@@ -3653,7 +3654,7 @@
           <p:cNvPr id="15" name="그룹 14">
             <a:extLst>
               <a:ext uri="{FF2B5EF4-FFF2-40B4-BE49-F238E27FC236}">
-                <a16:creationId xmlns:a16="http://schemas.microsoft.com/office/drawing/2014/main" xmlns="" id="{B7536413-EBBF-45BD-956C-DBF04F557F50}"/>
+                <a16:creationId xmlns="" xmlns:a16="http://schemas.microsoft.com/office/drawing/2014/main" id="{B7536413-EBBF-45BD-956C-DBF04F557F50}"/>
               </a:ext>
             </a:extLst>
           </p:cNvPr>
@@ -3673,7 +3674,7 @@
             <p:cNvPr id="8" name="직사각형 7">
               <a:extLst>
                 <a:ext uri="{FF2B5EF4-FFF2-40B4-BE49-F238E27FC236}">
-                  <a16:creationId xmlns:a16="http://schemas.microsoft.com/office/drawing/2014/main" xmlns="" id="{F11A9128-76C8-4335-872F-E85671129C65}"/>
+                  <a16:creationId xmlns="" xmlns:a16="http://schemas.microsoft.com/office/drawing/2014/main" id="{F11A9128-76C8-4335-872F-E85671129C65}"/>
                 </a:ext>
               </a:extLst>
             </p:cNvPr>
@@ -3725,7 +3726,7 @@
             <p:cNvPr id="14" name="이등변 삼각형 13">
               <a:extLst>
                 <a:ext uri="{FF2B5EF4-FFF2-40B4-BE49-F238E27FC236}">
-                  <a16:creationId xmlns:a16="http://schemas.microsoft.com/office/drawing/2014/main" xmlns="" id="{2C330ABB-6ACB-46E7-B89D-15EBDBF22119}"/>
+                  <a16:creationId xmlns="" xmlns:a16="http://schemas.microsoft.com/office/drawing/2014/main" id="{2C330ABB-6ACB-46E7-B89D-15EBDBF22119}"/>
                 </a:ext>
               </a:extLst>
             </p:cNvPr>
@@ -3778,7 +3779,7 @@
           <p:cNvPr id="2" name="직사각형 1">
             <a:extLst>
               <a:ext uri="{FF2B5EF4-FFF2-40B4-BE49-F238E27FC236}">
-                <a16:creationId xmlns:a16="http://schemas.microsoft.com/office/drawing/2014/main" xmlns="" id="{8E5B996D-DF87-49E5-95D1-45B1EEB9EE9A}"/>
+                <a16:creationId xmlns="" xmlns:a16="http://schemas.microsoft.com/office/drawing/2014/main" id="{8E5B996D-DF87-49E5-95D1-45B1EEB9EE9A}"/>
               </a:ext>
             </a:extLst>
           </p:cNvPr>
@@ -3830,7 +3831,7 @@
           <p:cNvPr id="4" name="직사각형 3">
             <a:extLst>
               <a:ext uri="{FF2B5EF4-FFF2-40B4-BE49-F238E27FC236}">
-                <a16:creationId xmlns:a16="http://schemas.microsoft.com/office/drawing/2014/main" xmlns="" id="{080CEE4E-4BCA-42C3-BECA-9BCEB9931EEA}"/>
+                <a16:creationId xmlns="" xmlns:a16="http://schemas.microsoft.com/office/drawing/2014/main" id="{080CEE4E-4BCA-42C3-BECA-9BCEB9931EEA}"/>
               </a:ext>
             </a:extLst>
           </p:cNvPr>
@@ -3882,7 +3883,7 @@
           <p:cNvPr id="5" name="TextBox 4">
             <a:extLst>
               <a:ext uri="{FF2B5EF4-FFF2-40B4-BE49-F238E27FC236}">
-                <a16:creationId xmlns:a16="http://schemas.microsoft.com/office/drawing/2014/main" xmlns="" id="{D12B0B12-AB99-4F88-B4B2-948DADC833EA}"/>
+                <a16:creationId xmlns="" xmlns:a16="http://schemas.microsoft.com/office/drawing/2014/main" id="{D12B0B12-AB99-4F88-B4B2-948DADC833EA}"/>
               </a:ext>
             </a:extLst>
           </p:cNvPr>
@@ -4001,7 +4002,7 @@
           <p:cNvPr id="9" name="그림 8">
             <a:extLst>
               <a:ext uri="{FF2B5EF4-FFF2-40B4-BE49-F238E27FC236}">
-                <a16:creationId xmlns:a16="http://schemas.microsoft.com/office/drawing/2014/main" xmlns="" id="{0F0992E8-2696-42E6-805A-0C12780D8FA1}"/>
+                <a16:creationId xmlns="" xmlns:a16="http://schemas.microsoft.com/office/drawing/2014/main" id="{0F0992E8-2696-42E6-805A-0C12780D8FA1}"/>
               </a:ext>
             </a:extLst>
           </p:cNvPr>
@@ -4036,7 +4037,7 @@
           <p:cNvPr id="12" name="TextBox 11">
             <a:extLst>
               <a:ext uri="{FF2B5EF4-FFF2-40B4-BE49-F238E27FC236}">
-                <a16:creationId xmlns:a16="http://schemas.microsoft.com/office/drawing/2014/main" xmlns="" id="{7FA4A435-72AD-4E57-8841-4A73CE0EA391}"/>
+                <a16:creationId xmlns="" xmlns:a16="http://schemas.microsoft.com/office/drawing/2014/main" id="{7FA4A435-72AD-4E57-8841-4A73CE0EA391}"/>
               </a:ext>
             </a:extLst>
           </p:cNvPr>
@@ -4045,8 +4046,8 @@
         </p:nvSpPr>
         <p:spPr>
           <a:xfrm>
-            <a:off x="6025694" y="1997839"/>
-            <a:ext cx="4350871" cy="2862322"/>
+            <a:off x="6025694" y="1536174"/>
+            <a:ext cx="4350871" cy="3785652"/>
           </a:xfrm>
           <a:prstGeom prst="rect">
             <a:avLst/>
@@ -4116,6 +4117,29 @@
                 <a:latin typeface="+mn-ea"/>
               </a:rPr>
               <a:t>흐름도</a:t>
+            </a:r>
+            <a:endParaRPr lang="en-US" altLang="ko-KR" sz="4000" dirty="0" smtClean="0">
+              <a:latin typeface="+mn-ea"/>
+            </a:endParaRPr>
+          </a:p>
+          <a:p>
+            <a:pPr marL="342900" indent="-342900">
+              <a:lnSpc>
+                <a:spcPct val="150000"/>
+              </a:lnSpc>
+              <a:buAutoNum type="arabicPeriod"/>
+            </a:pPr>
+            <a:r>
+              <a:rPr lang="en-US" altLang="ko-KR" sz="4000" dirty="0">
+                <a:latin typeface="+mn-ea"/>
+              </a:rPr>
+              <a:t> </a:t>
+            </a:r>
+            <a:r>
+              <a:rPr lang="ko-KR" altLang="en-US" sz="4000" dirty="0" smtClean="0">
+                <a:latin typeface="+mn-ea"/>
+              </a:rPr>
+              <a:t>화면 설계서</a:t>
             </a:r>
             <a:endParaRPr lang="en-US" altLang="ko-KR" sz="4000" dirty="0">
               <a:latin typeface="+mn-ea"/>
@@ -4133,6 +4157,13 @@
   <p:clrMapOvr>
     <a:masterClrMapping/>
   </p:clrMapOvr>
+  <p:timing>
+    <p:tnLst>
+      <p:par>
+        <p:cTn id="1" dur="indefinite" restart="never" nodeType="tmRoot"/>
+      </p:par>
+    </p:tnLst>
+  </p:timing>
 </p:sld>
 </file>
 
@@ -4158,7 +4189,7 @@
           <p:cNvPr id="2" name="직사각형 1">
             <a:extLst>
               <a:ext uri="{FF2B5EF4-FFF2-40B4-BE49-F238E27FC236}">
-                <a16:creationId xmlns:a16="http://schemas.microsoft.com/office/drawing/2014/main" xmlns="" id="{8E5B996D-DF87-49E5-95D1-45B1EEB9EE9A}"/>
+                <a16:creationId xmlns="" xmlns:a16="http://schemas.microsoft.com/office/drawing/2014/main" id="{8E5B996D-DF87-49E5-95D1-45B1EEB9EE9A}"/>
               </a:ext>
             </a:extLst>
           </p:cNvPr>
@@ -4210,7 +4241,7 @@
           <p:cNvPr id="4" name="직사각형 3">
             <a:extLst>
               <a:ext uri="{FF2B5EF4-FFF2-40B4-BE49-F238E27FC236}">
-                <a16:creationId xmlns:a16="http://schemas.microsoft.com/office/drawing/2014/main" xmlns="" id="{080CEE4E-4BCA-42C3-BECA-9BCEB9931EEA}"/>
+                <a16:creationId xmlns="" xmlns:a16="http://schemas.microsoft.com/office/drawing/2014/main" id="{080CEE4E-4BCA-42C3-BECA-9BCEB9931EEA}"/>
               </a:ext>
             </a:extLst>
           </p:cNvPr>
@@ -4262,7 +4293,7 @@
           <p:cNvPr id="5" name="TextBox 4">
             <a:extLst>
               <a:ext uri="{FF2B5EF4-FFF2-40B4-BE49-F238E27FC236}">
-                <a16:creationId xmlns:a16="http://schemas.microsoft.com/office/drawing/2014/main" xmlns="" id="{D12B0B12-AB99-4F88-B4B2-948DADC833EA}"/>
+                <a16:creationId xmlns="" xmlns:a16="http://schemas.microsoft.com/office/drawing/2014/main" id="{D12B0B12-AB99-4F88-B4B2-948DADC833EA}"/>
               </a:ext>
             </a:extLst>
           </p:cNvPr>
@@ -4345,7 +4376,7 @@
           <p:cNvPr id="9" name="그림 8">
             <a:extLst>
               <a:ext uri="{FF2B5EF4-FFF2-40B4-BE49-F238E27FC236}">
-                <a16:creationId xmlns:a16="http://schemas.microsoft.com/office/drawing/2014/main" xmlns="" id="{0F0992E8-2696-42E6-805A-0C12780D8FA1}"/>
+                <a16:creationId xmlns="" xmlns:a16="http://schemas.microsoft.com/office/drawing/2014/main" id="{0F0992E8-2696-42E6-805A-0C12780D8FA1}"/>
               </a:ext>
             </a:extLst>
           </p:cNvPr>
@@ -4375,6 +4406,238 @@
           </a:prstGeom>
         </p:spPr>
       </p:pic>
+      <p:pic>
+        <p:nvPicPr>
+          <p:cNvPr id="1026" name="Picture 2" descr="https://blogfiles.pstatic.net/MjAxODAzMDhfOTQg/MDAxNTIwNDkxMzk4NTc2.3TEviXRXl6amzdWOvOdOvuj0g95DXFBYj43l17OmMrQg.G-I2ErLTgKC_6mbyKj3imD_avtSe5AOiOptMP5N0rvAg.PNG.polyparkpet/%EB%B0%98%EB%A0%A4%EB%8F%99%EB%AC%BC%2C-1%EC%9D%B8%EA%B0%80%EA%B5%AC.png"/>
+          <p:cNvPicPr>
+            <a:picLocks noChangeAspect="1" noChangeArrowheads="1"/>
+          </p:cNvPicPr>
+          <p:nvPr/>
+        </p:nvPicPr>
+        <p:blipFill>
+          <a:blip r:embed="rId3">
+            <a:extLst>
+              <a:ext uri="{28A0092B-C50C-407E-A947-70E740481C1C}">
+                <a14:useLocalDpi xmlns:a14="http://schemas.microsoft.com/office/drawing/2010/main" val="0"/>
+              </a:ext>
+            </a:extLst>
+          </a:blip>
+          <a:srcRect/>
+          <a:stretch>
+            <a:fillRect/>
+          </a:stretch>
+        </p:blipFill>
+        <p:spPr bwMode="auto">
+          <a:xfrm>
+            <a:off x="7323667" y="2909323"/>
+            <a:ext cx="4447390" cy="3109482"/>
+          </a:xfrm>
+          <a:prstGeom prst="rect">
+            <a:avLst/>
+          </a:prstGeom>
+          <a:noFill/>
+          <a:extLst>
+            <a:ext uri="{909E8E84-426E-40DD-AFC4-6F175D3DCCD1}">
+              <a14:hiddenFill xmlns:a14="http://schemas.microsoft.com/office/drawing/2010/main">
+                <a:solidFill>
+                  <a:srgbClr val="FFFFFF"/>
+                </a:solidFill>
+              </a14:hiddenFill>
+            </a:ext>
+          </a:extLst>
+        </p:spPr>
+      </p:pic>
+      <p:grpSp>
+        <p:nvGrpSpPr>
+          <p:cNvPr id="7" name="그룹 6"/>
+          <p:cNvGrpSpPr/>
+          <p:nvPr/>
+        </p:nvGrpSpPr>
+        <p:grpSpPr>
+          <a:xfrm>
+            <a:off x="634600" y="1363354"/>
+            <a:ext cx="10922800" cy="4131292"/>
+            <a:chOff x="634600" y="1066800"/>
+            <a:chExt cx="10922800" cy="4131292"/>
+          </a:xfrm>
+        </p:grpSpPr>
+        <p:sp>
+          <p:nvSpPr>
+            <p:cNvPr id="3" name="TextBox 2"/>
+            <p:cNvSpPr txBox="1"/>
+            <p:nvPr/>
+          </p:nvSpPr>
+          <p:spPr>
+            <a:xfrm>
+              <a:off x="634601" y="1066800"/>
+              <a:ext cx="10922799" cy="1338828"/>
+            </a:xfrm>
+            <a:prstGeom prst="rect">
+              <a:avLst/>
+            </a:prstGeom>
+            <a:noFill/>
+          </p:spPr>
+          <p:txBody>
+            <a:bodyPr wrap="square" rtlCol="0">
+              <a:spAutoFit/>
+            </a:bodyPr>
+            <a:lstStyle/>
+            <a:p>
+              <a:pPr>
+                <a:lnSpc>
+                  <a:spcPct val="150000"/>
+                </a:lnSpc>
+              </a:pPr>
+              <a:r>
+                <a:rPr lang="ko-KR" altLang="en-US" dirty="0" smtClean="0"/>
+                <a:t>반려동물과 함께 사는 가구 비율이 꾸준히 증가함으로 새로운 가구 형태로 자리 잡고 있으며</a:t>
+              </a:r>
+              <a:r>
+                <a:rPr lang="en-US" altLang="ko-KR" dirty="0" smtClean="0"/>
+                <a:t>,</a:t>
+              </a:r>
+              <a:endParaRPr lang="en-US" altLang="ko-KR" dirty="0"/>
+            </a:p>
+            <a:p>
+              <a:pPr>
+                <a:lnSpc>
+                  <a:spcPct val="150000"/>
+                </a:lnSpc>
+              </a:pPr>
+              <a:r>
+                <a:rPr lang="en-US" altLang="ko-KR" dirty="0" smtClean="0"/>
+                <a:t>1</a:t>
+              </a:r>
+              <a:r>
+                <a:rPr lang="ko-KR" altLang="en-US" dirty="0" smtClean="0"/>
+                <a:t>인 가구가 증가하면서 함께 반려동물 관련 산업 급성장하고 있으며 선진국에서는 고부가가치산업으로 자리매김 중에 있다</a:t>
+              </a:r>
+              <a:r>
+                <a:rPr lang="en-US" altLang="ko-KR" dirty="0" smtClean="0"/>
+                <a:t>.</a:t>
+              </a:r>
+            </a:p>
+          </p:txBody>
+        </p:sp>
+        <p:sp>
+          <p:nvSpPr>
+            <p:cNvPr id="6" name="TextBox 5"/>
+            <p:cNvSpPr txBox="1"/>
+            <p:nvPr/>
+          </p:nvSpPr>
+          <p:spPr>
+            <a:xfrm>
+              <a:off x="634600" y="2612769"/>
+              <a:ext cx="6562067" cy="2585323"/>
+            </a:xfrm>
+            <a:prstGeom prst="rect">
+              <a:avLst/>
+            </a:prstGeom>
+            <a:noFill/>
+          </p:spPr>
+          <p:txBody>
+            <a:bodyPr wrap="square" rtlCol="0">
+              <a:spAutoFit/>
+            </a:bodyPr>
+            <a:lstStyle/>
+            <a:p>
+              <a:pPr>
+                <a:lnSpc>
+                  <a:spcPct val="150000"/>
+                </a:lnSpc>
+              </a:pPr>
+              <a:r>
+                <a:rPr lang="ko-KR" altLang="en-US" dirty="0" smtClean="0"/>
+                <a:t>반려동물이 집에 혼자 있는 시간은 평균 </a:t>
+              </a:r>
+              <a:r>
+                <a:rPr lang="en-US" altLang="ko-KR" dirty="0" smtClean="0"/>
+                <a:t>5</a:t>
+              </a:r>
+              <a:r>
+                <a:rPr lang="ko-KR" altLang="en-US" dirty="0" smtClean="0"/>
+                <a:t>시간으로</a:t>
+              </a:r>
+              <a:endParaRPr lang="en-US" altLang="ko-KR" dirty="0" smtClean="0"/>
+            </a:p>
+            <a:p>
+              <a:pPr>
+                <a:lnSpc>
+                  <a:spcPct val="150000"/>
+                </a:lnSpc>
+              </a:pPr>
+              <a:r>
+                <a:rPr lang="en-US" altLang="ko-KR" dirty="0" smtClean="0"/>
+                <a:t>11</a:t>
+              </a:r>
+              <a:r>
+                <a:rPr lang="ko-KR" altLang="en-US" dirty="0" smtClean="0"/>
+                <a:t>시간 이상 혼자 지내는 경우도  </a:t>
+              </a:r>
+              <a:r>
+                <a:rPr lang="en-US" altLang="ko-KR" dirty="0" smtClean="0"/>
+                <a:t>6.8%</a:t>
+              </a:r>
+              <a:r>
+                <a:rPr lang="ko-KR" altLang="en-US" dirty="0" smtClean="0"/>
+                <a:t>에 달한다</a:t>
+              </a:r>
+              <a:r>
+                <a:rPr lang="en-US" altLang="ko-KR" dirty="0" smtClean="0"/>
+                <a:t>.</a:t>
+              </a:r>
+            </a:p>
+            <a:p>
+              <a:pPr>
+                <a:lnSpc>
+                  <a:spcPct val="150000"/>
+                </a:lnSpc>
+              </a:pPr>
+              <a:endParaRPr lang="en-US" altLang="ko-KR" dirty="0"/>
+            </a:p>
+            <a:p>
+              <a:pPr>
+                <a:lnSpc>
+                  <a:spcPct val="150000"/>
+                </a:lnSpc>
+              </a:pPr>
+              <a:r>
+                <a:rPr lang="ko-KR" altLang="en-US" dirty="0" smtClean="0"/>
+                <a:t>애견호텔이나 병원에 반려동물을 맡기기 불안한 </a:t>
+              </a:r>
+              <a:r>
+                <a:rPr lang="ko-KR" altLang="en-US" dirty="0" err="1" smtClean="0"/>
+                <a:t>반려인들을</a:t>
+              </a:r>
+              <a:r>
+                <a:rPr lang="ko-KR" altLang="en-US" dirty="0" smtClean="0"/>
+                <a:t> 위해 </a:t>
+              </a:r>
+              <a:r>
+                <a:rPr lang="ko-KR" altLang="en-US" dirty="0" err="1" smtClean="0"/>
+                <a:t>베이비시터처럼</a:t>
+              </a:r>
+              <a:r>
+                <a:rPr lang="ko-KR" altLang="en-US" dirty="0" smtClean="0"/>
+                <a:t> 방문하여 반려동물을 돌봐주는 서비스를 제공하는 </a:t>
+              </a:r>
+              <a:r>
+                <a:rPr lang="ko-KR" altLang="en-US" dirty="0" err="1" smtClean="0"/>
+                <a:t>펫시터를</a:t>
+              </a:r>
+              <a:r>
+                <a:rPr lang="ko-KR" altLang="en-US" dirty="0" smtClean="0"/>
+                <a:t> 주제로 선정하였다</a:t>
+              </a:r>
+              <a:r>
+                <a:rPr lang="en-US" altLang="ko-KR" dirty="0" smtClean="0"/>
+                <a:t>.</a:t>
+              </a:r>
+              <a:endParaRPr lang="ko-KR" altLang="en-US" dirty="0"/>
+            </a:p>
+          </p:txBody>
+        </p:sp>
+      </p:grpSp>
     </p:spTree>
     <p:extLst>
       <p:ext uri="{BB962C8B-B14F-4D97-AF65-F5344CB8AC3E}">
@@ -4385,6 +4648,13 @@
   <p:clrMapOvr>
     <a:masterClrMapping/>
   </p:clrMapOvr>
+  <p:timing>
+    <p:tnLst>
+      <p:par>
+        <p:cTn id="1" dur="indefinite" restart="never" nodeType="tmRoot"/>
+      </p:par>
+    </p:tnLst>
+  </p:timing>
 </p:sld>
 </file>
 
@@ -4410,7 +4680,7 @@
           <p:cNvPr id="2" name="직사각형 1">
             <a:extLst>
               <a:ext uri="{FF2B5EF4-FFF2-40B4-BE49-F238E27FC236}">
-                <a16:creationId xmlns:a16="http://schemas.microsoft.com/office/drawing/2014/main" xmlns="" id="{8E5B996D-DF87-49E5-95D1-45B1EEB9EE9A}"/>
+                <a16:creationId xmlns="" xmlns:a16="http://schemas.microsoft.com/office/drawing/2014/main" id="{8E5B996D-DF87-49E5-95D1-45B1EEB9EE9A}"/>
               </a:ext>
             </a:extLst>
           </p:cNvPr>
@@ -4462,7 +4732,7 @@
           <p:cNvPr id="4" name="직사각형 3">
             <a:extLst>
               <a:ext uri="{FF2B5EF4-FFF2-40B4-BE49-F238E27FC236}">
-                <a16:creationId xmlns:a16="http://schemas.microsoft.com/office/drawing/2014/main" xmlns="" id="{080CEE4E-4BCA-42C3-BECA-9BCEB9931EEA}"/>
+                <a16:creationId xmlns="" xmlns:a16="http://schemas.microsoft.com/office/drawing/2014/main" id="{080CEE4E-4BCA-42C3-BECA-9BCEB9931EEA}"/>
               </a:ext>
             </a:extLst>
           </p:cNvPr>
@@ -4514,7 +4784,7 @@
           <p:cNvPr id="5" name="TextBox 4">
             <a:extLst>
               <a:ext uri="{FF2B5EF4-FFF2-40B4-BE49-F238E27FC236}">
-                <a16:creationId xmlns:a16="http://schemas.microsoft.com/office/drawing/2014/main" xmlns="" id="{D12B0B12-AB99-4F88-B4B2-948DADC833EA}"/>
+                <a16:creationId xmlns="" xmlns:a16="http://schemas.microsoft.com/office/drawing/2014/main" id="{D12B0B12-AB99-4F88-B4B2-948DADC833EA}"/>
               </a:ext>
             </a:extLst>
           </p:cNvPr>
@@ -4633,7 +4903,7 @@
           <p:cNvPr id="9" name="그림 8">
             <a:extLst>
               <a:ext uri="{FF2B5EF4-FFF2-40B4-BE49-F238E27FC236}">
-                <a16:creationId xmlns:a16="http://schemas.microsoft.com/office/drawing/2014/main" xmlns="" id="{0F0992E8-2696-42E6-805A-0C12780D8FA1}"/>
+                <a16:creationId xmlns="" xmlns:a16="http://schemas.microsoft.com/office/drawing/2014/main" id="{0F0992E8-2696-42E6-805A-0C12780D8FA1}"/>
               </a:ext>
             </a:extLst>
           </p:cNvPr>
@@ -4673,6 +4943,13 @@
   <p:clrMapOvr>
     <a:masterClrMapping/>
   </p:clrMapOvr>
+  <p:timing>
+    <p:tnLst>
+      <p:par>
+        <p:cTn id="1" dur="indefinite" restart="never" nodeType="tmRoot"/>
+      </p:par>
+    </p:tnLst>
+  </p:timing>
 </p:sld>
 </file>
 
@@ -4698,7 +4975,7 @@
           <p:cNvPr id="2" name="직사각형 1">
             <a:extLst>
               <a:ext uri="{FF2B5EF4-FFF2-40B4-BE49-F238E27FC236}">
-                <a16:creationId xmlns:a16="http://schemas.microsoft.com/office/drawing/2014/main" xmlns="" id="{8E5B996D-DF87-49E5-95D1-45B1EEB9EE9A}"/>
+                <a16:creationId xmlns="" xmlns:a16="http://schemas.microsoft.com/office/drawing/2014/main" id="{8E5B996D-DF87-49E5-95D1-45B1EEB9EE9A}"/>
               </a:ext>
             </a:extLst>
           </p:cNvPr>
@@ -4750,7 +5027,7 @@
           <p:cNvPr id="4" name="직사각형 3">
             <a:extLst>
               <a:ext uri="{FF2B5EF4-FFF2-40B4-BE49-F238E27FC236}">
-                <a16:creationId xmlns:a16="http://schemas.microsoft.com/office/drawing/2014/main" xmlns="" id="{080CEE4E-4BCA-42C3-BECA-9BCEB9931EEA}"/>
+                <a16:creationId xmlns="" xmlns:a16="http://schemas.microsoft.com/office/drawing/2014/main" id="{080CEE4E-4BCA-42C3-BECA-9BCEB9931EEA}"/>
               </a:ext>
             </a:extLst>
           </p:cNvPr>
@@ -4802,7 +5079,7 @@
           <p:cNvPr id="5" name="TextBox 4">
             <a:extLst>
               <a:ext uri="{FF2B5EF4-FFF2-40B4-BE49-F238E27FC236}">
-                <a16:creationId xmlns:a16="http://schemas.microsoft.com/office/drawing/2014/main" xmlns="" id="{D12B0B12-AB99-4F88-B4B2-948DADC833EA}"/>
+                <a16:creationId xmlns="" xmlns:a16="http://schemas.microsoft.com/office/drawing/2014/main" id="{D12B0B12-AB99-4F88-B4B2-948DADC833EA}"/>
               </a:ext>
             </a:extLst>
           </p:cNvPr>
@@ -4826,7 +5103,7 @@
           <a:lstStyle/>
           <a:p>
             <a:r>
-              <a:rPr kumimoji="1" lang="en-US" altLang="ja-JP" sz="4400" b="1" spc="-150" dirty="0" err="1" smtClean="0">
+              <a:rPr kumimoji="1" lang="en-US" altLang="ja-JP" sz="4400" b="1" spc="-150" dirty="0" smtClean="0">
                 <a:solidFill>
                   <a:srgbClr val="FFCD2F"/>
                 </a:solidFill>
@@ -4841,25 +5118,6 @@
                 <a:cs typeface="Calibri" panose="020F0502020204030204" pitchFamily="34" charset="0"/>
               </a:rPr>
               <a:t>U</a:t>
-            </a:r>
-            <a:r>
-              <a:rPr kumimoji="1" lang="en-US" altLang="ja-JP" sz="4400" b="1" spc="-150" dirty="0" err="1" smtClean="0">
-                <a:solidFill>
-                  <a:schemeClr val="accent1">
-                    <a:lumMod val="75000"/>
-                  </a:schemeClr>
-                </a:solidFill>
-                <a:effectLst>
-                  <a:outerShdw blurRad="38100" dist="38100" dir="2700000" algn="tl">
-                    <a:srgbClr val="000000">
-                      <a:alpha val="43137"/>
-                    </a:srgbClr>
-                  </a:outerShdw>
-                </a:effectLst>
-                <a:latin typeface="Calibri" panose="020F0502020204030204" pitchFamily="34" charset="0"/>
-                <a:cs typeface="Calibri" panose="020F0502020204030204" pitchFamily="34" charset="0"/>
-              </a:rPr>
-              <a:t>secase</a:t>
             </a:r>
             <a:r>
               <a:rPr kumimoji="1" lang="en-US" altLang="ja-JP" sz="4400" b="1" spc="-150" dirty="0" smtClean="0">
@@ -4878,7 +5136,7 @@
                 <a:latin typeface="Calibri" panose="020F0502020204030204" pitchFamily="34" charset="0"/>
                 <a:cs typeface="Calibri" panose="020F0502020204030204" pitchFamily="34" charset="0"/>
               </a:rPr>
-              <a:t> </a:t>
+              <a:t>secase </a:t>
             </a:r>
             <a:r>
               <a:rPr kumimoji="1" lang="en-US" altLang="ja-JP" sz="4400" b="1" spc="-150" dirty="0" smtClean="0">
@@ -4940,7 +5198,7 @@
           <p:cNvPr id="9" name="그림 8">
             <a:extLst>
               <a:ext uri="{FF2B5EF4-FFF2-40B4-BE49-F238E27FC236}">
-                <a16:creationId xmlns:a16="http://schemas.microsoft.com/office/drawing/2014/main" xmlns="" id="{0F0992E8-2696-42E6-805A-0C12780D8FA1}"/>
+                <a16:creationId xmlns="" xmlns:a16="http://schemas.microsoft.com/office/drawing/2014/main" id="{0F0992E8-2696-42E6-805A-0C12780D8FA1}"/>
               </a:ext>
             </a:extLst>
           </p:cNvPr>
@@ -4981,10 +5239,306 @@
   <p:clrMapOvr>
     <a:masterClrMapping/>
   </p:clrMapOvr>
+  <p:timing>
+    <p:tnLst>
+      <p:par>
+        <p:cTn id="1" dur="indefinite" restart="never" nodeType="tmRoot"/>
+      </p:par>
+    </p:tnLst>
+  </p:timing>
 </p:sld>
 </file>
 
 <file path=ppt/slides/slide6.xml><?xml version="1.0" encoding="utf-8"?>
+<p:sld xmlns:a="http://schemas.openxmlformats.org/drawingml/2006/main" xmlns:r="http://schemas.openxmlformats.org/officeDocument/2006/relationships" xmlns:p="http://schemas.openxmlformats.org/presentationml/2006/main">
+  <p:cSld>
+    <p:spTree>
+      <p:nvGrpSpPr>
+        <p:cNvPr id="1" name=""/>
+        <p:cNvGrpSpPr/>
+        <p:nvPr/>
+      </p:nvGrpSpPr>
+      <p:grpSpPr>
+        <a:xfrm>
+          <a:off x="0" y="0"/>
+          <a:ext cx="0" cy="0"/>
+          <a:chOff x="0" y="0"/>
+          <a:chExt cx="0" cy="0"/>
+        </a:xfrm>
+      </p:grpSpPr>
+      <p:sp>
+        <p:nvSpPr>
+          <p:cNvPr id="2" name="직사각형 1">
+            <a:extLst>
+              <a:ext uri="{FF2B5EF4-FFF2-40B4-BE49-F238E27FC236}">
+                <a16:creationId xmlns="" xmlns:a16="http://schemas.microsoft.com/office/drawing/2014/main" id="{8E5B996D-DF87-49E5-95D1-45B1EEB9EE9A}"/>
+              </a:ext>
+            </a:extLst>
+          </p:cNvPr>
+          <p:cNvSpPr/>
+          <p:nvPr/>
+        </p:nvSpPr>
+        <p:spPr>
+          <a:xfrm>
+            <a:off x="0" y="0"/>
+            <a:ext cx="12192000" cy="108000"/>
+          </a:xfrm>
+          <a:prstGeom prst="rect">
+            <a:avLst/>
+          </a:prstGeom>
+          <a:solidFill>
+            <a:srgbClr val="FFD8D9"/>
+          </a:solidFill>
+          <a:ln>
+            <a:noFill/>
+          </a:ln>
+        </p:spPr>
+        <p:style>
+          <a:lnRef idx="2">
+            <a:schemeClr val="accent1">
+              <a:shade val="50000"/>
+            </a:schemeClr>
+          </a:lnRef>
+          <a:fillRef idx="1">
+            <a:schemeClr val="accent1"/>
+          </a:fillRef>
+          <a:effectRef idx="0">
+            <a:schemeClr val="accent1"/>
+          </a:effectRef>
+          <a:fontRef idx="minor">
+            <a:schemeClr val="lt1"/>
+          </a:fontRef>
+        </p:style>
+        <p:txBody>
+          <a:bodyPr rtlCol="0" anchor="ctr"/>
+          <a:lstStyle/>
+          <a:p>
+            <a:pPr algn="ctr"/>
+            <a:endParaRPr lang="ko-KR" altLang="en-US"/>
+          </a:p>
+        </p:txBody>
+      </p:sp>
+      <p:sp>
+        <p:nvSpPr>
+          <p:cNvPr id="4" name="직사각형 3">
+            <a:extLst>
+              <a:ext uri="{FF2B5EF4-FFF2-40B4-BE49-F238E27FC236}">
+                <a16:creationId xmlns="" xmlns:a16="http://schemas.microsoft.com/office/drawing/2014/main" id="{080CEE4E-4BCA-42C3-BECA-9BCEB9931EEA}"/>
+              </a:ext>
+            </a:extLst>
+          </p:cNvPr>
+          <p:cNvSpPr/>
+          <p:nvPr/>
+        </p:nvSpPr>
+        <p:spPr>
+          <a:xfrm>
+            <a:off x="0" y="6750000"/>
+            <a:ext cx="12192000" cy="108000"/>
+          </a:xfrm>
+          <a:prstGeom prst="rect">
+            <a:avLst/>
+          </a:prstGeom>
+          <a:solidFill>
+            <a:srgbClr val="FFD8D9"/>
+          </a:solidFill>
+          <a:ln>
+            <a:noFill/>
+          </a:ln>
+        </p:spPr>
+        <p:style>
+          <a:lnRef idx="2">
+            <a:schemeClr val="accent1">
+              <a:shade val="50000"/>
+            </a:schemeClr>
+          </a:lnRef>
+          <a:fillRef idx="1">
+            <a:schemeClr val="accent1"/>
+          </a:fillRef>
+          <a:effectRef idx="0">
+            <a:schemeClr val="accent1"/>
+          </a:effectRef>
+          <a:fontRef idx="minor">
+            <a:schemeClr val="lt1"/>
+          </a:fontRef>
+        </p:style>
+        <p:txBody>
+          <a:bodyPr rtlCol="0" anchor="ctr"/>
+          <a:lstStyle/>
+          <a:p>
+            <a:pPr algn="ctr"/>
+            <a:endParaRPr lang="ko-KR" altLang="en-US"/>
+          </a:p>
+        </p:txBody>
+      </p:sp>
+      <p:sp>
+        <p:nvSpPr>
+          <p:cNvPr id="5" name="TextBox 4">
+            <a:extLst>
+              <a:ext uri="{FF2B5EF4-FFF2-40B4-BE49-F238E27FC236}">
+                <a16:creationId xmlns="" xmlns:a16="http://schemas.microsoft.com/office/drawing/2014/main" id="{D12B0B12-AB99-4F88-B4B2-948DADC833EA}"/>
+              </a:ext>
+            </a:extLst>
+          </p:cNvPr>
+          <p:cNvSpPr txBox="1"/>
+          <p:nvPr/>
+        </p:nvSpPr>
+        <p:spPr>
+          <a:xfrm>
+            <a:off x="844734" y="93111"/>
+            <a:ext cx="2716321" cy="769441"/>
+          </a:xfrm>
+          <a:prstGeom prst="rect">
+            <a:avLst/>
+          </a:prstGeom>
+          <a:noFill/>
+        </p:spPr>
+        <p:txBody>
+          <a:bodyPr wrap="none" rtlCol="0">
+            <a:spAutoFit/>
+          </a:bodyPr>
+          <a:lstStyle/>
+          <a:p>
+            <a:r>
+              <a:rPr kumimoji="1" lang="en-US" altLang="ja-JP" sz="4400" b="1" spc="-150" dirty="0" smtClean="0">
+                <a:solidFill>
+                  <a:srgbClr val="FFCD2F"/>
+                </a:solidFill>
+                <a:effectLst>
+                  <a:outerShdw blurRad="38100" dist="38100" dir="2700000" algn="tl">
+                    <a:srgbClr val="000000">
+                      <a:alpha val="43137"/>
+                    </a:srgbClr>
+                  </a:outerShdw>
+                </a:effectLst>
+                <a:latin typeface="Calibri" panose="020F0502020204030204" pitchFamily="34" charset="0"/>
+                <a:cs typeface="Calibri" panose="020F0502020204030204" pitchFamily="34" charset="0"/>
+              </a:rPr>
+              <a:t>W</a:t>
+            </a:r>
+            <a:r>
+              <a:rPr kumimoji="1" lang="en-US" altLang="ja-JP" sz="4400" b="1" spc="-150" dirty="0" smtClean="0">
+                <a:solidFill>
+                  <a:schemeClr val="accent1">
+                    <a:lumMod val="75000"/>
+                  </a:schemeClr>
+                </a:solidFill>
+                <a:effectLst>
+                  <a:outerShdw blurRad="38100" dist="38100" dir="2700000" algn="tl">
+                    <a:srgbClr val="000000">
+                      <a:alpha val="43137"/>
+                    </a:srgbClr>
+                  </a:outerShdw>
+                </a:effectLst>
+                <a:latin typeface="Calibri" panose="020F0502020204030204" pitchFamily="34" charset="0"/>
+                <a:cs typeface="Calibri" panose="020F0502020204030204" pitchFamily="34" charset="0"/>
+              </a:rPr>
+              <a:t>ire </a:t>
+            </a:r>
+            <a:r>
+              <a:rPr kumimoji="1" lang="en-US" altLang="ja-JP" sz="4400" b="1" spc="-150" dirty="0" smtClean="0">
+                <a:solidFill>
+                  <a:srgbClr val="FFCD2F"/>
+                </a:solidFill>
+                <a:effectLst>
+                  <a:outerShdw blurRad="38100" dist="38100" dir="2700000" algn="tl">
+                    <a:srgbClr val="000000">
+                      <a:alpha val="43137"/>
+                    </a:srgbClr>
+                  </a:outerShdw>
+                </a:effectLst>
+                <a:latin typeface="Calibri" panose="020F0502020204030204" pitchFamily="34" charset="0"/>
+                <a:cs typeface="Calibri" panose="020F0502020204030204" pitchFamily="34" charset="0"/>
+              </a:rPr>
+              <a:t>F</a:t>
+            </a:r>
+            <a:r>
+              <a:rPr kumimoji="1" lang="en-US" altLang="ja-JP" sz="4400" b="1" spc="-150" dirty="0" smtClean="0">
+                <a:solidFill>
+                  <a:schemeClr val="accent1">
+                    <a:lumMod val="75000"/>
+                  </a:schemeClr>
+                </a:solidFill>
+                <a:effectLst>
+                  <a:outerShdw blurRad="38100" dist="38100" dir="2700000" algn="tl">
+                    <a:srgbClr val="000000">
+                      <a:alpha val="43137"/>
+                    </a:srgbClr>
+                  </a:outerShdw>
+                </a:effectLst>
+                <a:latin typeface="Calibri" panose="020F0502020204030204" pitchFamily="34" charset="0"/>
+                <a:cs typeface="Calibri" panose="020F0502020204030204" pitchFamily="34" charset="0"/>
+              </a:rPr>
+              <a:t>rame</a:t>
+            </a:r>
+            <a:endParaRPr kumimoji="1" lang="ja-JP" altLang="en-US" sz="4400" b="1" spc="-150" dirty="0">
+              <a:solidFill>
+                <a:schemeClr val="accent1">
+                  <a:lumMod val="75000"/>
+                </a:schemeClr>
+              </a:solidFill>
+              <a:effectLst>
+                <a:outerShdw blurRad="38100" dist="38100" dir="2700000" algn="tl">
+                  <a:srgbClr val="000000">
+                    <a:alpha val="43137"/>
+                  </a:srgbClr>
+                </a:outerShdw>
+              </a:effectLst>
+              <a:latin typeface="Calibri" panose="020F0502020204030204" pitchFamily="34" charset="0"/>
+              <a:cs typeface="Calibri" panose="020F0502020204030204" pitchFamily="34" charset="0"/>
+            </a:endParaRPr>
+          </a:p>
+        </p:txBody>
+      </p:sp>
+      <p:pic>
+        <p:nvPicPr>
+          <p:cNvPr id="9" name="그림 8">
+            <a:extLst>
+              <a:ext uri="{FF2B5EF4-FFF2-40B4-BE49-F238E27FC236}">
+                <a16:creationId xmlns="" xmlns:a16="http://schemas.microsoft.com/office/drawing/2014/main" id="{0F0992E8-2696-42E6-805A-0C12780D8FA1}"/>
+              </a:ext>
+            </a:extLst>
+          </p:cNvPr>
+          <p:cNvPicPr>
+            <a:picLocks noChangeAspect="1"/>
+          </p:cNvPicPr>
+          <p:nvPr/>
+        </p:nvPicPr>
+        <p:blipFill>
+          <a:blip r:embed="rId2" cstate="print">
+            <a:extLst>
+              <a:ext uri="{28A0092B-C50C-407E-A947-70E740481C1C}">
+                <a14:useLocalDpi xmlns:a14="http://schemas.microsoft.com/office/drawing/2010/main" val="0"/>
+              </a:ext>
+            </a:extLst>
+          </a:blip>
+          <a:stretch>
+            <a:fillRect/>
+          </a:stretch>
+        </p:blipFill>
+        <p:spPr>
+          <a:xfrm>
+            <a:off x="124734" y="117832"/>
+            <a:ext cx="720000" cy="720000"/>
+          </a:xfrm>
+          <a:prstGeom prst="rect">
+            <a:avLst/>
+          </a:prstGeom>
+        </p:spPr>
+      </p:pic>
+    </p:spTree>
+    <p:extLst>
+      <p:ext uri="{BB962C8B-B14F-4D97-AF65-F5344CB8AC3E}">
+        <p14:creationId xmlns:p14="http://schemas.microsoft.com/office/powerpoint/2010/main" val="1106404855"/>
+      </p:ext>
+    </p:extLst>
+  </p:cSld>
+  <p:clrMapOvr>
+    <a:masterClrMapping/>
+  </p:clrMapOvr>
+</p:sld>
+</file>
+
+<file path=ppt/slides/slide7.xml><?xml version="1.0" encoding="utf-8"?>
 <p:sld xmlns:a="http://schemas.openxmlformats.org/drawingml/2006/main" xmlns:r="http://schemas.openxmlformats.org/officeDocument/2006/relationships" xmlns:p="http://schemas.openxmlformats.org/presentationml/2006/main">
   <p:cSld>
     <p:bg>
@@ -5014,7 +5568,7 @@
           <p:cNvPr id="4" name="그림 3" descr="실내, 사람이(가) 표시된 사진&#10;&#10;자동 생성된 설명">
             <a:extLst>
               <a:ext uri="{FF2B5EF4-FFF2-40B4-BE49-F238E27FC236}">
-                <a16:creationId xmlns:a16="http://schemas.microsoft.com/office/drawing/2014/main" xmlns="" id="{4D077A45-DF2B-4618-9394-A141B13B1420}"/>
+                <a16:creationId xmlns="" xmlns:a16="http://schemas.microsoft.com/office/drawing/2014/main" id="{4D077A45-DF2B-4618-9394-A141B13B1420}"/>
               </a:ext>
             </a:extLst>
           </p:cNvPr>
@@ -5050,7 +5604,7 @@
           <p:cNvPr id="5" name="TextBox 4">
             <a:extLst>
               <a:ext uri="{FF2B5EF4-FFF2-40B4-BE49-F238E27FC236}">
-                <a16:creationId xmlns:a16="http://schemas.microsoft.com/office/drawing/2014/main" xmlns="" id="{23D82F33-5629-4A89-96F7-5348A5E7BF64}"/>
+                <a16:creationId xmlns="" xmlns:a16="http://schemas.microsoft.com/office/drawing/2014/main" id="{23D82F33-5629-4A89-96F7-5348A5E7BF64}"/>
               </a:ext>
             </a:extLst>
           </p:cNvPr>
@@ -5401,7 +5955,7 @@
   <a:extraClrSchemeLst/>
   <a:extLst>
     <a:ext uri="{05A4C25C-085E-4340-85A3-A5531E510DB2}">
-      <thm15:themeFamily xmlns:thm15="http://schemas.microsoft.com/office/thememl/2012/main" xmlns="" name="Office Theme" id="{62F939B6-93AF-4DB8-9C6B-D6C7DFDC589F}" vid="{4A3C46E8-61CC-4603-A589-7422A47A8E4A}"/>
+      <thm15:themeFamily xmlns="" xmlns:thm15="http://schemas.microsoft.com/office/thememl/2012/main" name="Office Theme" id="{62F939B6-93AF-4DB8-9C6B-D6C7DFDC589F}" vid="{4A3C46E8-61CC-4603-A589-7422A47A8E4A}"/>
     </a:ext>
   </a:extLst>
 </a:theme>

--- a/반려동물관리서비스.pptx
+++ b/반려동물관리서비스.pptx
@@ -4572,7 +4572,7 @@
               </a:r>
               <a:r>
                 <a:rPr lang="ko-KR" altLang="en-US" dirty="0" smtClean="0"/>
-                <a:t>시간 이상 혼자 지내는 경우도  </a:t>
+                <a:t>시간 이상 혼자 지내는 경우도 </a:t>
               </a:r>
               <a:r>
                 <a:rPr lang="en-US" altLang="ko-KR" dirty="0" smtClean="0"/>
@@ -4619,7 +4619,7 @@
               </a:r>
               <a:r>
                 <a:rPr lang="ko-KR" altLang="en-US" dirty="0" smtClean="0"/>
-                <a:t> 방문하여 반려동물을 돌봐주는 서비스를 제공하는 </a:t>
+                <a:t> 방문하여 반려동물 돌봄 서비스를 제공하는 </a:t>
               </a:r>
               <a:r>
                 <a:rPr lang="ko-KR" altLang="en-US" dirty="0" err="1" smtClean="0"/>

--- a/반려동물관리서비스.pptx
+++ b/반려동물관리서비스.pptx
@@ -135,7 +135,7 @@
           <p:cNvPr id="2" name="제목 1">
             <a:extLst>
               <a:ext uri="{FF2B5EF4-FFF2-40B4-BE49-F238E27FC236}">
-                <a16:creationId xmlns="" xmlns:a16="http://schemas.microsoft.com/office/drawing/2014/main" id="{9E5E4632-E9C2-430D-8860-5B671341959C}"/>
+                <a16:creationId xmlns:a16="http://schemas.microsoft.com/office/drawing/2014/main" xmlns="" id="{9E5E4632-E9C2-430D-8860-5B671341959C}"/>
               </a:ext>
             </a:extLst>
           </p:cNvPr>
@@ -172,7 +172,7 @@
           <p:cNvPr id="3" name="부제목 2">
             <a:extLst>
               <a:ext uri="{FF2B5EF4-FFF2-40B4-BE49-F238E27FC236}">
-                <a16:creationId xmlns="" xmlns:a16="http://schemas.microsoft.com/office/drawing/2014/main" id="{8516A487-29F9-4EB6-A4BF-CF7F6C176945}"/>
+                <a16:creationId xmlns:a16="http://schemas.microsoft.com/office/drawing/2014/main" xmlns="" id="{8516A487-29F9-4EB6-A4BF-CF7F6C176945}"/>
               </a:ext>
             </a:extLst>
           </p:cNvPr>
@@ -242,7 +242,7 @@
           <p:cNvPr id="4" name="날짜 개체 틀 3">
             <a:extLst>
               <a:ext uri="{FF2B5EF4-FFF2-40B4-BE49-F238E27FC236}">
-                <a16:creationId xmlns="" xmlns:a16="http://schemas.microsoft.com/office/drawing/2014/main" id="{5458794D-BF22-4D43-9B43-3407B0731DF3}"/>
+                <a16:creationId xmlns:a16="http://schemas.microsoft.com/office/drawing/2014/main" xmlns="" id="{5458794D-BF22-4D43-9B43-3407B0731DF3}"/>
               </a:ext>
             </a:extLst>
           </p:cNvPr>
@@ -271,7 +271,7 @@
           <p:cNvPr id="5" name="바닥글 개체 틀 4">
             <a:extLst>
               <a:ext uri="{FF2B5EF4-FFF2-40B4-BE49-F238E27FC236}">
-                <a16:creationId xmlns="" xmlns:a16="http://schemas.microsoft.com/office/drawing/2014/main" id="{B1CF189C-4CDA-41C3-A048-F232B4C4B8D2}"/>
+                <a16:creationId xmlns:a16="http://schemas.microsoft.com/office/drawing/2014/main" xmlns="" id="{B1CF189C-4CDA-41C3-A048-F232B4C4B8D2}"/>
               </a:ext>
             </a:extLst>
           </p:cNvPr>
@@ -296,7 +296,7 @@
           <p:cNvPr id="6" name="슬라이드 번호 개체 틀 5">
             <a:extLst>
               <a:ext uri="{FF2B5EF4-FFF2-40B4-BE49-F238E27FC236}">
-                <a16:creationId xmlns="" xmlns:a16="http://schemas.microsoft.com/office/drawing/2014/main" id="{BAF061BA-CD52-4A93-9968-2D177FB0947C}"/>
+                <a16:creationId xmlns:a16="http://schemas.microsoft.com/office/drawing/2014/main" xmlns="" id="{BAF061BA-CD52-4A93-9968-2D177FB0947C}"/>
               </a:ext>
             </a:extLst>
           </p:cNvPr>
@@ -355,7 +355,7 @@
           <p:cNvPr id="2" name="제목 1">
             <a:extLst>
               <a:ext uri="{FF2B5EF4-FFF2-40B4-BE49-F238E27FC236}">
-                <a16:creationId xmlns="" xmlns:a16="http://schemas.microsoft.com/office/drawing/2014/main" id="{C7E2F226-2DB6-4832-A3E8-E1A82BC8412B}"/>
+                <a16:creationId xmlns:a16="http://schemas.microsoft.com/office/drawing/2014/main" xmlns="" id="{C7E2F226-2DB6-4832-A3E8-E1A82BC8412B}"/>
               </a:ext>
             </a:extLst>
           </p:cNvPr>
@@ -383,7 +383,7 @@
           <p:cNvPr id="3" name="세로 텍스트 개체 틀 2">
             <a:extLst>
               <a:ext uri="{FF2B5EF4-FFF2-40B4-BE49-F238E27FC236}">
-                <a16:creationId xmlns="" xmlns:a16="http://schemas.microsoft.com/office/drawing/2014/main" id="{35E32266-CD01-4901-8FE7-5010FC0706F7}"/>
+                <a16:creationId xmlns:a16="http://schemas.microsoft.com/office/drawing/2014/main" xmlns="" id="{35E32266-CD01-4901-8FE7-5010FC0706F7}"/>
               </a:ext>
             </a:extLst>
           </p:cNvPr>
@@ -440,7 +440,7 @@
           <p:cNvPr id="4" name="날짜 개체 틀 3">
             <a:extLst>
               <a:ext uri="{FF2B5EF4-FFF2-40B4-BE49-F238E27FC236}">
-                <a16:creationId xmlns="" xmlns:a16="http://schemas.microsoft.com/office/drawing/2014/main" id="{8918B274-9924-4562-A19B-0EF8383C8F5F}"/>
+                <a16:creationId xmlns:a16="http://schemas.microsoft.com/office/drawing/2014/main" xmlns="" id="{8918B274-9924-4562-A19B-0EF8383C8F5F}"/>
               </a:ext>
             </a:extLst>
           </p:cNvPr>
@@ -469,7 +469,7 @@
           <p:cNvPr id="5" name="바닥글 개체 틀 4">
             <a:extLst>
               <a:ext uri="{FF2B5EF4-FFF2-40B4-BE49-F238E27FC236}">
-                <a16:creationId xmlns="" xmlns:a16="http://schemas.microsoft.com/office/drawing/2014/main" id="{48ABDFFA-1327-4FDA-A13E-DCF7D4AB5F2C}"/>
+                <a16:creationId xmlns:a16="http://schemas.microsoft.com/office/drawing/2014/main" xmlns="" id="{48ABDFFA-1327-4FDA-A13E-DCF7D4AB5F2C}"/>
               </a:ext>
             </a:extLst>
           </p:cNvPr>
@@ -494,7 +494,7 @@
           <p:cNvPr id="6" name="슬라이드 번호 개체 틀 5">
             <a:extLst>
               <a:ext uri="{FF2B5EF4-FFF2-40B4-BE49-F238E27FC236}">
-                <a16:creationId xmlns="" xmlns:a16="http://schemas.microsoft.com/office/drawing/2014/main" id="{7E941122-80C3-410F-B4B5-38B3C974463E}"/>
+                <a16:creationId xmlns:a16="http://schemas.microsoft.com/office/drawing/2014/main" xmlns="" id="{7E941122-80C3-410F-B4B5-38B3C974463E}"/>
               </a:ext>
             </a:extLst>
           </p:cNvPr>
@@ -553,7 +553,7 @@
           <p:cNvPr id="2" name="세로 제목 1">
             <a:extLst>
               <a:ext uri="{FF2B5EF4-FFF2-40B4-BE49-F238E27FC236}">
-                <a16:creationId xmlns="" xmlns:a16="http://schemas.microsoft.com/office/drawing/2014/main" id="{F39004B4-A2BB-4353-9490-3CFBF08BEECF}"/>
+                <a16:creationId xmlns:a16="http://schemas.microsoft.com/office/drawing/2014/main" xmlns="" id="{F39004B4-A2BB-4353-9490-3CFBF08BEECF}"/>
               </a:ext>
             </a:extLst>
           </p:cNvPr>
@@ -586,7 +586,7 @@
           <p:cNvPr id="3" name="세로 텍스트 개체 틀 2">
             <a:extLst>
               <a:ext uri="{FF2B5EF4-FFF2-40B4-BE49-F238E27FC236}">
-                <a16:creationId xmlns="" xmlns:a16="http://schemas.microsoft.com/office/drawing/2014/main" id="{17E252EA-6994-4BCF-9119-33B60AFB14F3}"/>
+                <a16:creationId xmlns:a16="http://schemas.microsoft.com/office/drawing/2014/main" xmlns="" id="{17E252EA-6994-4BCF-9119-33B60AFB14F3}"/>
               </a:ext>
             </a:extLst>
           </p:cNvPr>
@@ -648,7 +648,7 @@
           <p:cNvPr id="4" name="날짜 개체 틀 3">
             <a:extLst>
               <a:ext uri="{FF2B5EF4-FFF2-40B4-BE49-F238E27FC236}">
-                <a16:creationId xmlns="" xmlns:a16="http://schemas.microsoft.com/office/drawing/2014/main" id="{205F8584-D66D-4296-852C-CFABE2A758E0}"/>
+                <a16:creationId xmlns:a16="http://schemas.microsoft.com/office/drawing/2014/main" xmlns="" id="{205F8584-D66D-4296-852C-CFABE2A758E0}"/>
               </a:ext>
             </a:extLst>
           </p:cNvPr>
@@ -677,7 +677,7 @@
           <p:cNvPr id="5" name="바닥글 개체 틀 4">
             <a:extLst>
               <a:ext uri="{FF2B5EF4-FFF2-40B4-BE49-F238E27FC236}">
-                <a16:creationId xmlns="" xmlns:a16="http://schemas.microsoft.com/office/drawing/2014/main" id="{A78C3D8F-5F5B-47A5-9BBC-6F058C6ECD7E}"/>
+                <a16:creationId xmlns:a16="http://schemas.microsoft.com/office/drawing/2014/main" xmlns="" id="{A78C3D8F-5F5B-47A5-9BBC-6F058C6ECD7E}"/>
               </a:ext>
             </a:extLst>
           </p:cNvPr>
@@ -702,7 +702,7 @@
           <p:cNvPr id="6" name="슬라이드 번호 개체 틀 5">
             <a:extLst>
               <a:ext uri="{FF2B5EF4-FFF2-40B4-BE49-F238E27FC236}">
-                <a16:creationId xmlns="" xmlns:a16="http://schemas.microsoft.com/office/drawing/2014/main" id="{7E72ED3D-DC97-4CF5-A83F-A0F4CD5D3061}"/>
+                <a16:creationId xmlns:a16="http://schemas.microsoft.com/office/drawing/2014/main" xmlns="" id="{7E72ED3D-DC97-4CF5-A83F-A0F4CD5D3061}"/>
               </a:ext>
             </a:extLst>
           </p:cNvPr>
@@ -761,7 +761,7 @@
           <p:cNvPr id="2" name="제목 1">
             <a:extLst>
               <a:ext uri="{FF2B5EF4-FFF2-40B4-BE49-F238E27FC236}">
-                <a16:creationId xmlns="" xmlns:a16="http://schemas.microsoft.com/office/drawing/2014/main" id="{2478CD97-4610-41D5-9293-07E4F7EF8330}"/>
+                <a16:creationId xmlns:a16="http://schemas.microsoft.com/office/drawing/2014/main" xmlns="" id="{2478CD97-4610-41D5-9293-07E4F7EF8330}"/>
               </a:ext>
             </a:extLst>
           </p:cNvPr>
@@ -789,7 +789,7 @@
           <p:cNvPr id="3" name="내용 개체 틀 2">
             <a:extLst>
               <a:ext uri="{FF2B5EF4-FFF2-40B4-BE49-F238E27FC236}">
-                <a16:creationId xmlns="" xmlns:a16="http://schemas.microsoft.com/office/drawing/2014/main" id="{A4761A08-28DB-4E61-B23C-47F9FF94B03B}"/>
+                <a16:creationId xmlns:a16="http://schemas.microsoft.com/office/drawing/2014/main" xmlns="" id="{A4761A08-28DB-4E61-B23C-47F9FF94B03B}"/>
               </a:ext>
             </a:extLst>
           </p:cNvPr>
@@ -846,7 +846,7 @@
           <p:cNvPr id="4" name="날짜 개체 틀 3">
             <a:extLst>
               <a:ext uri="{FF2B5EF4-FFF2-40B4-BE49-F238E27FC236}">
-                <a16:creationId xmlns="" xmlns:a16="http://schemas.microsoft.com/office/drawing/2014/main" id="{8A0B1E4E-9D0C-4F38-8350-90F7893A1DD4}"/>
+                <a16:creationId xmlns:a16="http://schemas.microsoft.com/office/drawing/2014/main" xmlns="" id="{8A0B1E4E-9D0C-4F38-8350-90F7893A1DD4}"/>
               </a:ext>
             </a:extLst>
           </p:cNvPr>
@@ -875,7 +875,7 @@
           <p:cNvPr id="5" name="바닥글 개체 틀 4">
             <a:extLst>
               <a:ext uri="{FF2B5EF4-FFF2-40B4-BE49-F238E27FC236}">
-                <a16:creationId xmlns="" xmlns:a16="http://schemas.microsoft.com/office/drawing/2014/main" id="{3EB51119-FFCC-46AF-9F51-2823DEF4A6AF}"/>
+                <a16:creationId xmlns:a16="http://schemas.microsoft.com/office/drawing/2014/main" xmlns="" id="{3EB51119-FFCC-46AF-9F51-2823DEF4A6AF}"/>
               </a:ext>
             </a:extLst>
           </p:cNvPr>
@@ -900,7 +900,7 @@
           <p:cNvPr id="6" name="슬라이드 번호 개체 틀 5">
             <a:extLst>
               <a:ext uri="{FF2B5EF4-FFF2-40B4-BE49-F238E27FC236}">
-                <a16:creationId xmlns="" xmlns:a16="http://schemas.microsoft.com/office/drawing/2014/main" id="{5E5C2C86-356F-4ACF-9EEC-3B3D8462A39C}"/>
+                <a16:creationId xmlns:a16="http://schemas.microsoft.com/office/drawing/2014/main" xmlns="" id="{5E5C2C86-356F-4ACF-9EEC-3B3D8462A39C}"/>
               </a:ext>
             </a:extLst>
           </p:cNvPr>
@@ -959,7 +959,7 @@
           <p:cNvPr id="2" name="제목 1">
             <a:extLst>
               <a:ext uri="{FF2B5EF4-FFF2-40B4-BE49-F238E27FC236}">
-                <a16:creationId xmlns="" xmlns:a16="http://schemas.microsoft.com/office/drawing/2014/main" id="{DBF78962-7159-4DAF-9E07-D4AC9AFA9BC1}"/>
+                <a16:creationId xmlns:a16="http://schemas.microsoft.com/office/drawing/2014/main" xmlns="" id="{DBF78962-7159-4DAF-9E07-D4AC9AFA9BC1}"/>
               </a:ext>
             </a:extLst>
           </p:cNvPr>
@@ -996,7 +996,7 @@
           <p:cNvPr id="3" name="텍스트 개체 틀 2">
             <a:extLst>
               <a:ext uri="{FF2B5EF4-FFF2-40B4-BE49-F238E27FC236}">
-                <a16:creationId xmlns="" xmlns:a16="http://schemas.microsoft.com/office/drawing/2014/main" id="{FAB5D699-135E-49BA-9606-CB890CD5D6CE}"/>
+                <a16:creationId xmlns:a16="http://schemas.microsoft.com/office/drawing/2014/main" xmlns="" id="{FAB5D699-135E-49BA-9606-CB890CD5D6CE}"/>
               </a:ext>
             </a:extLst>
           </p:cNvPr>
@@ -1121,7 +1121,7 @@
           <p:cNvPr id="4" name="날짜 개체 틀 3">
             <a:extLst>
               <a:ext uri="{FF2B5EF4-FFF2-40B4-BE49-F238E27FC236}">
-                <a16:creationId xmlns="" xmlns:a16="http://schemas.microsoft.com/office/drawing/2014/main" id="{3717AFA4-E80B-48F1-B566-3D5FA0DCC2E5}"/>
+                <a16:creationId xmlns:a16="http://schemas.microsoft.com/office/drawing/2014/main" xmlns="" id="{3717AFA4-E80B-48F1-B566-3D5FA0DCC2E5}"/>
               </a:ext>
             </a:extLst>
           </p:cNvPr>
@@ -1150,7 +1150,7 @@
           <p:cNvPr id="5" name="바닥글 개체 틀 4">
             <a:extLst>
               <a:ext uri="{FF2B5EF4-FFF2-40B4-BE49-F238E27FC236}">
-                <a16:creationId xmlns="" xmlns:a16="http://schemas.microsoft.com/office/drawing/2014/main" id="{530C7227-51F8-4DD4-93DC-2046C220BC2B}"/>
+                <a16:creationId xmlns:a16="http://schemas.microsoft.com/office/drawing/2014/main" xmlns="" id="{530C7227-51F8-4DD4-93DC-2046C220BC2B}"/>
               </a:ext>
             </a:extLst>
           </p:cNvPr>
@@ -1175,7 +1175,7 @@
           <p:cNvPr id="6" name="슬라이드 번호 개체 틀 5">
             <a:extLst>
               <a:ext uri="{FF2B5EF4-FFF2-40B4-BE49-F238E27FC236}">
-                <a16:creationId xmlns="" xmlns:a16="http://schemas.microsoft.com/office/drawing/2014/main" id="{CF23AE0C-87AE-419F-8C21-C05064D5F98B}"/>
+                <a16:creationId xmlns:a16="http://schemas.microsoft.com/office/drawing/2014/main" xmlns="" id="{CF23AE0C-87AE-419F-8C21-C05064D5F98B}"/>
               </a:ext>
             </a:extLst>
           </p:cNvPr>
@@ -1234,7 +1234,7 @@
           <p:cNvPr id="2" name="제목 1">
             <a:extLst>
               <a:ext uri="{FF2B5EF4-FFF2-40B4-BE49-F238E27FC236}">
-                <a16:creationId xmlns="" xmlns:a16="http://schemas.microsoft.com/office/drawing/2014/main" id="{EF53F05C-1B53-4997-8D4F-574B40BFB6D2}"/>
+                <a16:creationId xmlns:a16="http://schemas.microsoft.com/office/drawing/2014/main" xmlns="" id="{EF53F05C-1B53-4997-8D4F-574B40BFB6D2}"/>
               </a:ext>
             </a:extLst>
           </p:cNvPr>
@@ -1262,7 +1262,7 @@
           <p:cNvPr id="3" name="내용 개체 틀 2">
             <a:extLst>
               <a:ext uri="{FF2B5EF4-FFF2-40B4-BE49-F238E27FC236}">
-                <a16:creationId xmlns="" xmlns:a16="http://schemas.microsoft.com/office/drawing/2014/main" id="{F2EE759F-A91E-45FB-BC0F-52B204A43CE5}"/>
+                <a16:creationId xmlns:a16="http://schemas.microsoft.com/office/drawing/2014/main" xmlns="" id="{F2EE759F-A91E-45FB-BC0F-52B204A43CE5}"/>
               </a:ext>
             </a:extLst>
           </p:cNvPr>
@@ -1324,7 +1324,7 @@
           <p:cNvPr id="4" name="내용 개체 틀 3">
             <a:extLst>
               <a:ext uri="{FF2B5EF4-FFF2-40B4-BE49-F238E27FC236}">
-                <a16:creationId xmlns="" xmlns:a16="http://schemas.microsoft.com/office/drawing/2014/main" id="{CBA814ED-B083-468B-A3B1-B0834E8C8212}"/>
+                <a16:creationId xmlns:a16="http://schemas.microsoft.com/office/drawing/2014/main" xmlns="" id="{CBA814ED-B083-468B-A3B1-B0834E8C8212}"/>
               </a:ext>
             </a:extLst>
           </p:cNvPr>
@@ -1386,7 +1386,7 @@
           <p:cNvPr id="5" name="날짜 개체 틀 4">
             <a:extLst>
               <a:ext uri="{FF2B5EF4-FFF2-40B4-BE49-F238E27FC236}">
-                <a16:creationId xmlns="" xmlns:a16="http://schemas.microsoft.com/office/drawing/2014/main" id="{877DEBD2-BAE9-4C14-A7E8-517148C14EED}"/>
+                <a16:creationId xmlns:a16="http://schemas.microsoft.com/office/drawing/2014/main" xmlns="" id="{877DEBD2-BAE9-4C14-A7E8-517148C14EED}"/>
               </a:ext>
             </a:extLst>
           </p:cNvPr>
@@ -1415,7 +1415,7 @@
           <p:cNvPr id="6" name="바닥글 개체 틀 5">
             <a:extLst>
               <a:ext uri="{FF2B5EF4-FFF2-40B4-BE49-F238E27FC236}">
-                <a16:creationId xmlns="" xmlns:a16="http://schemas.microsoft.com/office/drawing/2014/main" id="{2F72D31F-47DB-4B78-B8CC-AB9D0A4DCEC0}"/>
+                <a16:creationId xmlns:a16="http://schemas.microsoft.com/office/drawing/2014/main" xmlns="" id="{2F72D31F-47DB-4B78-B8CC-AB9D0A4DCEC0}"/>
               </a:ext>
             </a:extLst>
           </p:cNvPr>
@@ -1440,7 +1440,7 @@
           <p:cNvPr id="7" name="슬라이드 번호 개체 틀 6">
             <a:extLst>
               <a:ext uri="{FF2B5EF4-FFF2-40B4-BE49-F238E27FC236}">
-                <a16:creationId xmlns="" xmlns:a16="http://schemas.microsoft.com/office/drawing/2014/main" id="{F1B67971-49C1-46A6-BFE1-F14E5E9F87CF}"/>
+                <a16:creationId xmlns:a16="http://schemas.microsoft.com/office/drawing/2014/main" xmlns="" id="{F1B67971-49C1-46A6-BFE1-F14E5E9F87CF}"/>
               </a:ext>
             </a:extLst>
           </p:cNvPr>
@@ -1499,7 +1499,7 @@
           <p:cNvPr id="2" name="제목 1">
             <a:extLst>
               <a:ext uri="{FF2B5EF4-FFF2-40B4-BE49-F238E27FC236}">
-                <a16:creationId xmlns="" xmlns:a16="http://schemas.microsoft.com/office/drawing/2014/main" id="{E54246B1-789C-445A-A33C-EE193AF6AB31}"/>
+                <a16:creationId xmlns:a16="http://schemas.microsoft.com/office/drawing/2014/main" xmlns="" id="{E54246B1-789C-445A-A33C-EE193AF6AB31}"/>
               </a:ext>
             </a:extLst>
           </p:cNvPr>
@@ -1532,7 +1532,7 @@
           <p:cNvPr id="3" name="텍스트 개체 틀 2">
             <a:extLst>
               <a:ext uri="{FF2B5EF4-FFF2-40B4-BE49-F238E27FC236}">
-                <a16:creationId xmlns="" xmlns:a16="http://schemas.microsoft.com/office/drawing/2014/main" id="{C60DCCE6-A432-4D2A-810A-99E8AFAD1DD0}"/>
+                <a16:creationId xmlns:a16="http://schemas.microsoft.com/office/drawing/2014/main" xmlns="" id="{C60DCCE6-A432-4D2A-810A-99E8AFAD1DD0}"/>
               </a:ext>
             </a:extLst>
           </p:cNvPr>
@@ -1603,7 +1603,7 @@
           <p:cNvPr id="4" name="내용 개체 틀 3">
             <a:extLst>
               <a:ext uri="{FF2B5EF4-FFF2-40B4-BE49-F238E27FC236}">
-                <a16:creationId xmlns="" xmlns:a16="http://schemas.microsoft.com/office/drawing/2014/main" id="{16D0CEB2-1187-4252-AD05-8D872A1D3F3F}"/>
+                <a16:creationId xmlns:a16="http://schemas.microsoft.com/office/drawing/2014/main" xmlns="" id="{16D0CEB2-1187-4252-AD05-8D872A1D3F3F}"/>
               </a:ext>
             </a:extLst>
           </p:cNvPr>
@@ -1665,7 +1665,7 @@
           <p:cNvPr id="5" name="텍스트 개체 틀 4">
             <a:extLst>
               <a:ext uri="{FF2B5EF4-FFF2-40B4-BE49-F238E27FC236}">
-                <a16:creationId xmlns="" xmlns:a16="http://schemas.microsoft.com/office/drawing/2014/main" id="{5AE31809-3F66-4FEC-8D60-2F4D07A12196}"/>
+                <a16:creationId xmlns:a16="http://schemas.microsoft.com/office/drawing/2014/main" xmlns="" id="{5AE31809-3F66-4FEC-8D60-2F4D07A12196}"/>
               </a:ext>
             </a:extLst>
           </p:cNvPr>
@@ -1736,7 +1736,7 @@
           <p:cNvPr id="6" name="내용 개체 틀 5">
             <a:extLst>
               <a:ext uri="{FF2B5EF4-FFF2-40B4-BE49-F238E27FC236}">
-                <a16:creationId xmlns="" xmlns:a16="http://schemas.microsoft.com/office/drawing/2014/main" id="{A23AB223-7027-45B7-A59D-E463A79FDDD7}"/>
+                <a16:creationId xmlns:a16="http://schemas.microsoft.com/office/drawing/2014/main" xmlns="" id="{A23AB223-7027-45B7-A59D-E463A79FDDD7}"/>
               </a:ext>
             </a:extLst>
           </p:cNvPr>
@@ -1798,7 +1798,7 @@
           <p:cNvPr id="7" name="날짜 개체 틀 6">
             <a:extLst>
               <a:ext uri="{FF2B5EF4-FFF2-40B4-BE49-F238E27FC236}">
-                <a16:creationId xmlns="" xmlns:a16="http://schemas.microsoft.com/office/drawing/2014/main" id="{D2A2B8DD-7358-465C-8CC1-F71D7DE0E812}"/>
+                <a16:creationId xmlns:a16="http://schemas.microsoft.com/office/drawing/2014/main" xmlns="" id="{D2A2B8DD-7358-465C-8CC1-F71D7DE0E812}"/>
               </a:ext>
             </a:extLst>
           </p:cNvPr>
@@ -1827,7 +1827,7 @@
           <p:cNvPr id="8" name="바닥글 개체 틀 7">
             <a:extLst>
               <a:ext uri="{FF2B5EF4-FFF2-40B4-BE49-F238E27FC236}">
-                <a16:creationId xmlns="" xmlns:a16="http://schemas.microsoft.com/office/drawing/2014/main" id="{0D010038-A30A-4B64-BB25-7C3590F3E110}"/>
+                <a16:creationId xmlns:a16="http://schemas.microsoft.com/office/drawing/2014/main" xmlns="" id="{0D010038-A30A-4B64-BB25-7C3590F3E110}"/>
               </a:ext>
             </a:extLst>
           </p:cNvPr>
@@ -1852,7 +1852,7 @@
           <p:cNvPr id="9" name="슬라이드 번호 개체 틀 8">
             <a:extLst>
               <a:ext uri="{FF2B5EF4-FFF2-40B4-BE49-F238E27FC236}">
-                <a16:creationId xmlns="" xmlns:a16="http://schemas.microsoft.com/office/drawing/2014/main" id="{65054B27-799F-4A0D-8BE0-631E52465DC1}"/>
+                <a16:creationId xmlns:a16="http://schemas.microsoft.com/office/drawing/2014/main" xmlns="" id="{65054B27-799F-4A0D-8BE0-631E52465DC1}"/>
               </a:ext>
             </a:extLst>
           </p:cNvPr>
@@ -1911,7 +1911,7 @@
           <p:cNvPr id="2" name="제목 1">
             <a:extLst>
               <a:ext uri="{FF2B5EF4-FFF2-40B4-BE49-F238E27FC236}">
-                <a16:creationId xmlns="" xmlns:a16="http://schemas.microsoft.com/office/drawing/2014/main" id="{C485E51C-A240-4608-92DA-E50F807F41C0}"/>
+                <a16:creationId xmlns:a16="http://schemas.microsoft.com/office/drawing/2014/main" xmlns="" id="{C485E51C-A240-4608-92DA-E50F807F41C0}"/>
               </a:ext>
             </a:extLst>
           </p:cNvPr>
@@ -1939,7 +1939,7 @@
           <p:cNvPr id="3" name="날짜 개체 틀 2">
             <a:extLst>
               <a:ext uri="{FF2B5EF4-FFF2-40B4-BE49-F238E27FC236}">
-                <a16:creationId xmlns="" xmlns:a16="http://schemas.microsoft.com/office/drawing/2014/main" id="{2B851E15-AFBE-4FC3-8B78-027D54EB8877}"/>
+                <a16:creationId xmlns:a16="http://schemas.microsoft.com/office/drawing/2014/main" xmlns="" id="{2B851E15-AFBE-4FC3-8B78-027D54EB8877}"/>
               </a:ext>
             </a:extLst>
           </p:cNvPr>
@@ -1968,7 +1968,7 @@
           <p:cNvPr id="4" name="바닥글 개체 틀 3">
             <a:extLst>
               <a:ext uri="{FF2B5EF4-FFF2-40B4-BE49-F238E27FC236}">
-                <a16:creationId xmlns="" xmlns:a16="http://schemas.microsoft.com/office/drawing/2014/main" id="{5FEBB580-75E4-48D4-AEF3-E10C58CF6EA4}"/>
+                <a16:creationId xmlns:a16="http://schemas.microsoft.com/office/drawing/2014/main" xmlns="" id="{5FEBB580-75E4-48D4-AEF3-E10C58CF6EA4}"/>
               </a:ext>
             </a:extLst>
           </p:cNvPr>
@@ -1993,7 +1993,7 @@
           <p:cNvPr id="5" name="슬라이드 번호 개체 틀 4">
             <a:extLst>
               <a:ext uri="{FF2B5EF4-FFF2-40B4-BE49-F238E27FC236}">
-                <a16:creationId xmlns="" xmlns:a16="http://schemas.microsoft.com/office/drawing/2014/main" id="{BF32AC2E-0C50-4FB0-8820-A7AC6BDE4173}"/>
+                <a16:creationId xmlns:a16="http://schemas.microsoft.com/office/drawing/2014/main" xmlns="" id="{BF32AC2E-0C50-4FB0-8820-A7AC6BDE4173}"/>
               </a:ext>
             </a:extLst>
           </p:cNvPr>
@@ -2052,7 +2052,7 @@
           <p:cNvPr id="2" name="날짜 개체 틀 1">
             <a:extLst>
               <a:ext uri="{FF2B5EF4-FFF2-40B4-BE49-F238E27FC236}">
-                <a16:creationId xmlns="" xmlns:a16="http://schemas.microsoft.com/office/drawing/2014/main" id="{2C192448-72D9-4BA8-A3A5-9279810622F2}"/>
+                <a16:creationId xmlns:a16="http://schemas.microsoft.com/office/drawing/2014/main" xmlns="" id="{2C192448-72D9-4BA8-A3A5-9279810622F2}"/>
               </a:ext>
             </a:extLst>
           </p:cNvPr>
@@ -2081,7 +2081,7 @@
           <p:cNvPr id="3" name="바닥글 개체 틀 2">
             <a:extLst>
               <a:ext uri="{FF2B5EF4-FFF2-40B4-BE49-F238E27FC236}">
-                <a16:creationId xmlns="" xmlns:a16="http://schemas.microsoft.com/office/drawing/2014/main" id="{6A464358-B5B5-49B6-9CA3-2BE74CF87DC8}"/>
+                <a16:creationId xmlns:a16="http://schemas.microsoft.com/office/drawing/2014/main" xmlns="" id="{6A464358-B5B5-49B6-9CA3-2BE74CF87DC8}"/>
               </a:ext>
             </a:extLst>
           </p:cNvPr>
@@ -2106,7 +2106,7 @@
           <p:cNvPr id="4" name="슬라이드 번호 개체 틀 3">
             <a:extLst>
               <a:ext uri="{FF2B5EF4-FFF2-40B4-BE49-F238E27FC236}">
-                <a16:creationId xmlns="" xmlns:a16="http://schemas.microsoft.com/office/drawing/2014/main" id="{5B606F01-6E92-4C16-A968-94433D122A35}"/>
+                <a16:creationId xmlns:a16="http://schemas.microsoft.com/office/drawing/2014/main" xmlns="" id="{5B606F01-6E92-4C16-A968-94433D122A35}"/>
               </a:ext>
             </a:extLst>
           </p:cNvPr>
@@ -2165,7 +2165,7 @@
           <p:cNvPr id="2" name="제목 1">
             <a:extLst>
               <a:ext uri="{FF2B5EF4-FFF2-40B4-BE49-F238E27FC236}">
-                <a16:creationId xmlns="" xmlns:a16="http://schemas.microsoft.com/office/drawing/2014/main" id="{78C9915E-4301-4868-A5EC-6F607A83BF22}"/>
+                <a16:creationId xmlns:a16="http://schemas.microsoft.com/office/drawing/2014/main" xmlns="" id="{78C9915E-4301-4868-A5EC-6F607A83BF22}"/>
               </a:ext>
             </a:extLst>
           </p:cNvPr>
@@ -2202,7 +2202,7 @@
           <p:cNvPr id="3" name="내용 개체 틀 2">
             <a:extLst>
               <a:ext uri="{FF2B5EF4-FFF2-40B4-BE49-F238E27FC236}">
-                <a16:creationId xmlns="" xmlns:a16="http://schemas.microsoft.com/office/drawing/2014/main" id="{4507BFFD-DC79-4CFE-A2B2-BACA06190953}"/>
+                <a16:creationId xmlns:a16="http://schemas.microsoft.com/office/drawing/2014/main" xmlns="" id="{4507BFFD-DC79-4CFE-A2B2-BACA06190953}"/>
               </a:ext>
             </a:extLst>
           </p:cNvPr>
@@ -2292,7 +2292,7 @@
           <p:cNvPr id="4" name="텍스트 개체 틀 3">
             <a:extLst>
               <a:ext uri="{FF2B5EF4-FFF2-40B4-BE49-F238E27FC236}">
-                <a16:creationId xmlns="" xmlns:a16="http://schemas.microsoft.com/office/drawing/2014/main" id="{9A00C531-2EB8-4478-9A6C-4CD6FE675072}"/>
+                <a16:creationId xmlns:a16="http://schemas.microsoft.com/office/drawing/2014/main" xmlns="" id="{9A00C531-2EB8-4478-9A6C-4CD6FE675072}"/>
               </a:ext>
             </a:extLst>
           </p:cNvPr>
@@ -2363,7 +2363,7 @@
           <p:cNvPr id="5" name="날짜 개체 틀 4">
             <a:extLst>
               <a:ext uri="{FF2B5EF4-FFF2-40B4-BE49-F238E27FC236}">
-                <a16:creationId xmlns="" xmlns:a16="http://schemas.microsoft.com/office/drawing/2014/main" id="{8B9102F9-10D2-4689-A3F0-BD4C609347E9}"/>
+                <a16:creationId xmlns:a16="http://schemas.microsoft.com/office/drawing/2014/main" xmlns="" id="{8B9102F9-10D2-4689-A3F0-BD4C609347E9}"/>
               </a:ext>
             </a:extLst>
           </p:cNvPr>
@@ -2392,7 +2392,7 @@
           <p:cNvPr id="6" name="바닥글 개체 틀 5">
             <a:extLst>
               <a:ext uri="{FF2B5EF4-FFF2-40B4-BE49-F238E27FC236}">
-                <a16:creationId xmlns="" xmlns:a16="http://schemas.microsoft.com/office/drawing/2014/main" id="{D7F39764-04A1-4A55-9A18-7F042A006344}"/>
+                <a16:creationId xmlns:a16="http://schemas.microsoft.com/office/drawing/2014/main" xmlns="" id="{D7F39764-04A1-4A55-9A18-7F042A006344}"/>
               </a:ext>
             </a:extLst>
           </p:cNvPr>
@@ -2417,7 +2417,7 @@
           <p:cNvPr id="7" name="슬라이드 번호 개체 틀 6">
             <a:extLst>
               <a:ext uri="{FF2B5EF4-FFF2-40B4-BE49-F238E27FC236}">
-                <a16:creationId xmlns="" xmlns:a16="http://schemas.microsoft.com/office/drawing/2014/main" id="{34225F41-6CDF-4265-BBB3-81FCF28FB82A}"/>
+                <a16:creationId xmlns:a16="http://schemas.microsoft.com/office/drawing/2014/main" xmlns="" id="{34225F41-6CDF-4265-BBB3-81FCF28FB82A}"/>
               </a:ext>
             </a:extLst>
           </p:cNvPr>
@@ -2476,7 +2476,7 @@
           <p:cNvPr id="2" name="제목 1">
             <a:extLst>
               <a:ext uri="{FF2B5EF4-FFF2-40B4-BE49-F238E27FC236}">
-                <a16:creationId xmlns="" xmlns:a16="http://schemas.microsoft.com/office/drawing/2014/main" id="{E1595260-FA6D-4888-ADF7-F499EEC9CAF3}"/>
+                <a16:creationId xmlns:a16="http://schemas.microsoft.com/office/drawing/2014/main" xmlns="" id="{E1595260-FA6D-4888-ADF7-F499EEC9CAF3}"/>
               </a:ext>
             </a:extLst>
           </p:cNvPr>
@@ -2513,7 +2513,7 @@
           <p:cNvPr id="3" name="그림 개체 틀 2">
             <a:extLst>
               <a:ext uri="{FF2B5EF4-FFF2-40B4-BE49-F238E27FC236}">
-                <a16:creationId xmlns="" xmlns:a16="http://schemas.microsoft.com/office/drawing/2014/main" id="{83A50628-D8CA-4077-960A-F39CE72B43AC}"/>
+                <a16:creationId xmlns:a16="http://schemas.microsoft.com/office/drawing/2014/main" xmlns="" id="{83A50628-D8CA-4077-960A-F39CE72B43AC}"/>
               </a:ext>
             </a:extLst>
           </p:cNvPr>
@@ -2580,7 +2580,7 @@
           <p:cNvPr id="4" name="텍스트 개체 틀 3">
             <a:extLst>
               <a:ext uri="{FF2B5EF4-FFF2-40B4-BE49-F238E27FC236}">
-                <a16:creationId xmlns="" xmlns:a16="http://schemas.microsoft.com/office/drawing/2014/main" id="{19E7AA03-FBD8-4A50-A92B-5AC38CFD2159}"/>
+                <a16:creationId xmlns:a16="http://schemas.microsoft.com/office/drawing/2014/main" xmlns="" id="{19E7AA03-FBD8-4A50-A92B-5AC38CFD2159}"/>
               </a:ext>
             </a:extLst>
           </p:cNvPr>
@@ -2651,7 +2651,7 @@
           <p:cNvPr id="5" name="날짜 개체 틀 4">
             <a:extLst>
               <a:ext uri="{FF2B5EF4-FFF2-40B4-BE49-F238E27FC236}">
-                <a16:creationId xmlns="" xmlns:a16="http://schemas.microsoft.com/office/drawing/2014/main" id="{68D9E59A-44BD-4C8B-A629-A61BC819DCDC}"/>
+                <a16:creationId xmlns:a16="http://schemas.microsoft.com/office/drawing/2014/main" xmlns="" id="{68D9E59A-44BD-4C8B-A629-A61BC819DCDC}"/>
               </a:ext>
             </a:extLst>
           </p:cNvPr>
@@ -2680,7 +2680,7 @@
           <p:cNvPr id="6" name="바닥글 개체 틀 5">
             <a:extLst>
               <a:ext uri="{FF2B5EF4-FFF2-40B4-BE49-F238E27FC236}">
-                <a16:creationId xmlns="" xmlns:a16="http://schemas.microsoft.com/office/drawing/2014/main" id="{1D2B7321-A165-476B-A4ED-83B774277E09}"/>
+                <a16:creationId xmlns:a16="http://schemas.microsoft.com/office/drawing/2014/main" xmlns="" id="{1D2B7321-A165-476B-A4ED-83B774277E09}"/>
               </a:ext>
             </a:extLst>
           </p:cNvPr>
@@ -2705,7 +2705,7 @@
           <p:cNvPr id="7" name="슬라이드 번호 개체 틀 6">
             <a:extLst>
               <a:ext uri="{FF2B5EF4-FFF2-40B4-BE49-F238E27FC236}">
-                <a16:creationId xmlns="" xmlns:a16="http://schemas.microsoft.com/office/drawing/2014/main" id="{07F02D81-149F-45ED-BBC5-576EF0493F03}"/>
+                <a16:creationId xmlns:a16="http://schemas.microsoft.com/office/drawing/2014/main" xmlns="" id="{07F02D81-149F-45ED-BBC5-576EF0493F03}"/>
               </a:ext>
             </a:extLst>
           </p:cNvPr>
@@ -2769,7 +2769,7 @@
           <p:cNvPr id="2" name="제목 개체 틀 1">
             <a:extLst>
               <a:ext uri="{FF2B5EF4-FFF2-40B4-BE49-F238E27FC236}">
-                <a16:creationId xmlns="" xmlns:a16="http://schemas.microsoft.com/office/drawing/2014/main" id="{738525D4-1253-4608-9D52-B7981AC4FCC8}"/>
+                <a16:creationId xmlns:a16="http://schemas.microsoft.com/office/drawing/2014/main" xmlns="" id="{738525D4-1253-4608-9D52-B7981AC4FCC8}"/>
               </a:ext>
             </a:extLst>
           </p:cNvPr>
@@ -2807,7 +2807,7 @@
           <p:cNvPr id="3" name="텍스트 개체 틀 2">
             <a:extLst>
               <a:ext uri="{FF2B5EF4-FFF2-40B4-BE49-F238E27FC236}">
-                <a16:creationId xmlns="" xmlns:a16="http://schemas.microsoft.com/office/drawing/2014/main" id="{0D5AEAAA-7600-4903-ACEF-1D36CDCD268E}"/>
+                <a16:creationId xmlns:a16="http://schemas.microsoft.com/office/drawing/2014/main" xmlns="" id="{0D5AEAAA-7600-4903-ACEF-1D36CDCD268E}"/>
               </a:ext>
             </a:extLst>
           </p:cNvPr>
@@ -2874,7 +2874,7 @@
           <p:cNvPr id="4" name="날짜 개체 틀 3">
             <a:extLst>
               <a:ext uri="{FF2B5EF4-FFF2-40B4-BE49-F238E27FC236}">
-                <a16:creationId xmlns="" xmlns:a16="http://schemas.microsoft.com/office/drawing/2014/main" id="{4DC8EC6A-27D7-4EF9-B45D-C2D39B14F126}"/>
+                <a16:creationId xmlns:a16="http://schemas.microsoft.com/office/drawing/2014/main" xmlns="" id="{4DC8EC6A-27D7-4EF9-B45D-C2D39B14F126}"/>
               </a:ext>
             </a:extLst>
           </p:cNvPr>
@@ -2921,7 +2921,7 @@
           <p:cNvPr id="5" name="바닥글 개체 틀 4">
             <a:extLst>
               <a:ext uri="{FF2B5EF4-FFF2-40B4-BE49-F238E27FC236}">
-                <a16:creationId xmlns="" xmlns:a16="http://schemas.microsoft.com/office/drawing/2014/main" id="{260EB541-017D-4B3F-9895-2DFE884EA7DA}"/>
+                <a16:creationId xmlns:a16="http://schemas.microsoft.com/office/drawing/2014/main" xmlns="" id="{260EB541-017D-4B3F-9895-2DFE884EA7DA}"/>
               </a:ext>
             </a:extLst>
           </p:cNvPr>
@@ -2964,7 +2964,7 @@
           <p:cNvPr id="6" name="슬라이드 번호 개체 틀 5">
             <a:extLst>
               <a:ext uri="{FF2B5EF4-FFF2-40B4-BE49-F238E27FC236}">
-                <a16:creationId xmlns="" xmlns:a16="http://schemas.microsoft.com/office/drawing/2014/main" id="{51440F6D-AE56-4BC9-B00D-4A215980C939}"/>
+                <a16:creationId xmlns:a16="http://schemas.microsoft.com/office/drawing/2014/main" xmlns="" id="{51440F6D-AE56-4BC9-B00D-4A215980C939}"/>
               </a:ext>
             </a:extLst>
           </p:cNvPr>
@@ -3340,7 +3340,7 @@
           <p:cNvPr id="3" name="부제목 2">
             <a:extLst>
               <a:ext uri="{FF2B5EF4-FFF2-40B4-BE49-F238E27FC236}">
-                <a16:creationId xmlns="" xmlns:a16="http://schemas.microsoft.com/office/drawing/2014/main" id="{84DAC65C-FE20-4D6D-AFFA-57D16B16FADF}"/>
+                <a16:creationId xmlns:a16="http://schemas.microsoft.com/office/drawing/2014/main" xmlns="" id="{84DAC65C-FE20-4D6D-AFFA-57D16B16FADF}"/>
               </a:ext>
             </a:extLst>
           </p:cNvPr>
@@ -3380,7 +3380,7 @@
           <p:cNvPr id="9" name="그림 8">
             <a:extLst>
               <a:ext uri="{FF2B5EF4-FFF2-40B4-BE49-F238E27FC236}">
-                <a16:creationId xmlns="" xmlns:a16="http://schemas.microsoft.com/office/drawing/2014/main" id="{58A568A6-F904-4025-9A14-67F5B32BB43F}"/>
+                <a16:creationId xmlns:a16="http://schemas.microsoft.com/office/drawing/2014/main" xmlns="" id="{58A568A6-F904-4025-9A14-67F5B32BB43F}"/>
               </a:ext>
             </a:extLst>
           </p:cNvPr>
@@ -3409,7 +3409,7 @@
           <p:cNvPr id="6" name="正方形/長方形 1">
             <a:extLst>
               <a:ext uri="{FF2B5EF4-FFF2-40B4-BE49-F238E27FC236}">
-                <a16:creationId xmlns="" xmlns:a16="http://schemas.microsoft.com/office/drawing/2014/main" id="{3DB5B2C5-F5B3-4CC9-BEAC-DB38B7D18AB0}"/>
+                <a16:creationId xmlns:a16="http://schemas.microsoft.com/office/drawing/2014/main" xmlns="" id="{3DB5B2C5-F5B3-4CC9-BEAC-DB38B7D18AB0}"/>
               </a:ext>
             </a:extLst>
           </p:cNvPr>
@@ -3461,7 +3461,7 @@
           <p:cNvPr id="5" name="그림 4">
             <a:extLst>
               <a:ext uri="{FF2B5EF4-FFF2-40B4-BE49-F238E27FC236}">
-                <a16:creationId xmlns="" xmlns:a16="http://schemas.microsoft.com/office/drawing/2014/main" id="{70CD73FB-6A8C-4053-8E55-05DD338095CE}"/>
+                <a16:creationId xmlns:a16="http://schemas.microsoft.com/office/drawing/2014/main" xmlns="" id="{70CD73FB-6A8C-4053-8E55-05DD338095CE}"/>
               </a:ext>
             </a:extLst>
           </p:cNvPr>
@@ -3497,7 +3497,7 @@
           <p:cNvPr id="10" name="TextBox 9">
             <a:extLst>
               <a:ext uri="{FF2B5EF4-FFF2-40B4-BE49-F238E27FC236}">
-                <a16:creationId xmlns="" xmlns:a16="http://schemas.microsoft.com/office/drawing/2014/main" id="{FE48E1B1-BE68-4CDF-B1A5-546E3D5FD453}"/>
+                <a16:creationId xmlns:a16="http://schemas.microsoft.com/office/drawing/2014/main" xmlns="" id="{FE48E1B1-BE68-4CDF-B1A5-546E3D5FD453}"/>
               </a:ext>
             </a:extLst>
           </p:cNvPr>
@@ -3629,6 +3629,13 @@
   <p:clrMapOvr>
     <a:masterClrMapping/>
   </p:clrMapOvr>
+  <p:timing>
+    <p:tnLst>
+      <p:par>
+        <p:cTn id="1" dur="indefinite" restart="never" nodeType="tmRoot"/>
+      </p:par>
+    </p:tnLst>
+  </p:timing>
 </p:sld>
 </file>
 
@@ -3654,7 +3661,7 @@
           <p:cNvPr id="15" name="그룹 14">
             <a:extLst>
               <a:ext uri="{FF2B5EF4-FFF2-40B4-BE49-F238E27FC236}">
-                <a16:creationId xmlns="" xmlns:a16="http://schemas.microsoft.com/office/drawing/2014/main" id="{B7536413-EBBF-45BD-956C-DBF04F557F50}"/>
+                <a16:creationId xmlns:a16="http://schemas.microsoft.com/office/drawing/2014/main" xmlns="" id="{B7536413-EBBF-45BD-956C-DBF04F557F50}"/>
               </a:ext>
             </a:extLst>
           </p:cNvPr>
@@ -3674,7 +3681,7 @@
             <p:cNvPr id="8" name="직사각형 7">
               <a:extLst>
                 <a:ext uri="{FF2B5EF4-FFF2-40B4-BE49-F238E27FC236}">
-                  <a16:creationId xmlns="" xmlns:a16="http://schemas.microsoft.com/office/drawing/2014/main" id="{F11A9128-76C8-4335-872F-E85671129C65}"/>
+                  <a16:creationId xmlns:a16="http://schemas.microsoft.com/office/drawing/2014/main" xmlns="" id="{F11A9128-76C8-4335-872F-E85671129C65}"/>
                 </a:ext>
               </a:extLst>
             </p:cNvPr>
@@ -3726,7 +3733,7 @@
             <p:cNvPr id="14" name="이등변 삼각형 13">
               <a:extLst>
                 <a:ext uri="{FF2B5EF4-FFF2-40B4-BE49-F238E27FC236}">
-                  <a16:creationId xmlns="" xmlns:a16="http://schemas.microsoft.com/office/drawing/2014/main" id="{2C330ABB-6ACB-46E7-B89D-15EBDBF22119}"/>
+                  <a16:creationId xmlns:a16="http://schemas.microsoft.com/office/drawing/2014/main" xmlns="" id="{2C330ABB-6ACB-46E7-B89D-15EBDBF22119}"/>
                 </a:ext>
               </a:extLst>
             </p:cNvPr>
@@ -3779,7 +3786,7 @@
           <p:cNvPr id="2" name="직사각형 1">
             <a:extLst>
               <a:ext uri="{FF2B5EF4-FFF2-40B4-BE49-F238E27FC236}">
-                <a16:creationId xmlns="" xmlns:a16="http://schemas.microsoft.com/office/drawing/2014/main" id="{8E5B996D-DF87-49E5-95D1-45B1EEB9EE9A}"/>
+                <a16:creationId xmlns:a16="http://schemas.microsoft.com/office/drawing/2014/main" xmlns="" id="{8E5B996D-DF87-49E5-95D1-45B1EEB9EE9A}"/>
               </a:ext>
             </a:extLst>
           </p:cNvPr>
@@ -3831,7 +3838,7 @@
           <p:cNvPr id="4" name="직사각형 3">
             <a:extLst>
               <a:ext uri="{FF2B5EF4-FFF2-40B4-BE49-F238E27FC236}">
-                <a16:creationId xmlns="" xmlns:a16="http://schemas.microsoft.com/office/drawing/2014/main" id="{080CEE4E-4BCA-42C3-BECA-9BCEB9931EEA}"/>
+                <a16:creationId xmlns:a16="http://schemas.microsoft.com/office/drawing/2014/main" xmlns="" id="{080CEE4E-4BCA-42C3-BECA-9BCEB9931EEA}"/>
               </a:ext>
             </a:extLst>
           </p:cNvPr>
@@ -3883,7 +3890,7 @@
           <p:cNvPr id="5" name="TextBox 4">
             <a:extLst>
               <a:ext uri="{FF2B5EF4-FFF2-40B4-BE49-F238E27FC236}">
-                <a16:creationId xmlns="" xmlns:a16="http://schemas.microsoft.com/office/drawing/2014/main" id="{D12B0B12-AB99-4F88-B4B2-948DADC833EA}"/>
+                <a16:creationId xmlns:a16="http://schemas.microsoft.com/office/drawing/2014/main" xmlns="" id="{D12B0B12-AB99-4F88-B4B2-948DADC833EA}"/>
               </a:ext>
             </a:extLst>
           </p:cNvPr>
@@ -4002,7 +4009,7 @@
           <p:cNvPr id="9" name="그림 8">
             <a:extLst>
               <a:ext uri="{FF2B5EF4-FFF2-40B4-BE49-F238E27FC236}">
-                <a16:creationId xmlns="" xmlns:a16="http://schemas.microsoft.com/office/drawing/2014/main" id="{0F0992E8-2696-42E6-805A-0C12780D8FA1}"/>
+                <a16:creationId xmlns:a16="http://schemas.microsoft.com/office/drawing/2014/main" xmlns="" id="{0F0992E8-2696-42E6-805A-0C12780D8FA1}"/>
               </a:ext>
             </a:extLst>
           </p:cNvPr>
@@ -4037,7 +4044,7 @@
           <p:cNvPr id="12" name="TextBox 11">
             <a:extLst>
               <a:ext uri="{FF2B5EF4-FFF2-40B4-BE49-F238E27FC236}">
-                <a16:creationId xmlns="" xmlns:a16="http://schemas.microsoft.com/office/drawing/2014/main" id="{7FA4A435-72AD-4E57-8841-4A73CE0EA391}"/>
+                <a16:creationId xmlns:a16="http://schemas.microsoft.com/office/drawing/2014/main" xmlns="" id="{7FA4A435-72AD-4E57-8841-4A73CE0EA391}"/>
               </a:ext>
             </a:extLst>
           </p:cNvPr>
@@ -4189,7 +4196,7 @@
           <p:cNvPr id="2" name="직사각형 1">
             <a:extLst>
               <a:ext uri="{FF2B5EF4-FFF2-40B4-BE49-F238E27FC236}">
-                <a16:creationId xmlns="" xmlns:a16="http://schemas.microsoft.com/office/drawing/2014/main" id="{8E5B996D-DF87-49E5-95D1-45B1EEB9EE9A}"/>
+                <a16:creationId xmlns:a16="http://schemas.microsoft.com/office/drawing/2014/main" xmlns="" id="{8E5B996D-DF87-49E5-95D1-45B1EEB9EE9A}"/>
               </a:ext>
             </a:extLst>
           </p:cNvPr>
@@ -4241,7 +4248,7 @@
           <p:cNvPr id="4" name="직사각형 3">
             <a:extLst>
               <a:ext uri="{FF2B5EF4-FFF2-40B4-BE49-F238E27FC236}">
-                <a16:creationId xmlns="" xmlns:a16="http://schemas.microsoft.com/office/drawing/2014/main" id="{080CEE4E-4BCA-42C3-BECA-9BCEB9931EEA}"/>
+                <a16:creationId xmlns:a16="http://schemas.microsoft.com/office/drawing/2014/main" xmlns="" id="{080CEE4E-4BCA-42C3-BECA-9BCEB9931EEA}"/>
               </a:ext>
             </a:extLst>
           </p:cNvPr>
@@ -4293,7 +4300,7 @@
           <p:cNvPr id="5" name="TextBox 4">
             <a:extLst>
               <a:ext uri="{FF2B5EF4-FFF2-40B4-BE49-F238E27FC236}">
-                <a16:creationId xmlns="" xmlns:a16="http://schemas.microsoft.com/office/drawing/2014/main" id="{D12B0B12-AB99-4F88-B4B2-948DADC833EA}"/>
+                <a16:creationId xmlns:a16="http://schemas.microsoft.com/office/drawing/2014/main" xmlns="" id="{D12B0B12-AB99-4F88-B4B2-948DADC833EA}"/>
               </a:ext>
             </a:extLst>
           </p:cNvPr>
@@ -4376,7 +4383,7 @@
           <p:cNvPr id="9" name="그림 8">
             <a:extLst>
               <a:ext uri="{FF2B5EF4-FFF2-40B4-BE49-F238E27FC236}">
-                <a16:creationId xmlns="" xmlns:a16="http://schemas.microsoft.com/office/drawing/2014/main" id="{0F0992E8-2696-42E6-805A-0C12780D8FA1}"/>
+                <a16:creationId xmlns:a16="http://schemas.microsoft.com/office/drawing/2014/main" xmlns="" id="{0F0992E8-2696-42E6-805A-0C12780D8FA1}"/>
               </a:ext>
             </a:extLst>
           </p:cNvPr>
@@ -4680,7 +4687,7 @@
           <p:cNvPr id="2" name="직사각형 1">
             <a:extLst>
               <a:ext uri="{FF2B5EF4-FFF2-40B4-BE49-F238E27FC236}">
-                <a16:creationId xmlns="" xmlns:a16="http://schemas.microsoft.com/office/drawing/2014/main" id="{8E5B996D-DF87-49E5-95D1-45B1EEB9EE9A}"/>
+                <a16:creationId xmlns:a16="http://schemas.microsoft.com/office/drawing/2014/main" xmlns="" id="{8E5B996D-DF87-49E5-95D1-45B1EEB9EE9A}"/>
               </a:ext>
             </a:extLst>
           </p:cNvPr>
@@ -4732,7 +4739,7 @@
           <p:cNvPr id="4" name="직사각형 3">
             <a:extLst>
               <a:ext uri="{FF2B5EF4-FFF2-40B4-BE49-F238E27FC236}">
-                <a16:creationId xmlns="" xmlns:a16="http://schemas.microsoft.com/office/drawing/2014/main" id="{080CEE4E-4BCA-42C3-BECA-9BCEB9931EEA}"/>
+                <a16:creationId xmlns:a16="http://schemas.microsoft.com/office/drawing/2014/main" xmlns="" id="{080CEE4E-4BCA-42C3-BECA-9BCEB9931EEA}"/>
               </a:ext>
             </a:extLst>
           </p:cNvPr>
@@ -4784,7 +4791,7 @@
           <p:cNvPr id="5" name="TextBox 4">
             <a:extLst>
               <a:ext uri="{FF2B5EF4-FFF2-40B4-BE49-F238E27FC236}">
-                <a16:creationId xmlns="" xmlns:a16="http://schemas.microsoft.com/office/drawing/2014/main" id="{D12B0B12-AB99-4F88-B4B2-948DADC833EA}"/>
+                <a16:creationId xmlns:a16="http://schemas.microsoft.com/office/drawing/2014/main" xmlns="" id="{D12B0B12-AB99-4F88-B4B2-948DADC833EA}"/>
               </a:ext>
             </a:extLst>
           </p:cNvPr>
@@ -4903,7 +4910,7 @@
           <p:cNvPr id="9" name="그림 8">
             <a:extLst>
               <a:ext uri="{FF2B5EF4-FFF2-40B4-BE49-F238E27FC236}">
-                <a16:creationId xmlns="" xmlns:a16="http://schemas.microsoft.com/office/drawing/2014/main" id="{0F0992E8-2696-42E6-805A-0C12780D8FA1}"/>
+                <a16:creationId xmlns:a16="http://schemas.microsoft.com/office/drawing/2014/main" xmlns="" id="{0F0992E8-2696-42E6-805A-0C12780D8FA1}"/>
               </a:ext>
             </a:extLst>
           </p:cNvPr>
@@ -4975,7 +4982,7 @@
           <p:cNvPr id="2" name="직사각형 1">
             <a:extLst>
               <a:ext uri="{FF2B5EF4-FFF2-40B4-BE49-F238E27FC236}">
-                <a16:creationId xmlns="" xmlns:a16="http://schemas.microsoft.com/office/drawing/2014/main" id="{8E5B996D-DF87-49E5-95D1-45B1EEB9EE9A}"/>
+                <a16:creationId xmlns:a16="http://schemas.microsoft.com/office/drawing/2014/main" xmlns="" id="{8E5B996D-DF87-49E5-95D1-45B1EEB9EE9A}"/>
               </a:ext>
             </a:extLst>
           </p:cNvPr>
@@ -5027,7 +5034,7 @@
           <p:cNvPr id="4" name="직사각형 3">
             <a:extLst>
               <a:ext uri="{FF2B5EF4-FFF2-40B4-BE49-F238E27FC236}">
-                <a16:creationId xmlns="" xmlns:a16="http://schemas.microsoft.com/office/drawing/2014/main" id="{080CEE4E-4BCA-42C3-BECA-9BCEB9931EEA}"/>
+                <a16:creationId xmlns:a16="http://schemas.microsoft.com/office/drawing/2014/main" xmlns="" id="{080CEE4E-4BCA-42C3-BECA-9BCEB9931EEA}"/>
               </a:ext>
             </a:extLst>
           </p:cNvPr>
@@ -5079,7 +5086,7 @@
           <p:cNvPr id="5" name="TextBox 4">
             <a:extLst>
               <a:ext uri="{FF2B5EF4-FFF2-40B4-BE49-F238E27FC236}">
-                <a16:creationId xmlns="" xmlns:a16="http://schemas.microsoft.com/office/drawing/2014/main" id="{D12B0B12-AB99-4F88-B4B2-948DADC833EA}"/>
+                <a16:creationId xmlns:a16="http://schemas.microsoft.com/office/drawing/2014/main" xmlns="" id="{D12B0B12-AB99-4F88-B4B2-948DADC833EA}"/>
               </a:ext>
             </a:extLst>
           </p:cNvPr>
@@ -5198,7 +5205,7 @@
           <p:cNvPr id="9" name="그림 8">
             <a:extLst>
               <a:ext uri="{FF2B5EF4-FFF2-40B4-BE49-F238E27FC236}">
-                <a16:creationId xmlns="" xmlns:a16="http://schemas.microsoft.com/office/drawing/2014/main" id="{0F0992E8-2696-42E6-805A-0C12780D8FA1}"/>
+                <a16:creationId xmlns:a16="http://schemas.microsoft.com/office/drawing/2014/main" xmlns="" id="{0F0992E8-2696-42E6-805A-0C12780D8FA1}"/>
               </a:ext>
             </a:extLst>
           </p:cNvPr>
@@ -5271,7 +5278,7 @@
           <p:cNvPr id="2" name="직사각형 1">
             <a:extLst>
               <a:ext uri="{FF2B5EF4-FFF2-40B4-BE49-F238E27FC236}">
-                <a16:creationId xmlns="" xmlns:a16="http://schemas.microsoft.com/office/drawing/2014/main" id="{8E5B996D-DF87-49E5-95D1-45B1EEB9EE9A}"/>
+                <a16:creationId xmlns:a16="http://schemas.microsoft.com/office/drawing/2014/main" xmlns="" id="{8E5B996D-DF87-49E5-95D1-45B1EEB9EE9A}"/>
               </a:ext>
             </a:extLst>
           </p:cNvPr>
@@ -5323,7 +5330,7 @@
           <p:cNvPr id="4" name="직사각형 3">
             <a:extLst>
               <a:ext uri="{FF2B5EF4-FFF2-40B4-BE49-F238E27FC236}">
-                <a16:creationId xmlns="" xmlns:a16="http://schemas.microsoft.com/office/drawing/2014/main" id="{080CEE4E-4BCA-42C3-BECA-9BCEB9931EEA}"/>
+                <a16:creationId xmlns:a16="http://schemas.microsoft.com/office/drawing/2014/main" xmlns="" id="{080CEE4E-4BCA-42C3-BECA-9BCEB9931EEA}"/>
               </a:ext>
             </a:extLst>
           </p:cNvPr>
@@ -5375,7 +5382,7 @@
           <p:cNvPr id="5" name="TextBox 4">
             <a:extLst>
               <a:ext uri="{FF2B5EF4-FFF2-40B4-BE49-F238E27FC236}">
-                <a16:creationId xmlns="" xmlns:a16="http://schemas.microsoft.com/office/drawing/2014/main" id="{D12B0B12-AB99-4F88-B4B2-948DADC833EA}"/>
+                <a16:creationId xmlns:a16="http://schemas.microsoft.com/office/drawing/2014/main" xmlns="" id="{D12B0B12-AB99-4F88-B4B2-948DADC833EA}"/>
               </a:ext>
             </a:extLst>
           </p:cNvPr>
@@ -5494,7 +5501,7 @@
           <p:cNvPr id="9" name="그림 8">
             <a:extLst>
               <a:ext uri="{FF2B5EF4-FFF2-40B4-BE49-F238E27FC236}">
-                <a16:creationId xmlns="" xmlns:a16="http://schemas.microsoft.com/office/drawing/2014/main" id="{0F0992E8-2696-42E6-805A-0C12780D8FA1}"/>
+                <a16:creationId xmlns:a16="http://schemas.microsoft.com/office/drawing/2014/main" xmlns="" id="{0F0992E8-2696-42E6-805A-0C12780D8FA1}"/>
               </a:ext>
             </a:extLst>
           </p:cNvPr>
@@ -5504,7 +5511,7 @@
           <p:nvPr/>
         </p:nvPicPr>
         <p:blipFill>
-          <a:blip r:embed="rId2" cstate="print">
+          <a:blip r:embed="rId4" cstate="print">
             <a:extLst>
               <a:ext uri="{28A0092B-C50C-407E-A947-70E740481C1C}">
                 <a14:useLocalDpi xmlns:a14="http://schemas.microsoft.com/office/drawing/2010/main" val="0"/>
@@ -5525,6 +5532,352 @@
           </a:prstGeom>
         </p:spPr>
       </p:pic>
+      <p:sp>
+        <p:nvSpPr>
+          <p:cNvPr id="7" name="Window Body" descr="&lt;SmartSettings&gt;&lt;SmartResize anchorLeft=&quot;Absolute&quot; anchorTop=&quot;Absolute&quot; anchorRight=&quot;Absolute&quot; anchorBottom=&quot;Absolute&quot; /&gt;&lt;/SmartSettings&gt;"/>
+          <p:cNvSpPr/>
+          <p:nvPr>
+            <p:custDataLst>
+              <p:tags r:id="rId1"/>
+            </p:custDataLst>
+          </p:nvPr>
+        </p:nvSpPr>
+        <p:spPr>
+          <a:xfrm>
+            <a:off x="896100" y="1786467"/>
+            <a:ext cx="7200000" cy="4464000"/>
+          </a:xfrm>
+          <a:prstGeom prst="rect">
+            <a:avLst/>
+          </a:prstGeom>
+          <a:solidFill>
+            <a:srgbClr val="FFFFFF"/>
+          </a:solidFill>
+          <a:ln w="6350">
+            <a:solidFill>
+              <a:srgbClr val="808080"/>
+            </a:solidFill>
+          </a:ln>
+        </p:spPr>
+        <p:style>
+          <a:lnRef idx="2">
+            <a:schemeClr val="accent1">
+              <a:shade val="50000"/>
+            </a:schemeClr>
+          </a:lnRef>
+          <a:fillRef idx="1">
+            <a:schemeClr val="accent1"/>
+          </a:fillRef>
+          <a:effectRef idx="0">
+            <a:schemeClr val="accent1"/>
+          </a:effectRef>
+          <a:fontRef idx="minor">
+            <a:schemeClr val="lt1"/>
+          </a:fontRef>
+        </p:style>
+        <p:txBody>
+          <a:bodyPr rot="0" spcFirstLastPara="0" vert="horz" wrap="square" lIns="91440" tIns="45720" rIns="91440" bIns="45720" numCol="1" spcCol="0" rtlCol="0" fromWordArt="0" anchor="ctr" anchorCtr="0" forceAA="0" compatLnSpc="1">
+            <a:prstTxWarp prst="textNoShape">
+              <a:avLst/>
+            </a:prstTxWarp>
+            <a:noAutofit/>
+          </a:bodyPr>
+          <a:lstStyle>
+            <a:defPPr>
+              <a:defRPr lang="en-US"/>
+            </a:defPPr>
+            <a:lvl1pPr marL="0" algn="l" defTabSz="914400" rtl="0" eaLnBrk="1" latinLnBrk="0" hangingPunct="1">
+              <a:defRPr sz="1800" kern="1200">
+                <a:solidFill>
+                  <a:schemeClr val="lt1"/>
+                </a:solidFill>
+                <a:latin typeface="+mn-lt"/>
+                <a:ea typeface="+mn-ea"/>
+                <a:cs typeface="+mn-cs"/>
+              </a:defRPr>
+            </a:lvl1pPr>
+            <a:lvl2pPr marL="457200" algn="l" defTabSz="914400" rtl="0" eaLnBrk="1" latinLnBrk="0" hangingPunct="1">
+              <a:defRPr sz="1800" kern="1200">
+                <a:solidFill>
+                  <a:schemeClr val="lt1"/>
+                </a:solidFill>
+                <a:latin typeface="+mn-lt"/>
+                <a:ea typeface="+mn-ea"/>
+                <a:cs typeface="+mn-cs"/>
+              </a:defRPr>
+            </a:lvl2pPr>
+            <a:lvl3pPr marL="914400" algn="l" defTabSz="914400" rtl="0" eaLnBrk="1" latinLnBrk="0" hangingPunct="1">
+              <a:defRPr sz="1800" kern="1200">
+                <a:solidFill>
+                  <a:schemeClr val="lt1"/>
+                </a:solidFill>
+                <a:latin typeface="+mn-lt"/>
+                <a:ea typeface="+mn-ea"/>
+                <a:cs typeface="+mn-cs"/>
+              </a:defRPr>
+            </a:lvl3pPr>
+            <a:lvl4pPr marL="1371600" algn="l" defTabSz="914400" rtl="0" eaLnBrk="1" latinLnBrk="0" hangingPunct="1">
+              <a:defRPr sz="1800" kern="1200">
+                <a:solidFill>
+                  <a:schemeClr val="lt1"/>
+                </a:solidFill>
+                <a:latin typeface="+mn-lt"/>
+                <a:ea typeface="+mn-ea"/>
+                <a:cs typeface="+mn-cs"/>
+              </a:defRPr>
+            </a:lvl4pPr>
+            <a:lvl5pPr marL="1828800" algn="l" defTabSz="914400" rtl="0" eaLnBrk="1" latinLnBrk="0" hangingPunct="1">
+              <a:defRPr sz="1800" kern="1200">
+                <a:solidFill>
+                  <a:schemeClr val="lt1"/>
+                </a:solidFill>
+                <a:latin typeface="+mn-lt"/>
+                <a:ea typeface="+mn-ea"/>
+                <a:cs typeface="+mn-cs"/>
+              </a:defRPr>
+            </a:lvl5pPr>
+            <a:lvl6pPr marL="2286000" algn="l" defTabSz="914400" rtl="0" eaLnBrk="1" latinLnBrk="0" hangingPunct="1">
+              <a:defRPr sz="1800" kern="1200">
+                <a:solidFill>
+                  <a:schemeClr val="lt1"/>
+                </a:solidFill>
+                <a:latin typeface="+mn-lt"/>
+                <a:ea typeface="+mn-ea"/>
+                <a:cs typeface="+mn-cs"/>
+              </a:defRPr>
+            </a:lvl6pPr>
+            <a:lvl7pPr marL="2743200" algn="l" defTabSz="914400" rtl="0" eaLnBrk="1" latinLnBrk="0" hangingPunct="1">
+              <a:defRPr sz="1800" kern="1200">
+                <a:solidFill>
+                  <a:schemeClr val="lt1"/>
+                </a:solidFill>
+                <a:latin typeface="+mn-lt"/>
+                <a:ea typeface="+mn-ea"/>
+                <a:cs typeface="+mn-cs"/>
+              </a:defRPr>
+            </a:lvl7pPr>
+            <a:lvl8pPr marL="3200400" algn="l" defTabSz="914400" rtl="0" eaLnBrk="1" latinLnBrk="0" hangingPunct="1">
+              <a:defRPr sz="1800" kern="1200">
+                <a:solidFill>
+                  <a:schemeClr val="lt1"/>
+                </a:solidFill>
+                <a:latin typeface="+mn-lt"/>
+                <a:ea typeface="+mn-ea"/>
+                <a:cs typeface="+mn-cs"/>
+              </a:defRPr>
+            </a:lvl8pPr>
+            <a:lvl9pPr marL="3657600" algn="l" defTabSz="914400" rtl="0" eaLnBrk="1" latinLnBrk="0" hangingPunct="1">
+              <a:defRPr sz="1800" kern="1200">
+                <a:solidFill>
+                  <a:schemeClr val="lt1"/>
+                </a:solidFill>
+                <a:latin typeface="+mn-lt"/>
+                <a:ea typeface="+mn-ea"/>
+                <a:cs typeface="+mn-cs"/>
+              </a:defRPr>
+            </a:lvl9pPr>
+          </a:lstStyle>
+          <a:p>
+            <a:pPr algn="ctr"/>
+            <a:endParaRPr lang="en-US" sz="900" dirty="0">
+              <a:solidFill>
+                <a:srgbClr val="5F5F5F"/>
+              </a:solidFill>
+              <a:latin typeface="Segoe UI" panose="020B0502040204020203" pitchFamily="34" charset="0"/>
+              <a:cs typeface="Segoe UI" panose="020B0502040204020203" pitchFamily="34" charset="0"/>
+            </a:endParaRPr>
+          </a:p>
+        </p:txBody>
+      </p:sp>
+      <p:sp>
+        <p:nvSpPr>
+          <p:cNvPr id="32" name="Window Body" descr="&lt;SmartSettings&gt;&lt;SmartResize anchorLeft=&quot;Absolute&quot; anchorTop=&quot;Absolute&quot; anchorRight=&quot;Absolute&quot; anchorBottom=&quot;Absolute&quot; /&gt;&lt;/SmartSettings&gt;"/>
+          <p:cNvSpPr>
+            <a:spLocks/>
+          </p:cNvSpPr>
+          <p:nvPr>
+            <p:custDataLst>
+              <p:tags r:id="rId2"/>
+            </p:custDataLst>
+          </p:nvPr>
+        </p:nvSpPr>
+        <p:spPr>
+          <a:xfrm>
+            <a:off x="8784900" y="1786467"/>
+            <a:ext cx="2511000" cy="4464000"/>
+          </a:xfrm>
+          <a:prstGeom prst="rect">
+            <a:avLst/>
+          </a:prstGeom>
+          <a:solidFill>
+            <a:srgbClr val="FFFFFF"/>
+          </a:solidFill>
+          <a:ln w="6350">
+            <a:solidFill>
+              <a:srgbClr val="808080"/>
+            </a:solidFill>
+          </a:ln>
+        </p:spPr>
+        <p:style>
+          <a:lnRef idx="2">
+            <a:schemeClr val="accent1">
+              <a:shade val="50000"/>
+            </a:schemeClr>
+          </a:lnRef>
+          <a:fillRef idx="1">
+            <a:schemeClr val="accent1"/>
+          </a:fillRef>
+          <a:effectRef idx="0">
+            <a:schemeClr val="accent1"/>
+          </a:effectRef>
+          <a:fontRef idx="minor">
+            <a:schemeClr val="lt1"/>
+          </a:fontRef>
+        </p:style>
+        <p:txBody>
+          <a:bodyPr rot="0" spcFirstLastPara="0" vert="horz" wrap="square" lIns="91440" tIns="45720" rIns="91440" bIns="45720" numCol="1" spcCol="0" rtlCol="0" fromWordArt="0" anchor="ctr" anchorCtr="0" forceAA="0" compatLnSpc="1">
+            <a:prstTxWarp prst="textNoShape">
+              <a:avLst/>
+            </a:prstTxWarp>
+            <a:noAutofit/>
+          </a:bodyPr>
+          <a:lstStyle>
+            <a:defPPr>
+              <a:defRPr lang="en-US"/>
+            </a:defPPr>
+            <a:lvl1pPr marL="0" algn="l" defTabSz="914400" rtl="0" eaLnBrk="1" latinLnBrk="0" hangingPunct="1">
+              <a:defRPr sz="1800" kern="1200">
+                <a:solidFill>
+                  <a:schemeClr val="lt1"/>
+                </a:solidFill>
+                <a:latin typeface="+mn-lt"/>
+                <a:ea typeface="+mn-ea"/>
+                <a:cs typeface="+mn-cs"/>
+              </a:defRPr>
+            </a:lvl1pPr>
+            <a:lvl2pPr marL="457200" algn="l" defTabSz="914400" rtl="0" eaLnBrk="1" latinLnBrk="0" hangingPunct="1">
+              <a:defRPr sz="1800" kern="1200">
+                <a:solidFill>
+                  <a:schemeClr val="lt1"/>
+                </a:solidFill>
+                <a:latin typeface="+mn-lt"/>
+                <a:ea typeface="+mn-ea"/>
+                <a:cs typeface="+mn-cs"/>
+              </a:defRPr>
+            </a:lvl2pPr>
+            <a:lvl3pPr marL="914400" algn="l" defTabSz="914400" rtl="0" eaLnBrk="1" latinLnBrk="0" hangingPunct="1">
+              <a:defRPr sz="1800" kern="1200">
+                <a:solidFill>
+                  <a:schemeClr val="lt1"/>
+                </a:solidFill>
+                <a:latin typeface="+mn-lt"/>
+                <a:ea typeface="+mn-ea"/>
+                <a:cs typeface="+mn-cs"/>
+              </a:defRPr>
+            </a:lvl3pPr>
+            <a:lvl4pPr marL="1371600" algn="l" defTabSz="914400" rtl="0" eaLnBrk="1" latinLnBrk="0" hangingPunct="1">
+              <a:defRPr sz="1800" kern="1200">
+                <a:solidFill>
+                  <a:schemeClr val="lt1"/>
+                </a:solidFill>
+                <a:latin typeface="+mn-lt"/>
+                <a:ea typeface="+mn-ea"/>
+                <a:cs typeface="+mn-cs"/>
+              </a:defRPr>
+            </a:lvl4pPr>
+            <a:lvl5pPr marL="1828800" algn="l" defTabSz="914400" rtl="0" eaLnBrk="1" latinLnBrk="0" hangingPunct="1">
+              <a:defRPr sz="1800" kern="1200">
+                <a:solidFill>
+                  <a:schemeClr val="lt1"/>
+                </a:solidFill>
+                <a:latin typeface="+mn-lt"/>
+                <a:ea typeface="+mn-ea"/>
+                <a:cs typeface="+mn-cs"/>
+              </a:defRPr>
+            </a:lvl5pPr>
+            <a:lvl6pPr marL="2286000" algn="l" defTabSz="914400" rtl="0" eaLnBrk="1" latinLnBrk="0" hangingPunct="1">
+              <a:defRPr sz="1800" kern="1200">
+                <a:solidFill>
+                  <a:schemeClr val="lt1"/>
+                </a:solidFill>
+                <a:latin typeface="+mn-lt"/>
+                <a:ea typeface="+mn-ea"/>
+                <a:cs typeface="+mn-cs"/>
+              </a:defRPr>
+            </a:lvl6pPr>
+            <a:lvl7pPr marL="2743200" algn="l" defTabSz="914400" rtl="0" eaLnBrk="1" latinLnBrk="0" hangingPunct="1">
+              <a:defRPr sz="1800" kern="1200">
+                <a:solidFill>
+                  <a:schemeClr val="lt1"/>
+                </a:solidFill>
+                <a:latin typeface="+mn-lt"/>
+                <a:ea typeface="+mn-ea"/>
+                <a:cs typeface="+mn-cs"/>
+              </a:defRPr>
+            </a:lvl7pPr>
+            <a:lvl8pPr marL="3200400" algn="l" defTabSz="914400" rtl="0" eaLnBrk="1" latinLnBrk="0" hangingPunct="1">
+              <a:defRPr sz="1800" kern="1200">
+                <a:solidFill>
+                  <a:schemeClr val="lt1"/>
+                </a:solidFill>
+                <a:latin typeface="+mn-lt"/>
+                <a:ea typeface="+mn-ea"/>
+                <a:cs typeface="+mn-cs"/>
+              </a:defRPr>
+            </a:lvl8pPr>
+            <a:lvl9pPr marL="3657600" algn="l" defTabSz="914400" rtl="0" eaLnBrk="1" latinLnBrk="0" hangingPunct="1">
+              <a:defRPr sz="1800" kern="1200">
+                <a:solidFill>
+                  <a:schemeClr val="lt1"/>
+                </a:solidFill>
+                <a:latin typeface="+mn-lt"/>
+                <a:ea typeface="+mn-ea"/>
+                <a:cs typeface="+mn-cs"/>
+              </a:defRPr>
+            </a:lvl9pPr>
+          </a:lstStyle>
+          <a:p>
+            <a:pPr algn="ctr"/>
+            <a:endParaRPr lang="en-US" sz="900" dirty="0">
+              <a:solidFill>
+                <a:srgbClr val="5F5F5F"/>
+              </a:solidFill>
+              <a:latin typeface="Segoe UI" panose="020B0502040204020203" pitchFamily="34" charset="0"/>
+              <a:cs typeface="Segoe UI" panose="020B0502040204020203" pitchFamily="34" charset="0"/>
+            </a:endParaRPr>
+          </a:p>
+        </p:txBody>
+      </p:sp>
+      <p:sp>
+        <p:nvSpPr>
+          <p:cNvPr id="3" name="TextBox 2"/>
+          <p:cNvSpPr txBox="1"/>
+          <p:nvPr/>
+        </p:nvSpPr>
+        <p:spPr>
+          <a:xfrm>
+            <a:off x="896100" y="1134534"/>
+            <a:ext cx="726353" cy="369332"/>
+          </a:xfrm>
+          <a:prstGeom prst="rect">
+            <a:avLst/>
+          </a:prstGeom>
+          <a:noFill/>
+        </p:spPr>
+        <p:txBody>
+          <a:bodyPr wrap="none" rtlCol="0">
+            <a:spAutoFit/>
+          </a:bodyPr>
+          <a:lstStyle/>
+          <a:p>
+            <a:r>
+              <a:rPr lang="en-US" altLang="ko-KR" dirty="0" smtClean="0"/>
+              <a:t>PAGE</a:t>
+            </a:r>
+            <a:endParaRPr lang="ko-KR" altLang="en-US" dirty="0"/>
+          </a:p>
+        </p:txBody>
+      </p:sp>
     </p:spTree>
     <p:extLst>
       <p:ext uri="{BB962C8B-B14F-4D97-AF65-F5344CB8AC3E}">
@@ -5535,6 +5888,13 @@
   <p:clrMapOvr>
     <a:masterClrMapping/>
   </p:clrMapOvr>
+  <p:timing>
+    <p:tnLst>
+      <p:par>
+        <p:cTn id="1" dur="indefinite" restart="never" nodeType="tmRoot"/>
+      </p:par>
+    </p:tnLst>
+  </p:timing>
 </p:sld>
 </file>
 
@@ -5568,7 +5928,7 @@
           <p:cNvPr id="4" name="그림 3" descr="실내, 사람이(가) 표시된 사진&#10;&#10;자동 생성된 설명">
             <a:extLst>
               <a:ext uri="{FF2B5EF4-FFF2-40B4-BE49-F238E27FC236}">
-                <a16:creationId xmlns="" xmlns:a16="http://schemas.microsoft.com/office/drawing/2014/main" id="{4D077A45-DF2B-4618-9394-A141B13B1420}"/>
+                <a16:creationId xmlns:a16="http://schemas.microsoft.com/office/drawing/2014/main" xmlns="" id="{4D077A45-DF2B-4618-9394-A141B13B1420}"/>
               </a:ext>
             </a:extLst>
           </p:cNvPr>
@@ -5604,7 +5964,7 @@
           <p:cNvPr id="5" name="TextBox 4">
             <a:extLst>
               <a:ext uri="{FF2B5EF4-FFF2-40B4-BE49-F238E27FC236}">
-                <a16:creationId xmlns="" xmlns:a16="http://schemas.microsoft.com/office/drawing/2014/main" id="{23D82F33-5629-4A89-96F7-5348A5E7BF64}"/>
+                <a16:creationId xmlns:a16="http://schemas.microsoft.com/office/drawing/2014/main" xmlns="" id="{23D82F33-5629-4A89-96F7-5348A5E7BF64}"/>
               </a:ext>
             </a:extLst>
           </p:cNvPr>
@@ -5663,7 +6023,26 @@
   <p:transition spd="slow">
     <p:fade/>
   </p:transition>
+  <p:timing>
+    <p:tnLst>
+      <p:par>
+        <p:cTn id="1" dur="indefinite" restart="never" nodeType="tmRoot"/>
+      </p:par>
+    </p:tnLst>
+  </p:timing>
 </p:sld>
+</file>
+
+<file path=ppt/tags/tag1.xml><?xml version="1.0" encoding="utf-8"?>
+<p:tagLst xmlns:a="http://schemas.openxmlformats.org/drawingml/2006/main" xmlns:r="http://schemas.openxmlformats.org/officeDocument/2006/relationships" xmlns:p="http://schemas.openxmlformats.org/presentationml/2006/main">
+  <p:tag name="SMARTSETTINGSHASH" val="xZU/W0IqlvXPkJ37/hSWg5jSIFh0KZmI7sT1syyiYH8="/>
+</p:tagLst>
+</file>
+
+<file path=ppt/tags/tag2.xml><?xml version="1.0" encoding="utf-8"?>
+<p:tagLst xmlns:a="http://schemas.openxmlformats.org/drawingml/2006/main" xmlns:r="http://schemas.openxmlformats.org/officeDocument/2006/relationships" xmlns:p="http://schemas.openxmlformats.org/presentationml/2006/main">
+  <p:tag name="SMARTSETTINGSHASH" val="xZU/W0IqlvXPkJ37/hSWg5jSIFh0KZmI7sT1syyiYH8="/>
+</p:tagLst>
 </file>
 
 <file path=ppt/theme/theme1.xml><?xml version="1.0" encoding="utf-8"?>
@@ -5955,7 +6334,7 @@
   <a:extraClrSchemeLst/>
   <a:extLst>
     <a:ext uri="{05A4C25C-085E-4340-85A3-A5531E510DB2}">
-      <thm15:themeFamily xmlns="" xmlns:thm15="http://schemas.microsoft.com/office/thememl/2012/main" name="Office Theme" id="{62F939B6-93AF-4DB8-9C6B-D6C7DFDC589F}" vid="{4A3C46E8-61CC-4603-A589-7422A47A8E4A}"/>
+      <thm15:themeFamily xmlns:thm15="http://schemas.microsoft.com/office/thememl/2012/main" xmlns="" name="Office Theme" id="{62F939B6-93AF-4DB8-9C6B-D6C7DFDC589F}" vid="{4A3C46E8-61CC-4603-A589-7422A47A8E4A}"/>
     </a:ext>
   </a:extLst>
 </a:theme>

--- a/반려동물관리서비스.pptx
+++ b/반려동물관리서비스.pptx
@@ -972,7 +972,7 @@
         </p:nvSpPr>
         <p:spPr>
           <a:xfrm>
-            <a:off x="831850" y="1709738"/>
+            <a:off x="831850" y="1709740"/>
             <a:ext cx="10515600" cy="2852737"/>
           </a:xfrm>
         </p:spPr>
@@ -1009,7 +1009,7 @@
         </p:nvSpPr>
         <p:spPr>
           <a:xfrm>
-            <a:off x="831850" y="4589463"/>
+            <a:off x="831850" y="4589465"/>
             <a:ext cx="10515600" cy="1500187"/>
           </a:xfrm>
         </p:spPr>
@@ -1275,7 +1275,7 @@
         </p:nvSpPr>
         <p:spPr>
           <a:xfrm>
-            <a:off x="838200" y="1825625"/>
+            <a:off x="838201" y="1825625"/>
             <a:ext cx="5181600" cy="4351338"/>
           </a:xfrm>
         </p:spPr>
@@ -1337,7 +1337,7 @@
         </p:nvSpPr>
         <p:spPr>
           <a:xfrm>
-            <a:off x="6172200" y="1825625"/>
+            <a:off x="6172201" y="1825625"/>
             <a:ext cx="5181600" cy="4351338"/>
           </a:xfrm>
         </p:spPr>
@@ -1512,7 +1512,7 @@
         </p:nvSpPr>
         <p:spPr>
           <a:xfrm>
-            <a:off x="839788" y="365125"/>
+            <a:off x="839789" y="365127"/>
             <a:ext cx="10515600" cy="1325563"/>
           </a:xfrm>
         </p:spPr>
@@ -2178,8 +2178,8 @@
         </p:nvSpPr>
         <p:spPr>
           <a:xfrm>
-            <a:off x="839788" y="457200"/>
-            <a:ext cx="3932237" cy="1600200"/>
+            <a:off x="839789" y="457200"/>
+            <a:ext cx="3932238" cy="1600200"/>
           </a:xfrm>
         </p:spPr>
         <p:txBody>
@@ -2215,8 +2215,8 @@
         </p:nvSpPr>
         <p:spPr>
           <a:xfrm>
-            <a:off x="5183188" y="987425"/>
-            <a:ext cx="6172200" cy="4873625"/>
+            <a:off x="5183188" y="987427"/>
+            <a:ext cx="6172201" cy="4873625"/>
           </a:xfrm>
         </p:spPr>
         <p:txBody>
@@ -2305,8 +2305,8 @@
         </p:nvSpPr>
         <p:spPr>
           <a:xfrm>
-            <a:off x="839788" y="2057400"/>
-            <a:ext cx="3932237" cy="3811588"/>
+            <a:off x="839789" y="2057400"/>
+            <a:ext cx="3932238" cy="3811588"/>
           </a:xfrm>
         </p:spPr>
         <p:txBody>
@@ -2489,8 +2489,8 @@
         </p:nvSpPr>
         <p:spPr>
           <a:xfrm>
-            <a:off x="839788" y="457200"/>
-            <a:ext cx="3932237" cy="1600200"/>
+            <a:off x="839789" y="457200"/>
+            <a:ext cx="3932238" cy="1600200"/>
           </a:xfrm>
         </p:spPr>
         <p:txBody>
@@ -2526,8 +2526,8 @@
         </p:nvSpPr>
         <p:spPr>
           <a:xfrm>
-            <a:off x="5183188" y="987425"/>
-            <a:ext cx="6172200" cy="4873625"/>
+            <a:off x="5183188" y="987427"/>
+            <a:ext cx="6172201" cy="4873625"/>
           </a:xfrm>
         </p:spPr>
         <p:txBody>
@@ -2593,8 +2593,8 @@
         </p:nvSpPr>
         <p:spPr>
           <a:xfrm>
-            <a:off x="839788" y="2057400"/>
-            <a:ext cx="3932237" cy="3811588"/>
+            <a:off x="839789" y="2057400"/>
+            <a:ext cx="3932238" cy="3811588"/>
           </a:xfrm>
         </p:spPr>
         <p:txBody>
@@ -2782,7 +2782,7 @@
         </p:nvSpPr>
         <p:spPr>
           <a:xfrm>
-            <a:off x="838200" y="365125"/>
+            <a:off x="838201" y="365127"/>
             <a:ext cx="10515600" cy="1325563"/>
           </a:xfrm>
           <a:prstGeom prst="rect">
@@ -2820,7 +2820,7 @@
         </p:nvSpPr>
         <p:spPr>
           <a:xfrm>
-            <a:off x="838200" y="1825625"/>
+            <a:off x="838201" y="1825625"/>
             <a:ext cx="10515600" cy="4351338"/>
           </a:xfrm>
           <a:prstGeom prst="rect">
@@ -2887,7 +2887,7 @@
         </p:nvSpPr>
         <p:spPr>
           <a:xfrm>
-            <a:off x="838200" y="6356350"/>
+            <a:off x="838201" y="6356352"/>
             <a:ext cx="2743200" cy="365125"/>
           </a:xfrm>
           <a:prstGeom prst="rect">
@@ -2934,7 +2934,7 @@
         </p:nvSpPr>
         <p:spPr>
           <a:xfrm>
-            <a:off x="4038600" y="6356350"/>
+            <a:off x="4038601" y="6356352"/>
             <a:ext cx="4114800" cy="365125"/>
           </a:xfrm>
           <a:prstGeom prst="rect">
@@ -2977,7 +2977,7 @@
         </p:nvSpPr>
         <p:spPr>
           <a:xfrm>
-            <a:off x="8610600" y="6356350"/>
+            <a:off x="8610601" y="6356352"/>
             <a:ext cx="2743200" cy="365125"/>
           </a:xfrm>
           <a:prstGeom prst="rect">
@@ -3396,7 +3396,7 @@
         </p:blipFill>
         <p:spPr>
           <a:xfrm>
-            <a:off x="1523603" y="3147967"/>
+            <a:off x="1523604" y="3147967"/>
             <a:ext cx="9144793" cy="1163642"/>
           </a:xfrm>
           <a:prstGeom prst="rect">
@@ -3418,7 +3418,7 @@
         </p:nvSpPr>
         <p:spPr>
           <a:xfrm>
-            <a:off x="1699723" y="2313051"/>
+            <a:off x="1699724" y="2313053"/>
             <a:ext cx="8792555" cy="2654711"/>
           </a:xfrm>
           <a:prstGeom prst="rect">
@@ -3506,7 +3506,7 @@
         </p:nvSpPr>
         <p:spPr>
           <a:xfrm>
-            <a:off x="4488685" y="5115243"/>
+            <a:off x="4488686" y="5115243"/>
             <a:ext cx="3389069" cy="338554"/>
           </a:xfrm>
           <a:prstGeom prst="rect">
@@ -3899,7 +3899,7 @@
         </p:nvSpPr>
         <p:spPr>
           <a:xfrm>
-            <a:off x="213584" y="3044280"/>
+            <a:off x="213585" y="3044282"/>
             <a:ext cx="3923703" cy="769441"/>
           </a:xfrm>
           <a:prstGeom prst="rect">
@@ -4053,7 +4053,7 @@
         </p:nvSpPr>
         <p:spPr>
           <a:xfrm>
-            <a:off x="6025694" y="1536174"/>
+            <a:off x="6025695" y="1536174"/>
             <a:ext cx="4350871" cy="3785652"/>
           </a:xfrm>
           <a:prstGeom prst="rect">
@@ -4309,7 +4309,7 @@
         </p:nvSpPr>
         <p:spPr>
           <a:xfrm>
-            <a:off x="850277" y="93112"/>
+            <a:off x="850277" y="93114"/>
             <a:ext cx="1792478" cy="769441"/>
           </a:xfrm>
           <a:prstGeom prst="rect">
@@ -4462,7 +4462,7 @@
         </p:nvGrpSpPr>
         <p:grpSpPr>
           <a:xfrm>
-            <a:off x="634600" y="1363354"/>
+            <a:off x="634601" y="1363355"/>
             <a:ext cx="10922800" cy="4131292"/>
             <a:chOff x="634600" y="1066800"/>
             <a:chExt cx="10922800" cy="4131292"/>
@@ -4535,7 +4535,7 @@
           <p:spPr>
             <a:xfrm>
               <a:off x="634600" y="2612769"/>
-              <a:ext cx="6562067" cy="2585323"/>
+              <a:ext cx="6562066" cy="2585323"/>
             </a:xfrm>
             <a:prstGeom prst="rect">
               <a:avLst/>
@@ -4800,7 +4800,7 @@
         </p:nvSpPr>
         <p:spPr>
           <a:xfrm>
-            <a:off x="844734" y="93111"/>
+            <a:off x="844734" y="93113"/>
             <a:ext cx="5271058" cy="769441"/>
           </a:xfrm>
           <a:prstGeom prst="rect">
@@ -5095,8 +5095,8 @@
         </p:nvSpPr>
         <p:spPr>
           <a:xfrm>
-            <a:off x="844734" y="93111"/>
-            <a:ext cx="3995325" cy="769441"/>
+            <a:off x="844735" y="93113"/>
+            <a:ext cx="3886320" cy="769441"/>
           </a:xfrm>
           <a:prstGeom prst="rect">
             <a:avLst/>
@@ -5391,7 +5391,7 @@
         </p:nvSpPr>
         <p:spPr>
           <a:xfrm>
-            <a:off x="844734" y="93111"/>
+            <a:off x="844736" y="93113"/>
             <a:ext cx="2716321" cy="769441"/>
           </a:xfrm>
           <a:prstGeom prst="rect">
@@ -5550,29 +5550,20 @@
           <a:prstGeom prst="rect">
             <a:avLst/>
           </a:prstGeom>
-          <a:solidFill>
-            <a:srgbClr val="FFFFFF"/>
-          </a:solidFill>
-          <a:ln w="6350">
-            <a:solidFill>
-              <a:srgbClr val="808080"/>
-            </a:solidFill>
-          </a:ln>
+          <a:ln/>
         </p:spPr>
         <p:style>
           <a:lnRef idx="2">
-            <a:schemeClr val="accent1">
-              <a:shade val="50000"/>
-            </a:schemeClr>
+            <a:schemeClr val="dk1"/>
           </a:lnRef>
           <a:fillRef idx="1">
-            <a:schemeClr val="accent1"/>
+            <a:schemeClr val="lt1"/>
           </a:fillRef>
           <a:effectRef idx="0">
-            <a:schemeClr val="accent1"/>
+            <a:schemeClr val="dk1"/>
           </a:effectRef>
           <a:fontRef idx="minor">
-            <a:schemeClr val="lt1"/>
+            <a:schemeClr val="dk1"/>
           </a:fontRef>
         </p:style>
         <p:txBody>
@@ -5704,34 +5695,25 @@
         <p:spPr>
           <a:xfrm>
             <a:off x="8784900" y="1786467"/>
-            <a:ext cx="2511000" cy="4464000"/>
+            <a:ext cx="2511001" cy="4464000"/>
           </a:xfrm>
           <a:prstGeom prst="rect">
             <a:avLst/>
           </a:prstGeom>
-          <a:solidFill>
-            <a:srgbClr val="FFFFFF"/>
-          </a:solidFill>
-          <a:ln w="6350">
-            <a:solidFill>
-              <a:srgbClr val="808080"/>
-            </a:solidFill>
-          </a:ln>
+          <a:ln/>
         </p:spPr>
         <p:style>
           <a:lnRef idx="2">
-            <a:schemeClr val="accent1">
-              <a:shade val="50000"/>
-            </a:schemeClr>
+            <a:schemeClr val="dk1"/>
           </a:lnRef>
           <a:fillRef idx="1">
-            <a:schemeClr val="accent1"/>
+            <a:schemeClr val="lt1"/>
           </a:fillRef>
           <a:effectRef idx="0">
-            <a:schemeClr val="accent1"/>
+            <a:schemeClr val="dk1"/>
           </a:effectRef>
           <a:fontRef idx="minor">
-            <a:schemeClr val="lt1"/>
+            <a:schemeClr val="dk1"/>
           </a:fontRef>
         </p:style>
         <p:txBody>
@@ -5856,7 +5838,7 @@
         </p:nvSpPr>
         <p:spPr>
           <a:xfrm>
-            <a:off x="896100" y="1134534"/>
+            <a:off x="896102" y="1134534"/>
             <a:ext cx="726353" cy="369332"/>
           </a:xfrm>
           <a:prstGeom prst="rect">
@@ -5951,7 +5933,7 @@
         </p:blipFill>
         <p:spPr>
           <a:xfrm>
-            <a:off x="3272029" y="1210058"/>
+            <a:off x="3272030" y="1210059"/>
             <a:ext cx="5647941" cy="5647941"/>
           </a:xfrm>
           <a:prstGeom prst="rect">
@@ -5973,8 +5955,8 @@
         </p:nvSpPr>
         <p:spPr>
           <a:xfrm>
-            <a:off x="3877059" y="499731"/>
-            <a:ext cx="4437882" cy="1107996"/>
+            <a:off x="3894373" y="499731"/>
+            <a:ext cx="4403257" cy="1107996"/>
           </a:xfrm>
           <a:prstGeom prst="rect">
             <a:avLst/>

--- a/반려동물관리서비스.pptx
+++ b/반려동물관리서비스.pptx
@@ -9,9 +9,10 @@
     <p:sldId id="282" r:id="rId3"/>
     <p:sldId id="281" r:id="rId4"/>
     <p:sldId id="283" r:id="rId5"/>
-    <p:sldId id="284" r:id="rId6"/>
-    <p:sldId id="285" r:id="rId7"/>
-    <p:sldId id="280" r:id="rId8"/>
+    <p:sldId id="286" r:id="rId6"/>
+    <p:sldId id="284" r:id="rId7"/>
+    <p:sldId id="285" r:id="rId8"/>
+    <p:sldId id="280" r:id="rId9"/>
   </p:sldIdLst>
   <p:sldSz cx="12192000" cy="6858000"/>
   <p:notesSz cx="6858000" cy="9144000"/>
@@ -135,7 +136,7 @@
           <p:cNvPr id="2" name="제목 1">
             <a:extLst>
               <a:ext uri="{FF2B5EF4-FFF2-40B4-BE49-F238E27FC236}">
-                <a16:creationId xmlns:a16="http://schemas.microsoft.com/office/drawing/2014/main" xmlns="" id="{9E5E4632-E9C2-430D-8860-5B671341959C}"/>
+                <a16:creationId xmlns="" xmlns:a16="http://schemas.microsoft.com/office/drawing/2014/main" id="{9E5E4632-E9C2-430D-8860-5B671341959C}"/>
               </a:ext>
             </a:extLst>
           </p:cNvPr>
@@ -172,7 +173,7 @@
           <p:cNvPr id="3" name="부제목 2">
             <a:extLst>
               <a:ext uri="{FF2B5EF4-FFF2-40B4-BE49-F238E27FC236}">
-                <a16:creationId xmlns:a16="http://schemas.microsoft.com/office/drawing/2014/main" xmlns="" id="{8516A487-29F9-4EB6-A4BF-CF7F6C176945}"/>
+                <a16:creationId xmlns="" xmlns:a16="http://schemas.microsoft.com/office/drawing/2014/main" id="{8516A487-29F9-4EB6-A4BF-CF7F6C176945}"/>
               </a:ext>
             </a:extLst>
           </p:cNvPr>
@@ -242,7 +243,7 @@
           <p:cNvPr id="4" name="날짜 개체 틀 3">
             <a:extLst>
               <a:ext uri="{FF2B5EF4-FFF2-40B4-BE49-F238E27FC236}">
-                <a16:creationId xmlns:a16="http://schemas.microsoft.com/office/drawing/2014/main" xmlns="" id="{5458794D-BF22-4D43-9B43-3407B0731DF3}"/>
+                <a16:creationId xmlns="" xmlns:a16="http://schemas.microsoft.com/office/drawing/2014/main" id="{5458794D-BF22-4D43-9B43-3407B0731DF3}"/>
               </a:ext>
             </a:extLst>
           </p:cNvPr>
@@ -271,7 +272,7 @@
           <p:cNvPr id="5" name="바닥글 개체 틀 4">
             <a:extLst>
               <a:ext uri="{FF2B5EF4-FFF2-40B4-BE49-F238E27FC236}">
-                <a16:creationId xmlns:a16="http://schemas.microsoft.com/office/drawing/2014/main" xmlns="" id="{B1CF189C-4CDA-41C3-A048-F232B4C4B8D2}"/>
+                <a16:creationId xmlns="" xmlns:a16="http://schemas.microsoft.com/office/drawing/2014/main" id="{B1CF189C-4CDA-41C3-A048-F232B4C4B8D2}"/>
               </a:ext>
             </a:extLst>
           </p:cNvPr>
@@ -296,7 +297,7 @@
           <p:cNvPr id="6" name="슬라이드 번호 개체 틀 5">
             <a:extLst>
               <a:ext uri="{FF2B5EF4-FFF2-40B4-BE49-F238E27FC236}">
-                <a16:creationId xmlns:a16="http://schemas.microsoft.com/office/drawing/2014/main" xmlns="" id="{BAF061BA-CD52-4A93-9968-2D177FB0947C}"/>
+                <a16:creationId xmlns="" xmlns:a16="http://schemas.microsoft.com/office/drawing/2014/main" id="{BAF061BA-CD52-4A93-9968-2D177FB0947C}"/>
               </a:ext>
             </a:extLst>
           </p:cNvPr>
@@ -355,7 +356,7 @@
           <p:cNvPr id="2" name="제목 1">
             <a:extLst>
               <a:ext uri="{FF2B5EF4-FFF2-40B4-BE49-F238E27FC236}">
-                <a16:creationId xmlns:a16="http://schemas.microsoft.com/office/drawing/2014/main" xmlns="" id="{C7E2F226-2DB6-4832-A3E8-E1A82BC8412B}"/>
+                <a16:creationId xmlns="" xmlns:a16="http://schemas.microsoft.com/office/drawing/2014/main" id="{C7E2F226-2DB6-4832-A3E8-E1A82BC8412B}"/>
               </a:ext>
             </a:extLst>
           </p:cNvPr>
@@ -383,7 +384,7 @@
           <p:cNvPr id="3" name="세로 텍스트 개체 틀 2">
             <a:extLst>
               <a:ext uri="{FF2B5EF4-FFF2-40B4-BE49-F238E27FC236}">
-                <a16:creationId xmlns:a16="http://schemas.microsoft.com/office/drawing/2014/main" xmlns="" id="{35E32266-CD01-4901-8FE7-5010FC0706F7}"/>
+                <a16:creationId xmlns="" xmlns:a16="http://schemas.microsoft.com/office/drawing/2014/main" id="{35E32266-CD01-4901-8FE7-5010FC0706F7}"/>
               </a:ext>
             </a:extLst>
           </p:cNvPr>
@@ -440,7 +441,7 @@
           <p:cNvPr id="4" name="날짜 개체 틀 3">
             <a:extLst>
               <a:ext uri="{FF2B5EF4-FFF2-40B4-BE49-F238E27FC236}">
-                <a16:creationId xmlns:a16="http://schemas.microsoft.com/office/drawing/2014/main" xmlns="" id="{8918B274-9924-4562-A19B-0EF8383C8F5F}"/>
+                <a16:creationId xmlns="" xmlns:a16="http://schemas.microsoft.com/office/drawing/2014/main" id="{8918B274-9924-4562-A19B-0EF8383C8F5F}"/>
               </a:ext>
             </a:extLst>
           </p:cNvPr>
@@ -469,7 +470,7 @@
           <p:cNvPr id="5" name="바닥글 개체 틀 4">
             <a:extLst>
               <a:ext uri="{FF2B5EF4-FFF2-40B4-BE49-F238E27FC236}">
-                <a16:creationId xmlns:a16="http://schemas.microsoft.com/office/drawing/2014/main" xmlns="" id="{48ABDFFA-1327-4FDA-A13E-DCF7D4AB5F2C}"/>
+                <a16:creationId xmlns="" xmlns:a16="http://schemas.microsoft.com/office/drawing/2014/main" id="{48ABDFFA-1327-4FDA-A13E-DCF7D4AB5F2C}"/>
               </a:ext>
             </a:extLst>
           </p:cNvPr>
@@ -494,7 +495,7 @@
           <p:cNvPr id="6" name="슬라이드 번호 개체 틀 5">
             <a:extLst>
               <a:ext uri="{FF2B5EF4-FFF2-40B4-BE49-F238E27FC236}">
-                <a16:creationId xmlns:a16="http://schemas.microsoft.com/office/drawing/2014/main" xmlns="" id="{7E941122-80C3-410F-B4B5-38B3C974463E}"/>
+                <a16:creationId xmlns="" xmlns:a16="http://schemas.microsoft.com/office/drawing/2014/main" id="{7E941122-80C3-410F-B4B5-38B3C974463E}"/>
               </a:ext>
             </a:extLst>
           </p:cNvPr>
@@ -553,7 +554,7 @@
           <p:cNvPr id="2" name="세로 제목 1">
             <a:extLst>
               <a:ext uri="{FF2B5EF4-FFF2-40B4-BE49-F238E27FC236}">
-                <a16:creationId xmlns:a16="http://schemas.microsoft.com/office/drawing/2014/main" xmlns="" id="{F39004B4-A2BB-4353-9490-3CFBF08BEECF}"/>
+                <a16:creationId xmlns="" xmlns:a16="http://schemas.microsoft.com/office/drawing/2014/main" id="{F39004B4-A2BB-4353-9490-3CFBF08BEECF}"/>
               </a:ext>
             </a:extLst>
           </p:cNvPr>
@@ -586,7 +587,7 @@
           <p:cNvPr id="3" name="세로 텍스트 개체 틀 2">
             <a:extLst>
               <a:ext uri="{FF2B5EF4-FFF2-40B4-BE49-F238E27FC236}">
-                <a16:creationId xmlns:a16="http://schemas.microsoft.com/office/drawing/2014/main" xmlns="" id="{17E252EA-6994-4BCF-9119-33B60AFB14F3}"/>
+                <a16:creationId xmlns="" xmlns:a16="http://schemas.microsoft.com/office/drawing/2014/main" id="{17E252EA-6994-4BCF-9119-33B60AFB14F3}"/>
               </a:ext>
             </a:extLst>
           </p:cNvPr>
@@ -648,7 +649,7 @@
           <p:cNvPr id="4" name="날짜 개체 틀 3">
             <a:extLst>
               <a:ext uri="{FF2B5EF4-FFF2-40B4-BE49-F238E27FC236}">
-                <a16:creationId xmlns:a16="http://schemas.microsoft.com/office/drawing/2014/main" xmlns="" id="{205F8584-D66D-4296-852C-CFABE2A758E0}"/>
+                <a16:creationId xmlns="" xmlns:a16="http://schemas.microsoft.com/office/drawing/2014/main" id="{205F8584-D66D-4296-852C-CFABE2A758E0}"/>
               </a:ext>
             </a:extLst>
           </p:cNvPr>
@@ -677,7 +678,7 @@
           <p:cNvPr id="5" name="바닥글 개체 틀 4">
             <a:extLst>
               <a:ext uri="{FF2B5EF4-FFF2-40B4-BE49-F238E27FC236}">
-                <a16:creationId xmlns:a16="http://schemas.microsoft.com/office/drawing/2014/main" xmlns="" id="{A78C3D8F-5F5B-47A5-9BBC-6F058C6ECD7E}"/>
+                <a16:creationId xmlns="" xmlns:a16="http://schemas.microsoft.com/office/drawing/2014/main" id="{A78C3D8F-5F5B-47A5-9BBC-6F058C6ECD7E}"/>
               </a:ext>
             </a:extLst>
           </p:cNvPr>
@@ -702,7 +703,7 @@
           <p:cNvPr id="6" name="슬라이드 번호 개체 틀 5">
             <a:extLst>
               <a:ext uri="{FF2B5EF4-FFF2-40B4-BE49-F238E27FC236}">
-                <a16:creationId xmlns:a16="http://schemas.microsoft.com/office/drawing/2014/main" xmlns="" id="{7E72ED3D-DC97-4CF5-A83F-A0F4CD5D3061}"/>
+                <a16:creationId xmlns="" xmlns:a16="http://schemas.microsoft.com/office/drawing/2014/main" id="{7E72ED3D-DC97-4CF5-A83F-A0F4CD5D3061}"/>
               </a:ext>
             </a:extLst>
           </p:cNvPr>
@@ -761,7 +762,7 @@
           <p:cNvPr id="2" name="제목 1">
             <a:extLst>
               <a:ext uri="{FF2B5EF4-FFF2-40B4-BE49-F238E27FC236}">
-                <a16:creationId xmlns:a16="http://schemas.microsoft.com/office/drawing/2014/main" xmlns="" id="{2478CD97-4610-41D5-9293-07E4F7EF8330}"/>
+                <a16:creationId xmlns="" xmlns:a16="http://schemas.microsoft.com/office/drawing/2014/main" id="{2478CD97-4610-41D5-9293-07E4F7EF8330}"/>
               </a:ext>
             </a:extLst>
           </p:cNvPr>
@@ -789,7 +790,7 @@
           <p:cNvPr id="3" name="내용 개체 틀 2">
             <a:extLst>
               <a:ext uri="{FF2B5EF4-FFF2-40B4-BE49-F238E27FC236}">
-                <a16:creationId xmlns:a16="http://schemas.microsoft.com/office/drawing/2014/main" xmlns="" id="{A4761A08-28DB-4E61-B23C-47F9FF94B03B}"/>
+                <a16:creationId xmlns="" xmlns:a16="http://schemas.microsoft.com/office/drawing/2014/main" id="{A4761A08-28DB-4E61-B23C-47F9FF94B03B}"/>
               </a:ext>
             </a:extLst>
           </p:cNvPr>
@@ -846,7 +847,7 @@
           <p:cNvPr id="4" name="날짜 개체 틀 3">
             <a:extLst>
               <a:ext uri="{FF2B5EF4-FFF2-40B4-BE49-F238E27FC236}">
-                <a16:creationId xmlns:a16="http://schemas.microsoft.com/office/drawing/2014/main" xmlns="" id="{8A0B1E4E-9D0C-4F38-8350-90F7893A1DD4}"/>
+                <a16:creationId xmlns="" xmlns:a16="http://schemas.microsoft.com/office/drawing/2014/main" id="{8A0B1E4E-9D0C-4F38-8350-90F7893A1DD4}"/>
               </a:ext>
             </a:extLst>
           </p:cNvPr>
@@ -875,7 +876,7 @@
           <p:cNvPr id="5" name="바닥글 개체 틀 4">
             <a:extLst>
               <a:ext uri="{FF2B5EF4-FFF2-40B4-BE49-F238E27FC236}">
-                <a16:creationId xmlns:a16="http://schemas.microsoft.com/office/drawing/2014/main" xmlns="" id="{3EB51119-FFCC-46AF-9F51-2823DEF4A6AF}"/>
+                <a16:creationId xmlns="" xmlns:a16="http://schemas.microsoft.com/office/drawing/2014/main" id="{3EB51119-FFCC-46AF-9F51-2823DEF4A6AF}"/>
               </a:ext>
             </a:extLst>
           </p:cNvPr>
@@ -900,7 +901,7 @@
           <p:cNvPr id="6" name="슬라이드 번호 개체 틀 5">
             <a:extLst>
               <a:ext uri="{FF2B5EF4-FFF2-40B4-BE49-F238E27FC236}">
-                <a16:creationId xmlns:a16="http://schemas.microsoft.com/office/drawing/2014/main" xmlns="" id="{5E5C2C86-356F-4ACF-9EEC-3B3D8462A39C}"/>
+                <a16:creationId xmlns="" xmlns:a16="http://schemas.microsoft.com/office/drawing/2014/main" id="{5E5C2C86-356F-4ACF-9EEC-3B3D8462A39C}"/>
               </a:ext>
             </a:extLst>
           </p:cNvPr>
@@ -959,7 +960,7 @@
           <p:cNvPr id="2" name="제목 1">
             <a:extLst>
               <a:ext uri="{FF2B5EF4-FFF2-40B4-BE49-F238E27FC236}">
-                <a16:creationId xmlns:a16="http://schemas.microsoft.com/office/drawing/2014/main" xmlns="" id="{DBF78962-7159-4DAF-9E07-D4AC9AFA9BC1}"/>
+                <a16:creationId xmlns="" xmlns:a16="http://schemas.microsoft.com/office/drawing/2014/main" id="{DBF78962-7159-4DAF-9E07-D4AC9AFA9BC1}"/>
               </a:ext>
             </a:extLst>
           </p:cNvPr>
@@ -996,7 +997,7 @@
           <p:cNvPr id="3" name="텍스트 개체 틀 2">
             <a:extLst>
               <a:ext uri="{FF2B5EF4-FFF2-40B4-BE49-F238E27FC236}">
-                <a16:creationId xmlns:a16="http://schemas.microsoft.com/office/drawing/2014/main" xmlns="" id="{FAB5D699-135E-49BA-9606-CB890CD5D6CE}"/>
+                <a16:creationId xmlns="" xmlns:a16="http://schemas.microsoft.com/office/drawing/2014/main" id="{FAB5D699-135E-49BA-9606-CB890CD5D6CE}"/>
               </a:ext>
             </a:extLst>
           </p:cNvPr>
@@ -1121,7 +1122,7 @@
           <p:cNvPr id="4" name="날짜 개체 틀 3">
             <a:extLst>
               <a:ext uri="{FF2B5EF4-FFF2-40B4-BE49-F238E27FC236}">
-                <a16:creationId xmlns:a16="http://schemas.microsoft.com/office/drawing/2014/main" xmlns="" id="{3717AFA4-E80B-48F1-B566-3D5FA0DCC2E5}"/>
+                <a16:creationId xmlns="" xmlns:a16="http://schemas.microsoft.com/office/drawing/2014/main" id="{3717AFA4-E80B-48F1-B566-3D5FA0DCC2E5}"/>
               </a:ext>
             </a:extLst>
           </p:cNvPr>
@@ -1150,7 +1151,7 @@
           <p:cNvPr id="5" name="바닥글 개체 틀 4">
             <a:extLst>
               <a:ext uri="{FF2B5EF4-FFF2-40B4-BE49-F238E27FC236}">
-                <a16:creationId xmlns:a16="http://schemas.microsoft.com/office/drawing/2014/main" xmlns="" id="{530C7227-51F8-4DD4-93DC-2046C220BC2B}"/>
+                <a16:creationId xmlns="" xmlns:a16="http://schemas.microsoft.com/office/drawing/2014/main" id="{530C7227-51F8-4DD4-93DC-2046C220BC2B}"/>
               </a:ext>
             </a:extLst>
           </p:cNvPr>
@@ -1175,7 +1176,7 @@
           <p:cNvPr id="6" name="슬라이드 번호 개체 틀 5">
             <a:extLst>
               <a:ext uri="{FF2B5EF4-FFF2-40B4-BE49-F238E27FC236}">
-                <a16:creationId xmlns:a16="http://schemas.microsoft.com/office/drawing/2014/main" xmlns="" id="{CF23AE0C-87AE-419F-8C21-C05064D5F98B}"/>
+                <a16:creationId xmlns="" xmlns:a16="http://schemas.microsoft.com/office/drawing/2014/main" id="{CF23AE0C-87AE-419F-8C21-C05064D5F98B}"/>
               </a:ext>
             </a:extLst>
           </p:cNvPr>
@@ -1234,7 +1235,7 @@
           <p:cNvPr id="2" name="제목 1">
             <a:extLst>
               <a:ext uri="{FF2B5EF4-FFF2-40B4-BE49-F238E27FC236}">
-                <a16:creationId xmlns:a16="http://schemas.microsoft.com/office/drawing/2014/main" xmlns="" id="{EF53F05C-1B53-4997-8D4F-574B40BFB6D2}"/>
+                <a16:creationId xmlns="" xmlns:a16="http://schemas.microsoft.com/office/drawing/2014/main" id="{EF53F05C-1B53-4997-8D4F-574B40BFB6D2}"/>
               </a:ext>
             </a:extLst>
           </p:cNvPr>
@@ -1262,7 +1263,7 @@
           <p:cNvPr id="3" name="내용 개체 틀 2">
             <a:extLst>
               <a:ext uri="{FF2B5EF4-FFF2-40B4-BE49-F238E27FC236}">
-                <a16:creationId xmlns:a16="http://schemas.microsoft.com/office/drawing/2014/main" xmlns="" id="{F2EE759F-A91E-45FB-BC0F-52B204A43CE5}"/>
+                <a16:creationId xmlns="" xmlns:a16="http://schemas.microsoft.com/office/drawing/2014/main" id="{F2EE759F-A91E-45FB-BC0F-52B204A43CE5}"/>
               </a:ext>
             </a:extLst>
           </p:cNvPr>
@@ -1324,7 +1325,7 @@
           <p:cNvPr id="4" name="내용 개체 틀 3">
             <a:extLst>
               <a:ext uri="{FF2B5EF4-FFF2-40B4-BE49-F238E27FC236}">
-                <a16:creationId xmlns:a16="http://schemas.microsoft.com/office/drawing/2014/main" xmlns="" id="{CBA814ED-B083-468B-A3B1-B0834E8C8212}"/>
+                <a16:creationId xmlns="" xmlns:a16="http://schemas.microsoft.com/office/drawing/2014/main" id="{CBA814ED-B083-468B-A3B1-B0834E8C8212}"/>
               </a:ext>
             </a:extLst>
           </p:cNvPr>
@@ -1386,7 +1387,7 @@
           <p:cNvPr id="5" name="날짜 개체 틀 4">
             <a:extLst>
               <a:ext uri="{FF2B5EF4-FFF2-40B4-BE49-F238E27FC236}">
-                <a16:creationId xmlns:a16="http://schemas.microsoft.com/office/drawing/2014/main" xmlns="" id="{877DEBD2-BAE9-4C14-A7E8-517148C14EED}"/>
+                <a16:creationId xmlns="" xmlns:a16="http://schemas.microsoft.com/office/drawing/2014/main" id="{877DEBD2-BAE9-4C14-A7E8-517148C14EED}"/>
               </a:ext>
             </a:extLst>
           </p:cNvPr>
@@ -1415,7 +1416,7 @@
           <p:cNvPr id="6" name="바닥글 개체 틀 5">
             <a:extLst>
               <a:ext uri="{FF2B5EF4-FFF2-40B4-BE49-F238E27FC236}">
-                <a16:creationId xmlns:a16="http://schemas.microsoft.com/office/drawing/2014/main" xmlns="" id="{2F72D31F-47DB-4B78-B8CC-AB9D0A4DCEC0}"/>
+                <a16:creationId xmlns="" xmlns:a16="http://schemas.microsoft.com/office/drawing/2014/main" id="{2F72D31F-47DB-4B78-B8CC-AB9D0A4DCEC0}"/>
               </a:ext>
             </a:extLst>
           </p:cNvPr>
@@ -1440,7 +1441,7 @@
           <p:cNvPr id="7" name="슬라이드 번호 개체 틀 6">
             <a:extLst>
               <a:ext uri="{FF2B5EF4-FFF2-40B4-BE49-F238E27FC236}">
-                <a16:creationId xmlns:a16="http://schemas.microsoft.com/office/drawing/2014/main" xmlns="" id="{F1B67971-49C1-46A6-BFE1-F14E5E9F87CF}"/>
+                <a16:creationId xmlns="" xmlns:a16="http://schemas.microsoft.com/office/drawing/2014/main" id="{F1B67971-49C1-46A6-BFE1-F14E5E9F87CF}"/>
               </a:ext>
             </a:extLst>
           </p:cNvPr>
@@ -1499,7 +1500,7 @@
           <p:cNvPr id="2" name="제목 1">
             <a:extLst>
               <a:ext uri="{FF2B5EF4-FFF2-40B4-BE49-F238E27FC236}">
-                <a16:creationId xmlns:a16="http://schemas.microsoft.com/office/drawing/2014/main" xmlns="" id="{E54246B1-789C-445A-A33C-EE193AF6AB31}"/>
+                <a16:creationId xmlns="" xmlns:a16="http://schemas.microsoft.com/office/drawing/2014/main" id="{E54246B1-789C-445A-A33C-EE193AF6AB31}"/>
               </a:ext>
             </a:extLst>
           </p:cNvPr>
@@ -1532,7 +1533,7 @@
           <p:cNvPr id="3" name="텍스트 개체 틀 2">
             <a:extLst>
               <a:ext uri="{FF2B5EF4-FFF2-40B4-BE49-F238E27FC236}">
-                <a16:creationId xmlns:a16="http://schemas.microsoft.com/office/drawing/2014/main" xmlns="" id="{C60DCCE6-A432-4D2A-810A-99E8AFAD1DD0}"/>
+                <a16:creationId xmlns="" xmlns:a16="http://schemas.microsoft.com/office/drawing/2014/main" id="{C60DCCE6-A432-4D2A-810A-99E8AFAD1DD0}"/>
               </a:ext>
             </a:extLst>
           </p:cNvPr>
@@ -1603,7 +1604,7 @@
           <p:cNvPr id="4" name="내용 개체 틀 3">
             <a:extLst>
               <a:ext uri="{FF2B5EF4-FFF2-40B4-BE49-F238E27FC236}">
-                <a16:creationId xmlns:a16="http://schemas.microsoft.com/office/drawing/2014/main" xmlns="" id="{16D0CEB2-1187-4252-AD05-8D872A1D3F3F}"/>
+                <a16:creationId xmlns="" xmlns:a16="http://schemas.microsoft.com/office/drawing/2014/main" id="{16D0CEB2-1187-4252-AD05-8D872A1D3F3F}"/>
               </a:ext>
             </a:extLst>
           </p:cNvPr>
@@ -1665,7 +1666,7 @@
           <p:cNvPr id="5" name="텍스트 개체 틀 4">
             <a:extLst>
               <a:ext uri="{FF2B5EF4-FFF2-40B4-BE49-F238E27FC236}">
-                <a16:creationId xmlns:a16="http://schemas.microsoft.com/office/drawing/2014/main" xmlns="" id="{5AE31809-3F66-4FEC-8D60-2F4D07A12196}"/>
+                <a16:creationId xmlns="" xmlns:a16="http://schemas.microsoft.com/office/drawing/2014/main" id="{5AE31809-3F66-4FEC-8D60-2F4D07A12196}"/>
               </a:ext>
             </a:extLst>
           </p:cNvPr>
@@ -1736,7 +1737,7 @@
           <p:cNvPr id="6" name="내용 개체 틀 5">
             <a:extLst>
               <a:ext uri="{FF2B5EF4-FFF2-40B4-BE49-F238E27FC236}">
-                <a16:creationId xmlns:a16="http://schemas.microsoft.com/office/drawing/2014/main" xmlns="" id="{A23AB223-7027-45B7-A59D-E463A79FDDD7}"/>
+                <a16:creationId xmlns="" xmlns:a16="http://schemas.microsoft.com/office/drawing/2014/main" id="{A23AB223-7027-45B7-A59D-E463A79FDDD7}"/>
               </a:ext>
             </a:extLst>
           </p:cNvPr>
@@ -1798,7 +1799,7 @@
           <p:cNvPr id="7" name="날짜 개체 틀 6">
             <a:extLst>
               <a:ext uri="{FF2B5EF4-FFF2-40B4-BE49-F238E27FC236}">
-                <a16:creationId xmlns:a16="http://schemas.microsoft.com/office/drawing/2014/main" xmlns="" id="{D2A2B8DD-7358-465C-8CC1-F71D7DE0E812}"/>
+                <a16:creationId xmlns="" xmlns:a16="http://schemas.microsoft.com/office/drawing/2014/main" id="{D2A2B8DD-7358-465C-8CC1-F71D7DE0E812}"/>
               </a:ext>
             </a:extLst>
           </p:cNvPr>
@@ -1827,7 +1828,7 @@
           <p:cNvPr id="8" name="바닥글 개체 틀 7">
             <a:extLst>
               <a:ext uri="{FF2B5EF4-FFF2-40B4-BE49-F238E27FC236}">
-                <a16:creationId xmlns:a16="http://schemas.microsoft.com/office/drawing/2014/main" xmlns="" id="{0D010038-A30A-4B64-BB25-7C3590F3E110}"/>
+                <a16:creationId xmlns="" xmlns:a16="http://schemas.microsoft.com/office/drawing/2014/main" id="{0D010038-A30A-4B64-BB25-7C3590F3E110}"/>
               </a:ext>
             </a:extLst>
           </p:cNvPr>
@@ -1852,7 +1853,7 @@
           <p:cNvPr id="9" name="슬라이드 번호 개체 틀 8">
             <a:extLst>
               <a:ext uri="{FF2B5EF4-FFF2-40B4-BE49-F238E27FC236}">
-                <a16:creationId xmlns:a16="http://schemas.microsoft.com/office/drawing/2014/main" xmlns="" id="{65054B27-799F-4A0D-8BE0-631E52465DC1}"/>
+                <a16:creationId xmlns="" xmlns:a16="http://schemas.microsoft.com/office/drawing/2014/main" id="{65054B27-799F-4A0D-8BE0-631E52465DC1}"/>
               </a:ext>
             </a:extLst>
           </p:cNvPr>
@@ -1911,7 +1912,7 @@
           <p:cNvPr id="2" name="제목 1">
             <a:extLst>
               <a:ext uri="{FF2B5EF4-FFF2-40B4-BE49-F238E27FC236}">
-                <a16:creationId xmlns:a16="http://schemas.microsoft.com/office/drawing/2014/main" xmlns="" id="{C485E51C-A240-4608-92DA-E50F807F41C0}"/>
+                <a16:creationId xmlns="" xmlns:a16="http://schemas.microsoft.com/office/drawing/2014/main" id="{C485E51C-A240-4608-92DA-E50F807F41C0}"/>
               </a:ext>
             </a:extLst>
           </p:cNvPr>
@@ -1939,7 +1940,7 @@
           <p:cNvPr id="3" name="날짜 개체 틀 2">
             <a:extLst>
               <a:ext uri="{FF2B5EF4-FFF2-40B4-BE49-F238E27FC236}">
-                <a16:creationId xmlns:a16="http://schemas.microsoft.com/office/drawing/2014/main" xmlns="" id="{2B851E15-AFBE-4FC3-8B78-027D54EB8877}"/>
+                <a16:creationId xmlns="" xmlns:a16="http://schemas.microsoft.com/office/drawing/2014/main" id="{2B851E15-AFBE-4FC3-8B78-027D54EB8877}"/>
               </a:ext>
             </a:extLst>
           </p:cNvPr>
@@ -1968,7 +1969,7 @@
           <p:cNvPr id="4" name="바닥글 개체 틀 3">
             <a:extLst>
               <a:ext uri="{FF2B5EF4-FFF2-40B4-BE49-F238E27FC236}">
-                <a16:creationId xmlns:a16="http://schemas.microsoft.com/office/drawing/2014/main" xmlns="" id="{5FEBB580-75E4-48D4-AEF3-E10C58CF6EA4}"/>
+                <a16:creationId xmlns="" xmlns:a16="http://schemas.microsoft.com/office/drawing/2014/main" id="{5FEBB580-75E4-48D4-AEF3-E10C58CF6EA4}"/>
               </a:ext>
             </a:extLst>
           </p:cNvPr>
@@ -1993,7 +1994,7 @@
           <p:cNvPr id="5" name="슬라이드 번호 개체 틀 4">
             <a:extLst>
               <a:ext uri="{FF2B5EF4-FFF2-40B4-BE49-F238E27FC236}">
-                <a16:creationId xmlns:a16="http://schemas.microsoft.com/office/drawing/2014/main" xmlns="" id="{BF32AC2E-0C50-4FB0-8820-A7AC6BDE4173}"/>
+                <a16:creationId xmlns="" xmlns:a16="http://schemas.microsoft.com/office/drawing/2014/main" id="{BF32AC2E-0C50-4FB0-8820-A7AC6BDE4173}"/>
               </a:ext>
             </a:extLst>
           </p:cNvPr>
@@ -2052,7 +2053,7 @@
           <p:cNvPr id="2" name="날짜 개체 틀 1">
             <a:extLst>
               <a:ext uri="{FF2B5EF4-FFF2-40B4-BE49-F238E27FC236}">
-                <a16:creationId xmlns:a16="http://schemas.microsoft.com/office/drawing/2014/main" xmlns="" id="{2C192448-72D9-4BA8-A3A5-9279810622F2}"/>
+                <a16:creationId xmlns="" xmlns:a16="http://schemas.microsoft.com/office/drawing/2014/main" id="{2C192448-72D9-4BA8-A3A5-9279810622F2}"/>
               </a:ext>
             </a:extLst>
           </p:cNvPr>
@@ -2081,7 +2082,7 @@
           <p:cNvPr id="3" name="바닥글 개체 틀 2">
             <a:extLst>
               <a:ext uri="{FF2B5EF4-FFF2-40B4-BE49-F238E27FC236}">
-                <a16:creationId xmlns:a16="http://schemas.microsoft.com/office/drawing/2014/main" xmlns="" id="{6A464358-B5B5-49B6-9CA3-2BE74CF87DC8}"/>
+                <a16:creationId xmlns="" xmlns:a16="http://schemas.microsoft.com/office/drawing/2014/main" id="{6A464358-B5B5-49B6-9CA3-2BE74CF87DC8}"/>
               </a:ext>
             </a:extLst>
           </p:cNvPr>
@@ -2106,7 +2107,7 @@
           <p:cNvPr id="4" name="슬라이드 번호 개체 틀 3">
             <a:extLst>
               <a:ext uri="{FF2B5EF4-FFF2-40B4-BE49-F238E27FC236}">
-                <a16:creationId xmlns:a16="http://schemas.microsoft.com/office/drawing/2014/main" xmlns="" id="{5B606F01-6E92-4C16-A968-94433D122A35}"/>
+                <a16:creationId xmlns="" xmlns:a16="http://schemas.microsoft.com/office/drawing/2014/main" id="{5B606F01-6E92-4C16-A968-94433D122A35}"/>
               </a:ext>
             </a:extLst>
           </p:cNvPr>
@@ -2165,7 +2166,7 @@
           <p:cNvPr id="2" name="제목 1">
             <a:extLst>
               <a:ext uri="{FF2B5EF4-FFF2-40B4-BE49-F238E27FC236}">
-                <a16:creationId xmlns:a16="http://schemas.microsoft.com/office/drawing/2014/main" xmlns="" id="{78C9915E-4301-4868-A5EC-6F607A83BF22}"/>
+                <a16:creationId xmlns="" xmlns:a16="http://schemas.microsoft.com/office/drawing/2014/main" id="{78C9915E-4301-4868-A5EC-6F607A83BF22}"/>
               </a:ext>
             </a:extLst>
           </p:cNvPr>
@@ -2202,7 +2203,7 @@
           <p:cNvPr id="3" name="내용 개체 틀 2">
             <a:extLst>
               <a:ext uri="{FF2B5EF4-FFF2-40B4-BE49-F238E27FC236}">
-                <a16:creationId xmlns:a16="http://schemas.microsoft.com/office/drawing/2014/main" xmlns="" id="{4507BFFD-DC79-4CFE-A2B2-BACA06190953}"/>
+                <a16:creationId xmlns="" xmlns:a16="http://schemas.microsoft.com/office/drawing/2014/main" id="{4507BFFD-DC79-4CFE-A2B2-BACA06190953}"/>
               </a:ext>
             </a:extLst>
           </p:cNvPr>
@@ -2292,7 +2293,7 @@
           <p:cNvPr id="4" name="텍스트 개체 틀 3">
             <a:extLst>
               <a:ext uri="{FF2B5EF4-FFF2-40B4-BE49-F238E27FC236}">
-                <a16:creationId xmlns:a16="http://schemas.microsoft.com/office/drawing/2014/main" xmlns="" id="{9A00C531-2EB8-4478-9A6C-4CD6FE675072}"/>
+                <a16:creationId xmlns="" xmlns:a16="http://schemas.microsoft.com/office/drawing/2014/main" id="{9A00C531-2EB8-4478-9A6C-4CD6FE675072}"/>
               </a:ext>
             </a:extLst>
           </p:cNvPr>
@@ -2363,7 +2364,7 @@
           <p:cNvPr id="5" name="날짜 개체 틀 4">
             <a:extLst>
               <a:ext uri="{FF2B5EF4-FFF2-40B4-BE49-F238E27FC236}">
-                <a16:creationId xmlns:a16="http://schemas.microsoft.com/office/drawing/2014/main" xmlns="" id="{8B9102F9-10D2-4689-A3F0-BD4C609347E9}"/>
+                <a16:creationId xmlns="" xmlns:a16="http://schemas.microsoft.com/office/drawing/2014/main" id="{8B9102F9-10D2-4689-A3F0-BD4C609347E9}"/>
               </a:ext>
             </a:extLst>
           </p:cNvPr>
@@ -2392,7 +2393,7 @@
           <p:cNvPr id="6" name="바닥글 개체 틀 5">
             <a:extLst>
               <a:ext uri="{FF2B5EF4-FFF2-40B4-BE49-F238E27FC236}">
-                <a16:creationId xmlns:a16="http://schemas.microsoft.com/office/drawing/2014/main" xmlns="" id="{D7F39764-04A1-4A55-9A18-7F042A006344}"/>
+                <a16:creationId xmlns="" xmlns:a16="http://schemas.microsoft.com/office/drawing/2014/main" id="{D7F39764-04A1-4A55-9A18-7F042A006344}"/>
               </a:ext>
             </a:extLst>
           </p:cNvPr>
@@ -2417,7 +2418,7 @@
           <p:cNvPr id="7" name="슬라이드 번호 개체 틀 6">
             <a:extLst>
               <a:ext uri="{FF2B5EF4-FFF2-40B4-BE49-F238E27FC236}">
-                <a16:creationId xmlns:a16="http://schemas.microsoft.com/office/drawing/2014/main" xmlns="" id="{34225F41-6CDF-4265-BBB3-81FCF28FB82A}"/>
+                <a16:creationId xmlns="" xmlns:a16="http://schemas.microsoft.com/office/drawing/2014/main" id="{34225F41-6CDF-4265-BBB3-81FCF28FB82A}"/>
               </a:ext>
             </a:extLst>
           </p:cNvPr>
@@ -2476,7 +2477,7 @@
           <p:cNvPr id="2" name="제목 1">
             <a:extLst>
               <a:ext uri="{FF2B5EF4-FFF2-40B4-BE49-F238E27FC236}">
-                <a16:creationId xmlns:a16="http://schemas.microsoft.com/office/drawing/2014/main" xmlns="" id="{E1595260-FA6D-4888-ADF7-F499EEC9CAF3}"/>
+                <a16:creationId xmlns="" xmlns:a16="http://schemas.microsoft.com/office/drawing/2014/main" id="{E1595260-FA6D-4888-ADF7-F499EEC9CAF3}"/>
               </a:ext>
             </a:extLst>
           </p:cNvPr>
@@ -2513,7 +2514,7 @@
           <p:cNvPr id="3" name="그림 개체 틀 2">
             <a:extLst>
               <a:ext uri="{FF2B5EF4-FFF2-40B4-BE49-F238E27FC236}">
-                <a16:creationId xmlns:a16="http://schemas.microsoft.com/office/drawing/2014/main" xmlns="" id="{83A50628-D8CA-4077-960A-F39CE72B43AC}"/>
+                <a16:creationId xmlns="" xmlns:a16="http://schemas.microsoft.com/office/drawing/2014/main" id="{83A50628-D8CA-4077-960A-F39CE72B43AC}"/>
               </a:ext>
             </a:extLst>
           </p:cNvPr>
@@ -2580,7 +2581,7 @@
           <p:cNvPr id="4" name="텍스트 개체 틀 3">
             <a:extLst>
               <a:ext uri="{FF2B5EF4-FFF2-40B4-BE49-F238E27FC236}">
-                <a16:creationId xmlns:a16="http://schemas.microsoft.com/office/drawing/2014/main" xmlns="" id="{19E7AA03-FBD8-4A50-A92B-5AC38CFD2159}"/>
+                <a16:creationId xmlns="" xmlns:a16="http://schemas.microsoft.com/office/drawing/2014/main" id="{19E7AA03-FBD8-4A50-A92B-5AC38CFD2159}"/>
               </a:ext>
             </a:extLst>
           </p:cNvPr>
@@ -2651,7 +2652,7 @@
           <p:cNvPr id="5" name="날짜 개체 틀 4">
             <a:extLst>
               <a:ext uri="{FF2B5EF4-FFF2-40B4-BE49-F238E27FC236}">
-                <a16:creationId xmlns:a16="http://schemas.microsoft.com/office/drawing/2014/main" xmlns="" id="{68D9E59A-44BD-4C8B-A629-A61BC819DCDC}"/>
+                <a16:creationId xmlns="" xmlns:a16="http://schemas.microsoft.com/office/drawing/2014/main" id="{68D9E59A-44BD-4C8B-A629-A61BC819DCDC}"/>
               </a:ext>
             </a:extLst>
           </p:cNvPr>
@@ -2680,7 +2681,7 @@
           <p:cNvPr id="6" name="바닥글 개체 틀 5">
             <a:extLst>
               <a:ext uri="{FF2B5EF4-FFF2-40B4-BE49-F238E27FC236}">
-                <a16:creationId xmlns:a16="http://schemas.microsoft.com/office/drawing/2014/main" xmlns="" id="{1D2B7321-A165-476B-A4ED-83B774277E09}"/>
+                <a16:creationId xmlns="" xmlns:a16="http://schemas.microsoft.com/office/drawing/2014/main" id="{1D2B7321-A165-476B-A4ED-83B774277E09}"/>
               </a:ext>
             </a:extLst>
           </p:cNvPr>
@@ -2705,7 +2706,7 @@
           <p:cNvPr id="7" name="슬라이드 번호 개체 틀 6">
             <a:extLst>
               <a:ext uri="{FF2B5EF4-FFF2-40B4-BE49-F238E27FC236}">
-                <a16:creationId xmlns:a16="http://schemas.microsoft.com/office/drawing/2014/main" xmlns="" id="{07F02D81-149F-45ED-BBC5-576EF0493F03}"/>
+                <a16:creationId xmlns="" xmlns:a16="http://schemas.microsoft.com/office/drawing/2014/main" id="{07F02D81-149F-45ED-BBC5-576EF0493F03}"/>
               </a:ext>
             </a:extLst>
           </p:cNvPr>
@@ -2769,7 +2770,7 @@
           <p:cNvPr id="2" name="제목 개체 틀 1">
             <a:extLst>
               <a:ext uri="{FF2B5EF4-FFF2-40B4-BE49-F238E27FC236}">
-                <a16:creationId xmlns:a16="http://schemas.microsoft.com/office/drawing/2014/main" xmlns="" id="{738525D4-1253-4608-9D52-B7981AC4FCC8}"/>
+                <a16:creationId xmlns="" xmlns:a16="http://schemas.microsoft.com/office/drawing/2014/main" id="{738525D4-1253-4608-9D52-B7981AC4FCC8}"/>
               </a:ext>
             </a:extLst>
           </p:cNvPr>
@@ -2807,7 +2808,7 @@
           <p:cNvPr id="3" name="텍스트 개체 틀 2">
             <a:extLst>
               <a:ext uri="{FF2B5EF4-FFF2-40B4-BE49-F238E27FC236}">
-                <a16:creationId xmlns:a16="http://schemas.microsoft.com/office/drawing/2014/main" xmlns="" id="{0D5AEAAA-7600-4903-ACEF-1D36CDCD268E}"/>
+                <a16:creationId xmlns="" xmlns:a16="http://schemas.microsoft.com/office/drawing/2014/main" id="{0D5AEAAA-7600-4903-ACEF-1D36CDCD268E}"/>
               </a:ext>
             </a:extLst>
           </p:cNvPr>
@@ -2874,7 +2875,7 @@
           <p:cNvPr id="4" name="날짜 개체 틀 3">
             <a:extLst>
               <a:ext uri="{FF2B5EF4-FFF2-40B4-BE49-F238E27FC236}">
-                <a16:creationId xmlns:a16="http://schemas.microsoft.com/office/drawing/2014/main" xmlns="" id="{4DC8EC6A-27D7-4EF9-B45D-C2D39B14F126}"/>
+                <a16:creationId xmlns="" xmlns:a16="http://schemas.microsoft.com/office/drawing/2014/main" id="{4DC8EC6A-27D7-4EF9-B45D-C2D39B14F126}"/>
               </a:ext>
             </a:extLst>
           </p:cNvPr>
@@ -2921,7 +2922,7 @@
           <p:cNvPr id="5" name="바닥글 개체 틀 4">
             <a:extLst>
               <a:ext uri="{FF2B5EF4-FFF2-40B4-BE49-F238E27FC236}">
-                <a16:creationId xmlns:a16="http://schemas.microsoft.com/office/drawing/2014/main" xmlns="" id="{260EB541-017D-4B3F-9895-2DFE884EA7DA}"/>
+                <a16:creationId xmlns="" xmlns:a16="http://schemas.microsoft.com/office/drawing/2014/main" id="{260EB541-017D-4B3F-9895-2DFE884EA7DA}"/>
               </a:ext>
             </a:extLst>
           </p:cNvPr>
@@ -2964,7 +2965,7 @@
           <p:cNvPr id="6" name="슬라이드 번호 개체 틀 5">
             <a:extLst>
               <a:ext uri="{FF2B5EF4-FFF2-40B4-BE49-F238E27FC236}">
-                <a16:creationId xmlns:a16="http://schemas.microsoft.com/office/drawing/2014/main" xmlns="" id="{51440F6D-AE56-4BC9-B00D-4A215980C939}"/>
+                <a16:creationId xmlns="" xmlns:a16="http://schemas.microsoft.com/office/drawing/2014/main" id="{51440F6D-AE56-4BC9-B00D-4A215980C939}"/>
               </a:ext>
             </a:extLst>
           </p:cNvPr>
@@ -3340,7 +3341,7 @@
           <p:cNvPr id="3" name="부제목 2">
             <a:extLst>
               <a:ext uri="{FF2B5EF4-FFF2-40B4-BE49-F238E27FC236}">
-                <a16:creationId xmlns:a16="http://schemas.microsoft.com/office/drawing/2014/main" xmlns="" id="{84DAC65C-FE20-4D6D-AFFA-57D16B16FADF}"/>
+                <a16:creationId xmlns="" xmlns:a16="http://schemas.microsoft.com/office/drawing/2014/main" id="{84DAC65C-FE20-4D6D-AFFA-57D16B16FADF}"/>
               </a:ext>
             </a:extLst>
           </p:cNvPr>
@@ -3380,7 +3381,7 @@
           <p:cNvPr id="9" name="그림 8">
             <a:extLst>
               <a:ext uri="{FF2B5EF4-FFF2-40B4-BE49-F238E27FC236}">
-                <a16:creationId xmlns:a16="http://schemas.microsoft.com/office/drawing/2014/main" xmlns="" id="{58A568A6-F904-4025-9A14-67F5B32BB43F}"/>
+                <a16:creationId xmlns="" xmlns:a16="http://schemas.microsoft.com/office/drawing/2014/main" id="{58A568A6-F904-4025-9A14-67F5B32BB43F}"/>
               </a:ext>
             </a:extLst>
           </p:cNvPr>
@@ -3409,7 +3410,7 @@
           <p:cNvPr id="6" name="正方形/長方形 1">
             <a:extLst>
               <a:ext uri="{FF2B5EF4-FFF2-40B4-BE49-F238E27FC236}">
-                <a16:creationId xmlns:a16="http://schemas.microsoft.com/office/drawing/2014/main" xmlns="" id="{3DB5B2C5-F5B3-4CC9-BEAC-DB38B7D18AB0}"/>
+                <a16:creationId xmlns="" xmlns:a16="http://schemas.microsoft.com/office/drawing/2014/main" id="{3DB5B2C5-F5B3-4CC9-BEAC-DB38B7D18AB0}"/>
               </a:ext>
             </a:extLst>
           </p:cNvPr>
@@ -3461,7 +3462,7 @@
           <p:cNvPr id="5" name="그림 4">
             <a:extLst>
               <a:ext uri="{FF2B5EF4-FFF2-40B4-BE49-F238E27FC236}">
-                <a16:creationId xmlns:a16="http://schemas.microsoft.com/office/drawing/2014/main" xmlns="" id="{70CD73FB-6A8C-4053-8E55-05DD338095CE}"/>
+                <a16:creationId xmlns="" xmlns:a16="http://schemas.microsoft.com/office/drawing/2014/main" id="{70CD73FB-6A8C-4053-8E55-05DD338095CE}"/>
               </a:ext>
             </a:extLst>
           </p:cNvPr>
@@ -3497,7 +3498,7 @@
           <p:cNvPr id="10" name="TextBox 9">
             <a:extLst>
               <a:ext uri="{FF2B5EF4-FFF2-40B4-BE49-F238E27FC236}">
-                <a16:creationId xmlns:a16="http://schemas.microsoft.com/office/drawing/2014/main" xmlns="" id="{FE48E1B1-BE68-4CDF-B1A5-546E3D5FD453}"/>
+                <a16:creationId xmlns="" xmlns:a16="http://schemas.microsoft.com/office/drawing/2014/main" id="{FE48E1B1-BE68-4CDF-B1A5-546E3D5FD453}"/>
               </a:ext>
             </a:extLst>
           </p:cNvPr>
@@ -3661,7 +3662,7 @@
           <p:cNvPr id="15" name="그룹 14">
             <a:extLst>
               <a:ext uri="{FF2B5EF4-FFF2-40B4-BE49-F238E27FC236}">
-                <a16:creationId xmlns:a16="http://schemas.microsoft.com/office/drawing/2014/main" xmlns="" id="{B7536413-EBBF-45BD-956C-DBF04F557F50}"/>
+                <a16:creationId xmlns="" xmlns:a16="http://schemas.microsoft.com/office/drawing/2014/main" id="{B7536413-EBBF-45BD-956C-DBF04F557F50}"/>
               </a:ext>
             </a:extLst>
           </p:cNvPr>
@@ -3681,7 +3682,7 @@
             <p:cNvPr id="8" name="직사각형 7">
               <a:extLst>
                 <a:ext uri="{FF2B5EF4-FFF2-40B4-BE49-F238E27FC236}">
-                  <a16:creationId xmlns:a16="http://schemas.microsoft.com/office/drawing/2014/main" xmlns="" id="{F11A9128-76C8-4335-872F-E85671129C65}"/>
+                  <a16:creationId xmlns="" xmlns:a16="http://schemas.microsoft.com/office/drawing/2014/main" id="{F11A9128-76C8-4335-872F-E85671129C65}"/>
                 </a:ext>
               </a:extLst>
             </p:cNvPr>
@@ -3733,7 +3734,7 @@
             <p:cNvPr id="14" name="이등변 삼각형 13">
               <a:extLst>
                 <a:ext uri="{FF2B5EF4-FFF2-40B4-BE49-F238E27FC236}">
-                  <a16:creationId xmlns:a16="http://schemas.microsoft.com/office/drawing/2014/main" xmlns="" id="{2C330ABB-6ACB-46E7-B89D-15EBDBF22119}"/>
+                  <a16:creationId xmlns="" xmlns:a16="http://schemas.microsoft.com/office/drawing/2014/main" id="{2C330ABB-6ACB-46E7-B89D-15EBDBF22119}"/>
                 </a:ext>
               </a:extLst>
             </p:cNvPr>
@@ -3786,7 +3787,7 @@
           <p:cNvPr id="2" name="직사각형 1">
             <a:extLst>
               <a:ext uri="{FF2B5EF4-FFF2-40B4-BE49-F238E27FC236}">
-                <a16:creationId xmlns:a16="http://schemas.microsoft.com/office/drawing/2014/main" xmlns="" id="{8E5B996D-DF87-49E5-95D1-45B1EEB9EE9A}"/>
+                <a16:creationId xmlns="" xmlns:a16="http://schemas.microsoft.com/office/drawing/2014/main" id="{8E5B996D-DF87-49E5-95D1-45B1EEB9EE9A}"/>
               </a:ext>
             </a:extLst>
           </p:cNvPr>
@@ -3838,7 +3839,7 @@
           <p:cNvPr id="4" name="직사각형 3">
             <a:extLst>
               <a:ext uri="{FF2B5EF4-FFF2-40B4-BE49-F238E27FC236}">
-                <a16:creationId xmlns:a16="http://schemas.microsoft.com/office/drawing/2014/main" xmlns="" id="{080CEE4E-4BCA-42C3-BECA-9BCEB9931EEA}"/>
+                <a16:creationId xmlns="" xmlns:a16="http://schemas.microsoft.com/office/drawing/2014/main" id="{080CEE4E-4BCA-42C3-BECA-9BCEB9931EEA}"/>
               </a:ext>
             </a:extLst>
           </p:cNvPr>
@@ -3890,7 +3891,7 @@
           <p:cNvPr id="5" name="TextBox 4">
             <a:extLst>
               <a:ext uri="{FF2B5EF4-FFF2-40B4-BE49-F238E27FC236}">
-                <a16:creationId xmlns:a16="http://schemas.microsoft.com/office/drawing/2014/main" xmlns="" id="{D12B0B12-AB99-4F88-B4B2-948DADC833EA}"/>
+                <a16:creationId xmlns="" xmlns:a16="http://schemas.microsoft.com/office/drawing/2014/main" id="{D12B0B12-AB99-4F88-B4B2-948DADC833EA}"/>
               </a:ext>
             </a:extLst>
           </p:cNvPr>
@@ -4009,7 +4010,7 @@
           <p:cNvPr id="9" name="그림 8">
             <a:extLst>
               <a:ext uri="{FF2B5EF4-FFF2-40B4-BE49-F238E27FC236}">
-                <a16:creationId xmlns:a16="http://schemas.microsoft.com/office/drawing/2014/main" xmlns="" id="{0F0992E8-2696-42E6-805A-0C12780D8FA1}"/>
+                <a16:creationId xmlns="" xmlns:a16="http://schemas.microsoft.com/office/drawing/2014/main" id="{0F0992E8-2696-42E6-805A-0C12780D8FA1}"/>
               </a:ext>
             </a:extLst>
           </p:cNvPr>
@@ -4044,7 +4045,7 @@
           <p:cNvPr id="12" name="TextBox 11">
             <a:extLst>
               <a:ext uri="{FF2B5EF4-FFF2-40B4-BE49-F238E27FC236}">
-                <a16:creationId xmlns:a16="http://schemas.microsoft.com/office/drawing/2014/main" xmlns="" id="{7FA4A435-72AD-4E57-8841-4A73CE0EA391}"/>
+                <a16:creationId xmlns="" xmlns:a16="http://schemas.microsoft.com/office/drawing/2014/main" id="{7FA4A435-72AD-4E57-8841-4A73CE0EA391}"/>
               </a:ext>
             </a:extLst>
           </p:cNvPr>
@@ -4196,7 +4197,7 @@
           <p:cNvPr id="2" name="직사각형 1">
             <a:extLst>
               <a:ext uri="{FF2B5EF4-FFF2-40B4-BE49-F238E27FC236}">
-                <a16:creationId xmlns:a16="http://schemas.microsoft.com/office/drawing/2014/main" xmlns="" id="{8E5B996D-DF87-49E5-95D1-45B1EEB9EE9A}"/>
+                <a16:creationId xmlns="" xmlns:a16="http://schemas.microsoft.com/office/drawing/2014/main" id="{8E5B996D-DF87-49E5-95D1-45B1EEB9EE9A}"/>
               </a:ext>
             </a:extLst>
           </p:cNvPr>
@@ -4248,7 +4249,7 @@
           <p:cNvPr id="4" name="직사각형 3">
             <a:extLst>
               <a:ext uri="{FF2B5EF4-FFF2-40B4-BE49-F238E27FC236}">
-                <a16:creationId xmlns:a16="http://schemas.microsoft.com/office/drawing/2014/main" xmlns="" id="{080CEE4E-4BCA-42C3-BECA-9BCEB9931EEA}"/>
+                <a16:creationId xmlns="" xmlns:a16="http://schemas.microsoft.com/office/drawing/2014/main" id="{080CEE4E-4BCA-42C3-BECA-9BCEB9931EEA}"/>
               </a:ext>
             </a:extLst>
           </p:cNvPr>
@@ -4300,7 +4301,7 @@
           <p:cNvPr id="5" name="TextBox 4">
             <a:extLst>
               <a:ext uri="{FF2B5EF4-FFF2-40B4-BE49-F238E27FC236}">
-                <a16:creationId xmlns:a16="http://schemas.microsoft.com/office/drawing/2014/main" xmlns="" id="{D12B0B12-AB99-4F88-B4B2-948DADC833EA}"/>
+                <a16:creationId xmlns="" xmlns:a16="http://schemas.microsoft.com/office/drawing/2014/main" id="{D12B0B12-AB99-4F88-B4B2-948DADC833EA}"/>
               </a:ext>
             </a:extLst>
           </p:cNvPr>
@@ -4383,7 +4384,7 @@
           <p:cNvPr id="9" name="그림 8">
             <a:extLst>
               <a:ext uri="{FF2B5EF4-FFF2-40B4-BE49-F238E27FC236}">
-                <a16:creationId xmlns:a16="http://schemas.microsoft.com/office/drawing/2014/main" xmlns="" id="{0F0992E8-2696-42E6-805A-0C12780D8FA1}"/>
+                <a16:creationId xmlns="" xmlns:a16="http://schemas.microsoft.com/office/drawing/2014/main" id="{0F0992E8-2696-42E6-805A-0C12780D8FA1}"/>
               </a:ext>
             </a:extLst>
           </p:cNvPr>
@@ -4687,7 +4688,7 @@
           <p:cNvPr id="2" name="직사각형 1">
             <a:extLst>
               <a:ext uri="{FF2B5EF4-FFF2-40B4-BE49-F238E27FC236}">
-                <a16:creationId xmlns:a16="http://schemas.microsoft.com/office/drawing/2014/main" xmlns="" id="{8E5B996D-DF87-49E5-95D1-45B1EEB9EE9A}"/>
+                <a16:creationId xmlns="" xmlns:a16="http://schemas.microsoft.com/office/drawing/2014/main" id="{8E5B996D-DF87-49E5-95D1-45B1EEB9EE9A}"/>
               </a:ext>
             </a:extLst>
           </p:cNvPr>
@@ -4739,7 +4740,7 @@
           <p:cNvPr id="4" name="직사각형 3">
             <a:extLst>
               <a:ext uri="{FF2B5EF4-FFF2-40B4-BE49-F238E27FC236}">
-                <a16:creationId xmlns:a16="http://schemas.microsoft.com/office/drawing/2014/main" xmlns="" id="{080CEE4E-4BCA-42C3-BECA-9BCEB9931EEA}"/>
+                <a16:creationId xmlns="" xmlns:a16="http://schemas.microsoft.com/office/drawing/2014/main" id="{080CEE4E-4BCA-42C3-BECA-9BCEB9931EEA}"/>
               </a:ext>
             </a:extLst>
           </p:cNvPr>
@@ -4791,7 +4792,7 @@
           <p:cNvPr id="5" name="TextBox 4">
             <a:extLst>
               <a:ext uri="{FF2B5EF4-FFF2-40B4-BE49-F238E27FC236}">
-                <a16:creationId xmlns:a16="http://schemas.microsoft.com/office/drawing/2014/main" xmlns="" id="{D12B0B12-AB99-4F88-B4B2-948DADC833EA}"/>
+                <a16:creationId xmlns="" xmlns:a16="http://schemas.microsoft.com/office/drawing/2014/main" id="{D12B0B12-AB99-4F88-B4B2-948DADC833EA}"/>
               </a:ext>
             </a:extLst>
           </p:cNvPr>
@@ -4910,7 +4911,7 @@
           <p:cNvPr id="9" name="그림 8">
             <a:extLst>
               <a:ext uri="{FF2B5EF4-FFF2-40B4-BE49-F238E27FC236}">
-                <a16:creationId xmlns:a16="http://schemas.microsoft.com/office/drawing/2014/main" xmlns="" id="{0F0992E8-2696-42E6-805A-0C12780D8FA1}"/>
+                <a16:creationId xmlns="" xmlns:a16="http://schemas.microsoft.com/office/drawing/2014/main" id="{0F0992E8-2696-42E6-805A-0C12780D8FA1}"/>
               </a:ext>
             </a:extLst>
           </p:cNvPr>
@@ -4938,6 +4939,70 @@
           <a:prstGeom prst="rect">
             <a:avLst/>
           </a:prstGeom>
+        </p:spPr>
+      </p:pic>
+      <p:pic>
+        <p:nvPicPr>
+          <p:cNvPr id="1028" name="Picture 4"/>
+          <p:cNvPicPr>
+            <a:picLocks noChangeAspect="1" noChangeArrowheads="1"/>
+          </p:cNvPicPr>
+          <p:nvPr/>
+        </p:nvPicPr>
+        <p:blipFill>
+          <a:blip r:embed="rId3">
+            <a:extLst>
+              <a:ext uri="{28A0092B-C50C-407E-A947-70E740481C1C}">
+                <a14:useLocalDpi xmlns:a14="http://schemas.microsoft.com/office/drawing/2010/main" val="0"/>
+              </a:ext>
+            </a:extLst>
+          </a:blip>
+          <a:srcRect/>
+          <a:stretch>
+            <a:fillRect/>
+          </a:stretch>
+        </p:blipFill>
+        <p:spPr bwMode="auto">
+          <a:xfrm>
+            <a:off x="696000" y="1167030"/>
+            <a:ext cx="10800000" cy="4822111"/>
+          </a:xfrm>
+          <a:prstGeom prst="rect">
+            <a:avLst/>
+          </a:prstGeom>
+          <a:noFill/>
+          <a:ln>
+            <a:noFill/>
+          </a:ln>
+          <a:effectLst/>
+          <a:extLst>
+            <a:ext uri="{909E8E84-426E-40DD-AFC4-6F175D3DCCD1}">
+              <a14:hiddenFill xmlns:a14="http://schemas.microsoft.com/office/drawing/2010/main">
+                <a:solidFill>
+                  <a:schemeClr val="accent1"/>
+                </a:solidFill>
+              </a14:hiddenFill>
+            </a:ext>
+            <a:ext uri="{91240B29-F687-4F45-9708-019B960494DF}">
+              <a14:hiddenLine xmlns:a14="http://schemas.microsoft.com/office/drawing/2010/main" w="9525">
+                <a:solidFill>
+                  <a:schemeClr val="tx1"/>
+                </a:solidFill>
+                <a:miter lim="800000"/>
+                <a:headEnd/>
+                <a:tailEnd/>
+              </a14:hiddenLine>
+            </a:ext>
+            <a:ext uri="{AF507438-7753-43E0-B8FC-AC1667EBCBE1}">
+              <a14:hiddenEffects xmlns:a14="http://schemas.microsoft.com/office/drawing/2010/main">
+                <a:effectLst>
+                  <a:outerShdw dist="35921" dir="2700000" algn="ctr" rotWithShape="0">
+                    <a:schemeClr val="bg2"/>
+                  </a:outerShdw>
+                </a:effectLst>
+              </a14:hiddenEffects>
+            </a:ext>
+          </a:extLst>
         </p:spPr>
       </p:pic>
     </p:spTree>
@@ -4982,7 +5047,7 @@
           <p:cNvPr id="2" name="직사각형 1">
             <a:extLst>
               <a:ext uri="{FF2B5EF4-FFF2-40B4-BE49-F238E27FC236}">
-                <a16:creationId xmlns:a16="http://schemas.microsoft.com/office/drawing/2014/main" xmlns="" id="{8E5B996D-DF87-49E5-95D1-45B1EEB9EE9A}"/>
+                <a16:creationId xmlns="" xmlns:a16="http://schemas.microsoft.com/office/drawing/2014/main" id="{8E5B996D-DF87-49E5-95D1-45B1EEB9EE9A}"/>
               </a:ext>
             </a:extLst>
           </p:cNvPr>
@@ -5034,7 +5099,7 @@
           <p:cNvPr id="4" name="직사각형 3">
             <a:extLst>
               <a:ext uri="{FF2B5EF4-FFF2-40B4-BE49-F238E27FC236}">
-                <a16:creationId xmlns:a16="http://schemas.microsoft.com/office/drawing/2014/main" xmlns="" id="{080CEE4E-4BCA-42C3-BECA-9BCEB9931EEA}"/>
+                <a16:creationId xmlns="" xmlns:a16="http://schemas.microsoft.com/office/drawing/2014/main" id="{080CEE4E-4BCA-42C3-BECA-9BCEB9931EEA}"/>
               </a:ext>
             </a:extLst>
           </p:cNvPr>
@@ -5086,7 +5151,366 @@
           <p:cNvPr id="5" name="TextBox 4">
             <a:extLst>
               <a:ext uri="{FF2B5EF4-FFF2-40B4-BE49-F238E27FC236}">
-                <a16:creationId xmlns:a16="http://schemas.microsoft.com/office/drawing/2014/main" xmlns="" id="{D12B0B12-AB99-4F88-B4B2-948DADC833EA}"/>
+                <a16:creationId xmlns="" xmlns:a16="http://schemas.microsoft.com/office/drawing/2014/main" id="{D12B0B12-AB99-4F88-B4B2-948DADC833EA}"/>
+              </a:ext>
+            </a:extLst>
+          </p:cNvPr>
+          <p:cNvSpPr txBox="1"/>
+          <p:nvPr/>
+        </p:nvSpPr>
+        <p:spPr>
+          <a:xfrm>
+            <a:off x="844734" y="93113"/>
+            <a:ext cx="5271058" cy="769441"/>
+          </a:xfrm>
+          <a:prstGeom prst="rect">
+            <a:avLst/>
+          </a:prstGeom>
+          <a:noFill/>
+        </p:spPr>
+        <p:txBody>
+          <a:bodyPr wrap="none" rtlCol="0">
+            <a:spAutoFit/>
+          </a:bodyPr>
+          <a:lstStyle/>
+          <a:p>
+            <a:r>
+              <a:rPr kumimoji="1" lang="en-US" altLang="ja-JP" sz="4400" b="1" spc="-150" dirty="0">
+                <a:solidFill>
+                  <a:srgbClr val="FFCD2F"/>
+                </a:solidFill>
+                <a:effectLst>
+                  <a:outerShdw blurRad="38100" dist="38100" dir="2700000" algn="tl">
+                    <a:srgbClr val="000000">
+                      <a:alpha val="43137"/>
+                    </a:srgbClr>
+                  </a:outerShdw>
+                </a:effectLst>
+                <a:latin typeface="Calibri" panose="020F0502020204030204" pitchFamily="34" charset="0"/>
+                <a:cs typeface="Calibri" panose="020F0502020204030204" pitchFamily="34" charset="0"/>
+              </a:rPr>
+              <a:t>R</a:t>
+            </a:r>
+            <a:r>
+              <a:rPr kumimoji="1" lang="en-US" altLang="ja-JP" sz="4400" b="1" spc="-150" dirty="0">
+                <a:solidFill>
+                  <a:schemeClr val="accent1">
+                    <a:lumMod val="75000"/>
+                  </a:schemeClr>
+                </a:solidFill>
+                <a:effectLst>
+                  <a:outerShdw blurRad="38100" dist="38100" dir="2700000" algn="tl">
+                    <a:srgbClr val="000000">
+                      <a:alpha val="43137"/>
+                    </a:srgbClr>
+                  </a:outerShdw>
+                </a:effectLst>
+                <a:latin typeface="Calibri" panose="020F0502020204030204" pitchFamily="34" charset="0"/>
+                <a:cs typeface="Calibri" panose="020F0502020204030204" pitchFamily="34" charset="0"/>
+              </a:rPr>
+              <a:t>equirement </a:t>
+            </a:r>
+            <a:r>
+              <a:rPr kumimoji="1" lang="en-US" altLang="ja-JP" sz="4400" b="1" spc="-150" dirty="0">
+                <a:solidFill>
+                  <a:srgbClr val="FFCD2F"/>
+                </a:solidFill>
+                <a:effectLst>
+                  <a:outerShdw blurRad="38100" dist="38100" dir="2700000" algn="tl">
+                    <a:srgbClr val="000000">
+                      <a:alpha val="43137"/>
+                    </a:srgbClr>
+                  </a:outerShdw>
+                </a:effectLst>
+                <a:latin typeface="Calibri" panose="020F0502020204030204" pitchFamily="34" charset="0"/>
+                <a:cs typeface="Calibri" panose="020F0502020204030204" pitchFamily="34" charset="0"/>
+              </a:rPr>
+              <a:t>D</a:t>
+            </a:r>
+            <a:r>
+              <a:rPr kumimoji="1" lang="en-US" altLang="ja-JP" sz="4400" b="1" spc="-150" dirty="0">
+                <a:solidFill>
+                  <a:schemeClr val="accent1">
+                    <a:lumMod val="75000"/>
+                  </a:schemeClr>
+                </a:solidFill>
+                <a:effectLst>
+                  <a:outerShdw blurRad="38100" dist="38100" dir="2700000" algn="tl">
+                    <a:srgbClr val="000000">
+                      <a:alpha val="43137"/>
+                    </a:srgbClr>
+                  </a:outerShdw>
+                </a:effectLst>
+                <a:latin typeface="Calibri" panose="020F0502020204030204" pitchFamily="34" charset="0"/>
+                <a:cs typeface="Calibri" panose="020F0502020204030204" pitchFamily="34" charset="0"/>
+              </a:rPr>
+              <a:t>efinition</a:t>
+            </a:r>
+            <a:endParaRPr kumimoji="1" lang="ja-JP" altLang="en-US" sz="4400" b="1" spc="-150" dirty="0">
+              <a:solidFill>
+                <a:schemeClr val="accent1">
+                  <a:lumMod val="75000"/>
+                </a:schemeClr>
+              </a:solidFill>
+              <a:effectLst>
+                <a:outerShdw blurRad="38100" dist="38100" dir="2700000" algn="tl">
+                  <a:srgbClr val="000000">
+                    <a:alpha val="43137"/>
+                  </a:srgbClr>
+                </a:outerShdw>
+              </a:effectLst>
+              <a:latin typeface="Calibri" panose="020F0502020204030204" pitchFamily="34" charset="0"/>
+              <a:cs typeface="Calibri" panose="020F0502020204030204" pitchFamily="34" charset="0"/>
+            </a:endParaRPr>
+          </a:p>
+        </p:txBody>
+      </p:sp>
+      <p:pic>
+        <p:nvPicPr>
+          <p:cNvPr id="9" name="그림 8">
+            <a:extLst>
+              <a:ext uri="{FF2B5EF4-FFF2-40B4-BE49-F238E27FC236}">
+                <a16:creationId xmlns="" xmlns:a16="http://schemas.microsoft.com/office/drawing/2014/main" id="{0F0992E8-2696-42E6-805A-0C12780D8FA1}"/>
+              </a:ext>
+            </a:extLst>
+          </p:cNvPr>
+          <p:cNvPicPr>
+            <a:picLocks noChangeAspect="1"/>
+          </p:cNvPicPr>
+          <p:nvPr/>
+        </p:nvPicPr>
+        <p:blipFill>
+          <a:blip r:embed="rId2" cstate="print">
+            <a:extLst>
+              <a:ext uri="{28A0092B-C50C-407E-A947-70E740481C1C}">
+                <a14:useLocalDpi xmlns:a14="http://schemas.microsoft.com/office/drawing/2010/main" val="0"/>
+              </a:ext>
+            </a:extLst>
+          </a:blip>
+          <a:srcRect/>
+          <a:stretch/>
+        </p:blipFill>
+        <p:spPr>
+          <a:xfrm>
+            <a:off x="124734" y="117832"/>
+            <a:ext cx="720000" cy="720000"/>
+          </a:xfrm>
+          <a:prstGeom prst="rect">
+            <a:avLst/>
+          </a:prstGeom>
+        </p:spPr>
+      </p:pic>
+      <p:pic>
+        <p:nvPicPr>
+          <p:cNvPr id="2051" name="Picture 3"/>
+          <p:cNvPicPr>
+            <a:picLocks noChangeAspect="1" noChangeArrowheads="1"/>
+          </p:cNvPicPr>
+          <p:nvPr/>
+        </p:nvPicPr>
+        <p:blipFill>
+          <a:blip r:embed="rId3">
+            <a:extLst>
+              <a:ext uri="{28A0092B-C50C-407E-A947-70E740481C1C}">
+                <a14:useLocalDpi xmlns:a14="http://schemas.microsoft.com/office/drawing/2010/main" val="0"/>
+              </a:ext>
+            </a:extLst>
+          </a:blip>
+          <a:srcRect/>
+          <a:stretch>
+            <a:fillRect/>
+          </a:stretch>
+        </p:blipFill>
+        <p:spPr bwMode="auto">
+          <a:xfrm>
+            <a:off x="696000" y="1179869"/>
+            <a:ext cx="10800000" cy="4796433"/>
+          </a:xfrm>
+          <a:prstGeom prst="rect">
+            <a:avLst/>
+          </a:prstGeom>
+          <a:noFill/>
+          <a:ln>
+            <a:noFill/>
+          </a:ln>
+          <a:effectLst/>
+          <a:extLst>
+            <a:ext uri="{909E8E84-426E-40DD-AFC4-6F175D3DCCD1}">
+              <a14:hiddenFill xmlns:a14="http://schemas.microsoft.com/office/drawing/2010/main">
+                <a:solidFill>
+                  <a:schemeClr val="accent1"/>
+                </a:solidFill>
+              </a14:hiddenFill>
+            </a:ext>
+            <a:ext uri="{91240B29-F687-4F45-9708-019B960494DF}">
+              <a14:hiddenLine xmlns:a14="http://schemas.microsoft.com/office/drawing/2010/main" w="9525">
+                <a:solidFill>
+                  <a:schemeClr val="tx1"/>
+                </a:solidFill>
+                <a:miter lim="800000"/>
+                <a:headEnd/>
+                <a:tailEnd/>
+              </a14:hiddenLine>
+            </a:ext>
+            <a:ext uri="{AF507438-7753-43E0-B8FC-AC1667EBCBE1}">
+              <a14:hiddenEffects xmlns:a14="http://schemas.microsoft.com/office/drawing/2010/main">
+                <a:effectLst>
+                  <a:outerShdw dist="35921" dir="2700000" algn="ctr" rotWithShape="0">
+                    <a:schemeClr val="bg2"/>
+                  </a:outerShdw>
+                </a:effectLst>
+              </a14:hiddenEffects>
+            </a:ext>
+          </a:extLst>
+        </p:spPr>
+      </p:pic>
+    </p:spTree>
+    <p:extLst>
+      <p:ext uri="{BB962C8B-B14F-4D97-AF65-F5344CB8AC3E}">
+        <p14:creationId xmlns:p14="http://schemas.microsoft.com/office/powerpoint/2010/main" val="3880267528"/>
+      </p:ext>
+    </p:extLst>
+  </p:cSld>
+  <p:clrMapOvr>
+    <a:masterClrMapping/>
+  </p:clrMapOvr>
+  <p:timing>
+    <p:tnLst>
+      <p:par>
+        <p:cTn id="1" dur="indefinite" restart="never" nodeType="tmRoot"/>
+      </p:par>
+    </p:tnLst>
+  </p:timing>
+</p:sld>
+</file>
+
+<file path=ppt/slides/slide6.xml><?xml version="1.0" encoding="utf-8"?>
+<p:sld xmlns:a="http://schemas.openxmlformats.org/drawingml/2006/main" xmlns:r="http://schemas.openxmlformats.org/officeDocument/2006/relationships" xmlns:p="http://schemas.openxmlformats.org/presentationml/2006/main">
+  <p:cSld>
+    <p:spTree>
+      <p:nvGrpSpPr>
+        <p:cNvPr id="1" name=""/>
+        <p:cNvGrpSpPr/>
+        <p:nvPr/>
+      </p:nvGrpSpPr>
+      <p:grpSpPr>
+        <a:xfrm>
+          <a:off x="0" y="0"/>
+          <a:ext cx="0" cy="0"/>
+          <a:chOff x="0" y="0"/>
+          <a:chExt cx="0" cy="0"/>
+        </a:xfrm>
+      </p:grpSpPr>
+      <p:sp>
+        <p:nvSpPr>
+          <p:cNvPr id="2" name="직사각형 1">
+            <a:extLst>
+              <a:ext uri="{FF2B5EF4-FFF2-40B4-BE49-F238E27FC236}">
+                <a16:creationId xmlns="" xmlns:a16="http://schemas.microsoft.com/office/drawing/2014/main" id="{8E5B996D-DF87-49E5-95D1-45B1EEB9EE9A}"/>
+              </a:ext>
+            </a:extLst>
+          </p:cNvPr>
+          <p:cNvSpPr/>
+          <p:nvPr/>
+        </p:nvSpPr>
+        <p:spPr>
+          <a:xfrm>
+            <a:off x="0" y="0"/>
+            <a:ext cx="12192000" cy="108000"/>
+          </a:xfrm>
+          <a:prstGeom prst="rect">
+            <a:avLst/>
+          </a:prstGeom>
+          <a:solidFill>
+            <a:srgbClr val="FFD8D9"/>
+          </a:solidFill>
+          <a:ln>
+            <a:noFill/>
+          </a:ln>
+        </p:spPr>
+        <p:style>
+          <a:lnRef idx="2">
+            <a:schemeClr val="accent1">
+              <a:shade val="50000"/>
+            </a:schemeClr>
+          </a:lnRef>
+          <a:fillRef idx="1">
+            <a:schemeClr val="accent1"/>
+          </a:fillRef>
+          <a:effectRef idx="0">
+            <a:schemeClr val="accent1"/>
+          </a:effectRef>
+          <a:fontRef idx="minor">
+            <a:schemeClr val="lt1"/>
+          </a:fontRef>
+        </p:style>
+        <p:txBody>
+          <a:bodyPr rtlCol="0" anchor="ctr"/>
+          <a:lstStyle/>
+          <a:p>
+            <a:pPr algn="ctr"/>
+            <a:endParaRPr lang="ko-KR" altLang="en-US"/>
+          </a:p>
+        </p:txBody>
+      </p:sp>
+      <p:sp>
+        <p:nvSpPr>
+          <p:cNvPr id="4" name="직사각형 3">
+            <a:extLst>
+              <a:ext uri="{FF2B5EF4-FFF2-40B4-BE49-F238E27FC236}">
+                <a16:creationId xmlns="" xmlns:a16="http://schemas.microsoft.com/office/drawing/2014/main" id="{080CEE4E-4BCA-42C3-BECA-9BCEB9931EEA}"/>
+              </a:ext>
+            </a:extLst>
+          </p:cNvPr>
+          <p:cNvSpPr/>
+          <p:nvPr/>
+        </p:nvSpPr>
+        <p:spPr>
+          <a:xfrm>
+            <a:off x="0" y="6750000"/>
+            <a:ext cx="12192000" cy="108000"/>
+          </a:xfrm>
+          <a:prstGeom prst="rect">
+            <a:avLst/>
+          </a:prstGeom>
+          <a:solidFill>
+            <a:srgbClr val="FFD8D9"/>
+          </a:solidFill>
+          <a:ln>
+            <a:noFill/>
+          </a:ln>
+        </p:spPr>
+        <p:style>
+          <a:lnRef idx="2">
+            <a:schemeClr val="accent1">
+              <a:shade val="50000"/>
+            </a:schemeClr>
+          </a:lnRef>
+          <a:fillRef idx="1">
+            <a:schemeClr val="accent1"/>
+          </a:fillRef>
+          <a:effectRef idx="0">
+            <a:schemeClr val="accent1"/>
+          </a:effectRef>
+          <a:fontRef idx="minor">
+            <a:schemeClr val="lt1"/>
+          </a:fontRef>
+        </p:style>
+        <p:txBody>
+          <a:bodyPr rtlCol="0" anchor="ctr"/>
+          <a:lstStyle/>
+          <a:p>
+            <a:pPr algn="ctr"/>
+            <a:endParaRPr lang="ko-KR" altLang="en-US"/>
+          </a:p>
+        </p:txBody>
+      </p:sp>
+      <p:sp>
+        <p:nvSpPr>
+          <p:cNvPr id="5" name="TextBox 4">
+            <a:extLst>
+              <a:ext uri="{FF2B5EF4-FFF2-40B4-BE49-F238E27FC236}">
+                <a16:creationId xmlns="" xmlns:a16="http://schemas.microsoft.com/office/drawing/2014/main" id="{D12B0B12-AB99-4F88-B4B2-948DADC833EA}"/>
               </a:ext>
             </a:extLst>
           </p:cNvPr>
@@ -5205,7 +5629,7 @@
           <p:cNvPr id="9" name="그림 8">
             <a:extLst>
               <a:ext uri="{FF2B5EF4-FFF2-40B4-BE49-F238E27FC236}">
-                <a16:creationId xmlns:a16="http://schemas.microsoft.com/office/drawing/2014/main" xmlns="" id="{0F0992E8-2696-42E6-805A-0C12780D8FA1}"/>
+                <a16:creationId xmlns="" xmlns:a16="http://schemas.microsoft.com/office/drawing/2014/main" id="{0F0992E8-2696-42E6-805A-0C12780D8FA1}"/>
               </a:ext>
             </a:extLst>
           </p:cNvPr>
@@ -5256,7 +5680,7 @@
 </p:sld>
 </file>
 
-<file path=ppt/slides/slide6.xml><?xml version="1.0" encoding="utf-8"?>
+<file path=ppt/slides/slide7.xml><?xml version="1.0" encoding="utf-8"?>
 <p:sld xmlns:a="http://schemas.openxmlformats.org/drawingml/2006/main" xmlns:r="http://schemas.openxmlformats.org/officeDocument/2006/relationships" xmlns:p="http://schemas.openxmlformats.org/presentationml/2006/main">
   <p:cSld>
     <p:spTree>
@@ -5278,7 +5702,7 @@
           <p:cNvPr id="2" name="직사각형 1">
             <a:extLst>
               <a:ext uri="{FF2B5EF4-FFF2-40B4-BE49-F238E27FC236}">
-                <a16:creationId xmlns:a16="http://schemas.microsoft.com/office/drawing/2014/main" xmlns="" id="{8E5B996D-DF87-49E5-95D1-45B1EEB9EE9A}"/>
+                <a16:creationId xmlns="" xmlns:a16="http://schemas.microsoft.com/office/drawing/2014/main" id="{8E5B996D-DF87-49E5-95D1-45B1EEB9EE9A}"/>
               </a:ext>
             </a:extLst>
           </p:cNvPr>
@@ -5330,7 +5754,7 @@
           <p:cNvPr id="4" name="직사각형 3">
             <a:extLst>
               <a:ext uri="{FF2B5EF4-FFF2-40B4-BE49-F238E27FC236}">
-                <a16:creationId xmlns:a16="http://schemas.microsoft.com/office/drawing/2014/main" xmlns="" id="{080CEE4E-4BCA-42C3-BECA-9BCEB9931EEA}"/>
+                <a16:creationId xmlns="" xmlns:a16="http://schemas.microsoft.com/office/drawing/2014/main" id="{080CEE4E-4BCA-42C3-BECA-9BCEB9931EEA}"/>
               </a:ext>
             </a:extLst>
           </p:cNvPr>
@@ -5382,7 +5806,7 @@
           <p:cNvPr id="5" name="TextBox 4">
             <a:extLst>
               <a:ext uri="{FF2B5EF4-FFF2-40B4-BE49-F238E27FC236}">
-                <a16:creationId xmlns:a16="http://schemas.microsoft.com/office/drawing/2014/main" xmlns="" id="{D12B0B12-AB99-4F88-B4B2-948DADC833EA}"/>
+                <a16:creationId xmlns="" xmlns:a16="http://schemas.microsoft.com/office/drawing/2014/main" id="{D12B0B12-AB99-4F88-B4B2-948DADC833EA}"/>
               </a:ext>
             </a:extLst>
           </p:cNvPr>
@@ -5501,7 +5925,7 @@
           <p:cNvPr id="9" name="그림 8">
             <a:extLst>
               <a:ext uri="{FF2B5EF4-FFF2-40B4-BE49-F238E27FC236}">
-                <a16:creationId xmlns:a16="http://schemas.microsoft.com/office/drawing/2014/main" xmlns="" id="{0F0992E8-2696-42E6-805A-0C12780D8FA1}"/>
+                <a16:creationId xmlns="" xmlns:a16="http://schemas.microsoft.com/office/drawing/2014/main" id="{0F0992E8-2696-42E6-805A-0C12780D8FA1}"/>
               </a:ext>
             </a:extLst>
           </p:cNvPr>
@@ -5880,7 +6304,7 @@
 </p:sld>
 </file>
 
-<file path=ppt/slides/slide7.xml><?xml version="1.0" encoding="utf-8"?>
+<file path=ppt/slides/slide8.xml><?xml version="1.0" encoding="utf-8"?>
 <p:sld xmlns:a="http://schemas.openxmlformats.org/drawingml/2006/main" xmlns:r="http://schemas.openxmlformats.org/officeDocument/2006/relationships" xmlns:p="http://schemas.openxmlformats.org/presentationml/2006/main">
   <p:cSld>
     <p:bg>
@@ -5910,7 +6334,7 @@
           <p:cNvPr id="4" name="그림 3" descr="실내, 사람이(가) 표시된 사진&#10;&#10;자동 생성된 설명">
             <a:extLst>
               <a:ext uri="{FF2B5EF4-FFF2-40B4-BE49-F238E27FC236}">
-                <a16:creationId xmlns:a16="http://schemas.microsoft.com/office/drawing/2014/main" xmlns="" id="{4D077A45-DF2B-4618-9394-A141B13B1420}"/>
+                <a16:creationId xmlns="" xmlns:a16="http://schemas.microsoft.com/office/drawing/2014/main" id="{4D077A45-DF2B-4618-9394-A141B13B1420}"/>
               </a:ext>
             </a:extLst>
           </p:cNvPr>
@@ -5946,7 +6370,7 @@
           <p:cNvPr id="5" name="TextBox 4">
             <a:extLst>
               <a:ext uri="{FF2B5EF4-FFF2-40B4-BE49-F238E27FC236}">
-                <a16:creationId xmlns:a16="http://schemas.microsoft.com/office/drawing/2014/main" xmlns="" id="{23D82F33-5629-4A89-96F7-5348A5E7BF64}"/>
+                <a16:creationId xmlns="" xmlns:a16="http://schemas.microsoft.com/office/drawing/2014/main" id="{23D82F33-5629-4A89-96F7-5348A5E7BF64}"/>
               </a:ext>
             </a:extLst>
           </p:cNvPr>
@@ -6316,7 +6740,7 @@
   <a:extraClrSchemeLst/>
   <a:extLst>
     <a:ext uri="{05A4C25C-085E-4340-85A3-A5531E510DB2}">
-      <thm15:themeFamily xmlns:thm15="http://schemas.microsoft.com/office/thememl/2012/main" xmlns="" name="Office Theme" id="{62F939B6-93AF-4DB8-9C6B-D6C7DFDC589F}" vid="{4A3C46E8-61CC-4603-A589-7422A47A8E4A}"/>
+      <thm15:themeFamily xmlns="" xmlns:thm15="http://schemas.microsoft.com/office/thememl/2012/main" name="Office Theme" id="{62F939B6-93AF-4DB8-9C6B-D6C7DFDC589F}" vid="{4A3C46E8-61CC-4603-A589-7422A47A8E4A}"/>
     </a:ext>
   </a:extLst>
 </a:theme>

--- a/반려동물관리서비스.pptx
+++ b/반려동물관리서비스.pptx
@@ -5407,60 +5407,6 @@
           </a:p>
         </p:txBody>
       </p:sp>
-      <p:sp>
-        <p:nvSpPr>
-          <p:cNvPr id="53" name="직사각형 52">
-            <a:extLst>
-              <a:ext uri="{FF2B5EF4-FFF2-40B4-BE49-F238E27FC236}">
-                <a16:creationId xmlns:a16="http://schemas.microsoft.com/office/drawing/2014/main" id="{D47A0DF5-CA84-4554-81E3-2D51D35F259C}"/>
-              </a:ext>
-            </a:extLst>
-          </p:cNvPr>
-          <p:cNvSpPr/>
-          <p:nvPr/>
-        </p:nvSpPr>
-        <p:spPr>
-          <a:xfrm>
-            <a:off x="8892432" y="1870745"/>
-            <a:ext cx="224256" cy="209724"/>
-          </a:xfrm>
-          <a:prstGeom prst="rect">
-            <a:avLst/>
-          </a:prstGeom>
-          <a:solidFill>
-            <a:schemeClr val="bg1"/>
-          </a:solidFill>
-          <a:ln>
-            <a:solidFill>
-              <a:schemeClr val="tx1"/>
-            </a:solidFill>
-          </a:ln>
-        </p:spPr>
-        <p:style>
-          <a:lnRef idx="2">
-            <a:schemeClr val="accent1">
-              <a:shade val="50000"/>
-            </a:schemeClr>
-          </a:lnRef>
-          <a:fillRef idx="1">
-            <a:schemeClr val="accent1"/>
-          </a:fillRef>
-          <a:effectRef idx="0">
-            <a:schemeClr val="accent1"/>
-          </a:effectRef>
-          <a:fontRef idx="minor">
-            <a:schemeClr val="lt1"/>
-          </a:fontRef>
-        </p:style>
-        <p:txBody>
-          <a:bodyPr rtlCol="0" anchor="ctr"/>
-          <a:lstStyle/>
-          <a:p>
-            <a:pPr algn="ctr"/>
-            <a:endParaRPr lang="ko-KR" altLang="en-US" dirty="0"/>
-          </a:p>
-        </p:txBody>
-      </p:sp>
       <p:cxnSp>
         <p:nvCxnSpPr>
           <p:cNvPr id="54" name="직선 연결선 53">
@@ -5504,10 +5450,10 @@
       </p:cxnSp>
       <p:cxnSp>
         <p:nvCxnSpPr>
-          <p:cNvPr id="55" name="직선 화살표 연결선 54">
-            <a:extLst>
-              <a:ext uri="{FF2B5EF4-FFF2-40B4-BE49-F238E27FC236}">
-                <a16:creationId xmlns:a16="http://schemas.microsoft.com/office/drawing/2014/main" id="{C6189FF7-B2B4-4F58-A62C-4552AA855088}"/>
+          <p:cNvPr id="57" name="직선 화살표 연결선 56">
+            <a:extLst>
+              <a:ext uri="{FF2B5EF4-FFF2-40B4-BE49-F238E27FC236}">
+                <a16:creationId xmlns:a16="http://schemas.microsoft.com/office/drawing/2014/main" id="{6ADB57C1-71A6-460D-8130-56C2C112542B}"/>
               </a:ext>
             </a:extLst>
           </p:cNvPr>
@@ -5518,7 +5464,7 @@
         </p:nvCxnSpPr>
         <p:spPr>
           <a:xfrm>
-            <a:off x="9004560" y="1535185"/>
+            <a:off x="11116349" y="1535185"/>
             <a:ext cx="0" cy="461394"/>
           </a:xfrm>
           <a:prstGeom prst="straightConnector1">
@@ -5546,86 +5492,6 @@
           </a:fontRef>
         </p:style>
       </p:cxnSp>
-      <p:cxnSp>
-        <p:nvCxnSpPr>
-          <p:cNvPr id="57" name="직선 화살표 연결선 56">
-            <a:extLst>
-              <a:ext uri="{FF2B5EF4-FFF2-40B4-BE49-F238E27FC236}">
-                <a16:creationId xmlns:a16="http://schemas.microsoft.com/office/drawing/2014/main" id="{6ADB57C1-71A6-460D-8130-56C2C112542B}"/>
-              </a:ext>
-            </a:extLst>
-          </p:cNvPr>
-          <p:cNvCxnSpPr>
-            <a:cxnSpLocks/>
-          </p:cNvCxnSpPr>
-          <p:nvPr/>
-        </p:nvCxnSpPr>
-        <p:spPr>
-          <a:xfrm>
-            <a:off x="11116349" y="1535185"/>
-            <a:ext cx="0" cy="461394"/>
-          </a:xfrm>
-          <a:prstGeom prst="straightConnector1">
-            <a:avLst/>
-          </a:prstGeom>
-          <a:ln>
-            <a:solidFill>
-              <a:srgbClr val="FF0000"/>
-            </a:solidFill>
-            <a:tailEnd type="triangle"/>
-          </a:ln>
-        </p:spPr>
-        <p:style>
-          <a:lnRef idx="1">
-            <a:schemeClr val="accent2"/>
-          </a:lnRef>
-          <a:fillRef idx="0">
-            <a:schemeClr val="accent2"/>
-          </a:fillRef>
-          <a:effectRef idx="0">
-            <a:schemeClr val="accent2"/>
-          </a:effectRef>
-          <a:fontRef idx="minor">
-            <a:schemeClr val="tx1"/>
-          </a:fontRef>
-        </p:style>
-      </p:cxnSp>
-      <p:sp>
-        <p:nvSpPr>
-          <p:cNvPr id="58" name="TextBox 57">
-            <a:extLst>
-              <a:ext uri="{FF2B5EF4-FFF2-40B4-BE49-F238E27FC236}">
-                <a16:creationId xmlns:a16="http://schemas.microsoft.com/office/drawing/2014/main" id="{CDE1AA9D-8128-4666-8D15-1D04133230F9}"/>
-              </a:ext>
-            </a:extLst>
-          </p:cNvPr>
-          <p:cNvSpPr txBox="1"/>
-          <p:nvPr/>
-        </p:nvSpPr>
-        <p:spPr>
-          <a:xfrm>
-            <a:off x="8707491" y="1354305"/>
-            <a:ext cx="595618" cy="215444"/>
-          </a:xfrm>
-          <a:prstGeom prst="rect">
-            <a:avLst/>
-          </a:prstGeom>
-          <a:noFill/>
-        </p:spPr>
-        <p:txBody>
-          <a:bodyPr wrap="square" rtlCol="0">
-            <a:spAutoFit/>
-          </a:bodyPr>
-          <a:lstStyle/>
-          <a:p>
-            <a:r>
-              <a:rPr lang="ko-KR" altLang="en-US" sz="800" dirty="0" err="1"/>
-              <a:t>마이시터</a:t>
-            </a:r>
-            <a:endParaRPr lang="ko-KR" altLang="en-US" sz="800" dirty="0"/>
-          </a:p>
-        </p:txBody>
-      </p:sp>
       <p:sp>
         <p:nvSpPr>
           <p:cNvPr id="60" name="TextBox 59">
@@ -7466,60 +7332,6 @@
           </a:p>
         </p:txBody>
       </p:sp>
-      <p:sp>
-        <p:nvSpPr>
-          <p:cNvPr id="49" name="직사각형 48">
-            <a:extLst>
-              <a:ext uri="{FF2B5EF4-FFF2-40B4-BE49-F238E27FC236}">
-                <a16:creationId xmlns:a16="http://schemas.microsoft.com/office/drawing/2014/main" id="{D47A0DF5-CA84-4554-81E3-2D51D35F259C}"/>
-              </a:ext>
-            </a:extLst>
-          </p:cNvPr>
-          <p:cNvSpPr/>
-          <p:nvPr/>
-        </p:nvSpPr>
-        <p:spPr>
-          <a:xfrm>
-            <a:off x="8892432" y="1870745"/>
-            <a:ext cx="224256" cy="209724"/>
-          </a:xfrm>
-          <a:prstGeom prst="rect">
-            <a:avLst/>
-          </a:prstGeom>
-          <a:solidFill>
-            <a:schemeClr val="bg1"/>
-          </a:solidFill>
-          <a:ln>
-            <a:solidFill>
-              <a:schemeClr val="tx1"/>
-            </a:solidFill>
-          </a:ln>
-        </p:spPr>
-        <p:style>
-          <a:lnRef idx="2">
-            <a:schemeClr val="accent1">
-              <a:shade val="50000"/>
-            </a:schemeClr>
-          </a:lnRef>
-          <a:fillRef idx="1">
-            <a:schemeClr val="accent1"/>
-          </a:fillRef>
-          <a:effectRef idx="0">
-            <a:schemeClr val="accent1"/>
-          </a:effectRef>
-          <a:fontRef idx="minor">
-            <a:schemeClr val="lt1"/>
-          </a:fontRef>
-        </p:style>
-        <p:txBody>
-          <a:bodyPr rtlCol="0" anchor="ctr"/>
-          <a:lstStyle/>
-          <a:p>
-            <a:pPr algn="ctr"/>
-            <a:endParaRPr lang="ko-KR" altLang="en-US" dirty="0"/>
-          </a:p>
-        </p:txBody>
-      </p:sp>
       <p:cxnSp>
         <p:nvCxnSpPr>
           <p:cNvPr id="50" name="직선 연결선 49">
@@ -7563,10 +7375,10 @@
       </p:cxnSp>
       <p:cxnSp>
         <p:nvCxnSpPr>
-          <p:cNvPr id="51" name="직선 화살표 연결선 50">
-            <a:extLst>
-              <a:ext uri="{FF2B5EF4-FFF2-40B4-BE49-F238E27FC236}">
-                <a16:creationId xmlns:a16="http://schemas.microsoft.com/office/drawing/2014/main" id="{C6189FF7-B2B4-4F58-A62C-4552AA855088}"/>
+          <p:cNvPr id="53" name="직선 화살표 연결선 52">
+            <a:extLst>
+              <a:ext uri="{FF2B5EF4-FFF2-40B4-BE49-F238E27FC236}">
+                <a16:creationId xmlns:a16="http://schemas.microsoft.com/office/drawing/2014/main" id="{6ADB57C1-71A6-460D-8130-56C2C112542B}"/>
               </a:ext>
             </a:extLst>
           </p:cNvPr>
@@ -7577,7 +7389,7 @@
         </p:nvCxnSpPr>
         <p:spPr>
           <a:xfrm>
-            <a:off x="9004560" y="1535185"/>
+            <a:off x="11116349" y="1535185"/>
             <a:ext cx="0" cy="461394"/>
           </a:xfrm>
           <a:prstGeom prst="straightConnector1">
@@ -7605,86 +7417,6 @@
           </a:fontRef>
         </p:style>
       </p:cxnSp>
-      <p:cxnSp>
-        <p:nvCxnSpPr>
-          <p:cNvPr id="53" name="직선 화살표 연결선 52">
-            <a:extLst>
-              <a:ext uri="{FF2B5EF4-FFF2-40B4-BE49-F238E27FC236}">
-                <a16:creationId xmlns:a16="http://schemas.microsoft.com/office/drawing/2014/main" id="{6ADB57C1-71A6-460D-8130-56C2C112542B}"/>
-              </a:ext>
-            </a:extLst>
-          </p:cNvPr>
-          <p:cNvCxnSpPr>
-            <a:cxnSpLocks/>
-          </p:cNvCxnSpPr>
-          <p:nvPr/>
-        </p:nvCxnSpPr>
-        <p:spPr>
-          <a:xfrm>
-            <a:off x="11116349" y="1535185"/>
-            <a:ext cx="0" cy="461394"/>
-          </a:xfrm>
-          <a:prstGeom prst="straightConnector1">
-            <a:avLst/>
-          </a:prstGeom>
-          <a:ln>
-            <a:solidFill>
-              <a:srgbClr val="FF0000"/>
-            </a:solidFill>
-            <a:tailEnd type="triangle"/>
-          </a:ln>
-        </p:spPr>
-        <p:style>
-          <a:lnRef idx="1">
-            <a:schemeClr val="accent2"/>
-          </a:lnRef>
-          <a:fillRef idx="0">
-            <a:schemeClr val="accent2"/>
-          </a:fillRef>
-          <a:effectRef idx="0">
-            <a:schemeClr val="accent2"/>
-          </a:effectRef>
-          <a:fontRef idx="minor">
-            <a:schemeClr val="tx1"/>
-          </a:fontRef>
-        </p:style>
-      </p:cxnSp>
-      <p:sp>
-        <p:nvSpPr>
-          <p:cNvPr id="54" name="TextBox 53">
-            <a:extLst>
-              <a:ext uri="{FF2B5EF4-FFF2-40B4-BE49-F238E27FC236}">
-                <a16:creationId xmlns:a16="http://schemas.microsoft.com/office/drawing/2014/main" id="{CDE1AA9D-8128-4666-8D15-1D04133230F9}"/>
-              </a:ext>
-            </a:extLst>
-          </p:cNvPr>
-          <p:cNvSpPr txBox="1"/>
-          <p:nvPr/>
-        </p:nvSpPr>
-        <p:spPr>
-          <a:xfrm>
-            <a:off x="8707491" y="1354305"/>
-            <a:ext cx="595618" cy="215444"/>
-          </a:xfrm>
-          <a:prstGeom prst="rect">
-            <a:avLst/>
-          </a:prstGeom>
-          <a:noFill/>
-        </p:spPr>
-        <p:txBody>
-          <a:bodyPr wrap="square" rtlCol="0">
-            <a:spAutoFit/>
-          </a:bodyPr>
-          <a:lstStyle/>
-          <a:p>
-            <a:r>
-              <a:rPr lang="ko-KR" altLang="en-US" sz="800" dirty="0" err="1"/>
-              <a:t>마이시터</a:t>
-            </a:r>
-            <a:endParaRPr lang="ko-KR" altLang="en-US" sz="800" dirty="0"/>
-          </a:p>
-        </p:txBody>
-      </p:sp>
       <p:sp>
         <p:nvSpPr>
           <p:cNvPr id="56" name="TextBox 55">
@@ -9103,60 +8835,6 @@
           </a:p>
         </p:txBody>
       </p:sp>
-      <p:sp>
-        <p:nvSpPr>
-          <p:cNvPr id="49" name="직사각형 48">
-            <a:extLst>
-              <a:ext uri="{FF2B5EF4-FFF2-40B4-BE49-F238E27FC236}">
-                <a16:creationId xmlns:a16="http://schemas.microsoft.com/office/drawing/2014/main" id="{D47A0DF5-CA84-4554-81E3-2D51D35F259C}"/>
-              </a:ext>
-            </a:extLst>
-          </p:cNvPr>
-          <p:cNvSpPr/>
-          <p:nvPr/>
-        </p:nvSpPr>
-        <p:spPr>
-          <a:xfrm>
-            <a:off x="8892432" y="1870745"/>
-            <a:ext cx="224256" cy="209724"/>
-          </a:xfrm>
-          <a:prstGeom prst="rect">
-            <a:avLst/>
-          </a:prstGeom>
-          <a:solidFill>
-            <a:schemeClr val="bg1"/>
-          </a:solidFill>
-          <a:ln>
-            <a:solidFill>
-              <a:schemeClr val="tx1"/>
-            </a:solidFill>
-          </a:ln>
-        </p:spPr>
-        <p:style>
-          <a:lnRef idx="2">
-            <a:schemeClr val="accent1">
-              <a:shade val="50000"/>
-            </a:schemeClr>
-          </a:lnRef>
-          <a:fillRef idx="1">
-            <a:schemeClr val="accent1"/>
-          </a:fillRef>
-          <a:effectRef idx="0">
-            <a:schemeClr val="accent1"/>
-          </a:effectRef>
-          <a:fontRef idx="minor">
-            <a:schemeClr val="lt1"/>
-          </a:fontRef>
-        </p:style>
-        <p:txBody>
-          <a:bodyPr rtlCol="0" anchor="ctr"/>
-          <a:lstStyle/>
-          <a:p>
-            <a:pPr algn="ctr"/>
-            <a:endParaRPr lang="ko-KR" altLang="en-US" dirty="0"/>
-          </a:p>
-        </p:txBody>
-      </p:sp>
       <p:cxnSp>
         <p:nvCxnSpPr>
           <p:cNvPr id="50" name="직선 연결선 49">
@@ -9200,10 +8878,10 @@
       </p:cxnSp>
       <p:cxnSp>
         <p:nvCxnSpPr>
-          <p:cNvPr id="51" name="직선 화살표 연결선 50">
-            <a:extLst>
-              <a:ext uri="{FF2B5EF4-FFF2-40B4-BE49-F238E27FC236}">
-                <a16:creationId xmlns:a16="http://schemas.microsoft.com/office/drawing/2014/main" id="{C6189FF7-B2B4-4F58-A62C-4552AA855088}"/>
+          <p:cNvPr id="53" name="직선 화살표 연결선 52">
+            <a:extLst>
+              <a:ext uri="{FF2B5EF4-FFF2-40B4-BE49-F238E27FC236}">
+                <a16:creationId xmlns:a16="http://schemas.microsoft.com/office/drawing/2014/main" id="{6ADB57C1-71A6-460D-8130-56C2C112542B}"/>
               </a:ext>
             </a:extLst>
           </p:cNvPr>
@@ -9214,7 +8892,7 @@
         </p:nvCxnSpPr>
         <p:spPr>
           <a:xfrm>
-            <a:off x="9004560" y="1535185"/>
+            <a:off x="11116349" y="1535185"/>
             <a:ext cx="0" cy="461394"/>
           </a:xfrm>
           <a:prstGeom prst="straightConnector1">
@@ -9242,86 +8920,6 @@
           </a:fontRef>
         </p:style>
       </p:cxnSp>
-      <p:cxnSp>
-        <p:nvCxnSpPr>
-          <p:cNvPr id="53" name="직선 화살표 연결선 52">
-            <a:extLst>
-              <a:ext uri="{FF2B5EF4-FFF2-40B4-BE49-F238E27FC236}">
-                <a16:creationId xmlns:a16="http://schemas.microsoft.com/office/drawing/2014/main" id="{6ADB57C1-71A6-460D-8130-56C2C112542B}"/>
-              </a:ext>
-            </a:extLst>
-          </p:cNvPr>
-          <p:cNvCxnSpPr>
-            <a:cxnSpLocks/>
-          </p:cNvCxnSpPr>
-          <p:nvPr/>
-        </p:nvCxnSpPr>
-        <p:spPr>
-          <a:xfrm>
-            <a:off x="11116349" y="1535185"/>
-            <a:ext cx="0" cy="461394"/>
-          </a:xfrm>
-          <a:prstGeom prst="straightConnector1">
-            <a:avLst/>
-          </a:prstGeom>
-          <a:ln>
-            <a:solidFill>
-              <a:srgbClr val="FF0000"/>
-            </a:solidFill>
-            <a:tailEnd type="triangle"/>
-          </a:ln>
-        </p:spPr>
-        <p:style>
-          <a:lnRef idx="1">
-            <a:schemeClr val="accent2"/>
-          </a:lnRef>
-          <a:fillRef idx="0">
-            <a:schemeClr val="accent2"/>
-          </a:fillRef>
-          <a:effectRef idx="0">
-            <a:schemeClr val="accent2"/>
-          </a:effectRef>
-          <a:fontRef idx="minor">
-            <a:schemeClr val="tx1"/>
-          </a:fontRef>
-        </p:style>
-      </p:cxnSp>
-      <p:sp>
-        <p:nvSpPr>
-          <p:cNvPr id="54" name="TextBox 53">
-            <a:extLst>
-              <a:ext uri="{FF2B5EF4-FFF2-40B4-BE49-F238E27FC236}">
-                <a16:creationId xmlns:a16="http://schemas.microsoft.com/office/drawing/2014/main" id="{CDE1AA9D-8128-4666-8D15-1D04133230F9}"/>
-              </a:ext>
-            </a:extLst>
-          </p:cNvPr>
-          <p:cNvSpPr txBox="1"/>
-          <p:nvPr/>
-        </p:nvSpPr>
-        <p:spPr>
-          <a:xfrm>
-            <a:off x="8707491" y="1354305"/>
-            <a:ext cx="595618" cy="215444"/>
-          </a:xfrm>
-          <a:prstGeom prst="rect">
-            <a:avLst/>
-          </a:prstGeom>
-          <a:noFill/>
-        </p:spPr>
-        <p:txBody>
-          <a:bodyPr wrap="square" rtlCol="0">
-            <a:spAutoFit/>
-          </a:bodyPr>
-          <a:lstStyle/>
-          <a:p>
-            <a:r>
-              <a:rPr lang="ko-KR" altLang="en-US" sz="800" dirty="0" err="1"/>
-              <a:t>마이시터</a:t>
-            </a:r>
-            <a:endParaRPr lang="ko-KR" altLang="en-US" sz="800" dirty="0"/>
-          </a:p>
-        </p:txBody>
-      </p:sp>
       <p:sp>
         <p:nvSpPr>
           <p:cNvPr id="56" name="TextBox 55">
@@ -13769,60 +13367,6 @@
           </a:p>
         </p:txBody>
       </p:sp>
-      <p:sp>
-        <p:nvSpPr>
-          <p:cNvPr id="144" name="직사각형 143">
-            <a:extLst>
-              <a:ext uri="{FF2B5EF4-FFF2-40B4-BE49-F238E27FC236}">
-                <a16:creationId xmlns:a16="http://schemas.microsoft.com/office/drawing/2014/main" id="{D47A0DF5-CA84-4554-81E3-2D51D35F259C}"/>
-              </a:ext>
-            </a:extLst>
-          </p:cNvPr>
-          <p:cNvSpPr/>
-          <p:nvPr/>
-        </p:nvSpPr>
-        <p:spPr>
-          <a:xfrm>
-            <a:off x="8892432" y="1870745"/>
-            <a:ext cx="224256" cy="209724"/>
-          </a:xfrm>
-          <a:prstGeom prst="rect">
-            <a:avLst/>
-          </a:prstGeom>
-          <a:solidFill>
-            <a:schemeClr val="bg1"/>
-          </a:solidFill>
-          <a:ln>
-            <a:solidFill>
-              <a:schemeClr val="tx1"/>
-            </a:solidFill>
-          </a:ln>
-        </p:spPr>
-        <p:style>
-          <a:lnRef idx="2">
-            <a:schemeClr val="accent1">
-              <a:shade val="50000"/>
-            </a:schemeClr>
-          </a:lnRef>
-          <a:fillRef idx="1">
-            <a:schemeClr val="accent1"/>
-          </a:fillRef>
-          <a:effectRef idx="0">
-            <a:schemeClr val="accent1"/>
-          </a:effectRef>
-          <a:fontRef idx="minor">
-            <a:schemeClr val="lt1"/>
-          </a:fontRef>
-        </p:style>
-        <p:txBody>
-          <a:bodyPr rtlCol="0" anchor="ctr"/>
-          <a:lstStyle/>
-          <a:p>
-            <a:pPr algn="ctr"/>
-            <a:endParaRPr lang="ko-KR" altLang="en-US" dirty="0"/>
-          </a:p>
-        </p:txBody>
-      </p:sp>
       <p:cxnSp>
         <p:nvCxnSpPr>
           <p:cNvPr id="145" name="직선 연결선 144">
@@ -13866,10 +13410,10 @@
       </p:cxnSp>
       <p:cxnSp>
         <p:nvCxnSpPr>
-          <p:cNvPr id="146" name="직선 화살표 연결선 145">
-            <a:extLst>
-              <a:ext uri="{FF2B5EF4-FFF2-40B4-BE49-F238E27FC236}">
-                <a16:creationId xmlns:a16="http://schemas.microsoft.com/office/drawing/2014/main" id="{C6189FF7-B2B4-4F58-A62C-4552AA855088}"/>
+          <p:cNvPr id="148" name="직선 화살표 연결선 147">
+            <a:extLst>
+              <a:ext uri="{FF2B5EF4-FFF2-40B4-BE49-F238E27FC236}">
+                <a16:creationId xmlns:a16="http://schemas.microsoft.com/office/drawing/2014/main" id="{6ADB57C1-71A6-460D-8130-56C2C112542B}"/>
               </a:ext>
             </a:extLst>
           </p:cNvPr>
@@ -13880,7 +13424,7 @@
         </p:nvCxnSpPr>
         <p:spPr>
           <a:xfrm>
-            <a:off x="9004560" y="1535185"/>
+            <a:off x="11116349" y="1535185"/>
             <a:ext cx="0" cy="461394"/>
           </a:xfrm>
           <a:prstGeom prst="straightConnector1">
@@ -13908,86 +13452,6 @@
           </a:fontRef>
         </p:style>
       </p:cxnSp>
-      <p:cxnSp>
-        <p:nvCxnSpPr>
-          <p:cNvPr id="148" name="직선 화살표 연결선 147">
-            <a:extLst>
-              <a:ext uri="{FF2B5EF4-FFF2-40B4-BE49-F238E27FC236}">
-                <a16:creationId xmlns:a16="http://schemas.microsoft.com/office/drawing/2014/main" id="{6ADB57C1-71A6-460D-8130-56C2C112542B}"/>
-              </a:ext>
-            </a:extLst>
-          </p:cNvPr>
-          <p:cNvCxnSpPr>
-            <a:cxnSpLocks/>
-          </p:cNvCxnSpPr>
-          <p:nvPr/>
-        </p:nvCxnSpPr>
-        <p:spPr>
-          <a:xfrm>
-            <a:off x="11116349" y="1535185"/>
-            <a:ext cx="0" cy="461394"/>
-          </a:xfrm>
-          <a:prstGeom prst="straightConnector1">
-            <a:avLst/>
-          </a:prstGeom>
-          <a:ln>
-            <a:solidFill>
-              <a:srgbClr val="FF0000"/>
-            </a:solidFill>
-            <a:tailEnd type="triangle"/>
-          </a:ln>
-        </p:spPr>
-        <p:style>
-          <a:lnRef idx="1">
-            <a:schemeClr val="accent2"/>
-          </a:lnRef>
-          <a:fillRef idx="0">
-            <a:schemeClr val="accent2"/>
-          </a:fillRef>
-          <a:effectRef idx="0">
-            <a:schemeClr val="accent2"/>
-          </a:effectRef>
-          <a:fontRef idx="minor">
-            <a:schemeClr val="tx1"/>
-          </a:fontRef>
-        </p:style>
-      </p:cxnSp>
-      <p:sp>
-        <p:nvSpPr>
-          <p:cNvPr id="149" name="TextBox 148">
-            <a:extLst>
-              <a:ext uri="{FF2B5EF4-FFF2-40B4-BE49-F238E27FC236}">
-                <a16:creationId xmlns:a16="http://schemas.microsoft.com/office/drawing/2014/main" id="{CDE1AA9D-8128-4666-8D15-1D04133230F9}"/>
-              </a:ext>
-            </a:extLst>
-          </p:cNvPr>
-          <p:cNvSpPr txBox="1"/>
-          <p:nvPr/>
-        </p:nvSpPr>
-        <p:spPr>
-          <a:xfrm>
-            <a:off x="8707491" y="1354305"/>
-            <a:ext cx="595618" cy="215444"/>
-          </a:xfrm>
-          <a:prstGeom prst="rect">
-            <a:avLst/>
-          </a:prstGeom>
-          <a:noFill/>
-        </p:spPr>
-        <p:txBody>
-          <a:bodyPr wrap="square" rtlCol="0">
-            <a:spAutoFit/>
-          </a:bodyPr>
-          <a:lstStyle/>
-          <a:p>
-            <a:r>
-              <a:rPr lang="ko-KR" altLang="en-US" sz="800" dirty="0" err="1"/>
-              <a:t>마이시터</a:t>
-            </a:r>
-            <a:endParaRPr lang="ko-KR" altLang="en-US" sz="800" dirty="0"/>
-          </a:p>
-        </p:txBody>
-      </p:sp>
       <p:sp>
         <p:nvSpPr>
           <p:cNvPr id="151" name="TextBox 150">
@@ -15063,60 +14527,6 @@
           </a:p>
         </p:txBody>
       </p:sp>
-      <p:sp>
-        <p:nvSpPr>
-          <p:cNvPr id="48" name="직사각형 47">
-            <a:extLst>
-              <a:ext uri="{FF2B5EF4-FFF2-40B4-BE49-F238E27FC236}">
-                <a16:creationId xmlns:a16="http://schemas.microsoft.com/office/drawing/2014/main" id="{D47A0DF5-CA84-4554-81E3-2D51D35F259C}"/>
-              </a:ext>
-            </a:extLst>
-          </p:cNvPr>
-          <p:cNvSpPr/>
-          <p:nvPr/>
-        </p:nvSpPr>
-        <p:spPr>
-          <a:xfrm>
-            <a:off x="8892432" y="1870745"/>
-            <a:ext cx="224256" cy="209724"/>
-          </a:xfrm>
-          <a:prstGeom prst="rect">
-            <a:avLst/>
-          </a:prstGeom>
-          <a:solidFill>
-            <a:schemeClr val="bg1"/>
-          </a:solidFill>
-          <a:ln>
-            <a:solidFill>
-              <a:schemeClr val="tx1"/>
-            </a:solidFill>
-          </a:ln>
-        </p:spPr>
-        <p:style>
-          <a:lnRef idx="2">
-            <a:schemeClr val="accent1">
-              <a:shade val="50000"/>
-            </a:schemeClr>
-          </a:lnRef>
-          <a:fillRef idx="1">
-            <a:schemeClr val="accent1"/>
-          </a:fillRef>
-          <a:effectRef idx="0">
-            <a:schemeClr val="accent1"/>
-          </a:effectRef>
-          <a:fontRef idx="minor">
-            <a:schemeClr val="lt1"/>
-          </a:fontRef>
-        </p:style>
-        <p:txBody>
-          <a:bodyPr rtlCol="0" anchor="ctr"/>
-          <a:lstStyle/>
-          <a:p>
-            <a:pPr algn="ctr"/>
-            <a:endParaRPr lang="ko-KR" altLang="en-US" dirty="0"/>
-          </a:p>
-        </p:txBody>
-      </p:sp>
       <p:cxnSp>
         <p:nvCxnSpPr>
           <p:cNvPr id="49" name="직선 연결선 48">
@@ -15160,10 +14570,10 @@
       </p:cxnSp>
       <p:cxnSp>
         <p:nvCxnSpPr>
-          <p:cNvPr id="50" name="직선 화살표 연결선 49">
-            <a:extLst>
-              <a:ext uri="{FF2B5EF4-FFF2-40B4-BE49-F238E27FC236}">
-                <a16:creationId xmlns:a16="http://schemas.microsoft.com/office/drawing/2014/main" id="{C6189FF7-B2B4-4F58-A62C-4552AA855088}"/>
+          <p:cNvPr id="52" name="직선 화살표 연결선 51">
+            <a:extLst>
+              <a:ext uri="{FF2B5EF4-FFF2-40B4-BE49-F238E27FC236}">
+                <a16:creationId xmlns:a16="http://schemas.microsoft.com/office/drawing/2014/main" id="{6ADB57C1-71A6-460D-8130-56C2C112542B}"/>
               </a:ext>
             </a:extLst>
           </p:cNvPr>
@@ -15174,7 +14584,7 @@
         </p:nvCxnSpPr>
         <p:spPr>
           <a:xfrm>
-            <a:off x="9004560" y="1535185"/>
+            <a:off x="11116349" y="1535185"/>
             <a:ext cx="0" cy="461394"/>
           </a:xfrm>
           <a:prstGeom prst="straightConnector1">
@@ -15202,86 +14612,6 @@
           </a:fontRef>
         </p:style>
       </p:cxnSp>
-      <p:cxnSp>
-        <p:nvCxnSpPr>
-          <p:cNvPr id="52" name="직선 화살표 연결선 51">
-            <a:extLst>
-              <a:ext uri="{FF2B5EF4-FFF2-40B4-BE49-F238E27FC236}">
-                <a16:creationId xmlns:a16="http://schemas.microsoft.com/office/drawing/2014/main" id="{6ADB57C1-71A6-460D-8130-56C2C112542B}"/>
-              </a:ext>
-            </a:extLst>
-          </p:cNvPr>
-          <p:cNvCxnSpPr>
-            <a:cxnSpLocks/>
-          </p:cNvCxnSpPr>
-          <p:nvPr/>
-        </p:nvCxnSpPr>
-        <p:spPr>
-          <a:xfrm>
-            <a:off x="11116349" y="1535185"/>
-            <a:ext cx="0" cy="461394"/>
-          </a:xfrm>
-          <a:prstGeom prst="straightConnector1">
-            <a:avLst/>
-          </a:prstGeom>
-          <a:ln>
-            <a:solidFill>
-              <a:srgbClr val="FF0000"/>
-            </a:solidFill>
-            <a:tailEnd type="triangle"/>
-          </a:ln>
-        </p:spPr>
-        <p:style>
-          <a:lnRef idx="1">
-            <a:schemeClr val="accent2"/>
-          </a:lnRef>
-          <a:fillRef idx="0">
-            <a:schemeClr val="accent2"/>
-          </a:fillRef>
-          <a:effectRef idx="0">
-            <a:schemeClr val="accent2"/>
-          </a:effectRef>
-          <a:fontRef idx="minor">
-            <a:schemeClr val="tx1"/>
-          </a:fontRef>
-        </p:style>
-      </p:cxnSp>
-      <p:sp>
-        <p:nvSpPr>
-          <p:cNvPr id="53" name="TextBox 52">
-            <a:extLst>
-              <a:ext uri="{FF2B5EF4-FFF2-40B4-BE49-F238E27FC236}">
-                <a16:creationId xmlns:a16="http://schemas.microsoft.com/office/drawing/2014/main" id="{CDE1AA9D-8128-4666-8D15-1D04133230F9}"/>
-              </a:ext>
-            </a:extLst>
-          </p:cNvPr>
-          <p:cNvSpPr txBox="1"/>
-          <p:nvPr/>
-        </p:nvSpPr>
-        <p:spPr>
-          <a:xfrm>
-            <a:off x="8707491" y="1354305"/>
-            <a:ext cx="595618" cy="215444"/>
-          </a:xfrm>
-          <a:prstGeom prst="rect">
-            <a:avLst/>
-          </a:prstGeom>
-          <a:noFill/>
-        </p:spPr>
-        <p:txBody>
-          <a:bodyPr wrap="square" rtlCol="0">
-            <a:spAutoFit/>
-          </a:bodyPr>
-          <a:lstStyle/>
-          <a:p>
-            <a:r>
-              <a:rPr lang="ko-KR" altLang="en-US" sz="800" dirty="0" err="1"/>
-              <a:t>마이시터</a:t>
-            </a:r>
-            <a:endParaRPr lang="ko-KR" altLang="en-US" sz="800" dirty="0"/>
-          </a:p>
-        </p:txBody>
-      </p:sp>
       <p:sp>
         <p:nvSpPr>
           <p:cNvPr id="55" name="TextBox 54">
@@ -18503,60 +17833,6 @@
           </a:p>
         </p:txBody>
       </p:sp>
-      <p:sp>
-        <p:nvSpPr>
-          <p:cNvPr id="49" name="직사각형 48">
-            <a:extLst>
-              <a:ext uri="{FF2B5EF4-FFF2-40B4-BE49-F238E27FC236}">
-                <a16:creationId xmlns:a16="http://schemas.microsoft.com/office/drawing/2014/main" id="{D47A0DF5-CA84-4554-81E3-2D51D35F259C}"/>
-              </a:ext>
-            </a:extLst>
-          </p:cNvPr>
-          <p:cNvSpPr/>
-          <p:nvPr/>
-        </p:nvSpPr>
-        <p:spPr>
-          <a:xfrm>
-            <a:off x="8892432" y="1870745"/>
-            <a:ext cx="224256" cy="209724"/>
-          </a:xfrm>
-          <a:prstGeom prst="rect">
-            <a:avLst/>
-          </a:prstGeom>
-          <a:solidFill>
-            <a:schemeClr val="bg1"/>
-          </a:solidFill>
-          <a:ln>
-            <a:solidFill>
-              <a:schemeClr val="tx1"/>
-            </a:solidFill>
-          </a:ln>
-        </p:spPr>
-        <p:style>
-          <a:lnRef idx="2">
-            <a:schemeClr val="accent1">
-              <a:shade val="50000"/>
-            </a:schemeClr>
-          </a:lnRef>
-          <a:fillRef idx="1">
-            <a:schemeClr val="accent1"/>
-          </a:fillRef>
-          <a:effectRef idx="0">
-            <a:schemeClr val="accent1"/>
-          </a:effectRef>
-          <a:fontRef idx="minor">
-            <a:schemeClr val="lt1"/>
-          </a:fontRef>
-        </p:style>
-        <p:txBody>
-          <a:bodyPr rtlCol="0" anchor="ctr"/>
-          <a:lstStyle/>
-          <a:p>
-            <a:pPr algn="ctr"/>
-            <a:endParaRPr lang="ko-KR" altLang="en-US" dirty="0"/>
-          </a:p>
-        </p:txBody>
-      </p:sp>
       <p:cxnSp>
         <p:nvCxnSpPr>
           <p:cNvPr id="50" name="직선 연결선 49">
@@ -18600,10 +17876,10 @@
       </p:cxnSp>
       <p:cxnSp>
         <p:nvCxnSpPr>
-          <p:cNvPr id="51" name="직선 화살표 연결선 50">
-            <a:extLst>
-              <a:ext uri="{FF2B5EF4-FFF2-40B4-BE49-F238E27FC236}">
-                <a16:creationId xmlns:a16="http://schemas.microsoft.com/office/drawing/2014/main" id="{C6189FF7-B2B4-4F58-A62C-4552AA855088}"/>
+          <p:cNvPr id="53" name="직선 화살표 연결선 52">
+            <a:extLst>
+              <a:ext uri="{FF2B5EF4-FFF2-40B4-BE49-F238E27FC236}">
+                <a16:creationId xmlns:a16="http://schemas.microsoft.com/office/drawing/2014/main" id="{6ADB57C1-71A6-460D-8130-56C2C112542B}"/>
               </a:ext>
             </a:extLst>
           </p:cNvPr>
@@ -18614,7 +17890,7 @@
         </p:nvCxnSpPr>
         <p:spPr>
           <a:xfrm>
-            <a:off x="9004560" y="1535185"/>
+            <a:off x="11116349" y="1535185"/>
             <a:ext cx="0" cy="461394"/>
           </a:xfrm>
           <a:prstGeom prst="straightConnector1">
@@ -18642,86 +17918,6 @@
           </a:fontRef>
         </p:style>
       </p:cxnSp>
-      <p:cxnSp>
-        <p:nvCxnSpPr>
-          <p:cNvPr id="53" name="직선 화살표 연결선 52">
-            <a:extLst>
-              <a:ext uri="{FF2B5EF4-FFF2-40B4-BE49-F238E27FC236}">
-                <a16:creationId xmlns:a16="http://schemas.microsoft.com/office/drawing/2014/main" id="{6ADB57C1-71A6-460D-8130-56C2C112542B}"/>
-              </a:ext>
-            </a:extLst>
-          </p:cNvPr>
-          <p:cNvCxnSpPr>
-            <a:cxnSpLocks/>
-          </p:cNvCxnSpPr>
-          <p:nvPr/>
-        </p:nvCxnSpPr>
-        <p:spPr>
-          <a:xfrm>
-            <a:off x="11116349" y="1535185"/>
-            <a:ext cx="0" cy="461394"/>
-          </a:xfrm>
-          <a:prstGeom prst="straightConnector1">
-            <a:avLst/>
-          </a:prstGeom>
-          <a:ln>
-            <a:solidFill>
-              <a:srgbClr val="FF0000"/>
-            </a:solidFill>
-            <a:tailEnd type="triangle"/>
-          </a:ln>
-        </p:spPr>
-        <p:style>
-          <a:lnRef idx="1">
-            <a:schemeClr val="accent2"/>
-          </a:lnRef>
-          <a:fillRef idx="0">
-            <a:schemeClr val="accent2"/>
-          </a:fillRef>
-          <a:effectRef idx="0">
-            <a:schemeClr val="accent2"/>
-          </a:effectRef>
-          <a:fontRef idx="minor">
-            <a:schemeClr val="tx1"/>
-          </a:fontRef>
-        </p:style>
-      </p:cxnSp>
-      <p:sp>
-        <p:nvSpPr>
-          <p:cNvPr id="54" name="TextBox 53">
-            <a:extLst>
-              <a:ext uri="{FF2B5EF4-FFF2-40B4-BE49-F238E27FC236}">
-                <a16:creationId xmlns:a16="http://schemas.microsoft.com/office/drawing/2014/main" id="{CDE1AA9D-8128-4666-8D15-1D04133230F9}"/>
-              </a:ext>
-            </a:extLst>
-          </p:cNvPr>
-          <p:cNvSpPr txBox="1"/>
-          <p:nvPr/>
-        </p:nvSpPr>
-        <p:spPr>
-          <a:xfrm>
-            <a:off x="8707491" y="1354305"/>
-            <a:ext cx="595618" cy="215444"/>
-          </a:xfrm>
-          <a:prstGeom prst="rect">
-            <a:avLst/>
-          </a:prstGeom>
-          <a:noFill/>
-        </p:spPr>
-        <p:txBody>
-          <a:bodyPr wrap="square" rtlCol="0">
-            <a:spAutoFit/>
-          </a:bodyPr>
-          <a:lstStyle/>
-          <a:p>
-            <a:r>
-              <a:rPr lang="ko-KR" altLang="en-US" sz="800" dirty="0" err="1"/>
-              <a:t>마이시터</a:t>
-            </a:r>
-            <a:endParaRPr lang="ko-KR" altLang="en-US" sz="800" dirty="0"/>
-          </a:p>
-        </p:txBody>
-      </p:sp>
       <p:sp>
         <p:nvSpPr>
           <p:cNvPr id="56" name="TextBox 55">
@@ -20419,60 +19615,6 @@
           </a:p>
         </p:txBody>
       </p:sp>
-      <p:sp>
-        <p:nvSpPr>
-          <p:cNvPr id="49" name="직사각형 48">
-            <a:extLst>
-              <a:ext uri="{FF2B5EF4-FFF2-40B4-BE49-F238E27FC236}">
-                <a16:creationId xmlns:a16="http://schemas.microsoft.com/office/drawing/2014/main" id="{D47A0DF5-CA84-4554-81E3-2D51D35F259C}"/>
-              </a:ext>
-            </a:extLst>
-          </p:cNvPr>
-          <p:cNvSpPr/>
-          <p:nvPr/>
-        </p:nvSpPr>
-        <p:spPr>
-          <a:xfrm>
-            <a:off x="8892432" y="1870745"/>
-            <a:ext cx="224256" cy="209724"/>
-          </a:xfrm>
-          <a:prstGeom prst="rect">
-            <a:avLst/>
-          </a:prstGeom>
-          <a:solidFill>
-            <a:schemeClr val="bg1"/>
-          </a:solidFill>
-          <a:ln>
-            <a:solidFill>
-              <a:schemeClr val="tx1"/>
-            </a:solidFill>
-          </a:ln>
-        </p:spPr>
-        <p:style>
-          <a:lnRef idx="2">
-            <a:schemeClr val="accent1">
-              <a:shade val="50000"/>
-            </a:schemeClr>
-          </a:lnRef>
-          <a:fillRef idx="1">
-            <a:schemeClr val="accent1"/>
-          </a:fillRef>
-          <a:effectRef idx="0">
-            <a:schemeClr val="accent1"/>
-          </a:effectRef>
-          <a:fontRef idx="minor">
-            <a:schemeClr val="lt1"/>
-          </a:fontRef>
-        </p:style>
-        <p:txBody>
-          <a:bodyPr rtlCol="0" anchor="ctr"/>
-          <a:lstStyle/>
-          <a:p>
-            <a:pPr algn="ctr"/>
-            <a:endParaRPr lang="ko-KR" altLang="en-US" dirty="0"/>
-          </a:p>
-        </p:txBody>
-      </p:sp>
       <p:cxnSp>
         <p:nvCxnSpPr>
           <p:cNvPr id="50" name="직선 연결선 49">
@@ -20516,10 +19658,10 @@
       </p:cxnSp>
       <p:cxnSp>
         <p:nvCxnSpPr>
-          <p:cNvPr id="51" name="직선 화살표 연결선 50">
-            <a:extLst>
-              <a:ext uri="{FF2B5EF4-FFF2-40B4-BE49-F238E27FC236}">
-                <a16:creationId xmlns:a16="http://schemas.microsoft.com/office/drawing/2014/main" id="{C6189FF7-B2B4-4F58-A62C-4552AA855088}"/>
+          <p:cNvPr id="53" name="직선 화살표 연결선 52">
+            <a:extLst>
+              <a:ext uri="{FF2B5EF4-FFF2-40B4-BE49-F238E27FC236}">
+                <a16:creationId xmlns:a16="http://schemas.microsoft.com/office/drawing/2014/main" id="{6ADB57C1-71A6-460D-8130-56C2C112542B}"/>
               </a:ext>
             </a:extLst>
           </p:cNvPr>
@@ -20530,7 +19672,7 @@
         </p:nvCxnSpPr>
         <p:spPr>
           <a:xfrm>
-            <a:off x="9004560" y="1535185"/>
+            <a:off x="11116349" y="1535185"/>
             <a:ext cx="0" cy="461394"/>
           </a:xfrm>
           <a:prstGeom prst="straightConnector1">
@@ -20558,86 +19700,6 @@
           </a:fontRef>
         </p:style>
       </p:cxnSp>
-      <p:cxnSp>
-        <p:nvCxnSpPr>
-          <p:cNvPr id="53" name="직선 화살표 연결선 52">
-            <a:extLst>
-              <a:ext uri="{FF2B5EF4-FFF2-40B4-BE49-F238E27FC236}">
-                <a16:creationId xmlns:a16="http://schemas.microsoft.com/office/drawing/2014/main" id="{6ADB57C1-71A6-460D-8130-56C2C112542B}"/>
-              </a:ext>
-            </a:extLst>
-          </p:cNvPr>
-          <p:cNvCxnSpPr>
-            <a:cxnSpLocks/>
-          </p:cNvCxnSpPr>
-          <p:nvPr/>
-        </p:nvCxnSpPr>
-        <p:spPr>
-          <a:xfrm>
-            <a:off x="11116349" y="1535185"/>
-            <a:ext cx="0" cy="461394"/>
-          </a:xfrm>
-          <a:prstGeom prst="straightConnector1">
-            <a:avLst/>
-          </a:prstGeom>
-          <a:ln>
-            <a:solidFill>
-              <a:srgbClr val="FF0000"/>
-            </a:solidFill>
-            <a:tailEnd type="triangle"/>
-          </a:ln>
-        </p:spPr>
-        <p:style>
-          <a:lnRef idx="1">
-            <a:schemeClr val="accent2"/>
-          </a:lnRef>
-          <a:fillRef idx="0">
-            <a:schemeClr val="accent2"/>
-          </a:fillRef>
-          <a:effectRef idx="0">
-            <a:schemeClr val="accent2"/>
-          </a:effectRef>
-          <a:fontRef idx="minor">
-            <a:schemeClr val="tx1"/>
-          </a:fontRef>
-        </p:style>
-      </p:cxnSp>
-      <p:sp>
-        <p:nvSpPr>
-          <p:cNvPr id="54" name="TextBox 53">
-            <a:extLst>
-              <a:ext uri="{FF2B5EF4-FFF2-40B4-BE49-F238E27FC236}">
-                <a16:creationId xmlns:a16="http://schemas.microsoft.com/office/drawing/2014/main" id="{CDE1AA9D-8128-4666-8D15-1D04133230F9}"/>
-              </a:ext>
-            </a:extLst>
-          </p:cNvPr>
-          <p:cNvSpPr txBox="1"/>
-          <p:nvPr/>
-        </p:nvSpPr>
-        <p:spPr>
-          <a:xfrm>
-            <a:off x="8707491" y="1354305"/>
-            <a:ext cx="595618" cy="215444"/>
-          </a:xfrm>
-          <a:prstGeom prst="rect">
-            <a:avLst/>
-          </a:prstGeom>
-          <a:noFill/>
-        </p:spPr>
-        <p:txBody>
-          <a:bodyPr wrap="square" rtlCol="0">
-            <a:spAutoFit/>
-          </a:bodyPr>
-          <a:lstStyle/>
-          <a:p>
-            <a:r>
-              <a:rPr lang="ko-KR" altLang="en-US" sz="800" dirty="0" err="1"/>
-              <a:t>마이시터</a:t>
-            </a:r>
-            <a:endParaRPr lang="ko-KR" altLang="en-US" sz="800" dirty="0"/>
-          </a:p>
-        </p:txBody>
-      </p:sp>
       <p:sp>
         <p:nvSpPr>
           <p:cNvPr id="56" name="TextBox 55">
@@ -22030,60 +21092,6 @@
           </a:p>
         </p:txBody>
       </p:sp>
-      <p:sp>
-        <p:nvSpPr>
-          <p:cNvPr id="49" name="직사각형 48">
-            <a:extLst>
-              <a:ext uri="{FF2B5EF4-FFF2-40B4-BE49-F238E27FC236}">
-                <a16:creationId xmlns:a16="http://schemas.microsoft.com/office/drawing/2014/main" id="{D47A0DF5-CA84-4554-81E3-2D51D35F259C}"/>
-              </a:ext>
-            </a:extLst>
-          </p:cNvPr>
-          <p:cNvSpPr/>
-          <p:nvPr/>
-        </p:nvSpPr>
-        <p:spPr>
-          <a:xfrm>
-            <a:off x="8892432" y="1870745"/>
-            <a:ext cx="224256" cy="209724"/>
-          </a:xfrm>
-          <a:prstGeom prst="rect">
-            <a:avLst/>
-          </a:prstGeom>
-          <a:solidFill>
-            <a:schemeClr val="bg1"/>
-          </a:solidFill>
-          <a:ln>
-            <a:solidFill>
-              <a:schemeClr val="tx1"/>
-            </a:solidFill>
-          </a:ln>
-        </p:spPr>
-        <p:style>
-          <a:lnRef idx="2">
-            <a:schemeClr val="accent1">
-              <a:shade val="50000"/>
-            </a:schemeClr>
-          </a:lnRef>
-          <a:fillRef idx="1">
-            <a:schemeClr val="accent1"/>
-          </a:fillRef>
-          <a:effectRef idx="0">
-            <a:schemeClr val="accent1"/>
-          </a:effectRef>
-          <a:fontRef idx="minor">
-            <a:schemeClr val="lt1"/>
-          </a:fontRef>
-        </p:style>
-        <p:txBody>
-          <a:bodyPr rtlCol="0" anchor="ctr"/>
-          <a:lstStyle/>
-          <a:p>
-            <a:pPr algn="ctr"/>
-            <a:endParaRPr lang="ko-KR" altLang="en-US" dirty="0"/>
-          </a:p>
-        </p:txBody>
-      </p:sp>
       <p:cxnSp>
         <p:nvCxnSpPr>
           <p:cNvPr id="50" name="직선 연결선 49">
@@ -22127,10 +21135,10 @@
       </p:cxnSp>
       <p:cxnSp>
         <p:nvCxnSpPr>
-          <p:cNvPr id="51" name="직선 화살표 연결선 50">
-            <a:extLst>
-              <a:ext uri="{FF2B5EF4-FFF2-40B4-BE49-F238E27FC236}">
-                <a16:creationId xmlns:a16="http://schemas.microsoft.com/office/drawing/2014/main" id="{C6189FF7-B2B4-4F58-A62C-4552AA855088}"/>
+          <p:cNvPr id="53" name="직선 화살표 연결선 52">
+            <a:extLst>
+              <a:ext uri="{FF2B5EF4-FFF2-40B4-BE49-F238E27FC236}">
+                <a16:creationId xmlns:a16="http://schemas.microsoft.com/office/drawing/2014/main" id="{6ADB57C1-71A6-460D-8130-56C2C112542B}"/>
               </a:ext>
             </a:extLst>
           </p:cNvPr>
@@ -22141,7 +21149,7 @@
         </p:nvCxnSpPr>
         <p:spPr>
           <a:xfrm>
-            <a:off x="9004560" y="1535185"/>
+            <a:off x="11116349" y="1535185"/>
             <a:ext cx="0" cy="461394"/>
           </a:xfrm>
           <a:prstGeom prst="straightConnector1">
@@ -22169,86 +21177,6 @@
           </a:fontRef>
         </p:style>
       </p:cxnSp>
-      <p:cxnSp>
-        <p:nvCxnSpPr>
-          <p:cNvPr id="53" name="직선 화살표 연결선 52">
-            <a:extLst>
-              <a:ext uri="{FF2B5EF4-FFF2-40B4-BE49-F238E27FC236}">
-                <a16:creationId xmlns:a16="http://schemas.microsoft.com/office/drawing/2014/main" id="{6ADB57C1-71A6-460D-8130-56C2C112542B}"/>
-              </a:ext>
-            </a:extLst>
-          </p:cNvPr>
-          <p:cNvCxnSpPr>
-            <a:cxnSpLocks/>
-          </p:cNvCxnSpPr>
-          <p:nvPr/>
-        </p:nvCxnSpPr>
-        <p:spPr>
-          <a:xfrm>
-            <a:off x="11116349" y="1535185"/>
-            <a:ext cx="0" cy="461394"/>
-          </a:xfrm>
-          <a:prstGeom prst="straightConnector1">
-            <a:avLst/>
-          </a:prstGeom>
-          <a:ln>
-            <a:solidFill>
-              <a:srgbClr val="FF0000"/>
-            </a:solidFill>
-            <a:tailEnd type="triangle"/>
-          </a:ln>
-        </p:spPr>
-        <p:style>
-          <a:lnRef idx="1">
-            <a:schemeClr val="accent2"/>
-          </a:lnRef>
-          <a:fillRef idx="0">
-            <a:schemeClr val="accent2"/>
-          </a:fillRef>
-          <a:effectRef idx="0">
-            <a:schemeClr val="accent2"/>
-          </a:effectRef>
-          <a:fontRef idx="minor">
-            <a:schemeClr val="tx1"/>
-          </a:fontRef>
-        </p:style>
-      </p:cxnSp>
-      <p:sp>
-        <p:nvSpPr>
-          <p:cNvPr id="54" name="TextBox 53">
-            <a:extLst>
-              <a:ext uri="{FF2B5EF4-FFF2-40B4-BE49-F238E27FC236}">
-                <a16:creationId xmlns:a16="http://schemas.microsoft.com/office/drawing/2014/main" id="{CDE1AA9D-8128-4666-8D15-1D04133230F9}"/>
-              </a:ext>
-            </a:extLst>
-          </p:cNvPr>
-          <p:cNvSpPr txBox="1"/>
-          <p:nvPr/>
-        </p:nvSpPr>
-        <p:spPr>
-          <a:xfrm>
-            <a:off x="8707491" y="1354305"/>
-            <a:ext cx="595618" cy="215444"/>
-          </a:xfrm>
-          <a:prstGeom prst="rect">
-            <a:avLst/>
-          </a:prstGeom>
-          <a:noFill/>
-        </p:spPr>
-        <p:txBody>
-          <a:bodyPr wrap="square" rtlCol="0">
-            <a:spAutoFit/>
-          </a:bodyPr>
-          <a:lstStyle/>
-          <a:p>
-            <a:r>
-              <a:rPr lang="ko-KR" altLang="en-US" sz="800" dirty="0" err="1"/>
-              <a:t>마이시터</a:t>
-            </a:r>
-            <a:endParaRPr lang="ko-KR" altLang="en-US" sz="800" dirty="0"/>
-          </a:p>
-        </p:txBody>
-      </p:sp>
       <p:sp>
         <p:nvSpPr>
           <p:cNvPr id="56" name="TextBox 55">
@@ -23543,60 +22471,6 @@
           </a:p>
         </p:txBody>
       </p:sp>
-      <p:sp>
-        <p:nvSpPr>
-          <p:cNvPr id="49" name="직사각형 48">
-            <a:extLst>
-              <a:ext uri="{FF2B5EF4-FFF2-40B4-BE49-F238E27FC236}">
-                <a16:creationId xmlns:a16="http://schemas.microsoft.com/office/drawing/2014/main" id="{D47A0DF5-CA84-4554-81E3-2D51D35F259C}"/>
-              </a:ext>
-            </a:extLst>
-          </p:cNvPr>
-          <p:cNvSpPr/>
-          <p:nvPr/>
-        </p:nvSpPr>
-        <p:spPr>
-          <a:xfrm>
-            <a:off x="8892432" y="1870745"/>
-            <a:ext cx="224256" cy="209724"/>
-          </a:xfrm>
-          <a:prstGeom prst="rect">
-            <a:avLst/>
-          </a:prstGeom>
-          <a:solidFill>
-            <a:schemeClr val="bg1"/>
-          </a:solidFill>
-          <a:ln>
-            <a:solidFill>
-              <a:schemeClr val="tx1"/>
-            </a:solidFill>
-          </a:ln>
-        </p:spPr>
-        <p:style>
-          <a:lnRef idx="2">
-            <a:schemeClr val="accent1">
-              <a:shade val="50000"/>
-            </a:schemeClr>
-          </a:lnRef>
-          <a:fillRef idx="1">
-            <a:schemeClr val="accent1"/>
-          </a:fillRef>
-          <a:effectRef idx="0">
-            <a:schemeClr val="accent1"/>
-          </a:effectRef>
-          <a:fontRef idx="minor">
-            <a:schemeClr val="lt1"/>
-          </a:fontRef>
-        </p:style>
-        <p:txBody>
-          <a:bodyPr rtlCol="0" anchor="ctr"/>
-          <a:lstStyle/>
-          <a:p>
-            <a:pPr algn="ctr"/>
-            <a:endParaRPr lang="ko-KR" altLang="en-US" dirty="0"/>
-          </a:p>
-        </p:txBody>
-      </p:sp>
       <p:cxnSp>
         <p:nvCxnSpPr>
           <p:cNvPr id="50" name="직선 연결선 49">
@@ -23640,10 +22514,10 @@
       </p:cxnSp>
       <p:cxnSp>
         <p:nvCxnSpPr>
-          <p:cNvPr id="51" name="직선 화살표 연결선 50">
-            <a:extLst>
-              <a:ext uri="{FF2B5EF4-FFF2-40B4-BE49-F238E27FC236}">
-                <a16:creationId xmlns:a16="http://schemas.microsoft.com/office/drawing/2014/main" id="{C6189FF7-B2B4-4F58-A62C-4552AA855088}"/>
+          <p:cNvPr id="53" name="직선 화살표 연결선 52">
+            <a:extLst>
+              <a:ext uri="{FF2B5EF4-FFF2-40B4-BE49-F238E27FC236}">
+                <a16:creationId xmlns:a16="http://schemas.microsoft.com/office/drawing/2014/main" id="{6ADB57C1-71A6-460D-8130-56C2C112542B}"/>
               </a:ext>
             </a:extLst>
           </p:cNvPr>
@@ -23654,7 +22528,7 @@
         </p:nvCxnSpPr>
         <p:spPr>
           <a:xfrm>
-            <a:off x="9004560" y="1535185"/>
+            <a:off x="11116349" y="1535185"/>
             <a:ext cx="0" cy="461394"/>
           </a:xfrm>
           <a:prstGeom prst="straightConnector1">
@@ -23682,86 +22556,6 @@
           </a:fontRef>
         </p:style>
       </p:cxnSp>
-      <p:cxnSp>
-        <p:nvCxnSpPr>
-          <p:cNvPr id="53" name="직선 화살표 연결선 52">
-            <a:extLst>
-              <a:ext uri="{FF2B5EF4-FFF2-40B4-BE49-F238E27FC236}">
-                <a16:creationId xmlns:a16="http://schemas.microsoft.com/office/drawing/2014/main" id="{6ADB57C1-71A6-460D-8130-56C2C112542B}"/>
-              </a:ext>
-            </a:extLst>
-          </p:cNvPr>
-          <p:cNvCxnSpPr>
-            <a:cxnSpLocks/>
-          </p:cNvCxnSpPr>
-          <p:nvPr/>
-        </p:nvCxnSpPr>
-        <p:spPr>
-          <a:xfrm>
-            <a:off x="11116349" y="1535185"/>
-            <a:ext cx="0" cy="461394"/>
-          </a:xfrm>
-          <a:prstGeom prst="straightConnector1">
-            <a:avLst/>
-          </a:prstGeom>
-          <a:ln>
-            <a:solidFill>
-              <a:srgbClr val="FF0000"/>
-            </a:solidFill>
-            <a:tailEnd type="triangle"/>
-          </a:ln>
-        </p:spPr>
-        <p:style>
-          <a:lnRef idx="1">
-            <a:schemeClr val="accent2"/>
-          </a:lnRef>
-          <a:fillRef idx="0">
-            <a:schemeClr val="accent2"/>
-          </a:fillRef>
-          <a:effectRef idx="0">
-            <a:schemeClr val="accent2"/>
-          </a:effectRef>
-          <a:fontRef idx="minor">
-            <a:schemeClr val="tx1"/>
-          </a:fontRef>
-        </p:style>
-      </p:cxnSp>
-      <p:sp>
-        <p:nvSpPr>
-          <p:cNvPr id="54" name="TextBox 53">
-            <a:extLst>
-              <a:ext uri="{FF2B5EF4-FFF2-40B4-BE49-F238E27FC236}">
-                <a16:creationId xmlns:a16="http://schemas.microsoft.com/office/drawing/2014/main" id="{CDE1AA9D-8128-4666-8D15-1D04133230F9}"/>
-              </a:ext>
-            </a:extLst>
-          </p:cNvPr>
-          <p:cNvSpPr txBox="1"/>
-          <p:nvPr/>
-        </p:nvSpPr>
-        <p:spPr>
-          <a:xfrm>
-            <a:off x="8707491" y="1354305"/>
-            <a:ext cx="595618" cy="215444"/>
-          </a:xfrm>
-          <a:prstGeom prst="rect">
-            <a:avLst/>
-          </a:prstGeom>
-          <a:noFill/>
-        </p:spPr>
-        <p:txBody>
-          <a:bodyPr wrap="square" rtlCol="0">
-            <a:spAutoFit/>
-          </a:bodyPr>
-          <a:lstStyle/>
-          <a:p>
-            <a:r>
-              <a:rPr lang="ko-KR" altLang="en-US" sz="800" dirty="0" err="1"/>
-              <a:t>마이시터</a:t>
-            </a:r>
-            <a:endParaRPr lang="ko-KR" altLang="en-US" sz="800" dirty="0"/>
-          </a:p>
-        </p:txBody>
-      </p:sp>
       <p:sp>
         <p:nvSpPr>
           <p:cNvPr id="56" name="TextBox 55">
@@ -26404,60 +25198,6 @@
           </a:p>
         </p:txBody>
       </p:sp>
-      <p:sp>
-        <p:nvSpPr>
-          <p:cNvPr id="63" name="직사각형 62">
-            <a:extLst>
-              <a:ext uri="{FF2B5EF4-FFF2-40B4-BE49-F238E27FC236}">
-                <a16:creationId xmlns:a16="http://schemas.microsoft.com/office/drawing/2014/main" id="{D47A0DF5-CA84-4554-81E3-2D51D35F259C}"/>
-              </a:ext>
-            </a:extLst>
-          </p:cNvPr>
-          <p:cNvSpPr/>
-          <p:nvPr/>
-        </p:nvSpPr>
-        <p:spPr>
-          <a:xfrm>
-            <a:off x="8892432" y="1870745"/>
-            <a:ext cx="224256" cy="209724"/>
-          </a:xfrm>
-          <a:prstGeom prst="rect">
-            <a:avLst/>
-          </a:prstGeom>
-          <a:solidFill>
-            <a:schemeClr val="bg1"/>
-          </a:solidFill>
-          <a:ln>
-            <a:solidFill>
-              <a:schemeClr val="tx1"/>
-            </a:solidFill>
-          </a:ln>
-        </p:spPr>
-        <p:style>
-          <a:lnRef idx="2">
-            <a:schemeClr val="accent1">
-              <a:shade val="50000"/>
-            </a:schemeClr>
-          </a:lnRef>
-          <a:fillRef idx="1">
-            <a:schemeClr val="accent1"/>
-          </a:fillRef>
-          <a:effectRef idx="0">
-            <a:schemeClr val="accent1"/>
-          </a:effectRef>
-          <a:fontRef idx="minor">
-            <a:schemeClr val="lt1"/>
-          </a:fontRef>
-        </p:style>
-        <p:txBody>
-          <a:bodyPr rtlCol="0" anchor="ctr"/>
-          <a:lstStyle/>
-          <a:p>
-            <a:pPr algn="ctr"/>
-            <a:endParaRPr lang="ko-KR" altLang="en-US" dirty="0"/>
-          </a:p>
-        </p:txBody>
-      </p:sp>
       <p:cxnSp>
         <p:nvCxnSpPr>
           <p:cNvPr id="64" name="직선 연결선 63">
@@ -26501,10 +25241,10 @@
       </p:cxnSp>
       <p:cxnSp>
         <p:nvCxnSpPr>
-          <p:cNvPr id="65" name="직선 화살표 연결선 64">
-            <a:extLst>
-              <a:ext uri="{FF2B5EF4-FFF2-40B4-BE49-F238E27FC236}">
-                <a16:creationId xmlns:a16="http://schemas.microsoft.com/office/drawing/2014/main" id="{C6189FF7-B2B4-4F58-A62C-4552AA855088}"/>
+          <p:cNvPr id="68" name="직선 화살표 연결선 67">
+            <a:extLst>
+              <a:ext uri="{FF2B5EF4-FFF2-40B4-BE49-F238E27FC236}">
+                <a16:creationId xmlns:a16="http://schemas.microsoft.com/office/drawing/2014/main" id="{6ADB57C1-71A6-460D-8130-56C2C112542B}"/>
               </a:ext>
             </a:extLst>
           </p:cNvPr>
@@ -26515,7 +25255,7 @@
         </p:nvCxnSpPr>
         <p:spPr>
           <a:xfrm>
-            <a:off x="9004560" y="1535185"/>
+            <a:off x="11116349" y="1535185"/>
             <a:ext cx="0" cy="461394"/>
           </a:xfrm>
           <a:prstGeom prst="straightConnector1">
@@ -26543,86 +25283,6 @@
           </a:fontRef>
         </p:style>
       </p:cxnSp>
-      <p:cxnSp>
-        <p:nvCxnSpPr>
-          <p:cNvPr id="68" name="직선 화살표 연결선 67">
-            <a:extLst>
-              <a:ext uri="{FF2B5EF4-FFF2-40B4-BE49-F238E27FC236}">
-                <a16:creationId xmlns:a16="http://schemas.microsoft.com/office/drawing/2014/main" id="{6ADB57C1-71A6-460D-8130-56C2C112542B}"/>
-              </a:ext>
-            </a:extLst>
-          </p:cNvPr>
-          <p:cNvCxnSpPr>
-            <a:cxnSpLocks/>
-          </p:cNvCxnSpPr>
-          <p:nvPr/>
-        </p:nvCxnSpPr>
-        <p:spPr>
-          <a:xfrm>
-            <a:off x="11116349" y="1535185"/>
-            <a:ext cx="0" cy="461394"/>
-          </a:xfrm>
-          <a:prstGeom prst="straightConnector1">
-            <a:avLst/>
-          </a:prstGeom>
-          <a:ln>
-            <a:solidFill>
-              <a:srgbClr val="FF0000"/>
-            </a:solidFill>
-            <a:tailEnd type="triangle"/>
-          </a:ln>
-        </p:spPr>
-        <p:style>
-          <a:lnRef idx="1">
-            <a:schemeClr val="accent2"/>
-          </a:lnRef>
-          <a:fillRef idx="0">
-            <a:schemeClr val="accent2"/>
-          </a:fillRef>
-          <a:effectRef idx="0">
-            <a:schemeClr val="accent2"/>
-          </a:effectRef>
-          <a:fontRef idx="minor">
-            <a:schemeClr val="tx1"/>
-          </a:fontRef>
-        </p:style>
-      </p:cxnSp>
-      <p:sp>
-        <p:nvSpPr>
-          <p:cNvPr id="69" name="TextBox 68">
-            <a:extLst>
-              <a:ext uri="{FF2B5EF4-FFF2-40B4-BE49-F238E27FC236}">
-                <a16:creationId xmlns:a16="http://schemas.microsoft.com/office/drawing/2014/main" id="{CDE1AA9D-8128-4666-8D15-1D04133230F9}"/>
-              </a:ext>
-            </a:extLst>
-          </p:cNvPr>
-          <p:cNvSpPr txBox="1"/>
-          <p:nvPr/>
-        </p:nvSpPr>
-        <p:spPr>
-          <a:xfrm>
-            <a:off x="8707491" y="1354305"/>
-            <a:ext cx="595618" cy="215444"/>
-          </a:xfrm>
-          <a:prstGeom prst="rect">
-            <a:avLst/>
-          </a:prstGeom>
-          <a:noFill/>
-        </p:spPr>
-        <p:txBody>
-          <a:bodyPr wrap="square" rtlCol="0">
-            <a:spAutoFit/>
-          </a:bodyPr>
-          <a:lstStyle/>
-          <a:p>
-            <a:r>
-              <a:rPr lang="ko-KR" altLang="en-US" sz="800" dirty="0" err="1"/>
-              <a:t>마이시터</a:t>
-            </a:r>
-            <a:endParaRPr lang="ko-KR" altLang="en-US" sz="800" dirty="0"/>
-          </a:p>
-        </p:txBody>
-      </p:sp>
       <p:sp>
         <p:nvSpPr>
           <p:cNvPr id="74" name="TextBox 73">
@@ -31723,60 +30383,6 @@
           </a:p>
         </p:txBody>
       </p:sp>
-      <p:sp>
-        <p:nvSpPr>
-          <p:cNvPr id="99" name="직사각형 98">
-            <a:extLst>
-              <a:ext uri="{FF2B5EF4-FFF2-40B4-BE49-F238E27FC236}">
-                <a16:creationId xmlns:a16="http://schemas.microsoft.com/office/drawing/2014/main" id="{D99B9B96-CD8D-4C0D-A26D-7B04DAF50A6D}"/>
-              </a:ext>
-            </a:extLst>
-          </p:cNvPr>
-          <p:cNvSpPr/>
-          <p:nvPr/>
-        </p:nvSpPr>
-        <p:spPr>
-          <a:xfrm>
-            <a:off x="8892432" y="1870745"/>
-            <a:ext cx="224256" cy="209724"/>
-          </a:xfrm>
-          <a:prstGeom prst="rect">
-            <a:avLst/>
-          </a:prstGeom>
-          <a:solidFill>
-            <a:schemeClr val="bg1"/>
-          </a:solidFill>
-          <a:ln>
-            <a:solidFill>
-              <a:schemeClr val="tx1"/>
-            </a:solidFill>
-          </a:ln>
-        </p:spPr>
-        <p:style>
-          <a:lnRef idx="2">
-            <a:schemeClr val="accent1">
-              <a:shade val="50000"/>
-            </a:schemeClr>
-          </a:lnRef>
-          <a:fillRef idx="1">
-            <a:schemeClr val="accent1"/>
-          </a:fillRef>
-          <a:effectRef idx="0">
-            <a:schemeClr val="accent1"/>
-          </a:effectRef>
-          <a:fontRef idx="minor">
-            <a:schemeClr val="lt1"/>
-          </a:fontRef>
-        </p:style>
-        <p:txBody>
-          <a:bodyPr rtlCol="0" anchor="ctr"/>
-          <a:lstStyle/>
-          <a:p>
-            <a:pPr algn="ctr"/>
-            <a:endParaRPr lang="ko-KR" altLang="en-US" dirty="0"/>
-          </a:p>
-        </p:txBody>
-      </p:sp>
       <p:cxnSp>
         <p:nvCxnSpPr>
           <p:cNvPr id="100" name="직선 연결선 99">
@@ -31820,10 +30426,10 @@
       </p:cxnSp>
       <p:cxnSp>
         <p:nvCxnSpPr>
-          <p:cNvPr id="101" name="직선 화살표 연결선 100">
-            <a:extLst>
-              <a:ext uri="{FF2B5EF4-FFF2-40B4-BE49-F238E27FC236}">
-                <a16:creationId xmlns:a16="http://schemas.microsoft.com/office/drawing/2014/main" id="{C404C273-60E7-4604-B5DF-9E448516670A}"/>
+          <p:cNvPr id="103" name="직선 화살표 연결선 102">
+            <a:extLst>
+              <a:ext uri="{FF2B5EF4-FFF2-40B4-BE49-F238E27FC236}">
+                <a16:creationId xmlns:a16="http://schemas.microsoft.com/office/drawing/2014/main" id="{FB961EBB-AE5A-402D-812D-32755B9430E4}"/>
               </a:ext>
             </a:extLst>
           </p:cNvPr>
@@ -31834,7 +30440,7 @@
         </p:nvCxnSpPr>
         <p:spPr>
           <a:xfrm>
-            <a:off x="9004560" y="1535185"/>
+            <a:off x="11116349" y="1535185"/>
             <a:ext cx="0" cy="461394"/>
           </a:xfrm>
           <a:prstGeom prst="straightConnector1">
@@ -31862,86 +30468,6 @@
           </a:fontRef>
         </p:style>
       </p:cxnSp>
-      <p:cxnSp>
-        <p:nvCxnSpPr>
-          <p:cNvPr id="103" name="직선 화살표 연결선 102">
-            <a:extLst>
-              <a:ext uri="{FF2B5EF4-FFF2-40B4-BE49-F238E27FC236}">
-                <a16:creationId xmlns:a16="http://schemas.microsoft.com/office/drawing/2014/main" id="{FB961EBB-AE5A-402D-812D-32755B9430E4}"/>
-              </a:ext>
-            </a:extLst>
-          </p:cNvPr>
-          <p:cNvCxnSpPr>
-            <a:cxnSpLocks/>
-          </p:cNvCxnSpPr>
-          <p:nvPr/>
-        </p:nvCxnSpPr>
-        <p:spPr>
-          <a:xfrm>
-            <a:off x="11116349" y="1535185"/>
-            <a:ext cx="0" cy="461394"/>
-          </a:xfrm>
-          <a:prstGeom prst="straightConnector1">
-            <a:avLst/>
-          </a:prstGeom>
-          <a:ln>
-            <a:solidFill>
-              <a:srgbClr val="FF0000"/>
-            </a:solidFill>
-            <a:tailEnd type="triangle"/>
-          </a:ln>
-        </p:spPr>
-        <p:style>
-          <a:lnRef idx="1">
-            <a:schemeClr val="accent2"/>
-          </a:lnRef>
-          <a:fillRef idx="0">
-            <a:schemeClr val="accent2"/>
-          </a:fillRef>
-          <a:effectRef idx="0">
-            <a:schemeClr val="accent2"/>
-          </a:effectRef>
-          <a:fontRef idx="minor">
-            <a:schemeClr val="tx1"/>
-          </a:fontRef>
-        </p:style>
-      </p:cxnSp>
-      <p:sp>
-        <p:nvSpPr>
-          <p:cNvPr id="104" name="TextBox 103">
-            <a:extLst>
-              <a:ext uri="{FF2B5EF4-FFF2-40B4-BE49-F238E27FC236}">
-                <a16:creationId xmlns:a16="http://schemas.microsoft.com/office/drawing/2014/main" id="{C39FEEDC-6320-4585-9D08-995881D24269}"/>
-              </a:ext>
-            </a:extLst>
-          </p:cNvPr>
-          <p:cNvSpPr txBox="1"/>
-          <p:nvPr/>
-        </p:nvSpPr>
-        <p:spPr>
-          <a:xfrm>
-            <a:off x="8707491" y="1354305"/>
-            <a:ext cx="595618" cy="215444"/>
-          </a:xfrm>
-          <a:prstGeom prst="rect">
-            <a:avLst/>
-          </a:prstGeom>
-          <a:noFill/>
-        </p:spPr>
-        <p:txBody>
-          <a:bodyPr wrap="square" rtlCol="0">
-            <a:spAutoFit/>
-          </a:bodyPr>
-          <a:lstStyle/>
-          <a:p>
-            <a:r>
-              <a:rPr lang="ko-KR" altLang="en-US" sz="800" dirty="0" err="1"/>
-              <a:t>마이시터</a:t>
-            </a:r>
-            <a:endParaRPr lang="ko-KR" altLang="en-US" sz="800" dirty="0"/>
-          </a:p>
-        </p:txBody>
-      </p:sp>
       <p:sp>
         <p:nvSpPr>
           <p:cNvPr id="106" name="TextBox 105">
@@ -35260,60 +33786,6 @@
           </a:p>
         </p:txBody>
       </p:sp>
-      <p:sp>
-        <p:nvSpPr>
-          <p:cNvPr id="99" name="직사각형 98">
-            <a:extLst>
-              <a:ext uri="{FF2B5EF4-FFF2-40B4-BE49-F238E27FC236}">
-                <a16:creationId xmlns:a16="http://schemas.microsoft.com/office/drawing/2014/main" id="{D99B9B96-CD8D-4C0D-A26D-7B04DAF50A6D}"/>
-              </a:ext>
-            </a:extLst>
-          </p:cNvPr>
-          <p:cNvSpPr/>
-          <p:nvPr/>
-        </p:nvSpPr>
-        <p:spPr>
-          <a:xfrm>
-            <a:off x="8892432" y="1870745"/>
-            <a:ext cx="224256" cy="209724"/>
-          </a:xfrm>
-          <a:prstGeom prst="rect">
-            <a:avLst/>
-          </a:prstGeom>
-          <a:solidFill>
-            <a:schemeClr val="bg1"/>
-          </a:solidFill>
-          <a:ln>
-            <a:solidFill>
-              <a:schemeClr val="tx1"/>
-            </a:solidFill>
-          </a:ln>
-        </p:spPr>
-        <p:style>
-          <a:lnRef idx="2">
-            <a:schemeClr val="accent1">
-              <a:shade val="50000"/>
-            </a:schemeClr>
-          </a:lnRef>
-          <a:fillRef idx="1">
-            <a:schemeClr val="accent1"/>
-          </a:fillRef>
-          <a:effectRef idx="0">
-            <a:schemeClr val="accent1"/>
-          </a:effectRef>
-          <a:fontRef idx="minor">
-            <a:schemeClr val="lt1"/>
-          </a:fontRef>
-        </p:style>
-        <p:txBody>
-          <a:bodyPr rtlCol="0" anchor="ctr"/>
-          <a:lstStyle/>
-          <a:p>
-            <a:pPr algn="ctr"/>
-            <a:endParaRPr lang="ko-KR" altLang="en-US" dirty="0"/>
-          </a:p>
-        </p:txBody>
-      </p:sp>
       <p:cxnSp>
         <p:nvCxnSpPr>
           <p:cNvPr id="100" name="직선 연결선 99">
@@ -35357,10 +33829,10 @@
       </p:cxnSp>
       <p:cxnSp>
         <p:nvCxnSpPr>
-          <p:cNvPr id="101" name="직선 화살표 연결선 100">
-            <a:extLst>
-              <a:ext uri="{FF2B5EF4-FFF2-40B4-BE49-F238E27FC236}">
-                <a16:creationId xmlns:a16="http://schemas.microsoft.com/office/drawing/2014/main" id="{C404C273-60E7-4604-B5DF-9E448516670A}"/>
+          <p:cNvPr id="103" name="직선 화살표 연결선 102">
+            <a:extLst>
+              <a:ext uri="{FF2B5EF4-FFF2-40B4-BE49-F238E27FC236}">
+                <a16:creationId xmlns:a16="http://schemas.microsoft.com/office/drawing/2014/main" id="{FB961EBB-AE5A-402D-812D-32755B9430E4}"/>
               </a:ext>
             </a:extLst>
           </p:cNvPr>
@@ -35371,7 +33843,7 @@
         </p:nvCxnSpPr>
         <p:spPr>
           <a:xfrm>
-            <a:off x="9004560" y="1535185"/>
+            <a:off x="11116349" y="1535185"/>
             <a:ext cx="0" cy="461394"/>
           </a:xfrm>
           <a:prstGeom prst="straightConnector1">
@@ -35399,86 +33871,6 @@
           </a:fontRef>
         </p:style>
       </p:cxnSp>
-      <p:cxnSp>
-        <p:nvCxnSpPr>
-          <p:cNvPr id="103" name="직선 화살표 연결선 102">
-            <a:extLst>
-              <a:ext uri="{FF2B5EF4-FFF2-40B4-BE49-F238E27FC236}">
-                <a16:creationId xmlns:a16="http://schemas.microsoft.com/office/drawing/2014/main" id="{FB961EBB-AE5A-402D-812D-32755B9430E4}"/>
-              </a:ext>
-            </a:extLst>
-          </p:cNvPr>
-          <p:cNvCxnSpPr>
-            <a:cxnSpLocks/>
-          </p:cNvCxnSpPr>
-          <p:nvPr/>
-        </p:nvCxnSpPr>
-        <p:spPr>
-          <a:xfrm>
-            <a:off x="11116349" y="1535185"/>
-            <a:ext cx="0" cy="461394"/>
-          </a:xfrm>
-          <a:prstGeom prst="straightConnector1">
-            <a:avLst/>
-          </a:prstGeom>
-          <a:ln>
-            <a:solidFill>
-              <a:srgbClr val="FF0000"/>
-            </a:solidFill>
-            <a:tailEnd type="triangle"/>
-          </a:ln>
-        </p:spPr>
-        <p:style>
-          <a:lnRef idx="1">
-            <a:schemeClr val="accent2"/>
-          </a:lnRef>
-          <a:fillRef idx="0">
-            <a:schemeClr val="accent2"/>
-          </a:fillRef>
-          <a:effectRef idx="0">
-            <a:schemeClr val="accent2"/>
-          </a:effectRef>
-          <a:fontRef idx="minor">
-            <a:schemeClr val="tx1"/>
-          </a:fontRef>
-        </p:style>
-      </p:cxnSp>
-      <p:sp>
-        <p:nvSpPr>
-          <p:cNvPr id="104" name="TextBox 103">
-            <a:extLst>
-              <a:ext uri="{FF2B5EF4-FFF2-40B4-BE49-F238E27FC236}">
-                <a16:creationId xmlns:a16="http://schemas.microsoft.com/office/drawing/2014/main" id="{C39FEEDC-6320-4585-9D08-995881D24269}"/>
-              </a:ext>
-            </a:extLst>
-          </p:cNvPr>
-          <p:cNvSpPr txBox="1"/>
-          <p:nvPr/>
-        </p:nvSpPr>
-        <p:spPr>
-          <a:xfrm>
-            <a:off x="8707491" y="1354305"/>
-            <a:ext cx="595618" cy="215444"/>
-          </a:xfrm>
-          <a:prstGeom prst="rect">
-            <a:avLst/>
-          </a:prstGeom>
-          <a:noFill/>
-        </p:spPr>
-        <p:txBody>
-          <a:bodyPr wrap="square" rtlCol="0">
-            <a:spAutoFit/>
-          </a:bodyPr>
-          <a:lstStyle/>
-          <a:p>
-            <a:r>
-              <a:rPr lang="ko-KR" altLang="en-US" sz="800" dirty="0" err="1"/>
-              <a:t>마이시터</a:t>
-            </a:r>
-            <a:endParaRPr lang="ko-KR" altLang="en-US" sz="800" dirty="0"/>
-          </a:p>
-        </p:txBody>
-      </p:sp>
       <p:sp>
         <p:nvSpPr>
           <p:cNvPr id="106" name="TextBox 105">
@@ -38285,60 +36677,6 @@
           </a:p>
         </p:txBody>
       </p:sp>
-      <p:sp>
-        <p:nvSpPr>
-          <p:cNvPr id="22" name="직사각형 21">
-            <a:extLst>
-              <a:ext uri="{FF2B5EF4-FFF2-40B4-BE49-F238E27FC236}">
-                <a16:creationId xmlns:a16="http://schemas.microsoft.com/office/drawing/2014/main" id="{892F0DBC-1117-4EAA-86BB-26CE2C76561B}"/>
-              </a:ext>
-            </a:extLst>
-          </p:cNvPr>
-          <p:cNvSpPr/>
-          <p:nvPr/>
-        </p:nvSpPr>
-        <p:spPr>
-          <a:xfrm>
-            <a:off x="8892432" y="1870745"/>
-            <a:ext cx="224256" cy="209724"/>
-          </a:xfrm>
-          <a:prstGeom prst="rect">
-            <a:avLst/>
-          </a:prstGeom>
-          <a:solidFill>
-            <a:schemeClr val="bg1"/>
-          </a:solidFill>
-          <a:ln>
-            <a:solidFill>
-              <a:schemeClr val="tx1"/>
-            </a:solidFill>
-          </a:ln>
-        </p:spPr>
-        <p:style>
-          <a:lnRef idx="2">
-            <a:schemeClr val="accent1">
-              <a:shade val="50000"/>
-            </a:schemeClr>
-          </a:lnRef>
-          <a:fillRef idx="1">
-            <a:schemeClr val="accent1"/>
-          </a:fillRef>
-          <a:effectRef idx="0">
-            <a:schemeClr val="accent1"/>
-          </a:effectRef>
-          <a:fontRef idx="minor">
-            <a:schemeClr val="lt1"/>
-          </a:fontRef>
-        </p:style>
-        <p:txBody>
-          <a:bodyPr rtlCol="0" anchor="ctr"/>
-          <a:lstStyle/>
-          <a:p>
-            <a:pPr algn="ctr"/>
-            <a:endParaRPr lang="ko-KR" altLang="en-US" dirty="0"/>
-          </a:p>
-        </p:txBody>
-      </p:sp>
       <p:cxnSp>
         <p:nvCxnSpPr>
           <p:cNvPr id="23" name="직선 연결선 22">
@@ -38382,10 +36720,10 @@
       </p:cxnSp>
       <p:cxnSp>
         <p:nvCxnSpPr>
-          <p:cNvPr id="24" name="직선 화살표 연결선 23">
-            <a:extLst>
-              <a:ext uri="{FF2B5EF4-FFF2-40B4-BE49-F238E27FC236}">
-                <a16:creationId xmlns:a16="http://schemas.microsoft.com/office/drawing/2014/main" id="{0E44D55F-C448-4F0A-BB40-41F95F3EA149}"/>
+          <p:cNvPr id="25" name="직선 화살표 연결선 24">
+            <a:extLst>
+              <a:ext uri="{FF2B5EF4-FFF2-40B4-BE49-F238E27FC236}">
+                <a16:creationId xmlns:a16="http://schemas.microsoft.com/office/drawing/2014/main" id="{BA7FF0E2-8AC3-4718-883F-47EBE2A0252A}"/>
               </a:ext>
             </a:extLst>
           </p:cNvPr>
@@ -38396,7 +36734,7 @@
         </p:nvCxnSpPr>
         <p:spPr>
           <a:xfrm>
-            <a:off x="9004560" y="1535185"/>
+            <a:off x="11116349" y="1535185"/>
             <a:ext cx="0" cy="461394"/>
           </a:xfrm>
           <a:prstGeom prst="straightConnector1">
@@ -38424,86 +36762,6 @@
           </a:fontRef>
         </p:style>
       </p:cxnSp>
-      <p:cxnSp>
-        <p:nvCxnSpPr>
-          <p:cNvPr id="25" name="직선 화살표 연결선 24">
-            <a:extLst>
-              <a:ext uri="{FF2B5EF4-FFF2-40B4-BE49-F238E27FC236}">
-                <a16:creationId xmlns:a16="http://schemas.microsoft.com/office/drawing/2014/main" id="{BA7FF0E2-8AC3-4718-883F-47EBE2A0252A}"/>
-              </a:ext>
-            </a:extLst>
-          </p:cNvPr>
-          <p:cNvCxnSpPr>
-            <a:cxnSpLocks/>
-          </p:cNvCxnSpPr>
-          <p:nvPr/>
-        </p:nvCxnSpPr>
-        <p:spPr>
-          <a:xfrm>
-            <a:off x="11116349" y="1535185"/>
-            <a:ext cx="0" cy="461394"/>
-          </a:xfrm>
-          <a:prstGeom prst="straightConnector1">
-            <a:avLst/>
-          </a:prstGeom>
-          <a:ln>
-            <a:solidFill>
-              <a:srgbClr val="FF0000"/>
-            </a:solidFill>
-            <a:tailEnd type="triangle"/>
-          </a:ln>
-        </p:spPr>
-        <p:style>
-          <a:lnRef idx="1">
-            <a:schemeClr val="accent2"/>
-          </a:lnRef>
-          <a:fillRef idx="0">
-            <a:schemeClr val="accent2"/>
-          </a:fillRef>
-          <a:effectRef idx="0">
-            <a:schemeClr val="accent2"/>
-          </a:effectRef>
-          <a:fontRef idx="minor">
-            <a:schemeClr val="tx1"/>
-          </a:fontRef>
-        </p:style>
-      </p:cxnSp>
-      <p:sp>
-        <p:nvSpPr>
-          <p:cNvPr id="26" name="TextBox 25">
-            <a:extLst>
-              <a:ext uri="{FF2B5EF4-FFF2-40B4-BE49-F238E27FC236}">
-                <a16:creationId xmlns:a16="http://schemas.microsoft.com/office/drawing/2014/main" id="{EAF9F1DE-7877-498A-975D-0C0DF7371FED}"/>
-              </a:ext>
-            </a:extLst>
-          </p:cNvPr>
-          <p:cNvSpPr txBox="1"/>
-          <p:nvPr/>
-        </p:nvSpPr>
-        <p:spPr>
-          <a:xfrm>
-            <a:off x="8707491" y="1354305"/>
-            <a:ext cx="595618" cy="215444"/>
-          </a:xfrm>
-          <a:prstGeom prst="rect">
-            <a:avLst/>
-          </a:prstGeom>
-          <a:noFill/>
-        </p:spPr>
-        <p:txBody>
-          <a:bodyPr wrap="square" rtlCol="0">
-            <a:spAutoFit/>
-          </a:bodyPr>
-          <a:lstStyle/>
-          <a:p>
-            <a:r>
-              <a:rPr lang="ko-KR" altLang="en-US" sz="800" dirty="0" err="1"/>
-              <a:t>마이시터</a:t>
-            </a:r>
-            <a:endParaRPr lang="ko-KR" altLang="en-US" sz="800" dirty="0"/>
-          </a:p>
-        </p:txBody>
-      </p:sp>
       <p:sp>
         <p:nvSpPr>
           <p:cNvPr id="27" name="TextBox 26">
@@ -41102,60 +39360,6 @@
           </a:p>
         </p:txBody>
       </p:sp>
-      <p:sp>
-        <p:nvSpPr>
-          <p:cNvPr id="22" name="직사각형 21">
-            <a:extLst>
-              <a:ext uri="{FF2B5EF4-FFF2-40B4-BE49-F238E27FC236}">
-                <a16:creationId xmlns:a16="http://schemas.microsoft.com/office/drawing/2014/main" id="{892F0DBC-1117-4EAA-86BB-26CE2C76561B}"/>
-              </a:ext>
-            </a:extLst>
-          </p:cNvPr>
-          <p:cNvSpPr/>
-          <p:nvPr/>
-        </p:nvSpPr>
-        <p:spPr>
-          <a:xfrm>
-            <a:off x="8892432" y="1870745"/>
-            <a:ext cx="224256" cy="209724"/>
-          </a:xfrm>
-          <a:prstGeom prst="rect">
-            <a:avLst/>
-          </a:prstGeom>
-          <a:solidFill>
-            <a:schemeClr val="bg1"/>
-          </a:solidFill>
-          <a:ln>
-            <a:solidFill>
-              <a:schemeClr val="tx1"/>
-            </a:solidFill>
-          </a:ln>
-        </p:spPr>
-        <p:style>
-          <a:lnRef idx="2">
-            <a:schemeClr val="accent1">
-              <a:shade val="50000"/>
-            </a:schemeClr>
-          </a:lnRef>
-          <a:fillRef idx="1">
-            <a:schemeClr val="accent1"/>
-          </a:fillRef>
-          <a:effectRef idx="0">
-            <a:schemeClr val="accent1"/>
-          </a:effectRef>
-          <a:fontRef idx="minor">
-            <a:schemeClr val="lt1"/>
-          </a:fontRef>
-        </p:style>
-        <p:txBody>
-          <a:bodyPr rtlCol="0" anchor="ctr"/>
-          <a:lstStyle/>
-          <a:p>
-            <a:pPr algn="ctr"/>
-            <a:endParaRPr lang="ko-KR" altLang="en-US" dirty="0"/>
-          </a:p>
-        </p:txBody>
-      </p:sp>
       <p:cxnSp>
         <p:nvCxnSpPr>
           <p:cNvPr id="23" name="직선 연결선 22">
@@ -41199,10 +39403,10 @@
       </p:cxnSp>
       <p:cxnSp>
         <p:nvCxnSpPr>
-          <p:cNvPr id="24" name="직선 화살표 연결선 23">
-            <a:extLst>
-              <a:ext uri="{FF2B5EF4-FFF2-40B4-BE49-F238E27FC236}">
-                <a16:creationId xmlns:a16="http://schemas.microsoft.com/office/drawing/2014/main" id="{0E44D55F-C448-4F0A-BB40-41F95F3EA149}"/>
+          <p:cNvPr id="25" name="직선 화살표 연결선 24">
+            <a:extLst>
+              <a:ext uri="{FF2B5EF4-FFF2-40B4-BE49-F238E27FC236}">
+                <a16:creationId xmlns:a16="http://schemas.microsoft.com/office/drawing/2014/main" id="{BA7FF0E2-8AC3-4718-883F-47EBE2A0252A}"/>
               </a:ext>
             </a:extLst>
           </p:cNvPr>
@@ -41213,7 +39417,7 @@
         </p:nvCxnSpPr>
         <p:spPr>
           <a:xfrm>
-            <a:off x="9004560" y="1535185"/>
+            <a:off x="11116349" y="1535185"/>
             <a:ext cx="0" cy="461394"/>
           </a:xfrm>
           <a:prstGeom prst="straightConnector1">
@@ -41241,86 +39445,6 @@
           </a:fontRef>
         </p:style>
       </p:cxnSp>
-      <p:cxnSp>
-        <p:nvCxnSpPr>
-          <p:cNvPr id="25" name="직선 화살표 연결선 24">
-            <a:extLst>
-              <a:ext uri="{FF2B5EF4-FFF2-40B4-BE49-F238E27FC236}">
-                <a16:creationId xmlns:a16="http://schemas.microsoft.com/office/drawing/2014/main" id="{BA7FF0E2-8AC3-4718-883F-47EBE2A0252A}"/>
-              </a:ext>
-            </a:extLst>
-          </p:cNvPr>
-          <p:cNvCxnSpPr>
-            <a:cxnSpLocks/>
-          </p:cNvCxnSpPr>
-          <p:nvPr/>
-        </p:nvCxnSpPr>
-        <p:spPr>
-          <a:xfrm>
-            <a:off x="11116349" y="1535185"/>
-            <a:ext cx="0" cy="461394"/>
-          </a:xfrm>
-          <a:prstGeom prst="straightConnector1">
-            <a:avLst/>
-          </a:prstGeom>
-          <a:ln>
-            <a:solidFill>
-              <a:srgbClr val="FF0000"/>
-            </a:solidFill>
-            <a:tailEnd type="triangle"/>
-          </a:ln>
-        </p:spPr>
-        <p:style>
-          <a:lnRef idx="1">
-            <a:schemeClr val="accent2"/>
-          </a:lnRef>
-          <a:fillRef idx="0">
-            <a:schemeClr val="accent2"/>
-          </a:fillRef>
-          <a:effectRef idx="0">
-            <a:schemeClr val="accent2"/>
-          </a:effectRef>
-          <a:fontRef idx="minor">
-            <a:schemeClr val="tx1"/>
-          </a:fontRef>
-        </p:style>
-      </p:cxnSp>
-      <p:sp>
-        <p:nvSpPr>
-          <p:cNvPr id="26" name="TextBox 25">
-            <a:extLst>
-              <a:ext uri="{FF2B5EF4-FFF2-40B4-BE49-F238E27FC236}">
-                <a16:creationId xmlns:a16="http://schemas.microsoft.com/office/drawing/2014/main" id="{EAF9F1DE-7877-498A-975D-0C0DF7371FED}"/>
-              </a:ext>
-            </a:extLst>
-          </p:cNvPr>
-          <p:cNvSpPr txBox="1"/>
-          <p:nvPr/>
-        </p:nvSpPr>
-        <p:spPr>
-          <a:xfrm>
-            <a:off x="8707491" y="1354305"/>
-            <a:ext cx="595618" cy="215444"/>
-          </a:xfrm>
-          <a:prstGeom prst="rect">
-            <a:avLst/>
-          </a:prstGeom>
-          <a:noFill/>
-        </p:spPr>
-        <p:txBody>
-          <a:bodyPr wrap="square" rtlCol="0">
-            <a:spAutoFit/>
-          </a:bodyPr>
-          <a:lstStyle/>
-          <a:p>
-            <a:r>
-              <a:rPr lang="ko-KR" altLang="en-US" sz="800" dirty="0" err="1"/>
-              <a:t>마이시터</a:t>
-            </a:r>
-            <a:endParaRPr lang="ko-KR" altLang="en-US" sz="800" dirty="0"/>
-          </a:p>
-        </p:txBody>
-      </p:sp>
       <p:sp>
         <p:nvSpPr>
           <p:cNvPr id="27" name="TextBox 26">
@@ -48866,60 +46990,6 @@
           </a:p>
         </p:txBody>
       </p:sp>
-      <p:sp>
-        <p:nvSpPr>
-          <p:cNvPr id="28" name="직사각형 27">
-            <a:extLst>
-              <a:ext uri="{FF2B5EF4-FFF2-40B4-BE49-F238E27FC236}">
-                <a16:creationId xmlns:a16="http://schemas.microsoft.com/office/drawing/2014/main" id="{F1734FCF-A892-42EC-BAAC-E35AFBD3558F}"/>
-              </a:ext>
-            </a:extLst>
-          </p:cNvPr>
-          <p:cNvSpPr/>
-          <p:nvPr/>
-        </p:nvSpPr>
-        <p:spPr>
-          <a:xfrm>
-            <a:off x="8892432" y="1870745"/>
-            <a:ext cx="224256" cy="209724"/>
-          </a:xfrm>
-          <a:prstGeom prst="rect">
-            <a:avLst/>
-          </a:prstGeom>
-          <a:solidFill>
-            <a:schemeClr val="bg1"/>
-          </a:solidFill>
-          <a:ln>
-            <a:solidFill>
-              <a:schemeClr val="tx1"/>
-            </a:solidFill>
-          </a:ln>
-        </p:spPr>
-        <p:style>
-          <a:lnRef idx="2">
-            <a:schemeClr val="accent1">
-              <a:shade val="50000"/>
-            </a:schemeClr>
-          </a:lnRef>
-          <a:fillRef idx="1">
-            <a:schemeClr val="accent1"/>
-          </a:fillRef>
-          <a:effectRef idx="0">
-            <a:schemeClr val="accent1"/>
-          </a:effectRef>
-          <a:fontRef idx="minor">
-            <a:schemeClr val="lt1"/>
-          </a:fontRef>
-        </p:style>
-        <p:txBody>
-          <a:bodyPr rtlCol="0" anchor="ctr"/>
-          <a:lstStyle/>
-          <a:p>
-            <a:pPr algn="ctr"/>
-            <a:endParaRPr lang="ko-KR" altLang="en-US" dirty="0"/>
-          </a:p>
-        </p:txBody>
-      </p:sp>
       <p:cxnSp>
         <p:nvCxnSpPr>
           <p:cNvPr id="29" name="직선 연결선 28">
@@ -49004,10 +47074,10 @@
       </p:cxnSp>
       <p:cxnSp>
         <p:nvCxnSpPr>
-          <p:cNvPr id="33" name="직선 화살표 연결선 32">
-            <a:extLst>
-              <a:ext uri="{FF2B5EF4-FFF2-40B4-BE49-F238E27FC236}">
-                <a16:creationId xmlns:a16="http://schemas.microsoft.com/office/drawing/2014/main" id="{29802ADF-D8C0-4311-A75E-8A007AEFD69E}"/>
+          <p:cNvPr id="36" name="직선 화살표 연결선 35">
+            <a:extLst>
+              <a:ext uri="{FF2B5EF4-FFF2-40B4-BE49-F238E27FC236}">
+                <a16:creationId xmlns:a16="http://schemas.microsoft.com/office/drawing/2014/main" id="{1F146DDA-651E-4694-A5B9-0D7B06168C1C}"/>
               </a:ext>
             </a:extLst>
           </p:cNvPr>
@@ -49018,7 +47088,7 @@
         </p:nvCxnSpPr>
         <p:spPr>
           <a:xfrm>
-            <a:off x="9004560" y="1535185"/>
+            <a:off x="11116349" y="1535185"/>
             <a:ext cx="0" cy="461394"/>
           </a:xfrm>
           <a:prstGeom prst="straightConnector1">
@@ -49046,86 +47116,6 @@
           </a:fontRef>
         </p:style>
       </p:cxnSp>
-      <p:cxnSp>
-        <p:nvCxnSpPr>
-          <p:cNvPr id="36" name="직선 화살표 연결선 35">
-            <a:extLst>
-              <a:ext uri="{FF2B5EF4-FFF2-40B4-BE49-F238E27FC236}">
-                <a16:creationId xmlns:a16="http://schemas.microsoft.com/office/drawing/2014/main" id="{1F146DDA-651E-4694-A5B9-0D7B06168C1C}"/>
-              </a:ext>
-            </a:extLst>
-          </p:cNvPr>
-          <p:cNvCxnSpPr>
-            <a:cxnSpLocks/>
-          </p:cNvCxnSpPr>
-          <p:nvPr/>
-        </p:nvCxnSpPr>
-        <p:spPr>
-          <a:xfrm>
-            <a:off x="11116349" y="1535185"/>
-            <a:ext cx="0" cy="461394"/>
-          </a:xfrm>
-          <a:prstGeom prst="straightConnector1">
-            <a:avLst/>
-          </a:prstGeom>
-          <a:ln>
-            <a:solidFill>
-              <a:srgbClr val="FF0000"/>
-            </a:solidFill>
-            <a:tailEnd type="triangle"/>
-          </a:ln>
-        </p:spPr>
-        <p:style>
-          <a:lnRef idx="1">
-            <a:schemeClr val="accent2"/>
-          </a:lnRef>
-          <a:fillRef idx="0">
-            <a:schemeClr val="accent2"/>
-          </a:fillRef>
-          <a:effectRef idx="0">
-            <a:schemeClr val="accent2"/>
-          </a:effectRef>
-          <a:fontRef idx="minor">
-            <a:schemeClr val="tx1"/>
-          </a:fontRef>
-        </p:style>
-      </p:cxnSp>
-      <p:sp>
-        <p:nvSpPr>
-          <p:cNvPr id="37" name="TextBox 36">
-            <a:extLst>
-              <a:ext uri="{FF2B5EF4-FFF2-40B4-BE49-F238E27FC236}">
-                <a16:creationId xmlns:a16="http://schemas.microsoft.com/office/drawing/2014/main" id="{9F5D061B-46C2-4A90-88EC-99BDC6C829BA}"/>
-              </a:ext>
-            </a:extLst>
-          </p:cNvPr>
-          <p:cNvSpPr txBox="1"/>
-          <p:nvPr/>
-        </p:nvSpPr>
-        <p:spPr>
-          <a:xfrm>
-            <a:off x="8707491" y="1354305"/>
-            <a:ext cx="595618" cy="215444"/>
-          </a:xfrm>
-          <a:prstGeom prst="rect">
-            <a:avLst/>
-          </a:prstGeom>
-          <a:noFill/>
-        </p:spPr>
-        <p:txBody>
-          <a:bodyPr wrap="square" rtlCol="0">
-            <a:spAutoFit/>
-          </a:bodyPr>
-          <a:lstStyle/>
-          <a:p>
-            <a:r>
-              <a:rPr lang="ko-KR" altLang="en-US" sz="800" dirty="0" err="1"/>
-              <a:t>마이시터</a:t>
-            </a:r>
-            <a:endParaRPr lang="ko-KR" altLang="en-US" sz="800" dirty="0"/>
-          </a:p>
-        </p:txBody>
-      </p:sp>
       <p:sp>
         <p:nvSpPr>
           <p:cNvPr id="38" name="TextBox 37">
@@ -51945,60 +49935,6 @@
           </a:p>
         </p:txBody>
       </p:sp>
-      <p:sp>
-        <p:nvSpPr>
-          <p:cNvPr id="51" name="직사각형 50">
-            <a:extLst>
-              <a:ext uri="{FF2B5EF4-FFF2-40B4-BE49-F238E27FC236}">
-                <a16:creationId xmlns:a16="http://schemas.microsoft.com/office/drawing/2014/main" id="{D47A0DF5-CA84-4554-81E3-2D51D35F259C}"/>
-              </a:ext>
-            </a:extLst>
-          </p:cNvPr>
-          <p:cNvSpPr/>
-          <p:nvPr/>
-        </p:nvSpPr>
-        <p:spPr>
-          <a:xfrm>
-            <a:off x="8892432" y="1870745"/>
-            <a:ext cx="224256" cy="209724"/>
-          </a:xfrm>
-          <a:prstGeom prst="rect">
-            <a:avLst/>
-          </a:prstGeom>
-          <a:solidFill>
-            <a:schemeClr val="bg1"/>
-          </a:solidFill>
-          <a:ln>
-            <a:solidFill>
-              <a:schemeClr val="tx1"/>
-            </a:solidFill>
-          </a:ln>
-        </p:spPr>
-        <p:style>
-          <a:lnRef idx="2">
-            <a:schemeClr val="accent1">
-              <a:shade val="50000"/>
-            </a:schemeClr>
-          </a:lnRef>
-          <a:fillRef idx="1">
-            <a:schemeClr val="accent1"/>
-          </a:fillRef>
-          <a:effectRef idx="0">
-            <a:schemeClr val="accent1"/>
-          </a:effectRef>
-          <a:fontRef idx="minor">
-            <a:schemeClr val="lt1"/>
-          </a:fontRef>
-        </p:style>
-        <p:txBody>
-          <a:bodyPr rtlCol="0" anchor="ctr"/>
-          <a:lstStyle/>
-          <a:p>
-            <a:pPr algn="ctr"/>
-            <a:endParaRPr lang="ko-KR" altLang="en-US" dirty="0"/>
-          </a:p>
-        </p:txBody>
-      </p:sp>
       <p:cxnSp>
         <p:nvCxnSpPr>
           <p:cNvPr id="52" name="직선 연결선 51">
@@ -52042,10 +49978,10 @@
       </p:cxnSp>
       <p:cxnSp>
         <p:nvCxnSpPr>
-          <p:cNvPr id="53" name="직선 화살표 연결선 52">
-            <a:extLst>
-              <a:ext uri="{FF2B5EF4-FFF2-40B4-BE49-F238E27FC236}">
-                <a16:creationId xmlns:a16="http://schemas.microsoft.com/office/drawing/2014/main" id="{C6189FF7-B2B4-4F58-A62C-4552AA855088}"/>
+          <p:cNvPr id="55" name="직선 화살표 연결선 54">
+            <a:extLst>
+              <a:ext uri="{FF2B5EF4-FFF2-40B4-BE49-F238E27FC236}">
+                <a16:creationId xmlns:a16="http://schemas.microsoft.com/office/drawing/2014/main" id="{6ADB57C1-71A6-460D-8130-56C2C112542B}"/>
               </a:ext>
             </a:extLst>
           </p:cNvPr>
@@ -52056,7 +49992,7 @@
         </p:nvCxnSpPr>
         <p:spPr>
           <a:xfrm>
-            <a:off x="9004560" y="1535185"/>
+            <a:off x="11116349" y="1535185"/>
             <a:ext cx="0" cy="461394"/>
           </a:xfrm>
           <a:prstGeom prst="straightConnector1">
@@ -52084,86 +50020,6 @@
           </a:fontRef>
         </p:style>
       </p:cxnSp>
-      <p:cxnSp>
-        <p:nvCxnSpPr>
-          <p:cNvPr id="55" name="직선 화살표 연결선 54">
-            <a:extLst>
-              <a:ext uri="{FF2B5EF4-FFF2-40B4-BE49-F238E27FC236}">
-                <a16:creationId xmlns:a16="http://schemas.microsoft.com/office/drawing/2014/main" id="{6ADB57C1-71A6-460D-8130-56C2C112542B}"/>
-              </a:ext>
-            </a:extLst>
-          </p:cNvPr>
-          <p:cNvCxnSpPr>
-            <a:cxnSpLocks/>
-          </p:cNvCxnSpPr>
-          <p:nvPr/>
-        </p:nvCxnSpPr>
-        <p:spPr>
-          <a:xfrm>
-            <a:off x="11116349" y="1535185"/>
-            <a:ext cx="0" cy="461394"/>
-          </a:xfrm>
-          <a:prstGeom prst="straightConnector1">
-            <a:avLst/>
-          </a:prstGeom>
-          <a:ln>
-            <a:solidFill>
-              <a:srgbClr val="FF0000"/>
-            </a:solidFill>
-            <a:tailEnd type="triangle"/>
-          </a:ln>
-        </p:spPr>
-        <p:style>
-          <a:lnRef idx="1">
-            <a:schemeClr val="accent2"/>
-          </a:lnRef>
-          <a:fillRef idx="0">
-            <a:schemeClr val="accent2"/>
-          </a:fillRef>
-          <a:effectRef idx="0">
-            <a:schemeClr val="accent2"/>
-          </a:effectRef>
-          <a:fontRef idx="minor">
-            <a:schemeClr val="tx1"/>
-          </a:fontRef>
-        </p:style>
-      </p:cxnSp>
-      <p:sp>
-        <p:nvSpPr>
-          <p:cNvPr id="56" name="TextBox 55">
-            <a:extLst>
-              <a:ext uri="{FF2B5EF4-FFF2-40B4-BE49-F238E27FC236}">
-                <a16:creationId xmlns:a16="http://schemas.microsoft.com/office/drawing/2014/main" id="{CDE1AA9D-8128-4666-8D15-1D04133230F9}"/>
-              </a:ext>
-            </a:extLst>
-          </p:cNvPr>
-          <p:cNvSpPr txBox="1"/>
-          <p:nvPr/>
-        </p:nvSpPr>
-        <p:spPr>
-          <a:xfrm>
-            <a:off x="8707491" y="1354305"/>
-            <a:ext cx="595618" cy="215444"/>
-          </a:xfrm>
-          <a:prstGeom prst="rect">
-            <a:avLst/>
-          </a:prstGeom>
-          <a:noFill/>
-        </p:spPr>
-        <p:txBody>
-          <a:bodyPr wrap="square" rtlCol="0">
-            <a:spAutoFit/>
-          </a:bodyPr>
-          <a:lstStyle/>
-          <a:p>
-            <a:r>
-              <a:rPr lang="ko-KR" altLang="en-US" sz="800" dirty="0" err="1"/>
-              <a:t>마이시터</a:t>
-            </a:r>
-            <a:endParaRPr lang="ko-KR" altLang="en-US" sz="800" dirty="0"/>
-          </a:p>
-        </p:txBody>
-      </p:sp>
       <p:sp>
         <p:nvSpPr>
           <p:cNvPr id="58" name="TextBox 57">
